--- a/Document/UI/서버 UI.pptx
+++ b/Document/UI/서버 UI.pptx
@@ -110,6 +110,11 @@
       </a:defRPr>
     </a:lvl9pPr>
   </p:defaultTextStyle>
+  <p:extLst>
+    <p:ext uri="{EFAFB233-063F-42B5-8137-9DF3F51BA10A}">
+      <p15:sldGuideLst xmlns:p15="http://schemas.microsoft.com/office/powerpoint/2012/main"/>
+    </p:ext>
+  </p:extLst>
 </p:presentation>
 </file>
 
@@ -1475,35 +1480,35 @@
           <a:p>
             <a:pPr lvl="0"/>
             <a:r>
-              <a:rPr lang="ko-KR" altLang="en-US"/>
+              <a:rPr lang="ko-KR" altLang="en-US" dirty="0"/>
               <a:t>마스터 텍스트 스타일을 편집하려면 클릭</a:t>
             </a:r>
           </a:p>
           <a:p>
             <a:pPr lvl="1"/>
             <a:r>
-              <a:rPr lang="ko-KR" altLang="en-US"/>
+              <a:rPr lang="ko-KR" altLang="en-US" dirty="0"/>
               <a:t>두 번째 수준</a:t>
             </a:r>
           </a:p>
           <a:p>
             <a:pPr lvl="2"/>
             <a:r>
-              <a:rPr lang="ko-KR" altLang="en-US"/>
+              <a:rPr lang="ko-KR" altLang="en-US" dirty="0"/>
               <a:t>세 번째 수준</a:t>
             </a:r>
           </a:p>
           <a:p>
             <a:pPr lvl="3"/>
             <a:r>
-              <a:rPr lang="ko-KR" altLang="en-US"/>
+              <a:rPr lang="ko-KR" altLang="en-US" dirty="0"/>
               <a:t>네 번째 수준</a:t>
             </a:r>
           </a:p>
           <a:p>
             <a:pPr lvl="4"/>
             <a:r>
-              <a:rPr lang="ko-KR" altLang="en-US"/>
+              <a:rPr lang="ko-KR" altLang="en-US" dirty="0"/>
               <a:t>다섯 번째 수준</a:t>
             </a:r>
           </a:p>
@@ -1576,6 +1581,288 @@
               <a:rPr lang="ko-KR" altLang="en-US" dirty="0"/>
               <a:t>슬라이드 부제목</a:t>
             </a:r>
+          </a:p>
+        </p:txBody>
+      </p:sp>
+      <p:sp>
+        <p:nvSpPr>
+          <p:cNvPr id="8" name="텍스트 개체 틀 7">
+            <a:extLst>
+              <a:ext uri="{FF2B5EF4-FFF2-40B4-BE49-F238E27FC236}">
+                <a16:creationId xmlns:a16="http://schemas.microsoft.com/office/drawing/2014/main" id="{556D03D8-4F24-4C32-A8DC-BC8F44F2A839}"/>
+              </a:ext>
+            </a:extLst>
+          </p:cNvPr>
+          <p:cNvSpPr>
+            <a:spLocks noGrp="1"/>
+          </p:cNvSpPr>
+          <p:nvPr>
+            <p:ph type="body" sz="quarter" idx="14" hasCustomPrompt="1"/>
+          </p:nvPr>
+        </p:nvSpPr>
+        <p:spPr>
+          <a:xfrm>
+            <a:off x="137363" y="1112508"/>
+            <a:ext cx="1256180" cy="312826"/>
+          </a:xfrm>
+        </p:spPr>
+        <p:txBody>
+          <a:bodyPr>
+            <a:normAutofit/>
+          </a:bodyPr>
+          <a:lstStyle>
+            <a:lvl1pPr marL="0" indent="0" algn="ctr">
+              <a:buNone/>
+              <a:defRPr sz="1600"/>
+            </a:lvl1pPr>
+          </a:lstStyle>
+          <a:p>
+            <a:pPr lvl="0"/>
+            <a:r>
+              <a:rPr lang="ko-KR" altLang="en-US"/>
+              <a:t>소제목</a:t>
+            </a:r>
+            <a:endParaRPr lang="ko-KR" altLang="en-US" dirty="0"/>
+          </a:p>
+        </p:txBody>
+      </p:sp>
+      <p:sp>
+        <p:nvSpPr>
+          <p:cNvPr id="10" name="직사각형 9">
+            <a:extLst>
+              <a:ext uri="{FF2B5EF4-FFF2-40B4-BE49-F238E27FC236}">
+                <a16:creationId xmlns:a16="http://schemas.microsoft.com/office/drawing/2014/main" id="{1E771BBD-9045-4827-9285-E84B86925001}"/>
+              </a:ext>
+            </a:extLst>
+          </p:cNvPr>
+          <p:cNvSpPr/>
+          <p:nvPr userDrawn="1"/>
+        </p:nvSpPr>
+        <p:spPr>
+          <a:xfrm>
+            <a:off x="1466814" y="1017917"/>
+            <a:ext cx="26386" cy="436322"/>
+          </a:xfrm>
+          <a:prstGeom prst="rect">
+            <a:avLst/>
+          </a:prstGeom>
+          <a:solidFill>
+            <a:schemeClr val="tx1"/>
+          </a:solidFill>
+          <a:ln>
+            <a:noFill/>
+          </a:ln>
+        </p:spPr>
+        <p:style>
+          <a:lnRef idx="2">
+            <a:schemeClr val="accent1">
+              <a:shade val="50000"/>
+            </a:schemeClr>
+          </a:lnRef>
+          <a:fillRef idx="1">
+            <a:schemeClr val="accent1"/>
+          </a:fillRef>
+          <a:effectRef idx="0">
+            <a:schemeClr val="accent1"/>
+          </a:effectRef>
+          <a:fontRef idx="minor">
+            <a:schemeClr val="lt1"/>
+          </a:fontRef>
+        </p:style>
+        <p:txBody>
+          <a:bodyPr rtlCol="0" anchor="ctr"/>
+          <a:lstStyle/>
+          <a:p>
+            <a:pPr algn="ctr"/>
+            <a:endParaRPr lang="ko-KR" altLang="en-US"/>
+          </a:p>
+        </p:txBody>
+      </p:sp>
+      <p:sp>
+        <p:nvSpPr>
+          <p:cNvPr id="11" name="텍스트 개체 틀 7">
+            <a:extLst>
+              <a:ext uri="{FF2B5EF4-FFF2-40B4-BE49-F238E27FC236}">
+                <a16:creationId xmlns:a16="http://schemas.microsoft.com/office/drawing/2014/main" id="{8D719D92-9E83-464E-8952-FE6010F67147}"/>
+              </a:ext>
+            </a:extLst>
+          </p:cNvPr>
+          <p:cNvSpPr>
+            <a:spLocks noGrp="1"/>
+          </p:cNvSpPr>
+          <p:nvPr>
+            <p:ph type="body" sz="quarter" idx="15" hasCustomPrompt="1"/>
+          </p:nvPr>
+        </p:nvSpPr>
+        <p:spPr>
+          <a:xfrm>
+            <a:off x="1640268" y="1104451"/>
+            <a:ext cx="1248378" cy="312826"/>
+          </a:xfrm>
+        </p:spPr>
+        <p:txBody>
+          <a:bodyPr>
+            <a:normAutofit/>
+          </a:bodyPr>
+          <a:lstStyle>
+            <a:lvl1pPr marL="0" indent="0" algn="ctr">
+              <a:buNone/>
+              <a:defRPr sz="1600"/>
+            </a:lvl1pPr>
+          </a:lstStyle>
+          <a:p>
+            <a:pPr lvl="0"/>
+            <a:r>
+              <a:rPr lang="ko-KR" altLang="en-US"/>
+              <a:t>소제목</a:t>
+            </a:r>
+            <a:endParaRPr lang="ko-KR" altLang="en-US" dirty="0"/>
+          </a:p>
+        </p:txBody>
+      </p:sp>
+      <p:sp>
+        <p:nvSpPr>
+          <p:cNvPr id="12" name="직사각형 11">
+            <a:extLst>
+              <a:ext uri="{FF2B5EF4-FFF2-40B4-BE49-F238E27FC236}">
+                <a16:creationId xmlns:a16="http://schemas.microsoft.com/office/drawing/2014/main" id="{D8B8073C-666D-4202-ABE5-109669895CD8}"/>
+              </a:ext>
+            </a:extLst>
+          </p:cNvPr>
+          <p:cNvSpPr/>
+          <p:nvPr userDrawn="1"/>
+        </p:nvSpPr>
+        <p:spPr>
+          <a:xfrm>
+            <a:off x="2961917" y="1017917"/>
+            <a:ext cx="26386" cy="436322"/>
+          </a:xfrm>
+          <a:prstGeom prst="rect">
+            <a:avLst/>
+          </a:prstGeom>
+          <a:solidFill>
+            <a:schemeClr val="tx1"/>
+          </a:solidFill>
+          <a:ln>
+            <a:noFill/>
+          </a:ln>
+        </p:spPr>
+        <p:style>
+          <a:lnRef idx="2">
+            <a:schemeClr val="accent1">
+              <a:shade val="50000"/>
+            </a:schemeClr>
+          </a:lnRef>
+          <a:fillRef idx="1">
+            <a:schemeClr val="accent1"/>
+          </a:fillRef>
+          <a:effectRef idx="0">
+            <a:schemeClr val="accent1"/>
+          </a:effectRef>
+          <a:fontRef idx="minor">
+            <a:schemeClr val="lt1"/>
+          </a:fontRef>
+        </p:style>
+        <p:txBody>
+          <a:bodyPr rtlCol="0" anchor="ctr"/>
+          <a:lstStyle/>
+          <a:p>
+            <a:pPr algn="ctr"/>
+            <a:endParaRPr lang="ko-KR" altLang="en-US"/>
+          </a:p>
+        </p:txBody>
+      </p:sp>
+      <p:sp>
+        <p:nvSpPr>
+          <p:cNvPr id="13" name="텍스트 개체 틀 7">
+            <a:extLst>
+              <a:ext uri="{FF2B5EF4-FFF2-40B4-BE49-F238E27FC236}">
+                <a16:creationId xmlns:a16="http://schemas.microsoft.com/office/drawing/2014/main" id="{D9ED656C-182A-47C0-ACE7-64C6FFA16CE2}"/>
+              </a:ext>
+            </a:extLst>
+          </p:cNvPr>
+          <p:cNvSpPr>
+            <a:spLocks noGrp="1"/>
+          </p:cNvSpPr>
+          <p:nvPr>
+            <p:ph type="body" sz="quarter" idx="16" hasCustomPrompt="1"/>
+          </p:nvPr>
+        </p:nvSpPr>
+        <p:spPr>
+          <a:xfrm>
+            <a:off x="3061574" y="1112508"/>
+            <a:ext cx="1329445" cy="312826"/>
+          </a:xfrm>
+        </p:spPr>
+        <p:txBody>
+          <a:bodyPr>
+            <a:normAutofit/>
+          </a:bodyPr>
+          <a:lstStyle>
+            <a:lvl1pPr marL="0" indent="0" algn="ctr">
+              <a:buNone/>
+              <a:defRPr sz="1600"/>
+            </a:lvl1pPr>
+          </a:lstStyle>
+          <a:p>
+            <a:pPr lvl="0"/>
+            <a:r>
+              <a:rPr lang="ko-KR" altLang="en-US"/>
+              <a:t>소제목</a:t>
+            </a:r>
+            <a:endParaRPr lang="ko-KR" altLang="en-US" dirty="0"/>
+          </a:p>
+        </p:txBody>
+      </p:sp>
+      <p:sp>
+        <p:nvSpPr>
+          <p:cNvPr id="14" name="직사각형 13">
+            <a:extLst>
+              <a:ext uri="{FF2B5EF4-FFF2-40B4-BE49-F238E27FC236}">
+                <a16:creationId xmlns:a16="http://schemas.microsoft.com/office/drawing/2014/main" id="{A0AE1F36-28D5-4768-AD0D-7B06A9701C9E}"/>
+              </a:ext>
+            </a:extLst>
+          </p:cNvPr>
+          <p:cNvSpPr/>
+          <p:nvPr userDrawn="1"/>
+        </p:nvSpPr>
+        <p:spPr>
+          <a:xfrm>
+            <a:off x="4464290" y="1025974"/>
+            <a:ext cx="26386" cy="436322"/>
+          </a:xfrm>
+          <a:prstGeom prst="rect">
+            <a:avLst/>
+          </a:prstGeom>
+          <a:solidFill>
+            <a:schemeClr val="tx1"/>
+          </a:solidFill>
+          <a:ln>
+            <a:noFill/>
+          </a:ln>
+        </p:spPr>
+        <p:style>
+          <a:lnRef idx="2">
+            <a:schemeClr val="accent1">
+              <a:shade val="50000"/>
+            </a:schemeClr>
+          </a:lnRef>
+          <a:fillRef idx="1">
+            <a:schemeClr val="accent1"/>
+          </a:fillRef>
+          <a:effectRef idx="0">
+            <a:schemeClr val="accent1"/>
+          </a:effectRef>
+          <a:fontRef idx="minor">
+            <a:schemeClr val="lt1"/>
+          </a:fontRef>
+        </p:style>
+        <p:txBody>
+          <a:bodyPr rtlCol="0" anchor="ctr"/>
+          <a:lstStyle/>
+          <a:p>
+            <a:pPr algn="ctr"/>
+            <a:endParaRPr lang="ko-KR" altLang="en-US"/>
           </a:p>
         </p:txBody>
       </p:sp>
@@ -4170,9 +4457,9 @@
     <p:bg>
       <p:bgPr>
         <a:solidFill>
-          <a:schemeClr val="accent5">
-            <a:lumMod val="60000"/>
-            <a:lumOff val="40000"/>
+          <a:schemeClr val="accent4">
+            <a:lumMod val="40000"/>
+            <a:lumOff val="60000"/>
           </a:schemeClr>
         </a:solidFill>
         <a:effectLst/>
@@ -4291,10 +4578,10 @@
       </p:grpSpPr>
       <p:sp>
         <p:nvSpPr>
-          <p:cNvPr id="13" name="사각형: 둥근 모서리 12">
-            <a:extLst>
-              <a:ext uri="{FF2B5EF4-FFF2-40B4-BE49-F238E27FC236}">
-                <a16:creationId xmlns:a16="http://schemas.microsoft.com/office/drawing/2014/main" id="{9469EB77-5C08-4181-BFE6-400BACF970C8}"/>
+          <p:cNvPr id="2" name="사각형: 둥근 모서리 1">
+            <a:extLst>
+              <a:ext uri="{FF2B5EF4-FFF2-40B4-BE49-F238E27FC236}">
+                <a16:creationId xmlns:a16="http://schemas.microsoft.com/office/drawing/2014/main" id="{677B3B2C-4EEA-4A86-828F-DDE25113C973}"/>
               </a:ext>
             </a:extLst>
           </p:cNvPr>
@@ -4302,20 +4589,21 @@
           <p:nvPr/>
         </p:nvSpPr>
         <p:spPr>
-          <a:xfrm rot="5400000">
-            <a:off x="4233349" y="1488"/>
-            <a:ext cx="3993138" cy="7952529"/>
+          <a:xfrm>
+            <a:off x="0" y="939645"/>
+            <a:ext cx="1470581" cy="523220"/>
           </a:xfrm>
           <a:prstGeom prst="roundRect">
             <a:avLst/>
           </a:prstGeom>
           <a:solidFill>
-            <a:schemeClr val="bg1"/>
+            <a:schemeClr val="accent4">
+              <a:lumMod val="40000"/>
+              <a:lumOff val="60000"/>
+            </a:schemeClr>
           </a:solidFill>
-          <a:ln w="38100">
-            <a:solidFill>
-              <a:schemeClr val="tx1"/>
-            </a:solidFill>
+          <a:ln>
+            <a:noFill/>
           </a:ln>
         </p:spPr>
         <p:style>
@@ -4339,83 +4627,38 @@
           <a:lstStyle/>
           <a:p>
             <a:pPr algn="ctr"/>
-            <a:endParaRPr lang="ko-KR" altLang="en-US" dirty="0"/>
-          </a:p>
-        </p:txBody>
-      </p:sp>
-      <p:pic>
-        <p:nvPicPr>
-          <p:cNvPr id="1026" name="Picture 2" descr="쓰레기가 바다에 떠있는 크루즈 라이너 여객선 | 프리미엄 벡터">
-            <a:extLst>
-              <a:ext uri="{FF2B5EF4-FFF2-40B4-BE49-F238E27FC236}">
-                <a16:creationId xmlns:a16="http://schemas.microsoft.com/office/drawing/2014/main" id="{174299C8-06E6-4BA6-9166-EA0438C9CEF8}"/>
-              </a:ext>
-            </a:extLst>
-          </p:cNvPr>
-          <p:cNvPicPr>
-            <a:picLocks noChangeAspect="1" noChangeArrowheads="1"/>
-          </p:cNvPicPr>
+            <a:endParaRPr lang="ko-KR" altLang="en-US"/>
+          </a:p>
+        </p:txBody>
+      </p:sp>
+      <p:sp>
+        <p:nvSpPr>
+          <p:cNvPr id="13" name="사각형: 둥근 모서리 12">
+            <a:extLst>
+              <a:ext uri="{FF2B5EF4-FFF2-40B4-BE49-F238E27FC236}">
+                <a16:creationId xmlns:a16="http://schemas.microsoft.com/office/drawing/2014/main" id="{9469EB77-5C08-4181-BFE6-400BACF970C8}"/>
+              </a:ext>
+            </a:extLst>
+          </p:cNvPr>
+          <p:cNvSpPr/>
           <p:nvPr/>
-        </p:nvPicPr>
-        <p:blipFill>
-          <a:blip r:embed="rId3">
-            <a:extLst>
-              <a:ext uri="{28A0092B-C50C-407E-A947-70E740481C1C}">
-                <a14:useLocalDpi xmlns:a14="http://schemas.microsoft.com/office/drawing/2010/main" val="0"/>
-              </a:ext>
-            </a:extLst>
-          </a:blip>
-          <a:srcRect/>
-          <a:stretch>
-            <a:fillRect/>
-          </a:stretch>
-        </p:blipFill>
-        <p:spPr bwMode="auto">
-          <a:xfrm>
-            <a:off x="2297002" y="2011294"/>
-            <a:ext cx="7865831" cy="3932916"/>
+        </p:nvSpPr>
+        <p:spPr>
+          <a:xfrm rot="5400000">
+            <a:off x="4233349" y="1488"/>
+            <a:ext cx="3993138" cy="7952529"/>
           </a:xfrm>
           <a:prstGeom prst="roundRect">
             <a:avLst/>
           </a:prstGeom>
-          <a:noFill/>
-          <a:extLst>
-            <a:ext uri="{909E8E84-426E-40DD-AFC4-6F175D3DCCD1}">
-              <a14:hiddenFill xmlns:a14="http://schemas.microsoft.com/office/drawing/2010/main">
-                <a:solidFill>
-                  <a:srgbClr val="FFFFFF"/>
-                </a:solidFill>
-              </a14:hiddenFill>
-            </a:ext>
-          </a:extLst>
-        </p:spPr>
-      </p:pic>
-      <p:sp>
-        <p:nvSpPr>
-          <p:cNvPr id="4" name="직사각형 3">
-            <a:extLst>
-              <a:ext uri="{FF2B5EF4-FFF2-40B4-BE49-F238E27FC236}">
-                <a16:creationId xmlns:a16="http://schemas.microsoft.com/office/drawing/2014/main" id="{AE93FE2A-85FE-4157-951C-FC2FADBB3B34}"/>
-              </a:ext>
-            </a:extLst>
-          </p:cNvPr>
-          <p:cNvSpPr/>
-          <p:nvPr/>
-        </p:nvSpPr>
-        <p:spPr>
-          <a:xfrm>
-            <a:off x="0" y="0"/>
-            <a:ext cx="12192000" cy="1034474"/>
-          </a:xfrm>
-          <a:prstGeom prst="rect">
-            <a:avLst/>
-          </a:prstGeom>
           <a:solidFill>
-            <a:schemeClr val="accent5">
-              <a:lumMod val="60000"/>
-              <a:lumOff val="40000"/>
-            </a:schemeClr>
+            <a:schemeClr val="bg1"/>
           </a:solidFill>
+          <a:ln w="38100">
+            <a:solidFill>
+              <a:schemeClr val="tx1"/>
+            </a:solidFill>
+          </a:ln>
         </p:spPr>
         <p:style>
           <a:lnRef idx="2">
@@ -4442,6 +4685,105 @@
           </a:p>
         </p:txBody>
       </p:sp>
+      <p:pic>
+        <p:nvPicPr>
+          <p:cNvPr id="1026" name="Picture 2" descr="쓰레기가 바다에 떠있는 크루즈 라이너 여객선 | 프리미엄 벡터">
+            <a:extLst>
+              <a:ext uri="{FF2B5EF4-FFF2-40B4-BE49-F238E27FC236}">
+                <a16:creationId xmlns:a16="http://schemas.microsoft.com/office/drawing/2014/main" id="{174299C8-06E6-4BA6-9166-EA0438C9CEF8}"/>
+              </a:ext>
+            </a:extLst>
+          </p:cNvPr>
+          <p:cNvPicPr>
+            <a:picLocks noChangeAspect="1" noChangeArrowheads="1"/>
+          </p:cNvPicPr>
+          <p:nvPr/>
+        </p:nvPicPr>
+        <p:blipFill>
+          <a:blip r:embed="rId3">
+            <a:extLst>
+              <a:ext uri="{28A0092B-C50C-407E-A947-70E740481C1C}">
+                <a14:useLocalDpi xmlns:a14="http://schemas.microsoft.com/office/drawing/2010/main" val="0"/>
+              </a:ext>
+            </a:extLst>
+          </a:blip>
+          <a:srcRect/>
+          <a:stretch>
+            <a:fillRect/>
+          </a:stretch>
+        </p:blipFill>
+        <p:spPr bwMode="auto">
+          <a:xfrm>
+            <a:off x="2297002" y="2011294"/>
+            <a:ext cx="7865831" cy="3932916"/>
+          </a:xfrm>
+          <a:prstGeom prst="roundRect">
+            <a:avLst/>
+          </a:prstGeom>
+          <a:noFill/>
+          <a:extLst>
+            <a:ext uri="{909E8E84-426E-40DD-AFC4-6F175D3DCCD1}">
+              <a14:hiddenFill xmlns:a14="http://schemas.microsoft.com/office/drawing/2010/main">
+                <a:solidFill>
+                  <a:srgbClr val="FFFFFF"/>
+                </a:solidFill>
+              </a14:hiddenFill>
+            </a:ext>
+          </a:extLst>
+        </p:spPr>
+      </p:pic>
+      <p:sp>
+        <p:nvSpPr>
+          <p:cNvPr id="4" name="직사각형 3">
+            <a:extLst>
+              <a:ext uri="{FF2B5EF4-FFF2-40B4-BE49-F238E27FC236}">
+                <a16:creationId xmlns:a16="http://schemas.microsoft.com/office/drawing/2014/main" id="{AE93FE2A-85FE-4157-951C-FC2FADBB3B34}"/>
+              </a:ext>
+            </a:extLst>
+          </p:cNvPr>
+          <p:cNvSpPr/>
+          <p:nvPr/>
+        </p:nvSpPr>
+        <p:spPr>
+          <a:xfrm>
+            <a:off x="0" y="0"/>
+            <a:ext cx="12192000" cy="1034474"/>
+          </a:xfrm>
+          <a:prstGeom prst="rect">
+            <a:avLst/>
+          </a:prstGeom>
+          <a:solidFill>
+            <a:schemeClr val="accent5">
+              <a:lumMod val="60000"/>
+              <a:lumOff val="40000"/>
+            </a:schemeClr>
+          </a:solidFill>
+        </p:spPr>
+        <p:style>
+          <a:lnRef idx="2">
+            <a:schemeClr val="accent1">
+              <a:shade val="50000"/>
+            </a:schemeClr>
+          </a:lnRef>
+          <a:fillRef idx="1">
+            <a:schemeClr val="accent1"/>
+          </a:fillRef>
+          <a:effectRef idx="0">
+            <a:schemeClr val="accent1"/>
+          </a:effectRef>
+          <a:fontRef idx="minor">
+            <a:schemeClr val="lt1"/>
+          </a:fontRef>
+        </p:style>
+        <p:txBody>
+          <a:bodyPr rtlCol="0" anchor="ctr"/>
+          <a:lstStyle/>
+          <a:p>
+            <a:pPr algn="ctr"/>
+            <a:endParaRPr lang="ko-KR" altLang="en-US" dirty="0"/>
+          </a:p>
+        </p:txBody>
+      </p:sp>
       <p:sp>
         <p:nvSpPr>
           <p:cNvPr id="7" name="TextBox 6">
@@ -4511,8 +4853,8 @@
         </p:nvSpPr>
         <p:spPr>
           <a:xfrm>
-            <a:off x="735061" y="1427686"/>
-            <a:ext cx="1596912" cy="461665"/>
+            <a:off x="216818" y="1062755"/>
+            <a:ext cx="1055097" cy="400110"/>
           </a:xfrm>
           <a:prstGeom prst="rect">
             <a:avLst/>
@@ -4526,18 +4868,14 @@
           <a:lstStyle/>
           <a:p>
             <a:r>
-              <a:rPr lang="en-US" altLang="ko-KR" sz="2400" b="1" dirty="0"/>
-              <a:t>1. </a:t>
-            </a:r>
-            <a:r>
-              <a:rPr lang="ko-KR" altLang="en-US" sz="2400" b="1" dirty="0"/>
+              <a:rPr lang="ko-KR" altLang="en-US" sz="2000" b="1" dirty="0"/>
               <a:t>시작</a:t>
             </a:r>
             <a:r>
-              <a:rPr lang="en-US" altLang="ko-KR" sz="2400" b="1" dirty="0"/>
+              <a:rPr lang="en-US" altLang="ko-KR" sz="2000" b="1" dirty="0"/>
               <a:t> UI</a:t>
             </a:r>
-            <a:endParaRPr lang="ko-KR" altLang="en-US" b="1" dirty="0"/>
+            <a:endParaRPr lang="ko-KR" altLang="en-US" sz="1600" b="1" dirty="0"/>
           </a:p>
         </p:txBody>
       </p:sp>
@@ -4894,6 +5232,82 @@
           </a:p>
         </p:txBody>
       </p:sp>
+      <p:sp>
+        <p:nvSpPr>
+          <p:cNvPr id="16" name="TextBox 15">
+            <a:extLst>
+              <a:ext uri="{FF2B5EF4-FFF2-40B4-BE49-F238E27FC236}">
+                <a16:creationId xmlns:a16="http://schemas.microsoft.com/office/drawing/2014/main" id="{61945D4A-F841-478D-91B9-499F5A2D5148}"/>
+              </a:ext>
+            </a:extLst>
+          </p:cNvPr>
+          <p:cNvSpPr txBox="1"/>
+          <p:nvPr/>
+        </p:nvSpPr>
+        <p:spPr>
+          <a:xfrm>
+            <a:off x="1594309" y="1062755"/>
+            <a:ext cx="1668545" cy="400110"/>
+          </a:xfrm>
+          <a:prstGeom prst="rect">
+            <a:avLst/>
+          </a:prstGeom>
+          <a:noFill/>
+        </p:spPr>
+        <p:txBody>
+          <a:bodyPr wrap="square" rtlCol="0">
+            <a:spAutoFit/>
+          </a:bodyPr>
+          <a:lstStyle/>
+          <a:p>
+            <a:r>
+              <a:rPr lang="ko-KR" altLang="en-US" sz="2000" b="1" dirty="0"/>
+              <a:t>방 만들기</a:t>
+            </a:r>
+            <a:endParaRPr lang="ko-KR" altLang="en-US" sz="1600" b="1" dirty="0"/>
+          </a:p>
+        </p:txBody>
+      </p:sp>
+      <p:sp>
+        <p:nvSpPr>
+          <p:cNvPr id="17" name="TextBox 16">
+            <a:extLst>
+              <a:ext uri="{FF2B5EF4-FFF2-40B4-BE49-F238E27FC236}">
+                <a16:creationId xmlns:a16="http://schemas.microsoft.com/office/drawing/2014/main" id="{6CC6965B-D18B-44A4-8002-EA1C90287BC4}"/>
+              </a:ext>
+            </a:extLst>
+          </p:cNvPr>
+          <p:cNvSpPr txBox="1"/>
+          <p:nvPr/>
+        </p:nvSpPr>
+        <p:spPr>
+          <a:xfrm>
+            <a:off x="2991154" y="1062755"/>
+            <a:ext cx="1401346" cy="400110"/>
+          </a:xfrm>
+          <a:prstGeom prst="rect">
+            <a:avLst/>
+          </a:prstGeom>
+          <a:noFill/>
+        </p:spPr>
+        <p:txBody>
+          <a:bodyPr wrap="none" rtlCol="0">
+            <a:spAutoFit/>
+          </a:bodyPr>
+          <a:lstStyle/>
+          <a:p>
+            <a:r>
+              <a:rPr lang="ko-KR" altLang="en-US" sz="2000" b="1" dirty="0"/>
+              <a:t>방 설정 </a:t>
+            </a:r>
+            <a:r>
+              <a:rPr lang="en-US" altLang="ko-KR" sz="2000" b="1" dirty="0"/>
+              <a:t>UI</a:t>
+            </a:r>
+            <a:endParaRPr lang="ko-KR" altLang="en-US" sz="1600" b="1" dirty="0"/>
+          </a:p>
+        </p:txBody>
+      </p:sp>
     </p:spTree>
     <p:extLst>
       <p:ext uri="{BB962C8B-B14F-4D97-AF65-F5344CB8AC3E}">
@@ -4926,10 +5340,10 @@
       </p:grpSpPr>
       <p:sp>
         <p:nvSpPr>
-          <p:cNvPr id="4" name="직사각형 3">
-            <a:extLst>
-              <a:ext uri="{FF2B5EF4-FFF2-40B4-BE49-F238E27FC236}">
-                <a16:creationId xmlns:a16="http://schemas.microsoft.com/office/drawing/2014/main" id="{AE93FE2A-85FE-4157-951C-FC2FADBB3B34}"/>
+          <p:cNvPr id="102" name="사각형: 둥근 모서리 101">
+            <a:extLst>
+              <a:ext uri="{FF2B5EF4-FFF2-40B4-BE49-F238E27FC236}">
+                <a16:creationId xmlns:a16="http://schemas.microsoft.com/office/drawing/2014/main" id="{E2D3E2BB-53B1-4178-BC7E-4AB602CE861B}"/>
               </a:ext>
             </a:extLst>
           </p:cNvPr>
@@ -4938,18 +5352,21 @@
         </p:nvSpPr>
         <p:spPr>
           <a:xfrm>
-            <a:off x="0" y="0"/>
-            <a:ext cx="12192000" cy="1034474"/>
-          </a:xfrm>
-          <a:prstGeom prst="rect">
+            <a:off x="1518609" y="939140"/>
+            <a:ext cx="1401346" cy="523220"/>
+          </a:xfrm>
+          <a:prstGeom prst="roundRect">
             <a:avLst/>
           </a:prstGeom>
           <a:solidFill>
-            <a:schemeClr val="accent5">
-              <a:lumMod val="60000"/>
-              <a:lumOff val="40000"/>
+            <a:schemeClr val="accent4">
+              <a:lumMod val="40000"/>
+              <a:lumOff val="60000"/>
             </a:schemeClr>
           </a:solidFill>
+          <a:ln>
+            <a:noFill/>
+          </a:ln>
         </p:spPr>
         <p:style>
           <a:lnRef idx="2">
@@ -4972,71 +5389,16 @@
           <a:lstStyle/>
           <a:p>
             <a:pPr algn="ctr"/>
-            <a:endParaRPr lang="ko-KR" altLang="en-US" dirty="0"/>
-          </a:p>
-        </p:txBody>
-      </p:sp>
-      <p:sp>
-        <p:nvSpPr>
-          <p:cNvPr id="7" name="TextBox 6">
-            <a:extLst>
-              <a:ext uri="{FF2B5EF4-FFF2-40B4-BE49-F238E27FC236}">
-                <a16:creationId xmlns:a16="http://schemas.microsoft.com/office/drawing/2014/main" id="{982817C4-ACF4-45FB-A018-6E6F872691BC}"/>
-              </a:ext>
-            </a:extLst>
-          </p:cNvPr>
-          <p:cNvSpPr txBox="1"/>
-          <p:nvPr/>
-        </p:nvSpPr>
-        <p:spPr>
-          <a:xfrm>
-            <a:off x="646546" y="255627"/>
-            <a:ext cx="4230254" cy="523220"/>
-          </a:xfrm>
-          <a:prstGeom prst="rect">
-            <a:avLst/>
-          </a:prstGeom>
-          <a:noFill/>
-        </p:spPr>
-        <p:txBody>
-          <a:bodyPr wrap="square" rtlCol="0">
-            <a:spAutoFit/>
-          </a:bodyPr>
-          <a:lstStyle/>
-          <a:p>
-            <a:r>
-              <a:rPr lang="ko-KR" altLang="en-US" sz="2800" b="1" dirty="0"/>
-              <a:t>게임 설명 </a:t>
-            </a:r>
-            <a:r>
-              <a:rPr lang="en-US" altLang="ko-KR" sz="2800" b="1" dirty="0"/>
-              <a:t>( </a:t>
-            </a:r>
-            <a:r>
-              <a:rPr lang="ko-KR" altLang="en-US" sz="2800" b="1" dirty="0"/>
-              <a:t>서버 </a:t>
-            </a:r>
-            <a:r>
-              <a:rPr lang="en-US" altLang="ko-KR" sz="2800" b="1" dirty="0"/>
-              <a:t>UI</a:t>
-            </a:r>
-            <a:r>
-              <a:rPr lang="ko-KR" altLang="en-US" sz="2800" b="1" dirty="0"/>
-              <a:t> </a:t>
-            </a:r>
-            <a:r>
-              <a:rPr lang="en-US" altLang="ko-KR" sz="2800" b="1" dirty="0"/>
-              <a:t>)</a:t>
-            </a:r>
-          </a:p>
-        </p:txBody>
-      </p:sp>
-      <p:sp>
-        <p:nvSpPr>
-          <p:cNvPr id="13" name="사각형: 둥근 모서리 12">
-            <a:extLst>
-              <a:ext uri="{FF2B5EF4-FFF2-40B4-BE49-F238E27FC236}">
-                <a16:creationId xmlns:a16="http://schemas.microsoft.com/office/drawing/2014/main" id="{9469EB77-5C08-4181-BFE6-400BACF970C8}"/>
+            <a:endParaRPr lang="ko-KR" altLang="en-US"/>
+          </a:p>
+        </p:txBody>
+      </p:sp>
+      <p:sp>
+        <p:nvSpPr>
+          <p:cNvPr id="4" name="직사각형 3">
+            <a:extLst>
+              <a:ext uri="{FF2B5EF4-FFF2-40B4-BE49-F238E27FC236}">
+                <a16:creationId xmlns:a16="http://schemas.microsoft.com/office/drawing/2014/main" id="{AE93FE2A-85FE-4157-951C-FC2FADBB3B34}"/>
               </a:ext>
             </a:extLst>
           </p:cNvPr>
@@ -5044,24 +5406,19 @@
           <p:nvPr/>
         </p:nvSpPr>
         <p:spPr>
-          <a:xfrm rot="5400000">
-            <a:off x="4233349" y="1488"/>
-            <a:ext cx="3993138" cy="7952529"/>
-          </a:xfrm>
-          <a:prstGeom prst="roundRect">
+          <a:xfrm>
+            <a:off x="0" y="0"/>
+            <a:ext cx="12192000" cy="1034474"/>
+          </a:xfrm>
+          <a:prstGeom prst="rect">
             <a:avLst/>
           </a:prstGeom>
           <a:solidFill>
             <a:schemeClr val="accent5">
-              <a:lumMod val="20000"/>
-              <a:lumOff val="80000"/>
+              <a:lumMod val="60000"/>
+              <a:lumOff val="40000"/>
             </a:schemeClr>
           </a:solidFill>
-          <a:ln w="38100">
-            <a:solidFill>
-              <a:schemeClr val="tx1"/>
-            </a:solidFill>
-          </a:ln>
         </p:spPr>
         <p:style>
           <a:lnRef idx="2">
@@ -5090,10 +5447,10 @@
       </p:sp>
       <p:sp>
         <p:nvSpPr>
-          <p:cNvPr id="25" name="TextBox 24">
-            <a:extLst>
-              <a:ext uri="{FF2B5EF4-FFF2-40B4-BE49-F238E27FC236}">
-                <a16:creationId xmlns:a16="http://schemas.microsoft.com/office/drawing/2014/main" id="{A7F59BAA-1207-4CC5-98B4-788E4D1F418B}"/>
+          <p:cNvPr id="7" name="TextBox 6">
+            <a:extLst>
+              <a:ext uri="{FF2B5EF4-FFF2-40B4-BE49-F238E27FC236}">
+                <a16:creationId xmlns:a16="http://schemas.microsoft.com/office/drawing/2014/main" id="{982817C4-ACF4-45FB-A018-6E6F872691BC}"/>
               </a:ext>
             </a:extLst>
           </p:cNvPr>
@@ -5102,8 +5459,8 @@
         </p:nvSpPr>
         <p:spPr>
           <a:xfrm>
-            <a:off x="735061" y="1427686"/>
-            <a:ext cx="1596912" cy="461665"/>
+            <a:off x="646546" y="255627"/>
+            <a:ext cx="4230254" cy="523220"/>
           </a:xfrm>
           <a:prstGeom prst="rect">
             <a:avLst/>
@@ -5111,24 +5468,92 @@
           <a:noFill/>
         </p:spPr>
         <p:txBody>
-          <a:bodyPr wrap="none" rtlCol="0">
+          <a:bodyPr wrap="square" rtlCol="0">
             <a:spAutoFit/>
           </a:bodyPr>
           <a:lstStyle/>
           <a:p>
             <a:r>
-              <a:rPr lang="en-US" altLang="ko-KR" sz="2400" b="1" dirty="0"/>
-              <a:t>1. </a:t>
-            </a:r>
-            <a:r>
-              <a:rPr lang="ko-KR" altLang="en-US" sz="2400" b="1" dirty="0"/>
-              <a:t>서버</a:t>
-            </a:r>
-            <a:r>
-              <a:rPr lang="en-US" altLang="ko-KR" sz="2400" b="1" dirty="0"/>
-              <a:t> UI</a:t>
-            </a:r>
-            <a:endParaRPr lang="ko-KR" altLang="en-US" b="1" dirty="0"/>
+              <a:rPr lang="ko-KR" altLang="en-US" sz="2800" b="1" dirty="0"/>
+              <a:t>게임 설명 </a:t>
+            </a:r>
+            <a:r>
+              <a:rPr lang="en-US" altLang="ko-KR" sz="2800" b="1" dirty="0"/>
+              <a:t>( </a:t>
+            </a:r>
+            <a:r>
+              <a:rPr lang="ko-KR" altLang="en-US" sz="2800" b="1" dirty="0"/>
+              <a:t>서버 </a:t>
+            </a:r>
+            <a:r>
+              <a:rPr lang="en-US" altLang="ko-KR" sz="2800" b="1" dirty="0"/>
+              <a:t>UI</a:t>
+            </a:r>
+            <a:r>
+              <a:rPr lang="ko-KR" altLang="en-US" sz="2800" b="1" dirty="0"/>
+              <a:t> </a:t>
+            </a:r>
+            <a:r>
+              <a:rPr lang="en-US" altLang="ko-KR" sz="2800" b="1" dirty="0"/>
+              <a:t>)</a:t>
+            </a:r>
+          </a:p>
+        </p:txBody>
+      </p:sp>
+      <p:sp>
+        <p:nvSpPr>
+          <p:cNvPr id="13" name="사각형: 둥근 모서리 12">
+            <a:extLst>
+              <a:ext uri="{FF2B5EF4-FFF2-40B4-BE49-F238E27FC236}">
+                <a16:creationId xmlns:a16="http://schemas.microsoft.com/office/drawing/2014/main" id="{9469EB77-5C08-4181-BFE6-400BACF970C8}"/>
+              </a:ext>
+            </a:extLst>
+          </p:cNvPr>
+          <p:cNvSpPr/>
+          <p:nvPr/>
+        </p:nvSpPr>
+        <p:spPr>
+          <a:xfrm rot="5400000">
+            <a:off x="4233349" y="1488"/>
+            <a:ext cx="3993138" cy="7952529"/>
+          </a:xfrm>
+          <a:prstGeom prst="roundRect">
+            <a:avLst/>
+          </a:prstGeom>
+          <a:solidFill>
+            <a:schemeClr val="accent5">
+              <a:lumMod val="20000"/>
+              <a:lumOff val="80000"/>
+            </a:schemeClr>
+          </a:solidFill>
+          <a:ln w="38100">
+            <a:solidFill>
+              <a:schemeClr val="tx1"/>
+            </a:solidFill>
+          </a:ln>
+        </p:spPr>
+        <p:style>
+          <a:lnRef idx="2">
+            <a:schemeClr val="accent1">
+              <a:shade val="50000"/>
+            </a:schemeClr>
+          </a:lnRef>
+          <a:fillRef idx="1">
+            <a:schemeClr val="accent1"/>
+          </a:fillRef>
+          <a:effectRef idx="0">
+            <a:schemeClr val="accent1"/>
+          </a:effectRef>
+          <a:fontRef idx="minor">
+            <a:schemeClr val="lt1"/>
+          </a:fontRef>
+        </p:style>
+        <p:txBody>
+          <a:bodyPr rtlCol="0" anchor="ctr"/>
+          <a:lstStyle/>
+          <a:p>
+            <a:pPr algn="ctr"/>
+            <a:endParaRPr lang="ko-KR" altLang="en-US" dirty="0"/>
           </a:p>
         </p:txBody>
       </p:sp>
@@ -7982,9 +8407,125 @@
           <a:p>
             <a:r>
               <a:rPr lang="en-US" altLang="ko-KR" dirty="0"/>
-              <a:t>1</a:t>
+              <a:t>2</a:t>
             </a:r>
             <a:endParaRPr lang="ko-KR" altLang="en-US" dirty="0"/>
+          </a:p>
+        </p:txBody>
+      </p:sp>
+      <p:sp>
+        <p:nvSpPr>
+          <p:cNvPr id="99" name="TextBox 98">
+            <a:extLst>
+              <a:ext uri="{FF2B5EF4-FFF2-40B4-BE49-F238E27FC236}">
+                <a16:creationId xmlns:a16="http://schemas.microsoft.com/office/drawing/2014/main" id="{9BB7AF57-F954-4384-BB65-3168D8AF4329}"/>
+              </a:ext>
+            </a:extLst>
+          </p:cNvPr>
+          <p:cNvSpPr txBox="1"/>
+          <p:nvPr/>
+        </p:nvSpPr>
+        <p:spPr>
+          <a:xfrm>
+            <a:off x="216818" y="1062755"/>
+            <a:ext cx="1055097" cy="400110"/>
+          </a:xfrm>
+          <a:prstGeom prst="rect">
+            <a:avLst/>
+          </a:prstGeom>
+          <a:noFill/>
+        </p:spPr>
+        <p:txBody>
+          <a:bodyPr wrap="none" rtlCol="0">
+            <a:spAutoFit/>
+          </a:bodyPr>
+          <a:lstStyle/>
+          <a:p>
+            <a:r>
+              <a:rPr lang="ko-KR" altLang="en-US" sz="2000" b="1" dirty="0"/>
+              <a:t>시작</a:t>
+            </a:r>
+            <a:r>
+              <a:rPr lang="en-US" altLang="ko-KR" sz="2000" b="1" dirty="0"/>
+              <a:t> UI</a:t>
+            </a:r>
+            <a:endParaRPr lang="ko-KR" altLang="en-US" sz="1600" b="1" dirty="0"/>
+          </a:p>
+        </p:txBody>
+      </p:sp>
+      <p:sp>
+        <p:nvSpPr>
+          <p:cNvPr id="100" name="TextBox 99">
+            <a:extLst>
+              <a:ext uri="{FF2B5EF4-FFF2-40B4-BE49-F238E27FC236}">
+                <a16:creationId xmlns:a16="http://schemas.microsoft.com/office/drawing/2014/main" id="{64969BD4-3760-4C0F-B87F-AD187FE5CED6}"/>
+              </a:ext>
+            </a:extLst>
+          </p:cNvPr>
+          <p:cNvSpPr txBox="1"/>
+          <p:nvPr/>
+        </p:nvSpPr>
+        <p:spPr>
+          <a:xfrm>
+            <a:off x="1594309" y="1062755"/>
+            <a:ext cx="1325645" cy="400110"/>
+          </a:xfrm>
+          <a:prstGeom prst="rect">
+            <a:avLst/>
+          </a:prstGeom>
+          <a:noFill/>
+        </p:spPr>
+        <p:txBody>
+          <a:bodyPr wrap="square" rtlCol="0">
+            <a:spAutoFit/>
+          </a:bodyPr>
+          <a:lstStyle/>
+          <a:p>
+            <a:r>
+              <a:rPr lang="ko-KR" altLang="en-US" sz="2000" b="1" dirty="0"/>
+              <a:t>방 만들기</a:t>
+            </a:r>
+            <a:endParaRPr lang="ko-KR" altLang="en-US" sz="1600" b="1" dirty="0"/>
+          </a:p>
+        </p:txBody>
+      </p:sp>
+      <p:sp>
+        <p:nvSpPr>
+          <p:cNvPr id="101" name="TextBox 100">
+            <a:extLst>
+              <a:ext uri="{FF2B5EF4-FFF2-40B4-BE49-F238E27FC236}">
+                <a16:creationId xmlns:a16="http://schemas.microsoft.com/office/drawing/2014/main" id="{92E2F6DA-F4FD-4CB6-BB87-D018E90A2110}"/>
+              </a:ext>
+            </a:extLst>
+          </p:cNvPr>
+          <p:cNvSpPr txBox="1"/>
+          <p:nvPr/>
+        </p:nvSpPr>
+        <p:spPr>
+          <a:xfrm>
+            <a:off x="2991154" y="1062755"/>
+            <a:ext cx="1401346" cy="400110"/>
+          </a:xfrm>
+          <a:prstGeom prst="rect">
+            <a:avLst/>
+          </a:prstGeom>
+          <a:noFill/>
+        </p:spPr>
+        <p:txBody>
+          <a:bodyPr wrap="none" rtlCol="0">
+            <a:spAutoFit/>
+          </a:bodyPr>
+          <a:lstStyle/>
+          <a:p>
+            <a:r>
+              <a:rPr lang="ko-KR" altLang="en-US" sz="2000" b="1" dirty="0"/>
+              <a:t>방 설정 </a:t>
+            </a:r>
+            <a:r>
+              <a:rPr lang="en-US" altLang="ko-KR" sz="2000" b="1" dirty="0"/>
+              <a:t>UI</a:t>
+            </a:r>
+            <a:endParaRPr lang="ko-KR" altLang="en-US" sz="1600" b="1" dirty="0"/>
           </a:p>
         </p:txBody>
       </p:sp>
@@ -8020,10 +8561,10 @@
       </p:grpSpPr>
       <p:sp>
         <p:nvSpPr>
-          <p:cNvPr id="4" name="직사각형 3">
-            <a:extLst>
-              <a:ext uri="{FF2B5EF4-FFF2-40B4-BE49-F238E27FC236}">
-                <a16:creationId xmlns:a16="http://schemas.microsoft.com/office/drawing/2014/main" id="{AE93FE2A-85FE-4157-951C-FC2FADBB3B34}"/>
+          <p:cNvPr id="33" name="사각형: 둥근 모서리 32">
+            <a:extLst>
+              <a:ext uri="{FF2B5EF4-FFF2-40B4-BE49-F238E27FC236}">
+                <a16:creationId xmlns:a16="http://schemas.microsoft.com/office/drawing/2014/main" id="{28C830F6-A0CE-4E5F-B6D8-93D480C47E70}"/>
               </a:ext>
             </a:extLst>
           </p:cNvPr>
@@ -8032,18 +8573,21 @@
         </p:nvSpPr>
         <p:spPr>
           <a:xfrm>
-            <a:off x="0" y="0"/>
-            <a:ext cx="12192000" cy="1034474"/>
-          </a:xfrm>
-          <a:prstGeom prst="rect">
+            <a:off x="2991679" y="853595"/>
+            <a:ext cx="1446767" cy="609269"/>
+          </a:xfrm>
+          <a:prstGeom prst="roundRect">
             <a:avLst/>
           </a:prstGeom>
           <a:solidFill>
-            <a:schemeClr val="accent5">
-              <a:lumMod val="60000"/>
-              <a:lumOff val="40000"/>
+            <a:schemeClr val="accent4">
+              <a:lumMod val="40000"/>
+              <a:lumOff val="60000"/>
             </a:schemeClr>
           </a:solidFill>
+          <a:ln>
+            <a:noFill/>
+          </a:ln>
         </p:spPr>
         <p:style>
           <a:lnRef idx="2">
@@ -8066,71 +8610,16 @@
           <a:lstStyle/>
           <a:p>
             <a:pPr algn="ctr"/>
-            <a:endParaRPr lang="ko-KR" altLang="en-US" dirty="0"/>
-          </a:p>
-        </p:txBody>
-      </p:sp>
-      <p:sp>
-        <p:nvSpPr>
-          <p:cNvPr id="7" name="TextBox 6">
-            <a:extLst>
-              <a:ext uri="{FF2B5EF4-FFF2-40B4-BE49-F238E27FC236}">
-                <a16:creationId xmlns:a16="http://schemas.microsoft.com/office/drawing/2014/main" id="{982817C4-ACF4-45FB-A018-6E6F872691BC}"/>
-              </a:ext>
-            </a:extLst>
-          </p:cNvPr>
-          <p:cNvSpPr txBox="1"/>
-          <p:nvPr/>
-        </p:nvSpPr>
-        <p:spPr>
-          <a:xfrm>
-            <a:off x="646546" y="255627"/>
-            <a:ext cx="4230254" cy="523220"/>
-          </a:xfrm>
-          <a:prstGeom prst="rect">
-            <a:avLst/>
-          </a:prstGeom>
-          <a:noFill/>
-        </p:spPr>
-        <p:txBody>
-          <a:bodyPr wrap="square" rtlCol="0">
-            <a:spAutoFit/>
-          </a:bodyPr>
-          <a:lstStyle/>
-          <a:p>
-            <a:r>
-              <a:rPr lang="ko-KR" altLang="en-US" sz="2800" b="1" dirty="0"/>
-              <a:t>게임 설명 </a:t>
-            </a:r>
-            <a:r>
-              <a:rPr lang="en-US" altLang="ko-KR" sz="2800" b="1" dirty="0"/>
-              <a:t>( </a:t>
-            </a:r>
-            <a:r>
-              <a:rPr lang="ko-KR" altLang="en-US" sz="2800" b="1" dirty="0"/>
-              <a:t>서버 </a:t>
-            </a:r>
-            <a:r>
-              <a:rPr lang="en-US" altLang="ko-KR" sz="2800" b="1" dirty="0"/>
-              <a:t>UI</a:t>
-            </a:r>
-            <a:r>
-              <a:rPr lang="ko-KR" altLang="en-US" sz="2800" b="1" dirty="0"/>
-              <a:t> </a:t>
-            </a:r>
-            <a:r>
-              <a:rPr lang="en-US" altLang="ko-KR" sz="2800" b="1" dirty="0"/>
-              <a:t>)</a:t>
-            </a:r>
-          </a:p>
-        </p:txBody>
-      </p:sp>
-      <p:sp>
-        <p:nvSpPr>
-          <p:cNvPr id="13" name="사각형: 둥근 모서리 12">
-            <a:extLst>
-              <a:ext uri="{FF2B5EF4-FFF2-40B4-BE49-F238E27FC236}">
-                <a16:creationId xmlns:a16="http://schemas.microsoft.com/office/drawing/2014/main" id="{9469EB77-5C08-4181-BFE6-400BACF970C8}"/>
+            <a:endParaRPr lang="ko-KR" altLang="en-US"/>
+          </a:p>
+        </p:txBody>
+      </p:sp>
+      <p:sp>
+        <p:nvSpPr>
+          <p:cNvPr id="4" name="직사각형 3">
+            <a:extLst>
+              <a:ext uri="{FF2B5EF4-FFF2-40B4-BE49-F238E27FC236}">
+                <a16:creationId xmlns:a16="http://schemas.microsoft.com/office/drawing/2014/main" id="{AE93FE2A-85FE-4157-951C-FC2FADBB3B34}"/>
               </a:ext>
             </a:extLst>
           </p:cNvPr>
@@ -8138,24 +8627,19 @@
           <p:nvPr/>
         </p:nvSpPr>
         <p:spPr>
-          <a:xfrm rot="5400000">
-            <a:off x="4233349" y="1488"/>
-            <a:ext cx="3993138" cy="7952529"/>
-          </a:xfrm>
-          <a:prstGeom prst="roundRect">
+          <a:xfrm>
+            <a:off x="0" y="0"/>
+            <a:ext cx="12192000" cy="1034474"/>
+          </a:xfrm>
+          <a:prstGeom prst="rect">
             <a:avLst/>
           </a:prstGeom>
           <a:solidFill>
             <a:schemeClr val="accent5">
-              <a:lumMod val="20000"/>
-              <a:lumOff val="80000"/>
+              <a:lumMod val="60000"/>
+              <a:lumOff val="40000"/>
             </a:schemeClr>
           </a:solidFill>
-          <a:ln w="38100">
-            <a:solidFill>
-              <a:schemeClr val="tx1"/>
-            </a:solidFill>
-          </a:ln>
         </p:spPr>
         <p:style>
           <a:lnRef idx="2">
@@ -8184,10 +8668,10 @@
       </p:sp>
       <p:sp>
         <p:nvSpPr>
-          <p:cNvPr id="25" name="TextBox 24">
-            <a:extLst>
-              <a:ext uri="{FF2B5EF4-FFF2-40B4-BE49-F238E27FC236}">
-                <a16:creationId xmlns:a16="http://schemas.microsoft.com/office/drawing/2014/main" id="{A7F59BAA-1207-4CC5-98B4-788E4D1F418B}"/>
+          <p:cNvPr id="7" name="TextBox 6">
+            <a:extLst>
+              <a:ext uri="{FF2B5EF4-FFF2-40B4-BE49-F238E27FC236}">
+                <a16:creationId xmlns:a16="http://schemas.microsoft.com/office/drawing/2014/main" id="{982817C4-ACF4-45FB-A018-6E6F872691BC}"/>
               </a:ext>
             </a:extLst>
           </p:cNvPr>
@@ -8196,8 +8680,8 @@
         </p:nvSpPr>
         <p:spPr>
           <a:xfrm>
-            <a:off x="735061" y="1427686"/>
-            <a:ext cx="3770584" cy="461665"/>
+            <a:off x="646546" y="255627"/>
+            <a:ext cx="4230254" cy="523220"/>
           </a:xfrm>
           <a:prstGeom prst="rect">
             <a:avLst/>
@@ -8205,133 +8689,68 @@
           <a:noFill/>
         </p:spPr>
         <p:txBody>
-          <a:bodyPr wrap="none" rtlCol="0">
-            <a:spAutoFit/>
-          </a:bodyPr>
-          <a:lstStyle/>
-          <a:p>
-            <a:r>
-              <a:rPr lang="en-US" altLang="ko-KR" sz="2400" b="1" dirty="0"/>
-              <a:t>1. </a:t>
-            </a:r>
-            <a:r>
-              <a:rPr lang="ko-KR" altLang="en-US" sz="2400" b="1" dirty="0"/>
-              <a:t>방 만들기 눌렀을 때</a:t>
-            </a:r>
-            <a:r>
-              <a:rPr lang="en-US" altLang="ko-KR" sz="2400" b="1" dirty="0"/>
-              <a:t> UI</a:t>
-            </a:r>
-            <a:endParaRPr lang="ko-KR" altLang="en-US" b="1" dirty="0"/>
-          </a:p>
-        </p:txBody>
-      </p:sp>
-      <p:sp>
-        <p:nvSpPr>
-          <p:cNvPr id="6" name="TextBox 5">
-            <a:extLst>
-              <a:ext uri="{FF2B5EF4-FFF2-40B4-BE49-F238E27FC236}">
-                <a16:creationId xmlns:a16="http://schemas.microsoft.com/office/drawing/2014/main" id="{7178641B-2FB0-4169-AC2F-656E85E8D354}"/>
-              </a:ext>
-            </a:extLst>
-          </p:cNvPr>
-          <p:cNvSpPr txBox="1"/>
-          <p:nvPr/>
-        </p:nvSpPr>
-        <p:spPr>
-          <a:xfrm>
-            <a:off x="2761673" y="4199461"/>
-            <a:ext cx="1651414" cy="369332"/>
-          </a:xfrm>
-          <a:prstGeom prst="rect">
-            <a:avLst/>
-          </a:prstGeom>
-          <a:noFill/>
-        </p:spPr>
-        <p:txBody>
           <a:bodyPr wrap="square" rtlCol="0">
             <a:spAutoFit/>
           </a:bodyPr>
           <a:lstStyle/>
           <a:p>
             <a:r>
-              <a:rPr lang="ko-KR" altLang="en-US"/>
-              <a:t>최대 플레이어</a:t>
-            </a:r>
-          </a:p>
-        </p:txBody>
-      </p:sp>
-      <p:cxnSp>
-        <p:nvCxnSpPr>
-          <p:cNvPr id="96" name="직선 연결선 95">
-            <a:extLst>
-              <a:ext uri="{FF2B5EF4-FFF2-40B4-BE49-F238E27FC236}">
-                <a16:creationId xmlns:a16="http://schemas.microsoft.com/office/drawing/2014/main" id="{EEBBC13B-5A33-4EAD-B477-D22EF17843E8}"/>
-              </a:ext>
-            </a:extLst>
-          </p:cNvPr>
-          <p:cNvCxnSpPr>
-            <a:cxnSpLocks/>
-          </p:cNvCxnSpPr>
+              <a:rPr lang="ko-KR" altLang="en-US" sz="2800" b="1" dirty="0"/>
+              <a:t>게임 설명 </a:t>
+            </a:r>
+            <a:r>
+              <a:rPr lang="en-US" altLang="ko-KR" sz="2800" b="1" dirty="0"/>
+              <a:t>( </a:t>
+            </a:r>
+            <a:r>
+              <a:rPr lang="ko-KR" altLang="en-US" sz="2800" b="1" dirty="0"/>
+              <a:t>서버 </a:t>
+            </a:r>
+            <a:r>
+              <a:rPr lang="en-US" altLang="ko-KR" sz="2800" b="1" dirty="0"/>
+              <a:t>UI</a:t>
+            </a:r>
+            <a:r>
+              <a:rPr lang="ko-KR" altLang="en-US" sz="2800" b="1" dirty="0"/>
+              <a:t> </a:t>
+            </a:r>
+            <a:r>
+              <a:rPr lang="en-US" altLang="ko-KR" sz="2800" b="1" dirty="0"/>
+              <a:t>)</a:t>
+            </a:r>
+          </a:p>
+        </p:txBody>
+      </p:sp>
+      <p:sp>
+        <p:nvSpPr>
+          <p:cNvPr id="13" name="사각형: 둥근 모서리 12">
+            <a:extLst>
+              <a:ext uri="{FF2B5EF4-FFF2-40B4-BE49-F238E27FC236}">
+                <a16:creationId xmlns:a16="http://schemas.microsoft.com/office/drawing/2014/main" id="{9469EB77-5C08-4181-BFE6-400BACF970C8}"/>
+              </a:ext>
+            </a:extLst>
+          </p:cNvPr>
+          <p:cNvSpPr/>
           <p:nvPr/>
-        </p:nvCxnSpPr>
-        <p:spPr>
-          <a:xfrm>
-            <a:off x="4921107" y="4384127"/>
-            <a:ext cx="3994293" cy="0"/>
-          </a:xfrm>
-          <a:prstGeom prst="line">
+        </p:nvSpPr>
+        <p:spPr>
+          <a:xfrm rot="5400000">
+            <a:off x="4233349" y="1488"/>
+            <a:ext cx="3993138" cy="7952529"/>
+          </a:xfrm>
+          <a:prstGeom prst="roundRect">
             <a:avLst/>
           </a:prstGeom>
           <a:solidFill>
-            <a:schemeClr val="tx1"/>
+            <a:schemeClr val="accent5">
+              <a:lumMod val="20000"/>
+              <a:lumOff val="80000"/>
+            </a:schemeClr>
           </a:solidFill>
           <a:ln w="38100">
             <a:solidFill>
               <a:schemeClr val="tx1"/>
             </a:solidFill>
-          </a:ln>
-        </p:spPr>
-        <p:style>
-          <a:lnRef idx="1">
-            <a:schemeClr val="accent1"/>
-          </a:lnRef>
-          <a:fillRef idx="0">
-            <a:schemeClr val="accent1"/>
-          </a:fillRef>
-          <a:effectRef idx="0">
-            <a:schemeClr val="accent1"/>
-          </a:effectRef>
-          <a:fontRef idx="minor">
-            <a:schemeClr val="tx1"/>
-          </a:fontRef>
-        </p:style>
-      </p:cxnSp>
-      <p:sp>
-        <p:nvSpPr>
-          <p:cNvPr id="97" name="타원 96">
-            <a:extLst>
-              <a:ext uri="{FF2B5EF4-FFF2-40B4-BE49-F238E27FC236}">
-                <a16:creationId xmlns:a16="http://schemas.microsoft.com/office/drawing/2014/main" id="{7393A789-607C-48F4-A165-6CAAFD4206F1}"/>
-              </a:ext>
-            </a:extLst>
-          </p:cNvPr>
-          <p:cNvSpPr/>
-          <p:nvPr/>
-        </p:nvSpPr>
-        <p:spPr>
-          <a:xfrm>
-            <a:off x="5956517" y="4298402"/>
-            <a:ext cx="171450" cy="171450"/>
-          </a:xfrm>
-          <a:prstGeom prst="ellipse">
-            <a:avLst/>
-          </a:prstGeom>
-          <a:solidFill>
-            <a:schemeClr val="tx1"/>
-          </a:solidFill>
-          <a:ln>
-            <a:noFill/>
           </a:ln>
         </p:spPr>
         <p:style>
@@ -8355,16 +8774,16 @@
           <a:lstStyle/>
           <a:p>
             <a:pPr algn="ctr"/>
-            <a:endParaRPr lang="ko-KR" altLang="en-US"/>
-          </a:p>
-        </p:txBody>
-      </p:sp>
-      <p:sp>
-        <p:nvSpPr>
-          <p:cNvPr id="11" name="TextBox 10">
-            <a:extLst>
-              <a:ext uri="{FF2B5EF4-FFF2-40B4-BE49-F238E27FC236}">
-                <a16:creationId xmlns:a16="http://schemas.microsoft.com/office/drawing/2014/main" id="{8B0CB26C-131D-4AD3-BF6C-C3116315432F}"/>
+            <a:endParaRPr lang="ko-KR" altLang="en-US" dirty="0"/>
+          </a:p>
+        </p:txBody>
+      </p:sp>
+      <p:sp>
+        <p:nvSpPr>
+          <p:cNvPr id="6" name="TextBox 5">
+            <a:extLst>
+              <a:ext uri="{FF2B5EF4-FFF2-40B4-BE49-F238E27FC236}">
+                <a16:creationId xmlns:a16="http://schemas.microsoft.com/office/drawing/2014/main" id="{7178641B-2FB0-4169-AC2F-656E85E8D354}"/>
               </a:ext>
             </a:extLst>
           </p:cNvPr>
@@ -8373,8 +8792,8 @@
         </p:nvSpPr>
         <p:spPr>
           <a:xfrm>
-            <a:off x="9138033" y="4199461"/>
-            <a:ext cx="311304" cy="369332"/>
+            <a:off x="2761673" y="4199461"/>
+            <a:ext cx="1651414" cy="369332"/>
           </a:xfrm>
           <a:prstGeom prst="rect">
             <a:avLst/>
@@ -8388,75 +8807,83 @@
           <a:lstStyle/>
           <a:p>
             <a:r>
-              <a:rPr lang="en-US" altLang="ko-KR" dirty="0"/>
-              <a:t>5</a:t>
-            </a:r>
-            <a:endParaRPr lang="ko-KR" altLang="en-US" dirty="0"/>
-          </a:p>
-        </p:txBody>
-      </p:sp>
-      <p:sp>
-        <p:nvSpPr>
-          <p:cNvPr id="98" name="TextBox 97">
-            <a:extLst>
-              <a:ext uri="{FF2B5EF4-FFF2-40B4-BE49-F238E27FC236}">
-                <a16:creationId xmlns:a16="http://schemas.microsoft.com/office/drawing/2014/main" id="{481BFCCE-F1ED-45E3-B1E5-513973502471}"/>
-              </a:ext>
-            </a:extLst>
-          </p:cNvPr>
-          <p:cNvSpPr txBox="1"/>
+              <a:rPr lang="ko-KR" altLang="en-US"/>
+              <a:t>최대 플레이어</a:t>
+            </a:r>
+          </a:p>
+        </p:txBody>
+      </p:sp>
+      <p:cxnSp>
+        <p:nvCxnSpPr>
+          <p:cNvPr id="96" name="직선 연결선 95">
+            <a:extLst>
+              <a:ext uri="{FF2B5EF4-FFF2-40B4-BE49-F238E27FC236}">
+                <a16:creationId xmlns:a16="http://schemas.microsoft.com/office/drawing/2014/main" id="{EEBBC13B-5A33-4EAD-B477-D22EF17843E8}"/>
+              </a:ext>
+            </a:extLst>
+          </p:cNvPr>
+          <p:cNvCxnSpPr>
+            <a:cxnSpLocks/>
+          </p:cNvCxnSpPr>
           <p:nvPr/>
-        </p:nvSpPr>
-        <p:spPr>
-          <a:xfrm>
-            <a:off x="3264214" y="2979466"/>
-            <a:ext cx="646331" cy="369332"/>
-          </a:xfrm>
-          <a:prstGeom prst="rect">
-            <a:avLst/>
-          </a:prstGeom>
-          <a:noFill/>
-        </p:spPr>
-        <p:txBody>
-          <a:bodyPr wrap="square" rtlCol="0">
-            <a:spAutoFit/>
-          </a:bodyPr>
-          <a:lstStyle/>
-          <a:p>
-            <a:r>
-              <a:rPr lang="ko-KR" altLang="en-US" dirty="0"/>
-              <a:t>채팅</a:t>
-            </a:r>
-          </a:p>
-        </p:txBody>
-      </p:sp>
-      <p:sp>
-        <p:nvSpPr>
-          <p:cNvPr id="12" name="사각형: 둥근 모서리 11">
-            <a:extLst>
-              <a:ext uri="{FF2B5EF4-FFF2-40B4-BE49-F238E27FC236}">
-                <a16:creationId xmlns:a16="http://schemas.microsoft.com/office/drawing/2014/main" id="{84040D2B-F86C-40A7-95ED-543AD3C40E16}"/>
-              </a:ext>
-            </a:extLst>
-          </p:cNvPr>
-          <p:cNvSpPr/>
-          <p:nvPr/>
-        </p:nvSpPr>
-        <p:spPr>
-          <a:xfrm>
-            <a:off x="5365967" y="2916731"/>
-            <a:ext cx="971550" cy="482661"/>
-          </a:xfrm>
-          <a:prstGeom prst="roundRect">
+        </p:nvCxnSpPr>
+        <p:spPr>
+          <a:xfrm>
+            <a:off x="4921107" y="4384127"/>
+            <a:ext cx="3994293" cy="0"/>
+          </a:xfrm>
+          <a:prstGeom prst="line">
             <a:avLst/>
           </a:prstGeom>
           <a:solidFill>
-            <a:schemeClr val="bg1"/>
+            <a:schemeClr val="tx1"/>
           </a:solidFill>
-          <a:ln>
+          <a:ln w="38100">
             <a:solidFill>
               <a:schemeClr val="tx1"/>
             </a:solidFill>
+          </a:ln>
+        </p:spPr>
+        <p:style>
+          <a:lnRef idx="1">
+            <a:schemeClr val="accent1"/>
+          </a:lnRef>
+          <a:fillRef idx="0">
+            <a:schemeClr val="accent1"/>
+          </a:fillRef>
+          <a:effectRef idx="0">
+            <a:schemeClr val="accent1"/>
+          </a:effectRef>
+          <a:fontRef idx="minor">
+            <a:schemeClr val="tx1"/>
+          </a:fontRef>
+        </p:style>
+      </p:cxnSp>
+      <p:sp>
+        <p:nvSpPr>
+          <p:cNvPr id="97" name="타원 96">
+            <a:extLst>
+              <a:ext uri="{FF2B5EF4-FFF2-40B4-BE49-F238E27FC236}">
+                <a16:creationId xmlns:a16="http://schemas.microsoft.com/office/drawing/2014/main" id="{7393A789-607C-48F4-A165-6CAAFD4206F1}"/>
+              </a:ext>
+            </a:extLst>
+          </p:cNvPr>
+          <p:cNvSpPr/>
+          <p:nvPr/>
+        </p:nvSpPr>
+        <p:spPr>
+          <a:xfrm>
+            <a:off x="5956517" y="4298402"/>
+            <a:ext cx="171450" cy="171450"/>
+          </a:xfrm>
+          <a:prstGeom prst="ellipse">
+            <a:avLst/>
+          </a:prstGeom>
+          <a:solidFill>
+            <a:schemeClr val="tx1"/>
+          </a:solidFill>
+          <a:ln>
+            <a:noFill/>
           </a:ln>
         </p:spPr>
         <p:style>
@@ -8480,23 +8907,87 @@
           <a:lstStyle/>
           <a:p>
             <a:pPr algn="ctr"/>
-            <a:r>
-              <a:rPr lang="ko-KR" altLang="en-US" dirty="0">
-                <a:solidFill>
-                  <a:schemeClr val="tx1"/>
-                </a:solidFill>
-              </a:rPr>
-              <a:t>있음</a:t>
-            </a:r>
-          </a:p>
-        </p:txBody>
-      </p:sp>
-      <p:sp>
-        <p:nvSpPr>
-          <p:cNvPr id="99" name="사각형: 둥근 모서리 98">
-            <a:extLst>
-              <a:ext uri="{FF2B5EF4-FFF2-40B4-BE49-F238E27FC236}">
-                <a16:creationId xmlns:a16="http://schemas.microsoft.com/office/drawing/2014/main" id="{384E7686-B589-4CC0-8A2C-5D504EFB8C11}"/>
+            <a:endParaRPr lang="ko-KR" altLang="en-US"/>
+          </a:p>
+        </p:txBody>
+      </p:sp>
+      <p:sp>
+        <p:nvSpPr>
+          <p:cNvPr id="11" name="TextBox 10">
+            <a:extLst>
+              <a:ext uri="{FF2B5EF4-FFF2-40B4-BE49-F238E27FC236}">
+                <a16:creationId xmlns:a16="http://schemas.microsoft.com/office/drawing/2014/main" id="{8B0CB26C-131D-4AD3-BF6C-C3116315432F}"/>
+              </a:ext>
+            </a:extLst>
+          </p:cNvPr>
+          <p:cNvSpPr txBox="1"/>
+          <p:nvPr/>
+        </p:nvSpPr>
+        <p:spPr>
+          <a:xfrm>
+            <a:off x="9138033" y="4199461"/>
+            <a:ext cx="311304" cy="369332"/>
+          </a:xfrm>
+          <a:prstGeom prst="rect">
+            <a:avLst/>
+          </a:prstGeom>
+          <a:noFill/>
+        </p:spPr>
+        <p:txBody>
+          <a:bodyPr wrap="square" rtlCol="0">
+            <a:spAutoFit/>
+          </a:bodyPr>
+          <a:lstStyle/>
+          <a:p>
+            <a:r>
+              <a:rPr lang="en-US" altLang="ko-KR" dirty="0"/>
+              <a:t>5</a:t>
+            </a:r>
+            <a:endParaRPr lang="ko-KR" altLang="en-US" dirty="0"/>
+          </a:p>
+        </p:txBody>
+      </p:sp>
+      <p:sp>
+        <p:nvSpPr>
+          <p:cNvPr id="98" name="TextBox 97">
+            <a:extLst>
+              <a:ext uri="{FF2B5EF4-FFF2-40B4-BE49-F238E27FC236}">
+                <a16:creationId xmlns:a16="http://schemas.microsoft.com/office/drawing/2014/main" id="{481BFCCE-F1ED-45E3-B1E5-513973502471}"/>
+              </a:ext>
+            </a:extLst>
+          </p:cNvPr>
+          <p:cNvSpPr txBox="1"/>
+          <p:nvPr/>
+        </p:nvSpPr>
+        <p:spPr>
+          <a:xfrm>
+            <a:off x="3264214" y="2979466"/>
+            <a:ext cx="646331" cy="369332"/>
+          </a:xfrm>
+          <a:prstGeom prst="rect">
+            <a:avLst/>
+          </a:prstGeom>
+          <a:noFill/>
+        </p:spPr>
+        <p:txBody>
+          <a:bodyPr wrap="square" rtlCol="0">
+            <a:spAutoFit/>
+          </a:bodyPr>
+          <a:lstStyle/>
+          <a:p>
+            <a:r>
+              <a:rPr lang="ko-KR" altLang="en-US" dirty="0"/>
+              <a:t>채팅</a:t>
+            </a:r>
+          </a:p>
+        </p:txBody>
+      </p:sp>
+      <p:sp>
+        <p:nvSpPr>
+          <p:cNvPr id="12" name="사각형: 둥근 모서리 11">
+            <a:extLst>
+              <a:ext uri="{FF2B5EF4-FFF2-40B4-BE49-F238E27FC236}">
+                <a16:creationId xmlns:a16="http://schemas.microsoft.com/office/drawing/2014/main" id="{84040D2B-F86C-40A7-95ED-543AD3C40E16}"/>
               </a:ext>
             </a:extLst>
           </p:cNvPr>
@@ -8505,7 +8996,7 @@
         </p:nvSpPr>
         <p:spPr>
           <a:xfrm>
-            <a:off x="7309905" y="2916731"/>
+            <a:off x="5365967" y="2916731"/>
             <a:ext cx="971550" cy="482661"/>
           </a:xfrm>
           <a:prstGeom prst="roundRect">
@@ -8547,53 +9038,17 @@
                   <a:schemeClr val="tx1"/>
                 </a:solidFill>
               </a:rPr>
-              <a:t>없음</a:t>
-            </a:r>
-          </a:p>
-        </p:txBody>
-      </p:sp>
-      <p:sp>
-        <p:nvSpPr>
-          <p:cNvPr id="100" name="TextBox 99">
-            <a:extLst>
-              <a:ext uri="{FF2B5EF4-FFF2-40B4-BE49-F238E27FC236}">
-                <a16:creationId xmlns:a16="http://schemas.microsoft.com/office/drawing/2014/main" id="{3CE54C35-EA9F-43A2-8AB7-7742EB34BA64}"/>
-              </a:ext>
-            </a:extLst>
-          </p:cNvPr>
-          <p:cNvSpPr txBox="1"/>
-          <p:nvPr/>
-        </p:nvSpPr>
-        <p:spPr>
-          <a:xfrm>
-            <a:off x="3107920" y="2295376"/>
-            <a:ext cx="958917" cy="369332"/>
-          </a:xfrm>
-          <a:prstGeom prst="rect">
-            <a:avLst/>
-          </a:prstGeom>
-          <a:noFill/>
-        </p:spPr>
-        <p:txBody>
-          <a:bodyPr wrap="square" rtlCol="0">
-            <a:spAutoFit/>
-          </a:bodyPr>
-          <a:lstStyle/>
-          <a:p>
-            <a:r>
-              <a:rPr lang="ko-KR" altLang="en-US"/>
-              <a:t>방 이름</a:t>
-            </a:r>
-            <a:endParaRPr lang="ko-KR" altLang="en-US" dirty="0"/>
-          </a:p>
-        </p:txBody>
-      </p:sp>
-      <p:sp>
-        <p:nvSpPr>
-          <p:cNvPr id="14" name="사각형: 둥근 모서리 13">
-            <a:extLst>
-              <a:ext uri="{FF2B5EF4-FFF2-40B4-BE49-F238E27FC236}">
-                <a16:creationId xmlns:a16="http://schemas.microsoft.com/office/drawing/2014/main" id="{62EDD11C-73C3-4375-9E6F-865CD234192E}"/>
+              <a:t>있음</a:t>
+            </a:r>
+          </a:p>
+        </p:txBody>
+      </p:sp>
+      <p:sp>
+        <p:nvSpPr>
+          <p:cNvPr id="99" name="사각형: 둥근 모서리 98">
+            <a:extLst>
+              <a:ext uri="{FF2B5EF4-FFF2-40B4-BE49-F238E27FC236}">
+                <a16:creationId xmlns:a16="http://schemas.microsoft.com/office/drawing/2014/main" id="{384E7686-B589-4CC0-8A2C-5D504EFB8C11}"/>
               </a:ext>
             </a:extLst>
           </p:cNvPr>
@@ -8602,8 +9057,8 @@
         </p:nvSpPr>
         <p:spPr>
           <a:xfrm>
-            <a:off x="4770365" y="2222701"/>
-            <a:ext cx="4295775" cy="482650"/>
+            <a:off x="7309905" y="2916731"/>
+            <a:ext cx="971550" cy="482661"/>
           </a:xfrm>
           <a:prstGeom prst="roundRect">
             <a:avLst/>
@@ -8639,43 +9094,58 @@
           <a:p>
             <a:pPr algn="ctr"/>
             <a:r>
-              <a:rPr lang="en-US" altLang="ko-KR" dirty="0">
-                <a:solidFill>
-                  <a:schemeClr val="tx1"/>
-                </a:solidFill>
-              </a:rPr>
-              <a:t>(14</a:t>
-            </a:r>
-            <a:r>
               <a:rPr lang="ko-KR" altLang="en-US" dirty="0">
                 <a:solidFill>
                   <a:schemeClr val="tx1"/>
                 </a:solidFill>
               </a:rPr>
-              <a:t>글자 사이로 이름 지어</a:t>
-            </a:r>
-            <a:r>
-              <a:rPr lang="en-US" altLang="ko-KR" dirty="0">
-                <a:solidFill>
-                  <a:schemeClr val="tx1"/>
-                </a:solidFill>
-              </a:rPr>
-              <a:t>)</a:t>
-            </a:r>
-            <a:endParaRPr lang="ko-KR" altLang="en-US" dirty="0">
-              <a:solidFill>
-                <a:schemeClr val="tx1"/>
-              </a:solidFill>
-            </a:endParaRPr>
-          </a:p>
-        </p:txBody>
-      </p:sp>
-      <p:sp>
-        <p:nvSpPr>
-          <p:cNvPr id="15" name="직사각형 14">
-            <a:extLst>
-              <a:ext uri="{FF2B5EF4-FFF2-40B4-BE49-F238E27FC236}">
-                <a16:creationId xmlns:a16="http://schemas.microsoft.com/office/drawing/2014/main" id="{6BC6873E-2154-4994-8F9D-CBD7A37F3AC9}"/>
+              <a:t>없음</a:t>
+            </a:r>
+          </a:p>
+        </p:txBody>
+      </p:sp>
+      <p:sp>
+        <p:nvSpPr>
+          <p:cNvPr id="100" name="TextBox 99">
+            <a:extLst>
+              <a:ext uri="{FF2B5EF4-FFF2-40B4-BE49-F238E27FC236}">
+                <a16:creationId xmlns:a16="http://schemas.microsoft.com/office/drawing/2014/main" id="{3CE54C35-EA9F-43A2-8AB7-7742EB34BA64}"/>
+              </a:ext>
+            </a:extLst>
+          </p:cNvPr>
+          <p:cNvSpPr txBox="1"/>
+          <p:nvPr/>
+        </p:nvSpPr>
+        <p:spPr>
+          <a:xfrm>
+            <a:off x="3107920" y="2295376"/>
+            <a:ext cx="958917" cy="369332"/>
+          </a:xfrm>
+          <a:prstGeom prst="rect">
+            <a:avLst/>
+          </a:prstGeom>
+          <a:noFill/>
+        </p:spPr>
+        <p:txBody>
+          <a:bodyPr wrap="square" rtlCol="0">
+            <a:spAutoFit/>
+          </a:bodyPr>
+          <a:lstStyle/>
+          <a:p>
+            <a:r>
+              <a:rPr lang="ko-KR" altLang="en-US"/>
+              <a:t>방 이름</a:t>
+            </a:r>
+            <a:endParaRPr lang="ko-KR" altLang="en-US" dirty="0"/>
+          </a:p>
+        </p:txBody>
+      </p:sp>
+      <p:sp>
+        <p:nvSpPr>
+          <p:cNvPr id="14" name="사각형: 둥근 모서리 13">
+            <a:extLst>
+              <a:ext uri="{FF2B5EF4-FFF2-40B4-BE49-F238E27FC236}">
+                <a16:creationId xmlns:a16="http://schemas.microsoft.com/office/drawing/2014/main" id="{62EDD11C-73C3-4375-9E6F-865CD234192E}"/>
               </a:ext>
             </a:extLst>
           </p:cNvPr>
@@ -8684,16 +9154,16 @@
         </p:nvSpPr>
         <p:spPr>
           <a:xfrm>
-            <a:off x="7007358" y="4921371"/>
-            <a:ext cx="1480060" cy="555136"/>
-          </a:xfrm>
-          <a:prstGeom prst="rect">
+            <a:off x="4770365" y="2222701"/>
+            <a:ext cx="4295775" cy="482650"/>
+          </a:xfrm>
+          <a:prstGeom prst="roundRect">
             <a:avLst/>
           </a:prstGeom>
           <a:solidFill>
             <a:schemeClr val="bg1"/>
           </a:solidFill>
-          <a:ln w="28575">
+          <a:ln>
             <a:solidFill>
               <a:schemeClr val="tx1"/>
             </a:solidFill>
@@ -8721,22 +9191,43 @@
           <a:p>
             <a:pPr algn="ctr"/>
             <a:r>
-              <a:rPr lang="ko-KR" altLang="en-US" sz="1600" b="1" dirty="0">
+              <a:rPr lang="en-US" altLang="ko-KR" dirty="0">
                 <a:solidFill>
                   <a:schemeClr val="tx1"/>
                 </a:solidFill>
               </a:rPr>
-              <a:t>방 만들기</a:t>
-            </a:r>
-          </a:p>
-        </p:txBody>
-      </p:sp>
-      <p:sp>
-        <p:nvSpPr>
-          <p:cNvPr id="102" name="직사각형 101">
-            <a:extLst>
-              <a:ext uri="{FF2B5EF4-FFF2-40B4-BE49-F238E27FC236}">
-                <a16:creationId xmlns:a16="http://schemas.microsoft.com/office/drawing/2014/main" id="{5660AC97-EF03-4DAC-B1F0-55FED3DCF6D2}"/>
+              <a:t>(14</a:t>
+            </a:r>
+            <a:r>
+              <a:rPr lang="ko-KR" altLang="en-US" dirty="0">
+                <a:solidFill>
+                  <a:schemeClr val="tx1"/>
+                </a:solidFill>
+              </a:rPr>
+              <a:t>글자 사이로 이름 지어</a:t>
+            </a:r>
+            <a:r>
+              <a:rPr lang="en-US" altLang="ko-KR" dirty="0">
+                <a:solidFill>
+                  <a:schemeClr val="tx1"/>
+                </a:solidFill>
+              </a:rPr>
+              <a:t>)</a:t>
+            </a:r>
+            <a:endParaRPr lang="ko-KR" altLang="en-US" dirty="0">
+              <a:solidFill>
+                <a:schemeClr val="tx1"/>
+              </a:solidFill>
+            </a:endParaRPr>
+          </a:p>
+        </p:txBody>
+      </p:sp>
+      <p:sp>
+        <p:nvSpPr>
+          <p:cNvPr id="15" name="직사각형 14">
+            <a:extLst>
+              <a:ext uri="{FF2B5EF4-FFF2-40B4-BE49-F238E27FC236}">
+                <a16:creationId xmlns:a16="http://schemas.microsoft.com/office/drawing/2014/main" id="{6BC6873E-2154-4994-8F9D-CBD7A37F3AC9}"/>
               </a:ext>
             </a:extLst>
           </p:cNvPr>
@@ -8745,7 +9236,7 @@
         </p:nvSpPr>
         <p:spPr>
           <a:xfrm>
-            <a:off x="4306586" y="4926048"/>
+            <a:off x="7007358" y="4921371"/>
             <a:ext cx="1480060" cy="555136"/>
           </a:xfrm>
           <a:prstGeom prst="rect">
@@ -8787,196 +9278,38 @@
                   <a:schemeClr val="tx1"/>
                 </a:solidFill>
               </a:rPr>
-              <a:t>취소</a:t>
-            </a:r>
-          </a:p>
-        </p:txBody>
-      </p:sp>
-      <p:cxnSp>
-        <p:nvCxnSpPr>
-          <p:cNvPr id="17" name="직선 화살표 연결선 16">
-            <a:extLst>
-              <a:ext uri="{FF2B5EF4-FFF2-40B4-BE49-F238E27FC236}">
-                <a16:creationId xmlns:a16="http://schemas.microsoft.com/office/drawing/2014/main" id="{9AEF82E9-0DBC-42D6-B26D-AB477C721396}"/>
-              </a:ext>
-            </a:extLst>
-          </p:cNvPr>
-          <p:cNvCxnSpPr>
-            <a:cxnSpLocks/>
-            <a:stCxn id="18" idx="1"/>
-            <a:endCxn id="14" idx="3"/>
-          </p:cNvCxnSpPr>
+              <a:t>방 만들기</a:t>
+            </a:r>
+          </a:p>
+        </p:txBody>
+      </p:sp>
+      <p:sp>
+        <p:nvSpPr>
+          <p:cNvPr id="102" name="직사각형 101">
+            <a:extLst>
+              <a:ext uri="{FF2B5EF4-FFF2-40B4-BE49-F238E27FC236}">
+                <a16:creationId xmlns:a16="http://schemas.microsoft.com/office/drawing/2014/main" id="{5660AC97-EF03-4DAC-B1F0-55FED3DCF6D2}"/>
+              </a:ext>
+            </a:extLst>
+          </p:cNvPr>
+          <p:cNvSpPr/>
           <p:nvPr/>
-        </p:nvCxnSpPr>
-        <p:spPr>
-          <a:xfrm flipH="1" flipV="1">
-            <a:off x="9066140" y="2464026"/>
-            <a:ext cx="1392693" cy="276997"/>
-          </a:xfrm>
-          <a:prstGeom prst="straightConnector1">
-            <a:avLst/>
-          </a:prstGeom>
-          <a:ln>
-            <a:tailEnd type="triangle"/>
-          </a:ln>
-        </p:spPr>
-        <p:style>
-          <a:lnRef idx="1">
-            <a:schemeClr val="accent1"/>
-          </a:lnRef>
-          <a:fillRef idx="0">
-            <a:schemeClr val="accent1"/>
-          </a:fillRef>
-          <a:effectRef idx="0">
-            <a:schemeClr val="accent1"/>
-          </a:effectRef>
-          <a:fontRef idx="minor">
-            <a:schemeClr val="tx1"/>
-          </a:fontRef>
-        </p:style>
-      </p:cxnSp>
-      <p:sp>
-        <p:nvSpPr>
-          <p:cNvPr id="18" name="TextBox 17">
-            <a:extLst>
-              <a:ext uri="{FF2B5EF4-FFF2-40B4-BE49-F238E27FC236}">
-                <a16:creationId xmlns:a16="http://schemas.microsoft.com/office/drawing/2014/main" id="{FA3E7DE0-AC7A-4781-9E41-0FDC34A34AC0}"/>
-              </a:ext>
-            </a:extLst>
-          </p:cNvPr>
-          <p:cNvSpPr txBox="1"/>
-          <p:nvPr/>
-        </p:nvSpPr>
-        <p:spPr>
-          <a:xfrm>
-            <a:off x="10458833" y="2556357"/>
-            <a:ext cx="1733167" cy="369332"/>
+        </p:nvSpPr>
+        <p:spPr>
+          <a:xfrm>
+            <a:off x="4306586" y="4926048"/>
+            <a:ext cx="1480060" cy="555136"/>
           </a:xfrm>
           <a:prstGeom prst="rect">
             <a:avLst/>
           </a:prstGeom>
-          <a:noFill/>
-        </p:spPr>
-        <p:txBody>
-          <a:bodyPr wrap="none" rtlCol="0">
-            <a:spAutoFit/>
-          </a:bodyPr>
-          <a:lstStyle/>
-          <a:p>
-            <a:r>
-              <a:rPr lang="ko-KR" altLang="en-US" dirty="0"/>
-              <a:t>띄어 쓰기 포함</a:t>
-            </a:r>
-          </a:p>
-        </p:txBody>
-      </p:sp>
-      <p:sp>
-        <p:nvSpPr>
-          <p:cNvPr id="105" name="TextBox 104">
-            <a:extLst>
-              <a:ext uri="{FF2B5EF4-FFF2-40B4-BE49-F238E27FC236}">
-                <a16:creationId xmlns:a16="http://schemas.microsoft.com/office/drawing/2014/main" id="{508954C5-E612-4B28-9128-DC66105252A6}"/>
-              </a:ext>
-            </a:extLst>
-          </p:cNvPr>
-          <p:cNvSpPr txBox="1"/>
-          <p:nvPr/>
-        </p:nvSpPr>
-        <p:spPr>
-          <a:xfrm>
-            <a:off x="2982252" y="3599547"/>
-            <a:ext cx="1210252" cy="369332"/>
-          </a:xfrm>
-          <a:prstGeom prst="rect">
-            <a:avLst/>
-          </a:prstGeom>
-          <a:noFill/>
-        </p:spPr>
-        <p:txBody>
-          <a:bodyPr wrap="square" rtlCol="0">
-            <a:spAutoFit/>
-          </a:bodyPr>
-          <a:lstStyle/>
-          <a:p>
-            <a:r>
-              <a:rPr lang="ko-KR" altLang="en-US"/>
-              <a:t>납치자 수</a:t>
-            </a:r>
-            <a:endParaRPr lang="ko-KR" altLang="en-US" dirty="0"/>
-          </a:p>
-        </p:txBody>
-      </p:sp>
-      <p:cxnSp>
-        <p:nvCxnSpPr>
-          <p:cNvPr id="107" name="직선 연결선 106">
-            <a:extLst>
-              <a:ext uri="{FF2B5EF4-FFF2-40B4-BE49-F238E27FC236}">
-                <a16:creationId xmlns:a16="http://schemas.microsoft.com/office/drawing/2014/main" id="{419C8202-A403-41DE-B705-4956FC9DD17E}"/>
-              </a:ext>
-            </a:extLst>
-          </p:cNvPr>
-          <p:cNvCxnSpPr>
-            <a:cxnSpLocks/>
-          </p:cNvCxnSpPr>
-          <p:nvPr/>
-        </p:nvCxnSpPr>
-        <p:spPr>
-          <a:xfrm>
-            <a:off x="4921107" y="3787782"/>
-            <a:ext cx="3994293" cy="0"/>
-          </a:xfrm>
-          <a:prstGeom prst="line">
-            <a:avLst/>
-          </a:prstGeom>
           <a:solidFill>
-            <a:schemeClr val="tx1"/>
+            <a:schemeClr val="bg1"/>
           </a:solidFill>
-          <a:ln w="38100">
+          <a:ln w="28575">
             <a:solidFill>
               <a:schemeClr val="tx1"/>
             </a:solidFill>
-          </a:ln>
-        </p:spPr>
-        <p:style>
-          <a:lnRef idx="1">
-            <a:schemeClr val="accent1"/>
-          </a:lnRef>
-          <a:fillRef idx="0">
-            <a:schemeClr val="accent1"/>
-          </a:fillRef>
-          <a:effectRef idx="0">
-            <a:schemeClr val="accent1"/>
-          </a:effectRef>
-          <a:fontRef idx="minor">
-            <a:schemeClr val="tx1"/>
-          </a:fontRef>
-        </p:style>
-      </p:cxnSp>
-      <p:sp>
-        <p:nvSpPr>
-          <p:cNvPr id="108" name="타원 107">
-            <a:extLst>
-              <a:ext uri="{FF2B5EF4-FFF2-40B4-BE49-F238E27FC236}">
-                <a16:creationId xmlns:a16="http://schemas.microsoft.com/office/drawing/2014/main" id="{DE61CC0F-3458-439C-871E-D2B9213D67AC}"/>
-              </a:ext>
-            </a:extLst>
-          </p:cNvPr>
-          <p:cNvSpPr/>
-          <p:nvPr/>
-        </p:nvSpPr>
-        <p:spPr>
-          <a:xfrm>
-            <a:off x="6042242" y="3698488"/>
-            <a:ext cx="171450" cy="171450"/>
-          </a:xfrm>
-          <a:prstGeom prst="ellipse">
-            <a:avLst/>
-          </a:prstGeom>
-          <a:solidFill>
-            <a:schemeClr val="tx1"/>
-          </a:solidFill>
-          <a:ln>
-            <a:noFill/>
           </a:ln>
         </p:spPr>
         <p:style>
@@ -9000,65 +9333,37 @@
           <a:lstStyle/>
           <a:p>
             <a:pPr algn="ctr"/>
-            <a:endParaRPr lang="ko-KR" altLang="en-US"/>
-          </a:p>
-        </p:txBody>
-      </p:sp>
-      <p:sp>
-        <p:nvSpPr>
-          <p:cNvPr id="109" name="TextBox 108">
-            <a:extLst>
-              <a:ext uri="{FF2B5EF4-FFF2-40B4-BE49-F238E27FC236}">
-                <a16:creationId xmlns:a16="http://schemas.microsoft.com/office/drawing/2014/main" id="{28D8B948-0E67-4247-8B87-7AE4AE68853A}"/>
-              </a:ext>
-            </a:extLst>
-          </p:cNvPr>
-          <p:cNvSpPr txBox="1"/>
-          <p:nvPr/>
-        </p:nvSpPr>
-        <p:spPr>
-          <a:xfrm>
-            <a:off x="9134681" y="3599547"/>
-            <a:ext cx="311304" cy="369332"/>
-          </a:xfrm>
-          <a:prstGeom prst="rect">
-            <a:avLst/>
-          </a:prstGeom>
-          <a:noFill/>
-        </p:spPr>
-        <p:txBody>
-          <a:bodyPr wrap="square" rtlCol="0">
-            <a:spAutoFit/>
-          </a:bodyPr>
-          <a:lstStyle/>
-          <a:p>
-            <a:r>
-              <a:rPr lang="en-US" altLang="ko-KR" dirty="0"/>
-              <a:t>1</a:t>
-            </a:r>
-            <a:endParaRPr lang="ko-KR" altLang="en-US" dirty="0"/>
+            <a:r>
+              <a:rPr lang="ko-KR" altLang="en-US" sz="1600" b="1" dirty="0">
+                <a:solidFill>
+                  <a:schemeClr val="tx1"/>
+                </a:solidFill>
+              </a:rPr>
+              <a:t>취소</a:t>
+            </a:r>
           </a:p>
         </p:txBody>
       </p:sp>
       <p:cxnSp>
         <p:nvCxnSpPr>
-          <p:cNvPr id="110" name="직선 화살표 연결선 109">
-            <a:extLst>
-              <a:ext uri="{FF2B5EF4-FFF2-40B4-BE49-F238E27FC236}">
-                <a16:creationId xmlns:a16="http://schemas.microsoft.com/office/drawing/2014/main" id="{8049BD7E-9477-4160-8115-65BD6CF420F1}"/>
+          <p:cNvPr id="17" name="직선 화살표 연결선 16">
+            <a:extLst>
+              <a:ext uri="{FF2B5EF4-FFF2-40B4-BE49-F238E27FC236}">
+                <a16:creationId xmlns:a16="http://schemas.microsoft.com/office/drawing/2014/main" id="{9AEF82E9-0DBC-42D6-B26D-AB477C721396}"/>
               </a:ext>
             </a:extLst>
           </p:cNvPr>
           <p:cNvCxnSpPr>
             <a:cxnSpLocks/>
-            <a:stCxn id="111" idx="1"/>
+            <a:stCxn id="18" idx="1"/>
+            <a:endCxn id="14" idx="3"/>
           </p:cNvCxnSpPr>
           <p:nvPr/>
         </p:nvCxnSpPr>
         <p:spPr>
-          <a:xfrm flipH="1">
-            <a:off x="9568488" y="3408532"/>
-            <a:ext cx="886566" cy="385282"/>
+          <a:xfrm flipH="1" flipV="1">
+            <a:off x="9066140" y="2464026"/>
+            <a:ext cx="1392693" cy="276997"/>
           </a:xfrm>
           <a:prstGeom prst="straightConnector1">
             <a:avLst/>
@@ -9084,10 +9389,10 @@
       </p:cxnSp>
       <p:sp>
         <p:nvSpPr>
-          <p:cNvPr id="111" name="TextBox 110">
-            <a:extLst>
-              <a:ext uri="{FF2B5EF4-FFF2-40B4-BE49-F238E27FC236}">
-                <a16:creationId xmlns:a16="http://schemas.microsoft.com/office/drawing/2014/main" id="{5EDA0C3F-EC99-45C3-BBDF-41D71A469187}"/>
+          <p:cNvPr id="18" name="TextBox 17">
+            <a:extLst>
+              <a:ext uri="{FF2B5EF4-FFF2-40B4-BE49-F238E27FC236}">
+                <a16:creationId xmlns:a16="http://schemas.microsoft.com/office/drawing/2014/main" id="{FA3E7DE0-AC7A-4781-9E41-0FDC34A34AC0}"/>
               </a:ext>
             </a:extLst>
           </p:cNvPr>
@@ -9096,8 +9401,8 @@
         </p:nvSpPr>
         <p:spPr>
           <a:xfrm>
-            <a:off x="10455054" y="3223866"/>
-            <a:ext cx="994183" cy="369332"/>
+            <a:off x="10458833" y="2556357"/>
+            <a:ext cx="1733167" cy="369332"/>
           </a:xfrm>
           <a:prstGeom prst="rect">
             <a:avLst/>
@@ -9111,22 +9416,18 @@
           <a:lstStyle/>
           <a:p>
             <a:r>
-              <a:rPr lang="en-US" altLang="ko-KR" dirty="0"/>
-              <a:t>1 ~ 3</a:t>
-            </a:r>
-            <a:r>
               <a:rPr lang="ko-KR" altLang="en-US" dirty="0"/>
-              <a:t>명</a:t>
-            </a:r>
-          </a:p>
-        </p:txBody>
-      </p:sp>
-      <p:sp>
-        <p:nvSpPr>
-          <p:cNvPr id="112" name="TextBox 111">
-            <a:extLst>
-              <a:ext uri="{FF2B5EF4-FFF2-40B4-BE49-F238E27FC236}">
-                <a16:creationId xmlns:a16="http://schemas.microsoft.com/office/drawing/2014/main" id="{04E54D22-346B-4D9E-8902-1DC430745278}"/>
+              <a:t>띄어 쓰기 포함</a:t>
+            </a:r>
+          </a:p>
+        </p:txBody>
+      </p:sp>
+      <p:sp>
+        <p:nvSpPr>
+          <p:cNvPr id="105" name="TextBox 104">
+            <a:extLst>
+              <a:ext uri="{FF2B5EF4-FFF2-40B4-BE49-F238E27FC236}">
+                <a16:creationId xmlns:a16="http://schemas.microsoft.com/office/drawing/2014/main" id="{508954C5-E612-4B28-9128-DC66105252A6}"/>
               </a:ext>
             </a:extLst>
           </p:cNvPr>
@@ -9135,8 +9436,8 @@
         </p:nvSpPr>
         <p:spPr>
           <a:xfrm>
-            <a:off x="10455054" y="5212980"/>
-            <a:ext cx="1816523" cy="369332"/>
+            <a:off x="2982252" y="3599547"/>
+            <a:ext cx="1210252" cy="369332"/>
           </a:xfrm>
           <a:prstGeom prst="rect">
             <a:avLst/>
@@ -9144,55 +9445,48 @@
           <a:noFill/>
         </p:spPr>
         <p:txBody>
-          <a:bodyPr wrap="none" rtlCol="0">
+          <a:bodyPr wrap="square" rtlCol="0">
             <a:spAutoFit/>
           </a:bodyPr>
           <a:lstStyle/>
           <a:p>
             <a:r>
-              <a:rPr lang="en-US" altLang="ko-KR" dirty="0"/>
-              <a:t>4 ~ 10(or</a:t>
-            </a:r>
-            <a:r>
-              <a:rPr lang="ko-KR" altLang="en-US" dirty="0"/>
-              <a:t> </a:t>
-            </a:r>
-            <a:r>
-              <a:rPr lang="en-US" altLang="ko-KR" dirty="0"/>
-              <a:t>12)</a:t>
-            </a:r>
-            <a:r>
-              <a:rPr lang="ko-KR" altLang="en-US" dirty="0"/>
-              <a:t>명</a:t>
-            </a:r>
+              <a:rPr lang="ko-KR" altLang="en-US"/>
+              <a:t>납치자 수</a:t>
+            </a:r>
+            <a:endParaRPr lang="ko-KR" altLang="en-US" dirty="0"/>
           </a:p>
         </p:txBody>
       </p:sp>
       <p:cxnSp>
         <p:nvCxnSpPr>
-          <p:cNvPr id="113" name="직선 화살표 연결선 112">
-            <a:extLst>
-              <a:ext uri="{FF2B5EF4-FFF2-40B4-BE49-F238E27FC236}">
-                <a16:creationId xmlns:a16="http://schemas.microsoft.com/office/drawing/2014/main" id="{B906D61D-C8B2-4206-8BBF-1497E55B5668}"/>
+          <p:cNvPr id="107" name="직선 연결선 106">
+            <a:extLst>
+              <a:ext uri="{FF2B5EF4-FFF2-40B4-BE49-F238E27FC236}">
+                <a16:creationId xmlns:a16="http://schemas.microsoft.com/office/drawing/2014/main" id="{419C8202-A403-41DE-B705-4956FC9DD17E}"/>
               </a:ext>
             </a:extLst>
           </p:cNvPr>
           <p:cNvCxnSpPr>
             <a:cxnSpLocks/>
-            <a:stCxn id="112" idx="1"/>
           </p:cNvCxnSpPr>
           <p:nvPr/>
         </p:nvCxnSpPr>
         <p:spPr>
-          <a:xfrm flipH="1" flipV="1">
-            <a:off x="9430328" y="4409282"/>
-            <a:ext cx="1024726" cy="988364"/>
-          </a:xfrm>
-          <a:prstGeom prst="straightConnector1">
+          <a:xfrm>
+            <a:off x="4921107" y="3787782"/>
+            <a:ext cx="3994293" cy="0"/>
+          </a:xfrm>
+          <a:prstGeom prst="line">
             <a:avLst/>
           </a:prstGeom>
-          <a:ln>
-            <a:tailEnd type="triangle"/>
+          <a:solidFill>
+            <a:schemeClr val="tx1"/>
+          </a:solidFill>
+          <a:ln w="38100">
+            <a:solidFill>
+              <a:schemeClr val="tx1"/>
+            </a:solidFill>
           </a:ln>
         </p:spPr>
         <p:style>
@@ -9212,10 +9506,62 @@
       </p:cxnSp>
       <p:sp>
         <p:nvSpPr>
-          <p:cNvPr id="27" name="TextBox 26">
-            <a:extLst>
-              <a:ext uri="{FF2B5EF4-FFF2-40B4-BE49-F238E27FC236}">
-                <a16:creationId xmlns:a16="http://schemas.microsoft.com/office/drawing/2014/main" id="{0BC59FE7-2EB4-4852-9797-719FDFB082D0}"/>
+          <p:cNvPr id="108" name="타원 107">
+            <a:extLst>
+              <a:ext uri="{FF2B5EF4-FFF2-40B4-BE49-F238E27FC236}">
+                <a16:creationId xmlns:a16="http://schemas.microsoft.com/office/drawing/2014/main" id="{DE61CC0F-3458-439C-871E-D2B9213D67AC}"/>
+              </a:ext>
+            </a:extLst>
+          </p:cNvPr>
+          <p:cNvSpPr/>
+          <p:nvPr/>
+        </p:nvSpPr>
+        <p:spPr>
+          <a:xfrm>
+            <a:off x="6042242" y="3698488"/>
+            <a:ext cx="171450" cy="171450"/>
+          </a:xfrm>
+          <a:prstGeom prst="ellipse">
+            <a:avLst/>
+          </a:prstGeom>
+          <a:solidFill>
+            <a:schemeClr val="tx1"/>
+          </a:solidFill>
+          <a:ln>
+            <a:noFill/>
+          </a:ln>
+        </p:spPr>
+        <p:style>
+          <a:lnRef idx="2">
+            <a:schemeClr val="accent1">
+              <a:shade val="50000"/>
+            </a:schemeClr>
+          </a:lnRef>
+          <a:fillRef idx="1">
+            <a:schemeClr val="accent1"/>
+          </a:fillRef>
+          <a:effectRef idx="0">
+            <a:schemeClr val="accent1"/>
+          </a:effectRef>
+          <a:fontRef idx="minor">
+            <a:schemeClr val="lt1"/>
+          </a:fontRef>
+        </p:style>
+        <p:txBody>
+          <a:bodyPr rtlCol="0" anchor="ctr"/>
+          <a:lstStyle/>
+          <a:p>
+            <a:pPr algn="ctr"/>
+            <a:endParaRPr lang="ko-KR" altLang="en-US"/>
+          </a:p>
+        </p:txBody>
+      </p:sp>
+      <p:sp>
+        <p:nvSpPr>
+          <p:cNvPr id="109" name="TextBox 108">
+            <a:extLst>
+              <a:ext uri="{FF2B5EF4-FFF2-40B4-BE49-F238E27FC236}">
+                <a16:creationId xmlns:a16="http://schemas.microsoft.com/office/drawing/2014/main" id="{28D8B948-0E67-4247-8B87-7AE4AE68853A}"/>
               </a:ext>
             </a:extLst>
           </p:cNvPr>
@@ -9224,7 +9570,7 @@
         </p:nvSpPr>
         <p:spPr>
           <a:xfrm>
-            <a:off x="11508508" y="6289963"/>
+            <a:off x="9134681" y="3599547"/>
             <a:ext cx="311304" cy="369332"/>
           </a:xfrm>
           <a:prstGeom prst="rect">
@@ -9233,6 +9579,84 @@
           <a:noFill/>
         </p:spPr>
         <p:txBody>
+          <a:bodyPr wrap="square" rtlCol="0">
+            <a:spAutoFit/>
+          </a:bodyPr>
+          <a:lstStyle/>
+          <a:p>
+            <a:r>
+              <a:rPr lang="en-US" altLang="ko-KR" dirty="0"/>
+              <a:t>1</a:t>
+            </a:r>
+            <a:endParaRPr lang="ko-KR" altLang="en-US" dirty="0"/>
+          </a:p>
+        </p:txBody>
+      </p:sp>
+      <p:cxnSp>
+        <p:nvCxnSpPr>
+          <p:cNvPr id="110" name="직선 화살표 연결선 109">
+            <a:extLst>
+              <a:ext uri="{FF2B5EF4-FFF2-40B4-BE49-F238E27FC236}">
+                <a16:creationId xmlns:a16="http://schemas.microsoft.com/office/drawing/2014/main" id="{8049BD7E-9477-4160-8115-65BD6CF420F1}"/>
+              </a:ext>
+            </a:extLst>
+          </p:cNvPr>
+          <p:cNvCxnSpPr>
+            <a:cxnSpLocks/>
+            <a:stCxn id="111" idx="1"/>
+          </p:cNvCxnSpPr>
+          <p:nvPr/>
+        </p:nvCxnSpPr>
+        <p:spPr>
+          <a:xfrm flipH="1">
+            <a:off x="9568488" y="3408532"/>
+            <a:ext cx="886566" cy="385282"/>
+          </a:xfrm>
+          <a:prstGeom prst="straightConnector1">
+            <a:avLst/>
+          </a:prstGeom>
+          <a:ln>
+            <a:tailEnd type="triangle"/>
+          </a:ln>
+        </p:spPr>
+        <p:style>
+          <a:lnRef idx="1">
+            <a:schemeClr val="accent1"/>
+          </a:lnRef>
+          <a:fillRef idx="0">
+            <a:schemeClr val="accent1"/>
+          </a:fillRef>
+          <a:effectRef idx="0">
+            <a:schemeClr val="accent1"/>
+          </a:effectRef>
+          <a:fontRef idx="minor">
+            <a:schemeClr val="tx1"/>
+          </a:fontRef>
+        </p:style>
+      </p:cxnSp>
+      <p:sp>
+        <p:nvSpPr>
+          <p:cNvPr id="111" name="TextBox 110">
+            <a:extLst>
+              <a:ext uri="{FF2B5EF4-FFF2-40B4-BE49-F238E27FC236}">
+                <a16:creationId xmlns:a16="http://schemas.microsoft.com/office/drawing/2014/main" id="{5EDA0C3F-EC99-45C3-BBDF-41D71A469187}"/>
+              </a:ext>
+            </a:extLst>
+          </p:cNvPr>
+          <p:cNvSpPr txBox="1"/>
+          <p:nvPr/>
+        </p:nvSpPr>
+        <p:spPr>
+          <a:xfrm>
+            <a:off x="10455054" y="3223866"/>
+            <a:ext cx="994183" cy="369332"/>
+          </a:xfrm>
+          <a:prstGeom prst="rect">
+            <a:avLst/>
+          </a:prstGeom>
+          <a:noFill/>
+        </p:spPr>
+        <p:txBody>
           <a:bodyPr wrap="none" rtlCol="0">
             <a:spAutoFit/>
           </a:bodyPr>
@@ -9240,9 +9664,253 @@
           <a:p>
             <a:r>
               <a:rPr lang="en-US" altLang="ko-KR" dirty="0"/>
-              <a:t>1</a:t>
+              <a:t>1 ~ 3</a:t>
+            </a:r>
+            <a:r>
+              <a:rPr lang="ko-KR" altLang="en-US" dirty="0"/>
+              <a:t>명</a:t>
+            </a:r>
+          </a:p>
+        </p:txBody>
+      </p:sp>
+      <p:sp>
+        <p:nvSpPr>
+          <p:cNvPr id="112" name="TextBox 111">
+            <a:extLst>
+              <a:ext uri="{FF2B5EF4-FFF2-40B4-BE49-F238E27FC236}">
+                <a16:creationId xmlns:a16="http://schemas.microsoft.com/office/drawing/2014/main" id="{04E54D22-346B-4D9E-8902-1DC430745278}"/>
+              </a:ext>
+            </a:extLst>
+          </p:cNvPr>
+          <p:cNvSpPr txBox="1"/>
+          <p:nvPr/>
+        </p:nvSpPr>
+        <p:spPr>
+          <a:xfrm>
+            <a:off x="10455054" y="5212980"/>
+            <a:ext cx="1816523" cy="369332"/>
+          </a:xfrm>
+          <a:prstGeom prst="rect">
+            <a:avLst/>
+          </a:prstGeom>
+          <a:noFill/>
+        </p:spPr>
+        <p:txBody>
+          <a:bodyPr wrap="none" rtlCol="0">
+            <a:spAutoFit/>
+          </a:bodyPr>
+          <a:lstStyle/>
+          <a:p>
+            <a:r>
+              <a:rPr lang="en-US" altLang="ko-KR" dirty="0"/>
+              <a:t>4 ~ 10(or</a:t>
+            </a:r>
+            <a:r>
+              <a:rPr lang="ko-KR" altLang="en-US" dirty="0"/>
+              <a:t> </a:t>
+            </a:r>
+            <a:r>
+              <a:rPr lang="en-US" altLang="ko-KR" dirty="0"/>
+              <a:t>12)</a:t>
+            </a:r>
+            <a:r>
+              <a:rPr lang="ko-KR" altLang="en-US" dirty="0"/>
+              <a:t>명</a:t>
+            </a:r>
+          </a:p>
+        </p:txBody>
+      </p:sp>
+      <p:cxnSp>
+        <p:nvCxnSpPr>
+          <p:cNvPr id="113" name="직선 화살표 연결선 112">
+            <a:extLst>
+              <a:ext uri="{FF2B5EF4-FFF2-40B4-BE49-F238E27FC236}">
+                <a16:creationId xmlns:a16="http://schemas.microsoft.com/office/drawing/2014/main" id="{B906D61D-C8B2-4206-8BBF-1497E55B5668}"/>
+              </a:ext>
+            </a:extLst>
+          </p:cNvPr>
+          <p:cNvCxnSpPr>
+            <a:cxnSpLocks/>
+            <a:stCxn id="112" idx="1"/>
+          </p:cNvCxnSpPr>
+          <p:nvPr/>
+        </p:nvCxnSpPr>
+        <p:spPr>
+          <a:xfrm flipH="1" flipV="1">
+            <a:off x="9430328" y="4409282"/>
+            <a:ext cx="1024726" cy="988364"/>
+          </a:xfrm>
+          <a:prstGeom prst="straightConnector1">
+            <a:avLst/>
+          </a:prstGeom>
+          <a:ln>
+            <a:tailEnd type="triangle"/>
+          </a:ln>
+        </p:spPr>
+        <p:style>
+          <a:lnRef idx="1">
+            <a:schemeClr val="accent1"/>
+          </a:lnRef>
+          <a:fillRef idx="0">
+            <a:schemeClr val="accent1"/>
+          </a:fillRef>
+          <a:effectRef idx="0">
+            <a:schemeClr val="accent1"/>
+          </a:effectRef>
+          <a:fontRef idx="minor">
+            <a:schemeClr val="tx1"/>
+          </a:fontRef>
+        </p:style>
+      </p:cxnSp>
+      <p:sp>
+        <p:nvSpPr>
+          <p:cNvPr id="27" name="TextBox 26">
+            <a:extLst>
+              <a:ext uri="{FF2B5EF4-FFF2-40B4-BE49-F238E27FC236}">
+                <a16:creationId xmlns:a16="http://schemas.microsoft.com/office/drawing/2014/main" id="{0BC59FE7-2EB4-4852-9797-719FDFB082D0}"/>
+              </a:ext>
+            </a:extLst>
+          </p:cNvPr>
+          <p:cNvSpPr txBox="1"/>
+          <p:nvPr/>
+        </p:nvSpPr>
+        <p:spPr>
+          <a:xfrm>
+            <a:off x="11508508" y="6289963"/>
+            <a:ext cx="311304" cy="369332"/>
+          </a:xfrm>
+          <a:prstGeom prst="rect">
+            <a:avLst/>
+          </a:prstGeom>
+          <a:noFill/>
+        </p:spPr>
+        <p:txBody>
+          <a:bodyPr wrap="none" rtlCol="0">
+            <a:spAutoFit/>
+          </a:bodyPr>
+          <a:lstStyle/>
+          <a:p>
+            <a:r>
+              <a:rPr lang="en-US" altLang="ko-KR" dirty="0"/>
+              <a:t>3</a:t>
             </a:r>
             <a:endParaRPr lang="ko-KR" altLang="en-US" dirty="0"/>
+          </a:p>
+        </p:txBody>
+      </p:sp>
+      <p:sp>
+        <p:nvSpPr>
+          <p:cNvPr id="30" name="TextBox 29">
+            <a:extLst>
+              <a:ext uri="{FF2B5EF4-FFF2-40B4-BE49-F238E27FC236}">
+                <a16:creationId xmlns:a16="http://schemas.microsoft.com/office/drawing/2014/main" id="{C61FBA64-3B5B-4C82-8771-B84B551DEAA6}"/>
+              </a:ext>
+            </a:extLst>
+          </p:cNvPr>
+          <p:cNvSpPr txBox="1"/>
+          <p:nvPr/>
+        </p:nvSpPr>
+        <p:spPr>
+          <a:xfrm>
+            <a:off x="216818" y="1062755"/>
+            <a:ext cx="1055097" cy="400110"/>
+          </a:xfrm>
+          <a:prstGeom prst="rect">
+            <a:avLst/>
+          </a:prstGeom>
+          <a:noFill/>
+        </p:spPr>
+        <p:txBody>
+          <a:bodyPr wrap="none" rtlCol="0">
+            <a:spAutoFit/>
+          </a:bodyPr>
+          <a:lstStyle/>
+          <a:p>
+            <a:r>
+              <a:rPr lang="ko-KR" altLang="en-US" sz="2000" b="1" dirty="0"/>
+              <a:t>시작</a:t>
+            </a:r>
+            <a:r>
+              <a:rPr lang="en-US" altLang="ko-KR" sz="2000" b="1" dirty="0"/>
+              <a:t> UI</a:t>
+            </a:r>
+            <a:endParaRPr lang="ko-KR" altLang="en-US" sz="1600" b="1" dirty="0"/>
+          </a:p>
+        </p:txBody>
+      </p:sp>
+      <p:sp>
+        <p:nvSpPr>
+          <p:cNvPr id="31" name="TextBox 30">
+            <a:extLst>
+              <a:ext uri="{FF2B5EF4-FFF2-40B4-BE49-F238E27FC236}">
+                <a16:creationId xmlns:a16="http://schemas.microsoft.com/office/drawing/2014/main" id="{B4C79A69-072C-41CF-B329-F25065FB2C10}"/>
+              </a:ext>
+            </a:extLst>
+          </p:cNvPr>
+          <p:cNvSpPr txBox="1"/>
+          <p:nvPr/>
+        </p:nvSpPr>
+        <p:spPr>
+          <a:xfrm>
+            <a:off x="1594309" y="1062755"/>
+            <a:ext cx="1668545" cy="400110"/>
+          </a:xfrm>
+          <a:prstGeom prst="rect">
+            <a:avLst/>
+          </a:prstGeom>
+          <a:noFill/>
+        </p:spPr>
+        <p:txBody>
+          <a:bodyPr wrap="square" rtlCol="0">
+            <a:spAutoFit/>
+          </a:bodyPr>
+          <a:lstStyle/>
+          <a:p>
+            <a:r>
+              <a:rPr lang="ko-KR" altLang="en-US" sz="2000" b="1" dirty="0"/>
+              <a:t>방 만들기</a:t>
+            </a:r>
+            <a:endParaRPr lang="ko-KR" altLang="en-US" sz="1600" b="1" dirty="0"/>
+          </a:p>
+        </p:txBody>
+      </p:sp>
+      <p:sp>
+        <p:nvSpPr>
+          <p:cNvPr id="32" name="TextBox 31">
+            <a:extLst>
+              <a:ext uri="{FF2B5EF4-FFF2-40B4-BE49-F238E27FC236}">
+                <a16:creationId xmlns:a16="http://schemas.microsoft.com/office/drawing/2014/main" id="{2FD89AA8-DE6B-42E7-A7D8-0F05C3ABC999}"/>
+              </a:ext>
+            </a:extLst>
+          </p:cNvPr>
+          <p:cNvSpPr txBox="1"/>
+          <p:nvPr/>
+        </p:nvSpPr>
+        <p:spPr>
+          <a:xfrm>
+            <a:off x="3062204" y="1062755"/>
+            <a:ext cx="1401346" cy="400110"/>
+          </a:xfrm>
+          <a:prstGeom prst="rect">
+            <a:avLst/>
+          </a:prstGeom>
+          <a:noFill/>
+        </p:spPr>
+        <p:txBody>
+          <a:bodyPr wrap="none" rtlCol="0">
+            <a:spAutoFit/>
+          </a:bodyPr>
+          <a:lstStyle/>
+          <a:p>
+            <a:r>
+              <a:rPr lang="ko-KR" altLang="en-US" sz="2000" b="1" dirty="0"/>
+              <a:t>방 설정 </a:t>
+            </a:r>
+            <a:r>
+              <a:rPr lang="en-US" altLang="ko-KR" sz="2000" b="1" dirty="0"/>
+              <a:t>UI</a:t>
+            </a:r>
+            <a:endParaRPr lang="ko-KR" altLang="en-US" sz="1600" b="1" dirty="0"/>
           </a:p>
         </p:txBody>
       </p:sp>

--- a/Document/UI/서버 UI.pptx
+++ b/Document/UI/서버 UI.pptx
@@ -5,13 +5,15 @@
     <p:sldMasterId id="2147483648" r:id="rId1"/>
   </p:sldMasterIdLst>
   <p:notesMasterIdLst>
-    <p:notesMasterId r:id="rId6"/>
+    <p:notesMasterId r:id="rId8"/>
   </p:notesMasterIdLst>
   <p:sldIdLst>
     <p:sldId id="256" r:id="rId2"/>
-    <p:sldId id="288" r:id="rId3"/>
-    <p:sldId id="287" r:id="rId4"/>
-    <p:sldId id="289" r:id="rId5"/>
+    <p:sldId id="291" r:id="rId3"/>
+    <p:sldId id="292" r:id="rId4"/>
+    <p:sldId id="288" r:id="rId5"/>
+    <p:sldId id="287" r:id="rId6"/>
+    <p:sldId id="289" r:id="rId7"/>
   </p:sldIdLst>
   <p:sldSz cx="12192000" cy="6858000"/>
   <p:notesSz cx="6858000" cy="9144000"/>
@@ -200,7 +202,7 @@
           <a:p>
             <a:fld id="{F3C8B89E-453D-4031-9656-BEBD73A2F004}" type="datetimeFigureOut">
               <a:rPr lang="ko-KR" altLang="en-US" smtClean="0"/>
-              <a:t>2022-03-03(Thu)</a:t>
+              <a:t>2022-03-08(Tue)</a:t>
             </a:fld>
             <a:endParaRPr lang="ko-KR" altLang="en-US"/>
           </a:p>
@@ -532,7 +534,7 @@
           <a:p>
             <a:fld id="{73EB825B-89DC-4B21-8B3A-B3CA9CD761CE}" type="slidenum">
               <a:rPr lang="ko-KR" altLang="en-US" smtClean="0"/>
-              <a:t>2</a:t>
+              <a:t>4</a:t>
             </a:fld>
             <a:endParaRPr lang="ko-KR" altLang="en-US"/>
           </a:p>
@@ -616,7 +618,7 @@
           <a:p>
             <a:fld id="{73EB825B-89DC-4B21-8B3A-B3CA9CD761CE}" type="slidenum">
               <a:rPr lang="ko-KR" altLang="en-US" smtClean="0"/>
-              <a:t>3</a:t>
+              <a:t>5</a:t>
             </a:fld>
             <a:endParaRPr lang="ko-KR" altLang="en-US"/>
           </a:p>
@@ -700,7 +702,7 @@
           <a:p>
             <a:fld id="{73EB825B-89DC-4B21-8B3A-B3CA9CD761CE}" type="slidenum">
               <a:rPr lang="ko-KR" altLang="en-US" smtClean="0"/>
-              <a:t>4</a:t>
+              <a:t>6</a:t>
             </a:fld>
             <a:endParaRPr lang="ko-KR" altLang="en-US"/>
           </a:p>
@@ -866,7 +868,7 @@
           <a:p>
             <a:fld id="{2FE236A7-34C6-4DA0-B8E0-A937449C5C10}" type="datetimeFigureOut">
               <a:rPr lang="ko-KR" altLang="en-US" smtClean="0"/>
-              <a:t>2022-03-03(Thu)</a:t>
+              <a:t>2022-03-08(Tue)</a:t>
             </a:fld>
             <a:endParaRPr lang="ko-KR" altLang="en-US"/>
           </a:p>
@@ -1064,7 +1066,7 @@
           <a:p>
             <a:fld id="{2FE236A7-34C6-4DA0-B8E0-A937449C5C10}" type="datetimeFigureOut">
               <a:rPr lang="ko-KR" altLang="en-US" smtClean="0"/>
-              <a:t>2022-03-03(Thu)</a:t>
+              <a:t>2022-03-08(Tue)</a:t>
             </a:fld>
             <a:endParaRPr lang="ko-KR" altLang="en-US"/>
           </a:p>
@@ -1272,7 +1274,7 @@
           <a:p>
             <a:fld id="{2FE236A7-34C6-4DA0-B8E0-A937449C5C10}" type="datetimeFigureOut">
               <a:rPr lang="ko-KR" altLang="en-US" smtClean="0"/>
-              <a:t>2022-03-03(Thu)</a:t>
+              <a:t>2022-03-08(Tue)</a:t>
             </a:fld>
             <a:endParaRPr lang="ko-KR" altLang="en-US"/>
           </a:p>
@@ -1866,6 +1868,100 @@
           </a:p>
         </p:txBody>
       </p:sp>
+      <p:sp>
+        <p:nvSpPr>
+          <p:cNvPr id="15" name="직사각형 14">
+            <a:extLst>
+              <a:ext uri="{FF2B5EF4-FFF2-40B4-BE49-F238E27FC236}">
+                <a16:creationId xmlns:a16="http://schemas.microsoft.com/office/drawing/2014/main" id="{79E2FFF6-1C6A-4BA9-88BB-F996144C8CBE}"/>
+              </a:ext>
+            </a:extLst>
+          </p:cNvPr>
+          <p:cNvSpPr/>
+          <p:nvPr userDrawn="1"/>
+        </p:nvSpPr>
+        <p:spPr>
+          <a:xfrm>
+            <a:off x="5937495" y="1012124"/>
+            <a:ext cx="26386" cy="436322"/>
+          </a:xfrm>
+          <a:prstGeom prst="rect">
+            <a:avLst/>
+          </a:prstGeom>
+          <a:solidFill>
+            <a:schemeClr val="tx1"/>
+          </a:solidFill>
+          <a:ln>
+            <a:noFill/>
+          </a:ln>
+        </p:spPr>
+        <p:style>
+          <a:lnRef idx="2">
+            <a:schemeClr val="accent1">
+              <a:shade val="50000"/>
+            </a:schemeClr>
+          </a:lnRef>
+          <a:fillRef idx="1">
+            <a:schemeClr val="accent1"/>
+          </a:fillRef>
+          <a:effectRef idx="0">
+            <a:schemeClr val="accent1"/>
+          </a:effectRef>
+          <a:fontRef idx="minor">
+            <a:schemeClr val="lt1"/>
+          </a:fontRef>
+        </p:style>
+        <p:txBody>
+          <a:bodyPr rtlCol="0" anchor="ctr"/>
+          <a:lstStyle/>
+          <a:p>
+            <a:pPr algn="ctr"/>
+            <a:endParaRPr lang="ko-KR" altLang="en-US"/>
+          </a:p>
+        </p:txBody>
+      </p:sp>
+      <p:sp>
+        <p:nvSpPr>
+          <p:cNvPr id="16" name="텍스트 개체 틀 7">
+            <a:extLst>
+              <a:ext uri="{FF2B5EF4-FFF2-40B4-BE49-F238E27FC236}">
+                <a16:creationId xmlns:a16="http://schemas.microsoft.com/office/drawing/2014/main" id="{7A6D9CFC-8C2D-456B-A4D5-35501BED20BE}"/>
+              </a:ext>
+            </a:extLst>
+          </p:cNvPr>
+          <p:cNvSpPr>
+            <a:spLocks noGrp="1"/>
+          </p:cNvSpPr>
+          <p:nvPr>
+            <p:ph type="body" sz="quarter" idx="17" hasCustomPrompt="1"/>
+          </p:nvPr>
+        </p:nvSpPr>
+        <p:spPr>
+          <a:xfrm>
+            <a:off x="4549363" y="1076768"/>
+            <a:ext cx="1329445" cy="312826"/>
+          </a:xfrm>
+        </p:spPr>
+        <p:txBody>
+          <a:bodyPr>
+            <a:normAutofit/>
+          </a:bodyPr>
+          <a:lstStyle>
+            <a:lvl1pPr marL="0" indent="0" algn="ctr">
+              <a:buNone/>
+              <a:defRPr sz="1600"/>
+            </a:lvl1pPr>
+          </a:lstStyle>
+          <a:p>
+            <a:pPr lvl="0"/>
+            <a:r>
+              <a:rPr lang="ko-KR" altLang="en-US"/>
+              <a:t>소제목</a:t>
+            </a:r>
+            <a:endParaRPr lang="ko-KR" altLang="en-US" dirty="0"/>
+          </a:p>
+        </p:txBody>
+      </p:sp>
     </p:spTree>
     <p:extLst>
       <p:ext uri="{BB962C8B-B14F-4D97-AF65-F5344CB8AC3E}">
@@ -2004,7 +2100,7 @@
           <a:p>
             <a:fld id="{2FE236A7-34C6-4DA0-B8E0-A937449C5C10}" type="datetimeFigureOut">
               <a:rPr lang="ko-KR" altLang="en-US" smtClean="0"/>
-              <a:t>2022-03-03(Thu)</a:t>
+              <a:t>2022-03-08(Tue)</a:t>
             </a:fld>
             <a:endParaRPr lang="ko-KR" altLang="en-US"/>
           </a:p>
@@ -2279,7 +2375,7 @@
           <a:p>
             <a:fld id="{2FE236A7-34C6-4DA0-B8E0-A937449C5C10}" type="datetimeFigureOut">
               <a:rPr lang="ko-KR" altLang="en-US" smtClean="0"/>
-              <a:t>2022-03-03(Thu)</a:t>
+              <a:t>2022-03-08(Tue)</a:t>
             </a:fld>
             <a:endParaRPr lang="ko-KR" altLang="en-US"/>
           </a:p>
@@ -2544,7 +2640,7 @@
           <a:p>
             <a:fld id="{2FE236A7-34C6-4DA0-B8E0-A937449C5C10}" type="datetimeFigureOut">
               <a:rPr lang="ko-KR" altLang="en-US" smtClean="0"/>
-              <a:t>2022-03-03(Thu)</a:t>
+              <a:t>2022-03-08(Tue)</a:t>
             </a:fld>
             <a:endParaRPr lang="ko-KR" altLang="en-US"/>
           </a:p>
@@ -2956,7 +3052,7 @@
           <a:p>
             <a:fld id="{2FE236A7-34C6-4DA0-B8E0-A937449C5C10}" type="datetimeFigureOut">
               <a:rPr lang="ko-KR" altLang="en-US" smtClean="0"/>
-              <a:t>2022-03-03(Thu)</a:t>
+              <a:t>2022-03-08(Tue)</a:t>
             </a:fld>
             <a:endParaRPr lang="ko-KR" altLang="en-US"/>
           </a:p>
@@ -3097,7 +3193,7 @@
           <a:p>
             <a:fld id="{2FE236A7-34C6-4DA0-B8E0-A937449C5C10}" type="datetimeFigureOut">
               <a:rPr lang="ko-KR" altLang="en-US" smtClean="0"/>
-              <a:t>2022-03-03(Thu)</a:t>
+              <a:t>2022-03-08(Tue)</a:t>
             </a:fld>
             <a:endParaRPr lang="ko-KR" altLang="en-US"/>
           </a:p>
@@ -3210,7 +3306,7 @@
           <a:p>
             <a:fld id="{2FE236A7-34C6-4DA0-B8E0-A937449C5C10}" type="datetimeFigureOut">
               <a:rPr lang="ko-KR" altLang="en-US" smtClean="0"/>
-              <a:t>2022-03-03(Thu)</a:t>
+              <a:t>2022-03-08(Tue)</a:t>
             </a:fld>
             <a:endParaRPr lang="ko-KR" altLang="en-US"/>
           </a:p>
@@ -3521,7 +3617,7 @@
           <a:p>
             <a:fld id="{2FE236A7-34C6-4DA0-B8E0-A937449C5C10}" type="datetimeFigureOut">
               <a:rPr lang="ko-KR" altLang="en-US" smtClean="0"/>
-              <a:t>2022-03-03(Thu)</a:t>
+              <a:t>2022-03-08(Tue)</a:t>
             </a:fld>
             <a:endParaRPr lang="ko-KR" altLang="en-US"/>
           </a:p>
@@ -3809,7 +3905,7 @@
           <a:p>
             <a:fld id="{2FE236A7-34C6-4DA0-B8E0-A937449C5C10}" type="datetimeFigureOut">
               <a:rPr lang="ko-KR" altLang="en-US" smtClean="0"/>
-              <a:t>2022-03-03(Thu)</a:t>
+              <a:t>2022-03-08(Tue)</a:t>
             </a:fld>
             <a:endParaRPr lang="ko-KR" altLang="en-US"/>
           </a:p>
@@ -4050,7 +4146,7 @@
           <a:p>
             <a:fld id="{2FE236A7-34C6-4DA0-B8E0-A937449C5C10}" type="datetimeFigureOut">
               <a:rPr lang="ko-KR" altLang="en-US" smtClean="0"/>
-              <a:t>2022-03-03(Thu)</a:t>
+              <a:t>2022-03-08(Tue)</a:t>
             </a:fld>
             <a:endParaRPr lang="ko-KR" altLang="en-US"/>
           </a:p>
@@ -4578,10 +4674,85 @@
       </p:grpSpPr>
       <p:sp>
         <p:nvSpPr>
-          <p:cNvPr id="2" name="사각형: 둥근 모서리 1">
-            <a:extLst>
-              <a:ext uri="{FF2B5EF4-FFF2-40B4-BE49-F238E27FC236}">
-                <a16:creationId xmlns:a16="http://schemas.microsoft.com/office/drawing/2014/main" id="{677B3B2C-4EEA-4A86-828F-DDE25113C973}"/>
+          <p:cNvPr id="2" name="제목 1">
+            <a:extLst>
+              <a:ext uri="{FF2B5EF4-FFF2-40B4-BE49-F238E27FC236}">
+                <a16:creationId xmlns:a16="http://schemas.microsoft.com/office/drawing/2014/main" id="{2F622030-F73D-44CE-86D3-3E2761E41BA4}"/>
+              </a:ext>
+            </a:extLst>
+          </p:cNvPr>
+          <p:cNvSpPr>
+            <a:spLocks noGrp="1"/>
+          </p:cNvSpPr>
+          <p:nvPr>
+            <p:ph type="title"/>
+          </p:nvPr>
+        </p:nvSpPr>
+        <p:spPr/>
+        <p:txBody>
+          <a:bodyPr/>
+          <a:lstStyle/>
+          <a:p>
+            <a:endParaRPr lang="ko-KR" altLang="en-US"/>
+          </a:p>
+        </p:txBody>
+      </p:sp>
+      <p:sp>
+        <p:nvSpPr>
+          <p:cNvPr id="4" name="텍스트 개체 틀 3">
+            <a:extLst>
+              <a:ext uri="{FF2B5EF4-FFF2-40B4-BE49-F238E27FC236}">
+                <a16:creationId xmlns:a16="http://schemas.microsoft.com/office/drawing/2014/main" id="{B9535921-07BC-464D-A391-8527B03B219C}"/>
+              </a:ext>
+            </a:extLst>
+          </p:cNvPr>
+          <p:cNvSpPr>
+            <a:spLocks noGrp="1"/>
+          </p:cNvSpPr>
+          <p:nvPr>
+            <p:ph type="body" sz="quarter" idx="13"/>
+          </p:nvPr>
+        </p:nvSpPr>
+        <p:spPr/>
+        <p:txBody>
+          <a:bodyPr/>
+          <a:lstStyle/>
+          <a:p>
+            <a:endParaRPr lang="ko-KR" altLang="en-US"/>
+          </a:p>
+        </p:txBody>
+      </p:sp>
+      <p:sp>
+        <p:nvSpPr>
+          <p:cNvPr id="5" name="텍스트 개체 틀 4">
+            <a:extLst>
+              <a:ext uri="{FF2B5EF4-FFF2-40B4-BE49-F238E27FC236}">
+                <a16:creationId xmlns:a16="http://schemas.microsoft.com/office/drawing/2014/main" id="{B6B8DB2B-B138-41FB-9D04-25E33B634E84}"/>
+              </a:ext>
+            </a:extLst>
+          </p:cNvPr>
+          <p:cNvSpPr>
+            <a:spLocks noGrp="1"/>
+          </p:cNvSpPr>
+          <p:nvPr>
+            <p:ph type="body" sz="quarter" idx="14"/>
+          </p:nvPr>
+        </p:nvSpPr>
+        <p:spPr/>
+        <p:txBody>
+          <a:bodyPr/>
+          <a:lstStyle/>
+          <a:p>
+            <a:endParaRPr lang="ko-KR" altLang="en-US"/>
+          </a:p>
+        </p:txBody>
+      </p:sp>
+      <p:sp>
+        <p:nvSpPr>
+          <p:cNvPr id="8" name="사각형: 둥근 모서리 7">
+            <a:extLst>
+              <a:ext uri="{FF2B5EF4-FFF2-40B4-BE49-F238E27FC236}">
+                <a16:creationId xmlns:a16="http://schemas.microsoft.com/office/drawing/2014/main" id="{DA269741-60EE-4563-91F5-DD8883E71A94}"/>
               </a:ext>
             </a:extLst>
           </p:cNvPr>
@@ -4589,21 +4760,20 @@
           <p:nvPr/>
         </p:nvSpPr>
         <p:spPr>
-          <a:xfrm>
-            <a:off x="0" y="939645"/>
-            <a:ext cx="1470581" cy="523220"/>
+          <a:xfrm rot="5400000">
+            <a:off x="4233349" y="1488"/>
+            <a:ext cx="3993138" cy="7952529"/>
           </a:xfrm>
           <a:prstGeom prst="roundRect">
             <a:avLst/>
           </a:prstGeom>
           <a:solidFill>
-            <a:schemeClr val="accent4">
-              <a:lumMod val="40000"/>
-              <a:lumOff val="60000"/>
-            </a:schemeClr>
+            <a:schemeClr val="bg1"/>
           </a:solidFill>
-          <a:ln>
-            <a:noFill/>
+          <a:ln w="38100">
+            <a:solidFill>
+              <a:schemeClr val="tx1"/>
+            </a:solidFill>
           </a:ln>
         </p:spPr>
         <p:style>
@@ -4627,38 +4797,83 @@
           <a:lstStyle/>
           <a:p>
             <a:pPr algn="ctr"/>
-            <a:endParaRPr lang="ko-KR" altLang="en-US"/>
-          </a:p>
-        </p:txBody>
-      </p:sp>
-      <p:sp>
-        <p:nvSpPr>
-          <p:cNvPr id="13" name="사각형: 둥근 모서리 12">
-            <a:extLst>
-              <a:ext uri="{FF2B5EF4-FFF2-40B4-BE49-F238E27FC236}">
-                <a16:creationId xmlns:a16="http://schemas.microsoft.com/office/drawing/2014/main" id="{9469EB77-5C08-4181-BFE6-400BACF970C8}"/>
-              </a:ext>
-            </a:extLst>
-          </p:cNvPr>
-          <p:cNvSpPr/>
+            <a:endParaRPr lang="ko-KR" altLang="en-US" dirty="0"/>
+          </a:p>
+        </p:txBody>
+      </p:sp>
+      <p:pic>
+        <p:nvPicPr>
+          <p:cNvPr id="9" name="Picture 2" descr="쓰레기가 바다에 떠있는 크루즈 라이너 여객선 | 프리미엄 벡터">
+            <a:extLst>
+              <a:ext uri="{FF2B5EF4-FFF2-40B4-BE49-F238E27FC236}">
+                <a16:creationId xmlns:a16="http://schemas.microsoft.com/office/drawing/2014/main" id="{C36FD919-0CEA-4BCE-9E50-0E51A7541C3B}"/>
+              </a:ext>
+            </a:extLst>
+          </p:cNvPr>
+          <p:cNvPicPr>
+            <a:picLocks noChangeAspect="1" noChangeArrowheads="1"/>
+          </p:cNvPicPr>
           <p:nvPr/>
-        </p:nvSpPr>
-        <p:spPr>
-          <a:xfrm rot="5400000">
-            <a:off x="4233349" y="1488"/>
-            <a:ext cx="3993138" cy="7952529"/>
+        </p:nvPicPr>
+        <p:blipFill>
+          <a:blip r:embed="rId2">
+            <a:extLst>
+              <a:ext uri="{28A0092B-C50C-407E-A947-70E740481C1C}">
+                <a14:useLocalDpi xmlns:a14="http://schemas.microsoft.com/office/drawing/2010/main" val="0"/>
+              </a:ext>
+            </a:extLst>
+          </a:blip>
+          <a:srcRect/>
+          <a:stretch>
+            <a:fillRect/>
+          </a:stretch>
+        </p:blipFill>
+        <p:spPr bwMode="auto">
+          <a:xfrm>
+            <a:off x="2297002" y="2011294"/>
+            <a:ext cx="7865831" cy="3932916"/>
           </a:xfrm>
           <a:prstGeom prst="roundRect">
             <a:avLst/>
           </a:prstGeom>
+          <a:noFill/>
+          <a:extLst>
+            <a:ext uri="{909E8E84-426E-40DD-AFC4-6F175D3DCCD1}">
+              <a14:hiddenFill xmlns:a14="http://schemas.microsoft.com/office/drawing/2010/main">
+                <a:solidFill>
+                  <a:srgbClr val="FFFFFF"/>
+                </a:solidFill>
+              </a14:hiddenFill>
+            </a:ext>
+          </a:extLst>
+        </p:spPr>
+      </p:pic>
+      <p:sp>
+        <p:nvSpPr>
+          <p:cNvPr id="10" name="직사각형 9">
+            <a:extLst>
+              <a:ext uri="{FF2B5EF4-FFF2-40B4-BE49-F238E27FC236}">
+                <a16:creationId xmlns:a16="http://schemas.microsoft.com/office/drawing/2014/main" id="{50C65B13-8A50-4E50-B84E-BC87CB52C882}"/>
+              </a:ext>
+            </a:extLst>
+          </p:cNvPr>
+          <p:cNvSpPr/>
+          <p:nvPr/>
+        </p:nvSpPr>
+        <p:spPr>
+          <a:xfrm>
+            <a:off x="0" y="0"/>
+            <a:ext cx="12192000" cy="1034474"/>
+          </a:xfrm>
+          <a:prstGeom prst="rect">
+            <a:avLst/>
+          </a:prstGeom>
           <a:solidFill>
-            <a:schemeClr val="bg1"/>
+            <a:schemeClr val="accent5">
+              <a:lumMod val="60000"/>
+              <a:lumOff val="40000"/>
+            </a:schemeClr>
           </a:solidFill>
-          <a:ln w="38100">
-            <a:solidFill>
-              <a:schemeClr val="tx1"/>
-            </a:solidFill>
-          </a:ln>
         </p:spPr>
         <p:style>
           <a:lnRef idx="2">
@@ -4685,79 +4900,222 @@
           </a:p>
         </p:txBody>
       </p:sp>
-      <p:pic>
-        <p:nvPicPr>
-          <p:cNvPr id="1026" name="Picture 2" descr="쓰레기가 바다에 떠있는 크루즈 라이너 여객선 | 프리미엄 벡터">
-            <a:extLst>
-              <a:ext uri="{FF2B5EF4-FFF2-40B4-BE49-F238E27FC236}">
-                <a16:creationId xmlns:a16="http://schemas.microsoft.com/office/drawing/2014/main" id="{174299C8-06E6-4BA6-9166-EA0438C9CEF8}"/>
-              </a:ext>
-            </a:extLst>
-          </p:cNvPr>
-          <p:cNvPicPr>
-            <a:picLocks noChangeAspect="1" noChangeArrowheads="1"/>
-          </p:cNvPicPr>
+      <p:sp>
+        <p:nvSpPr>
+          <p:cNvPr id="11" name="TextBox 10">
+            <a:extLst>
+              <a:ext uri="{FF2B5EF4-FFF2-40B4-BE49-F238E27FC236}">
+                <a16:creationId xmlns:a16="http://schemas.microsoft.com/office/drawing/2014/main" id="{6F4257DC-00F9-4B3F-9C6E-E7A98A781D4A}"/>
+              </a:ext>
+            </a:extLst>
+          </p:cNvPr>
+          <p:cNvSpPr txBox="1"/>
           <p:nvPr/>
-        </p:nvPicPr>
-        <p:blipFill>
-          <a:blip r:embed="rId3">
-            <a:extLst>
-              <a:ext uri="{28A0092B-C50C-407E-A947-70E740481C1C}">
-                <a14:useLocalDpi xmlns:a14="http://schemas.microsoft.com/office/drawing/2010/main" val="0"/>
-              </a:ext>
-            </a:extLst>
-          </a:blip>
-          <a:srcRect/>
-          <a:stretch>
-            <a:fillRect/>
-          </a:stretch>
-        </p:blipFill>
-        <p:spPr bwMode="auto">
-          <a:xfrm>
-            <a:off x="2297002" y="2011294"/>
-            <a:ext cx="7865831" cy="3932916"/>
+        </p:nvSpPr>
+        <p:spPr>
+          <a:xfrm>
+            <a:off x="646546" y="255627"/>
+            <a:ext cx="4230254" cy="523220"/>
+          </a:xfrm>
+          <a:prstGeom prst="rect">
+            <a:avLst/>
+          </a:prstGeom>
+          <a:noFill/>
+        </p:spPr>
+        <p:txBody>
+          <a:bodyPr wrap="square" rtlCol="0">
+            <a:spAutoFit/>
+          </a:bodyPr>
+          <a:lstStyle/>
+          <a:p>
+            <a:r>
+              <a:rPr lang="ko-KR" altLang="en-US" sz="2800" b="1" dirty="0"/>
+              <a:t>게임 설명 </a:t>
+            </a:r>
+            <a:r>
+              <a:rPr lang="en-US" altLang="ko-KR" sz="2800" b="1" dirty="0"/>
+              <a:t>( </a:t>
+            </a:r>
+            <a:r>
+              <a:rPr lang="ko-KR" altLang="en-US" sz="2800" b="1" dirty="0"/>
+              <a:t>서버 </a:t>
+            </a:r>
+            <a:r>
+              <a:rPr lang="en-US" altLang="ko-KR" sz="2800" b="1" dirty="0"/>
+              <a:t>UI</a:t>
+            </a:r>
+            <a:r>
+              <a:rPr lang="ko-KR" altLang="en-US" sz="2800" b="1" dirty="0"/>
+              <a:t> </a:t>
+            </a:r>
+            <a:r>
+              <a:rPr lang="en-US" altLang="ko-KR" sz="2800" b="1" dirty="0"/>
+              <a:t>)</a:t>
+            </a:r>
+          </a:p>
+        </p:txBody>
+      </p:sp>
+      <p:sp>
+        <p:nvSpPr>
+          <p:cNvPr id="12" name="TextBox 11">
+            <a:extLst>
+              <a:ext uri="{FF2B5EF4-FFF2-40B4-BE49-F238E27FC236}">
+                <a16:creationId xmlns:a16="http://schemas.microsoft.com/office/drawing/2014/main" id="{39DD8A18-F6A2-47B3-8F43-DECE893C701F}"/>
+              </a:ext>
+            </a:extLst>
+          </p:cNvPr>
+          <p:cNvSpPr txBox="1"/>
+          <p:nvPr/>
+        </p:nvSpPr>
+        <p:spPr>
+          <a:xfrm>
+            <a:off x="1709721" y="1062755"/>
+            <a:ext cx="1055097" cy="400110"/>
+          </a:xfrm>
+          <a:prstGeom prst="rect">
+            <a:avLst/>
+          </a:prstGeom>
+          <a:noFill/>
+        </p:spPr>
+        <p:txBody>
+          <a:bodyPr wrap="none" rtlCol="0">
+            <a:spAutoFit/>
+          </a:bodyPr>
+          <a:lstStyle/>
+          <a:p>
+            <a:r>
+              <a:rPr lang="ko-KR" altLang="en-US" sz="2000" b="1" dirty="0"/>
+              <a:t>시작</a:t>
+            </a:r>
+            <a:r>
+              <a:rPr lang="en-US" altLang="ko-KR" sz="2000" b="1" dirty="0"/>
+              <a:t> UI</a:t>
+            </a:r>
+            <a:endParaRPr lang="ko-KR" altLang="en-US" sz="1600" b="1" dirty="0"/>
+          </a:p>
+        </p:txBody>
+      </p:sp>
+      <p:grpSp>
+        <p:nvGrpSpPr>
+          <p:cNvPr id="13" name="그룹 12">
+            <a:extLst>
+              <a:ext uri="{FF2B5EF4-FFF2-40B4-BE49-F238E27FC236}">
+                <a16:creationId xmlns:a16="http://schemas.microsoft.com/office/drawing/2014/main" id="{7C421E46-FECA-4087-93EE-58E18877A059}"/>
+              </a:ext>
+            </a:extLst>
+          </p:cNvPr>
+          <p:cNvGrpSpPr/>
+          <p:nvPr/>
+        </p:nvGrpSpPr>
+        <p:grpSpPr>
+          <a:xfrm>
+            <a:off x="4387678" y="2507108"/>
+            <a:ext cx="3684479" cy="1470644"/>
+            <a:chOff x="4049075" y="2209800"/>
+            <a:chExt cx="3684479" cy="1470644"/>
+          </a:xfrm>
+        </p:grpSpPr>
+        <p:sp>
+          <p:nvSpPr>
+            <p:cNvPr id="14" name="TextBox 13">
+              <a:extLst>
+                <a:ext uri="{FF2B5EF4-FFF2-40B4-BE49-F238E27FC236}">
+                  <a16:creationId xmlns:a16="http://schemas.microsoft.com/office/drawing/2014/main" id="{62A15D4A-B6ED-4212-A0F3-2B8E91A77CF0}"/>
+                </a:ext>
+              </a:extLst>
+            </p:cNvPr>
+            <p:cNvSpPr txBox="1"/>
+            <p:nvPr/>
+          </p:nvSpPr>
+          <p:spPr>
+            <a:xfrm>
+              <a:off x="4049075" y="2209800"/>
+              <a:ext cx="2400016" cy="830997"/>
+            </a:xfrm>
+            <a:prstGeom prst="rect">
+              <a:avLst/>
+            </a:prstGeom>
+            <a:noFill/>
+          </p:spPr>
+          <p:txBody>
+            <a:bodyPr wrap="none" rtlCol="0">
+              <a:spAutoFit/>
+            </a:bodyPr>
+            <a:lstStyle/>
+            <a:p>
+              <a:r>
+                <a:rPr lang="en-US" altLang="ko-KR" sz="4800" b="1" dirty="0"/>
+                <a:t>ESCAPE</a:t>
+              </a:r>
+              <a:endParaRPr lang="ko-KR" altLang="en-US" sz="4800" b="1" dirty="0"/>
+            </a:p>
+          </p:txBody>
+        </p:sp>
+        <p:sp>
+          <p:nvSpPr>
+            <p:cNvPr id="15" name="TextBox 14">
+              <a:extLst>
+                <a:ext uri="{FF2B5EF4-FFF2-40B4-BE49-F238E27FC236}">
+                  <a16:creationId xmlns:a16="http://schemas.microsoft.com/office/drawing/2014/main" id="{B0ACC036-4828-4D55-9EAF-ADF2E2644593}"/>
+                </a:ext>
+              </a:extLst>
+            </p:cNvPr>
+            <p:cNvSpPr txBox="1"/>
+            <p:nvPr/>
+          </p:nvSpPr>
+          <p:spPr>
+            <a:xfrm>
+              <a:off x="5297374" y="2849447"/>
+              <a:ext cx="2436180" cy="830997"/>
+            </a:xfrm>
+            <a:prstGeom prst="rect">
+              <a:avLst/>
+            </a:prstGeom>
+            <a:noFill/>
+          </p:spPr>
+          <p:txBody>
+            <a:bodyPr wrap="none" rtlCol="0">
+              <a:spAutoFit/>
+            </a:bodyPr>
+            <a:lstStyle/>
+            <a:p>
+              <a:r>
+                <a:rPr lang="en-US" altLang="ko-KR" sz="4800" b="1" dirty="0"/>
+                <a:t>ISLAND</a:t>
+              </a:r>
+              <a:endParaRPr lang="ko-KR" altLang="en-US" sz="4800" b="1" dirty="0"/>
+            </a:p>
+          </p:txBody>
+        </p:sp>
+      </p:grpSp>
+      <p:sp>
+        <p:nvSpPr>
+          <p:cNvPr id="16" name="사각형: 둥근 모서리 15">
+            <a:extLst>
+              <a:ext uri="{FF2B5EF4-FFF2-40B4-BE49-F238E27FC236}">
+                <a16:creationId xmlns:a16="http://schemas.microsoft.com/office/drawing/2014/main" id="{0C485A25-28DA-4457-973D-ADA8E7ADE12F}"/>
+              </a:ext>
+            </a:extLst>
+          </p:cNvPr>
+          <p:cNvSpPr/>
+          <p:nvPr/>
+        </p:nvSpPr>
+        <p:spPr>
+          <a:xfrm>
+            <a:off x="5122919" y="4617399"/>
+            <a:ext cx="2213996" cy="551608"/>
           </a:xfrm>
           <a:prstGeom prst="roundRect">
             <a:avLst/>
           </a:prstGeom>
-          <a:noFill/>
-          <a:extLst>
-            <a:ext uri="{909E8E84-426E-40DD-AFC4-6F175D3DCCD1}">
-              <a14:hiddenFill xmlns:a14="http://schemas.microsoft.com/office/drawing/2010/main">
-                <a:solidFill>
-                  <a:srgbClr val="FFFFFF"/>
-                </a:solidFill>
-              </a14:hiddenFill>
-            </a:ext>
-          </a:extLst>
-        </p:spPr>
-      </p:pic>
-      <p:sp>
-        <p:nvSpPr>
-          <p:cNvPr id="4" name="직사각형 3">
-            <a:extLst>
-              <a:ext uri="{FF2B5EF4-FFF2-40B4-BE49-F238E27FC236}">
-                <a16:creationId xmlns:a16="http://schemas.microsoft.com/office/drawing/2014/main" id="{AE93FE2A-85FE-4157-951C-FC2FADBB3B34}"/>
-              </a:ext>
-            </a:extLst>
-          </p:cNvPr>
-          <p:cNvSpPr/>
-          <p:nvPr/>
-        </p:nvSpPr>
-        <p:spPr>
-          <a:xfrm>
-            <a:off x="0" y="0"/>
-            <a:ext cx="12192000" cy="1034474"/>
-          </a:xfrm>
-          <a:prstGeom prst="rect">
-            <a:avLst/>
-          </a:prstGeom>
           <a:solidFill>
-            <a:schemeClr val="accent5">
-              <a:lumMod val="60000"/>
-              <a:lumOff val="40000"/>
-            </a:schemeClr>
+            <a:schemeClr val="bg1"/>
           </a:solidFill>
+          <a:ln w="28575">
+            <a:solidFill>
+              <a:schemeClr val="tx1"/>
+            </a:solidFill>
+          </a:ln>
         </p:spPr>
         <p:style>
           <a:lnRef idx="2">
@@ -4780,16 +5138,186 @@
           <a:lstStyle/>
           <a:p>
             <a:pPr algn="ctr"/>
-            <a:endParaRPr lang="ko-KR" altLang="en-US" dirty="0"/>
-          </a:p>
-        </p:txBody>
-      </p:sp>
-      <p:sp>
-        <p:nvSpPr>
-          <p:cNvPr id="7" name="TextBox 6">
-            <a:extLst>
-              <a:ext uri="{FF2B5EF4-FFF2-40B4-BE49-F238E27FC236}">
-                <a16:creationId xmlns:a16="http://schemas.microsoft.com/office/drawing/2014/main" id="{982817C4-ACF4-45FB-A018-6E6F872691BC}"/>
+            <a:r>
+              <a:rPr lang="ko-KR" altLang="en-US" b="1" dirty="0">
+                <a:solidFill>
+                  <a:schemeClr val="tx1"/>
+                </a:solidFill>
+              </a:rPr>
+              <a:t>게임 시작</a:t>
+            </a:r>
+          </a:p>
+        </p:txBody>
+      </p:sp>
+      <p:sp>
+        <p:nvSpPr>
+          <p:cNvPr id="17" name="타원 16">
+            <a:extLst>
+              <a:ext uri="{FF2B5EF4-FFF2-40B4-BE49-F238E27FC236}">
+                <a16:creationId xmlns:a16="http://schemas.microsoft.com/office/drawing/2014/main" id="{9541170F-22A5-4FD0-9282-A44F0AE18422}"/>
+              </a:ext>
+            </a:extLst>
+          </p:cNvPr>
+          <p:cNvSpPr/>
+          <p:nvPr/>
+        </p:nvSpPr>
+        <p:spPr>
+          <a:xfrm>
+            <a:off x="9496425" y="5295900"/>
+            <a:ext cx="441922" cy="445028"/>
+          </a:xfrm>
+          <a:prstGeom prst="ellipse">
+            <a:avLst/>
+          </a:prstGeom>
+          <a:solidFill>
+            <a:schemeClr val="bg1"/>
+          </a:solidFill>
+          <a:ln w="28575">
+            <a:solidFill>
+              <a:schemeClr val="tx1"/>
+            </a:solidFill>
+          </a:ln>
+        </p:spPr>
+        <p:style>
+          <a:lnRef idx="2">
+            <a:schemeClr val="accent1">
+              <a:shade val="50000"/>
+            </a:schemeClr>
+          </a:lnRef>
+          <a:fillRef idx="1">
+            <a:schemeClr val="accent1"/>
+          </a:fillRef>
+          <a:effectRef idx="0">
+            <a:schemeClr val="accent1"/>
+          </a:effectRef>
+          <a:fontRef idx="minor">
+            <a:schemeClr val="lt1"/>
+          </a:fontRef>
+        </p:style>
+        <p:txBody>
+          <a:bodyPr rtlCol="0" anchor="ctr"/>
+          <a:lstStyle/>
+          <a:p>
+            <a:pPr algn="ctr"/>
+            <a:endParaRPr lang="ko-KR" altLang="en-US" b="1" dirty="0">
+              <a:solidFill>
+                <a:schemeClr val="tx1"/>
+              </a:solidFill>
+            </a:endParaRPr>
+          </a:p>
+        </p:txBody>
+      </p:sp>
+      <p:sp>
+        <p:nvSpPr>
+          <p:cNvPr id="18" name="타원 17">
+            <a:extLst>
+              <a:ext uri="{FF2B5EF4-FFF2-40B4-BE49-F238E27FC236}">
+                <a16:creationId xmlns:a16="http://schemas.microsoft.com/office/drawing/2014/main" id="{903C755F-048F-4D98-83DE-8231978BD798}"/>
+              </a:ext>
+            </a:extLst>
+          </p:cNvPr>
+          <p:cNvSpPr/>
+          <p:nvPr/>
+        </p:nvSpPr>
+        <p:spPr>
+          <a:xfrm>
+            <a:off x="9496425" y="4762384"/>
+            <a:ext cx="441922" cy="445028"/>
+          </a:xfrm>
+          <a:prstGeom prst="ellipse">
+            <a:avLst/>
+          </a:prstGeom>
+          <a:solidFill>
+            <a:schemeClr val="bg1"/>
+          </a:solidFill>
+          <a:ln w="28575">
+            <a:solidFill>
+              <a:schemeClr val="tx1"/>
+            </a:solidFill>
+          </a:ln>
+        </p:spPr>
+        <p:style>
+          <a:lnRef idx="2">
+            <a:schemeClr val="accent1">
+              <a:shade val="50000"/>
+            </a:schemeClr>
+          </a:lnRef>
+          <a:fillRef idx="1">
+            <a:schemeClr val="accent1"/>
+          </a:fillRef>
+          <a:effectRef idx="0">
+            <a:schemeClr val="accent1"/>
+          </a:effectRef>
+          <a:fontRef idx="minor">
+            <a:schemeClr val="lt1"/>
+          </a:fontRef>
+        </p:style>
+        <p:txBody>
+          <a:bodyPr rtlCol="0" anchor="ctr"/>
+          <a:lstStyle/>
+          <a:p>
+            <a:pPr algn="ctr"/>
+            <a:r>
+              <a:rPr lang="en-US" altLang="ko-KR" b="1" dirty="0">
+                <a:solidFill>
+                  <a:schemeClr val="tx1"/>
+                </a:solidFill>
+              </a:rPr>
+              <a:t>?</a:t>
+            </a:r>
+            <a:endParaRPr lang="ko-KR" altLang="en-US" b="1" dirty="0">
+              <a:solidFill>
+                <a:schemeClr val="tx1"/>
+              </a:solidFill>
+            </a:endParaRPr>
+          </a:p>
+        </p:txBody>
+      </p:sp>
+      <p:pic>
+        <p:nvPicPr>
+          <p:cNvPr id="19" name="그래픽 18" descr="단일 톱니바퀴 단색으로 채워진">
+            <a:extLst>
+              <a:ext uri="{FF2B5EF4-FFF2-40B4-BE49-F238E27FC236}">
+                <a16:creationId xmlns:a16="http://schemas.microsoft.com/office/drawing/2014/main" id="{545DC420-3ABC-46AC-A273-5AFA84C9DC98}"/>
+              </a:ext>
+            </a:extLst>
+          </p:cNvPr>
+          <p:cNvPicPr>
+            <a:picLocks noChangeAspect="1"/>
+          </p:cNvPicPr>
+          <p:nvPr/>
+        </p:nvPicPr>
+        <p:blipFill>
+          <a:blip r:embed="rId3" cstate="hqprint">
+            <a:extLst>
+              <a:ext uri="{28A0092B-C50C-407E-A947-70E740481C1C}">
+                <a14:useLocalDpi xmlns:a14="http://schemas.microsoft.com/office/drawing/2010/main" val="0"/>
+              </a:ext>
+              <a:ext uri="{96DAC541-7B7A-43D3-8B79-37D633B846F1}">
+                <asvg:svgBlip xmlns:asvg="http://schemas.microsoft.com/office/drawing/2016/SVG/main" r:embed="rId4"/>
+              </a:ext>
+            </a:extLst>
+          </a:blip>
+          <a:stretch>
+            <a:fillRect/>
+          </a:stretch>
+        </p:blipFill>
+        <p:spPr>
+          <a:xfrm>
+            <a:off x="9557288" y="5362277"/>
+            <a:ext cx="320195" cy="320195"/>
+          </a:xfrm>
+          <a:prstGeom prst="rect">
+            <a:avLst/>
+          </a:prstGeom>
+        </p:spPr>
+      </p:pic>
+      <p:sp>
+        <p:nvSpPr>
+          <p:cNvPr id="20" name="TextBox 19">
+            <a:extLst>
+              <a:ext uri="{FF2B5EF4-FFF2-40B4-BE49-F238E27FC236}">
+                <a16:creationId xmlns:a16="http://schemas.microsoft.com/office/drawing/2014/main" id="{08BA6D45-DB7B-46E1-9B18-9DE0804050BB}"/>
               </a:ext>
             </a:extLst>
           </p:cNvPr>
@@ -4798,8 +5326,8 @@
         </p:nvSpPr>
         <p:spPr>
           <a:xfrm>
-            <a:off x="646546" y="255627"/>
-            <a:ext cx="4230254" cy="523220"/>
+            <a:off x="11508508" y="6289963"/>
+            <a:ext cx="311304" cy="369332"/>
           </a:xfrm>
           <a:prstGeom prst="rect">
             <a:avLst/>
@@ -4807,12 +5335,382 @@
           <a:noFill/>
         </p:spPr>
         <p:txBody>
+          <a:bodyPr wrap="none" rtlCol="0">
+            <a:spAutoFit/>
+          </a:bodyPr>
+          <a:lstStyle/>
+          <a:p>
+            <a:r>
+              <a:rPr lang="en-US" altLang="ko-KR" dirty="0"/>
+              <a:t>1</a:t>
+            </a:r>
+            <a:endParaRPr lang="ko-KR" altLang="en-US" dirty="0"/>
+          </a:p>
+        </p:txBody>
+      </p:sp>
+      <p:sp>
+        <p:nvSpPr>
+          <p:cNvPr id="21" name="TextBox 20">
+            <a:extLst>
+              <a:ext uri="{FF2B5EF4-FFF2-40B4-BE49-F238E27FC236}">
+                <a16:creationId xmlns:a16="http://schemas.microsoft.com/office/drawing/2014/main" id="{3A0E7541-0A2B-485E-BE9E-33C8FB2B3ADB}"/>
+              </a:ext>
+            </a:extLst>
+          </p:cNvPr>
+          <p:cNvSpPr txBox="1"/>
+          <p:nvPr/>
+        </p:nvSpPr>
+        <p:spPr>
+          <a:xfrm>
+            <a:off x="3112782" y="1060172"/>
+            <a:ext cx="1371275" cy="400110"/>
+          </a:xfrm>
+          <a:prstGeom prst="rect">
+            <a:avLst/>
+          </a:prstGeom>
+          <a:noFill/>
+        </p:spPr>
+        <p:txBody>
           <a:bodyPr wrap="square" rtlCol="0">
             <a:spAutoFit/>
           </a:bodyPr>
           <a:lstStyle/>
           <a:p>
             <a:r>
+              <a:rPr lang="ko-KR" altLang="en-US" sz="2000" b="1" dirty="0"/>
+              <a:t>방 만들기</a:t>
+            </a:r>
+            <a:endParaRPr lang="ko-KR" altLang="en-US" sz="1600" b="1" dirty="0"/>
+          </a:p>
+        </p:txBody>
+      </p:sp>
+      <p:sp>
+        <p:nvSpPr>
+          <p:cNvPr id="22" name="TextBox 21">
+            <a:extLst>
+              <a:ext uri="{FF2B5EF4-FFF2-40B4-BE49-F238E27FC236}">
+                <a16:creationId xmlns:a16="http://schemas.microsoft.com/office/drawing/2014/main" id="{080082FC-AEAD-4A3D-B7C0-6414FA842AB6}"/>
+              </a:ext>
+            </a:extLst>
+          </p:cNvPr>
+          <p:cNvSpPr txBox="1"/>
+          <p:nvPr/>
+        </p:nvSpPr>
+        <p:spPr>
+          <a:xfrm>
+            <a:off x="4484057" y="1062755"/>
+            <a:ext cx="1401346" cy="400110"/>
+          </a:xfrm>
+          <a:prstGeom prst="rect">
+            <a:avLst/>
+          </a:prstGeom>
+          <a:noFill/>
+        </p:spPr>
+        <p:txBody>
+          <a:bodyPr wrap="none" rtlCol="0">
+            <a:spAutoFit/>
+          </a:bodyPr>
+          <a:lstStyle/>
+          <a:p>
+            <a:r>
+              <a:rPr lang="ko-KR" altLang="en-US" sz="2000" b="1" dirty="0"/>
+              <a:t>방 설정 </a:t>
+            </a:r>
+            <a:r>
+              <a:rPr lang="en-US" altLang="ko-KR" sz="2000" b="1" dirty="0"/>
+              <a:t>UI</a:t>
+            </a:r>
+            <a:endParaRPr lang="ko-KR" altLang="en-US" sz="1600" b="1" dirty="0"/>
+          </a:p>
+        </p:txBody>
+      </p:sp>
+    </p:spTree>
+    <p:extLst>
+      <p:ext uri="{BB962C8B-B14F-4D97-AF65-F5344CB8AC3E}">
+        <p14:creationId xmlns:p14="http://schemas.microsoft.com/office/powerpoint/2010/main" val="2818559181"/>
+      </p:ext>
+    </p:extLst>
+  </p:cSld>
+  <p:clrMapOvr>
+    <a:masterClrMapping/>
+  </p:clrMapOvr>
+</p:sld>
+</file>
+
+<file path=ppt/slides/slide3.xml><?xml version="1.0" encoding="utf-8"?>
+<p:sld xmlns:a="http://schemas.openxmlformats.org/drawingml/2006/main" xmlns:r="http://schemas.openxmlformats.org/officeDocument/2006/relationships" xmlns:p="http://schemas.openxmlformats.org/presentationml/2006/main">
+  <p:cSld>
+    <p:spTree>
+      <p:nvGrpSpPr>
+        <p:cNvPr id="1" name=""/>
+        <p:cNvGrpSpPr/>
+        <p:nvPr/>
+      </p:nvGrpSpPr>
+      <p:grpSpPr>
+        <a:xfrm>
+          <a:off x="0" y="0"/>
+          <a:ext cx="0" cy="0"/>
+          <a:chOff x="0" y="0"/>
+          <a:chExt cx="0" cy="0"/>
+        </a:xfrm>
+      </p:grpSpPr>
+      <p:sp>
+        <p:nvSpPr>
+          <p:cNvPr id="2" name="제목 1">
+            <a:extLst>
+              <a:ext uri="{FF2B5EF4-FFF2-40B4-BE49-F238E27FC236}">
+                <a16:creationId xmlns:a16="http://schemas.microsoft.com/office/drawing/2014/main" id="{12FA7392-5E59-4B5E-B78E-CDA6F8200699}"/>
+              </a:ext>
+            </a:extLst>
+          </p:cNvPr>
+          <p:cNvSpPr>
+            <a:spLocks noGrp="1"/>
+          </p:cNvSpPr>
+          <p:nvPr>
+            <p:ph type="title"/>
+          </p:nvPr>
+        </p:nvSpPr>
+        <p:spPr/>
+        <p:txBody>
+          <a:bodyPr/>
+          <a:lstStyle/>
+          <a:p>
+            <a:endParaRPr lang="ko-KR" altLang="en-US"/>
+          </a:p>
+        </p:txBody>
+      </p:sp>
+      <p:sp>
+        <p:nvSpPr>
+          <p:cNvPr id="3" name="내용 개체 틀 2">
+            <a:extLst>
+              <a:ext uri="{FF2B5EF4-FFF2-40B4-BE49-F238E27FC236}">
+                <a16:creationId xmlns:a16="http://schemas.microsoft.com/office/drawing/2014/main" id="{66A7B09C-D626-4EE3-BE1A-A5B85B570D5C}"/>
+              </a:ext>
+            </a:extLst>
+          </p:cNvPr>
+          <p:cNvSpPr>
+            <a:spLocks noGrp="1"/>
+          </p:cNvSpPr>
+          <p:nvPr>
+            <p:ph idx="1"/>
+          </p:nvPr>
+        </p:nvSpPr>
+        <p:spPr/>
+        <p:txBody>
+          <a:bodyPr/>
+          <a:lstStyle/>
+          <a:p>
+            <a:endParaRPr lang="ko-KR" altLang="en-US"/>
+          </a:p>
+        </p:txBody>
+      </p:sp>
+      <p:sp>
+        <p:nvSpPr>
+          <p:cNvPr id="4" name="텍스트 개체 틀 3">
+            <a:extLst>
+              <a:ext uri="{FF2B5EF4-FFF2-40B4-BE49-F238E27FC236}">
+                <a16:creationId xmlns:a16="http://schemas.microsoft.com/office/drawing/2014/main" id="{A0C5A46F-6C46-4871-81D3-A9F7A2D3A0B9}"/>
+              </a:ext>
+            </a:extLst>
+          </p:cNvPr>
+          <p:cNvSpPr>
+            <a:spLocks noGrp="1"/>
+          </p:cNvSpPr>
+          <p:nvPr>
+            <p:ph type="body" sz="quarter" idx="13"/>
+          </p:nvPr>
+        </p:nvSpPr>
+        <p:spPr/>
+        <p:txBody>
+          <a:bodyPr/>
+          <a:lstStyle/>
+          <a:p>
+            <a:endParaRPr lang="ko-KR" altLang="en-US"/>
+          </a:p>
+        </p:txBody>
+      </p:sp>
+      <p:sp>
+        <p:nvSpPr>
+          <p:cNvPr id="9" name="사각형: 둥근 모서리 8">
+            <a:extLst>
+              <a:ext uri="{FF2B5EF4-FFF2-40B4-BE49-F238E27FC236}">
+                <a16:creationId xmlns:a16="http://schemas.microsoft.com/office/drawing/2014/main" id="{DB2AB129-9AE5-4E2B-B880-DFDF5B63AD02}"/>
+              </a:ext>
+            </a:extLst>
+          </p:cNvPr>
+          <p:cNvSpPr/>
+          <p:nvPr/>
+        </p:nvSpPr>
+        <p:spPr>
+          <a:xfrm rot="5400000">
+            <a:off x="4233349" y="1488"/>
+            <a:ext cx="3993138" cy="7952529"/>
+          </a:xfrm>
+          <a:prstGeom prst="roundRect">
+            <a:avLst/>
+          </a:prstGeom>
+          <a:solidFill>
+            <a:schemeClr val="bg1"/>
+          </a:solidFill>
+          <a:ln w="38100">
+            <a:solidFill>
+              <a:schemeClr val="tx1"/>
+            </a:solidFill>
+          </a:ln>
+        </p:spPr>
+        <p:style>
+          <a:lnRef idx="2">
+            <a:schemeClr val="accent1">
+              <a:shade val="50000"/>
+            </a:schemeClr>
+          </a:lnRef>
+          <a:fillRef idx="1">
+            <a:schemeClr val="accent1"/>
+          </a:fillRef>
+          <a:effectRef idx="0">
+            <a:schemeClr val="accent1"/>
+          </a:effectRef>
+          <a:fontRef idx="minor">
+            <a:schemeClr val="lt1"/>
+          </a:fontRef>
+        </p:style>
+        <p:txBody>
+          <a:bodyPr rtlCol="0" anchor="ctr"/>
+          <a:lstStyle/>
+          <a:p>
+            <a:pPr algn="ctr"/>
+            <a:endParaRPr lang="ko-KR" altLang="en-US" dirty="0"/>
+          </a:p>
+        </p:txBody>
+      </p:sp>
+      <p:pic>
+        <p:nvPicPr>
+          <p:cNvPr id="10" name="Picture 2" descr="쓰레기가 바다에 떠있는 크루즈 라이너 여객선 | 프리미엄 벡터">
+            <a:extLst>
+              <a:ext uri="{FF2B5EF4-FFF2-40B4-BE49-F238E27FC236}">
+                <a16:creationId xmlns:a16="http://schemas.microsoft.com/office/drawing/2014/main" id="{F3990AFA-8C2C-40E2-AE5A-68DF8F8F0236}"/>
+              </a:ext>
+            </a:extLst>
+          </p:cNvPr>
+          <p:cNvPicPr>
+            <a:picLocks noChangeAspect="1" noChangeArrowheads="1"/>
+          </p:cNvPicPr>
+          <p:nvPr/>
+        </p:nvPicPr>
+        <p:blipFill>
+          <a:blip r:embed="rId2">
+            <a:extLst>
+              <a:ext uri="{28A0092B-C50C-407E-A947-70E740481C1C}">
+                <a14:useLocalDpi xmlns:a14="http://schemas.microsoft.com/office/drawing/2010/main" val="0"/>
+              </a:ext>
+            </a:extLst>
+          </a:blip>
+          <a:srcRect/>
+          <a:stretch>
+            <a:fillRect/>
+          </a:stretch>
+        </p:blipFill>
+        <p:spPr bwMode="auto">
+          <a:xfrm>
+            <a:off x="2297002" y="2011294"/>
+            <a:ext cx="7865831" cy="3932916"/>
+          </a:xfrm>
+          <a:prstGeom prst="roundRect">
+            <a:avLst/>
+          </a:prstGeom>
+          <a:noFill/>
+          <a:extLst>
+            <a:ext uri="{909E8E84-426E-40DD-AFC4-6F175D3DCCD1}">
+              <a14:hiddenFill xmlns:a14="http://schemas.microsoft.com/office/drawing/2010/main">
+                <a:solidFill>
+                  <a:srgbClr val="FFFFFF"/>
+                </a:solidFill>
+              </a14:hiddenFill>
+            </a:ext>
+          </a:extLst>
+        </p:spPr>
+      </p:pic>
+      <p:sp>
+        <p:nvSpPr>
+          <p:cNvPr id="11" name="직사각형 10">
+            <a:extLst>
+              <a:ext uri="{FF2B5EF4-FFF2-40B4-BE49-F238E27FC236}">
+                <a16:creationId xmlns:a16="http://schemas.microsoft.com/office/drawing/2014/main" id="{CAE88EF5-21CB-4EEE-9126-6D526E53AAE4}"/>
+              </a:ext>
+            </a:extLst>
+          </p:cNvPr>
+          <p:cNvSpPr/>
+          <p:nvPr/>
+        </p:nvSpPr>
+        <p:spPr>
+          <a:xfrm>
+            <a:off x="0" y="0"/>
+            <a:ext cx="12192000" cy="1034474"/>
+          </a:xfrm>
+          <a:prstGeom prst="rect">
+            <a:avLst/>
+          </a:prstGeom>
+          <a:solidFill>
+            <a:schemeClr val="accent5">
+              <a:lumMod val="60000"/>
+              <a:lumOff val="40000"/>
+            </a:schemeClr>
+          </a:solidFill>
+        </p:spPr>
+        <p:style>
+          <a:lnRef idx="2">
+            <a:schemeClr val="accent1">
+              <a:shade val="50000"/>
+            </a:schemeClr>
+          </a:lnRef>
+          <a:fillRef idx="1">
+            <a:schemeClr val="accent1"/>
+          </a:fillRef>
+          <a:effectRef idx="0">
+            <a:schemeClr val="accent1"/>
+          </a:effectRef>
+          <a:fontRef idx="minor">
+            <a:schemeClr val="lt1"/>
+          </a:fontRef>
+        </p:style>
+        <p:txBody>
+          <a:bodyPr rtlCol="0" anchor="ctr"/>
+          <a:lstStyle/>
+          <a:p>
+            <a:pPr algn="ctr"/>
+            <a:endParaRPr lang="ko-KR" altLang="en-US" dirty="0"/>
+          </a:p>
+        </p:txBody>
+      </p:sp>
+      <p:sp>
+        <p:nvSpPr>
+          <p:cNvPr id="12" name="TextBox 11">
+            <a:extLst>
+              <a:ext uri="{FF2B5EF4-FFF2-40B4-BE49-F238E27FC236}">
+                <a16:creationId xmlns:a16="http://schemas.microsoft.com/office/drawing/2014/main" id="{1CE2344A-5990-4401-9E85-72333F93486F}"/>
+              </a:ext>
+            </a:extLst>
+          </p:cNvPr>
+          <p:cNvSpPr txBox="1"/>
+          <p:nvPr/>
+        </p:nvSpPr>
+        <p:spPr>
+          <a:xfrm>
+            <a:off x="646546" y="255627"/>
+            <a:ext cx="4230254" cy="523220"/>
+          </a:xfrm>
+          <a:prstGeom prst="rect">
+            <a:avLst/>
+          </a:prstGeom>
+          <a:noFill/>
+        </p:spPr>
+        <p:txBody>
+          <a:bodyPr wrap="square" rtlCol="0">
+            <a:spAutoFit/>
+          </a:bodyPr>
+          <a:lstStyle/>
+          <a:p>
+            <a:r>
               <a:rPr lang="ko-KR" altLang="en-US" sz="2800" b="1" dirty="0"/>
               <a:t>게임 설명 </a:t>
             </a:r>
@@ -4841,10 +5739,10 @@
       </p:sp>
       <p:sp>
         <p:nvSpPr>
-          <p:cNvPr id="25" name="TextBox 24">
-            <a:extLst>
-              <a:ext uri="{FF2B5EF4-FFF2-40B4-BE49-F238E27FC236}">
-                <a16:creationId xmlns:a16="http://schemas.microsoft.com/office/drawing/2014/main" id="{A7F59BAA-1207-4CC5-98B4-788E4D1F418B}"/>
+          <p:cNvPr id="13" name="TextBox 12">
+            <a:extLst>
+              <a:ext uri="{FF2B5EF4-FFF2-40B4-BE49-F238E27FC236}">
+                <a16:creationId xmlns:a16="http://schemas.microsoft.com/office/drawing/2014/main" id="{DD7D07F7-D69F-4CA8-8F31-92137478F17E}"/>
               </a:ext>
             </a:extLst>
           </p:cNvPr>
@@ -4853,7 +5751,714 @@
         </p:nvSpPr>
         <p:spPr>
           <a:xfrm>
-            <a:off x="216818" y="1062755"/>
+            <a:off x="1709721" y="1044093"/>
+            <a:ext cx="1055097" cy="400110"/>
+          </a:xfrm>
+          <a:prstGeom prst="rect">
+            <a:avLst/>
+          </a:prstGeom>
+          <a:noFill/>
+        </p:spPr>
+        <p:txBody>
+          <a:bodyPr wrap="none" rtlCol="0">
+            <a:spAutoFit/>
+          </a:bodyPr>
+          <a:lstStyle/>
+          <a:p>
+            <a:r>
+              <a:rPr lang="ko-KR" altLang="en-US" sz="2000" b="1" dirty="0"/>
+              <a:t>시작</a:t>
+            </a:r>
+            <a:r>
+              <a:rPr lang="en-US" altLang="ko-KR" sz="2000" b="1" dirty="0"/>
+              <a:t> UI</a:t>
+            </a:r>
+            <a:endParaRPr lang="ko-KR" altLang="en-US" sz="1600" b="1" dirty="0"/>
+          </a:p>
+        </p:txBody>
+      </p:sp>
+      <p:grpSp>
+        <p:nvGrpSpPr>
+          <p:cNvPr id="14" name="그룹 13">
+            <a:extLst>
+              <a:ext uri="{FF2B5EF4-FFF2-40B4-BE49-F238E27FC236}">
+                <a16:creationId xmlns:a16="http://schemas.microsoft.com/office/drawing/2014/main" id="{97BE58DD-562A-4E91-A4DE-84CA7ED4B4D0}"/>
+              </a:ext>
+            </a:extLst>
+          </p:cNvPr>
+          <p:cNvGrpSpPr/>
+          <p:nvPr/>
+        </p:nvGrpSpPr>
+        <p:grpSpPr>
+          <a:xfrm>
+            <a:off x="4387678" y="2507108"/>
+            <a:ext cx="3684479" cy="1470644"/>
+            <a:chOff x="4049075" y="2209800"/>
+            <a:chExt cx="3684479" cy="1470644"/>
+          </a:xfrm>
+        </p:grpSpPr>
+        <p:sp>
+          <p:nvSpPr>
+            <p:cNvPr id="15" name="TextBox 14">
+              <a:extLst>
+                <a:ext uri="{FF2B5EF4-FFF2-40B4-BE49-F238E27FC236}">
+                  <a16:creationId xmlns:a16="http://schemas.microsoft.com/office/drawing/2014/main" id="{BFDEFA76-21D3-4760-A040-0B722623C3E2}"/>
+                </a:ext>
+              </a:extLst>
+            </p:cNvPr>
+            <p:cNvSpPr txBox="1"/>
+            <p:nvPr/>
+          </p:nvSpPr>
+          <p:spPr>
+            <a:xfrm>
+              <a:off x="4049075" y="2209800"/>
+              <a:ext cx="2400016" cy="830997"/>
+            </a:xfrm>
+            <a:prstGeom prst="rect">
+              <a:avLst/>
+            </a:prstGeom>
+            <a:noFill/>
+          </p:spPr>
+          <p:txBody>
+            <a:bodyPr wrap="none" rtlCol="0">
+              <a:spAutoFit/>
+            </a:bodyPr>
+            <a:lstStyle/>
+            <a:p>
+              <a:r>
+                <a:rPr lang="en-US" altLang="ko-KR" sz="4800" b="1" dirty="0"/>
+                <a:t>ESCAPE</a:t>
+              </a:r>
+              <a:endParaRPr lang="ko-KR" altLang="en-US" sz="4800" b="1" dirty="0"/>
+            </a:p>
+          </p:txBody>
+        </p:sp>
+        <p:sp>
+          <p:nvSpPr>
+            <p:cNvPr id="16" name="TextBox 15">
+              <a:extLst>
+                <a:ext uri="{FF2B5EF4-FFF2-40B4-BE49-F238E27FC236}">
+                  <a16:creationId xmlns:a16="http://schemas.microsoft.com/office/drawing/2014/main" id="{11D9ED1F-780E-4423-A47C-604D09708598}"/>
+                </a:ext>
+              </a:extLst>
+            </p:cNvPr>
+            <p:cNvSpPr txBox="1"/>
+            <p:nvPr/>
+          </p:nvSpPr>
+          <p:spPr>
+            <a:xfrm>
+              <a:off x="5297374" y="2849447"/>
+              <a:ext cx="2436180" cy="830997"/>
+            </a:xfrm>
+            <a:prstGeom prst="rect">
+              <a:avLst/>
+            </a:prstGeom>
+            <a:noFill/>
+          </p:spPr>
+          <p:txBody>
+            <a:bodyPr wrap="none" rtlCol="0">
+              <a:spAutoFit/>
+            </a:bodyPr>
+            <a:lstStyle/>
+            <a:p>
+              <a:r>
+                <a:rPr lang="en-US" altLang="ko-KR" sz="4800" b="1" dirty="0"/>
+                <a:t>ISLAND</a:t>
+              </a:r>
+              <a:endParaRPr lang="ko-KR" altLang="en-US" sz="4800" b="1" dirty="0"/>
+            </a:p>
+          </p:txBody>
+        </p:sp>
+      </p:grpSp>
+      <p:sp>
+        <p:nvSpPr>
+          <p:cNvPr id="17" name="사각형: 둥근 모서리 16">
+            <a:extLst>
+              <a:ext uri="{FF2B5EF4-FFF2-40B4-BE49-F238E27FC236}">
+                <a16:creationId xmlns:a16="http://schemas.microsoft.com/office/drawing/2014/main" id="{E8EAAE1F-F922-4792-9DC6-C8F792EB1B72}"/>
+              </a:ext>
+            </a:extLst>
+          </p:cNvPr>
+          <p:cNvSpPr/>
+          <p:nvPr/>
+        </p:nvSpPr>
+        <p:spPr>
+          <a:xfrm>
+            <a:off x="5122919" y="4617399"/>
+            <a:ext cx="2213996" cy="551608"/>
+          </a:xfrm>
+          <a:prstGeom prst="roundRect">
+            <a:avLst/>
+          </a:prstGeom>
+          <a:solidFill>
+            <a:schemeClr val="bg1"/>
+          </a:solidFill>
+          <a:ln w="28575">
+            <a:solidFill>
+              <a:schemeClr val="tx1"/>
+            </a:solidFill>
+          </a:ln>
+        </p:spPr>
+        <p:style>
+          <a:lnRef idx="2">
+            <a:schemeClr val="accent1">
+              <a:shade val="50000"/>
+            </a:schemeClr>
+          </a:lnRef>
+          <a:fillRef idx="1">
+            <a:schemeClr val="accent1"/>
+          </a:fillRef>
+          <a:effectRef idx="0">
+            <a:schemeClr val="accent1"/>
+          </a:effectRef>
+          <a:fontRef idx="minor">
+            <a:schemeClr val="lt1"/>
+          </a:fontRef>
+        </p:style>
+        <p:txBody>
+          <a:bodyPr rtlCol="0" anchor="ctr"/>
+          <a:lstStyle/>
+          <a:p>
+            <a:pPr algn="ctr"/>
+            <a:r>
+              <a:rPr lang="ko-KR" altLang="en-US" b="1" dirty="0">
+                <a:solidFill>
+                  <a:schemeClr val="tx1"/>
+                </a:solidFill>
+              </a:rPr>
+              <a:t>게임 시작</a:t>
+            </a:r>
+          </a:p>
+        </p:txBody>
+      </p:sp>
+      <p:sp>
+        <p:nvSpPr>
+          <p:cNvPr id="18" name="타원 17">
+            <a:extLst>
+              <a:ext uri="{FF2B5EF4-FFF2-40B4-BE49-F238E27FC236}">
+                <a16:creationId xmlns:a16="http://schemas.microsoft.com/office/drawing/2014/main" id="{C132681B-57FF-49AE-B07C-6F1DB65B168A}"/>
+              </a:ext>
+            </a:extLst>
+          </p:cNvPr>
+          <p:cNvSpPr/>
+          <p:nvPr/>
+        </p:nvSpPr>
+        <p:spPr>
+          <a:xfrm>
+            <a:off x="9496425" y="5295900"/>
+            <a:ext cx="441922" cy="445028"/>
+          </a:xfrm>
+          <a:prstGeom prst="ellipse">
+            <a:avLst/>
+          </a:prstGeom>
+          <a:solidFill>
+            <a:schemeClr val="bg1"/>
+          </a:solidFill>
+          <a:ln w="28575">
+            <a:solidFill>
+              <a:schemeClr val="tx1"/>
+            </a:solidFill>
+          </a:ln>
+        </p:spPr>
+        <p:style>
+          <a:lnRef idx="2">
+            <a:schemeClr val="accent1">
+              <a:shade val="50000"/>
+            </a:schemeClr>
+          </a:lnRef>
+          <a:fillRef idx="1">
+            <a:schemeClr val="accent1"/>
+          </a:fillRef>
+          <a:effectRef idx="0">
+            <a:schemeClr val="accent1"/>
+          </a:effectRef>
+          <a:fontRef idx="minor">
+            <a:schemeClr val="lt1"/>
+          </a:fontRef>
+        </p:style>
+        <p:txBody>
+          <a:bodyPr rtlCol="0" anchor="ctr"/>
+          <a:lstStyle/>
+          <a:p>
+            <a:pPr algn="ctr"/>
+            <a:endParaRPr lang="ko-KR" altLang="en-US" b="1" dirty="0">
+              <a:solidFill>
+                <a:schemeClr val="tx1"/>
+              </a:solidFill>
+            </a:endParaRPr>
+          </a:p>
+        </p:txBody>
+      </p:sp>
+      <p:sp>
+        <p:nvSpPr>
+          <p:cNvPr id="19" name="타원 18">
+            <a:extLst>
+              <a:ext uri="{FF2B5EF4-FFF2-40B4-BE49-F238E27FC236}">
+                <a16:creationId xmlns:a16="http://schemas.microsoft.com/office/drawing/2014/main" id="{3F822926-D3ED-41CD-AFDF-E557E952F9AA}"/>
+              </a:ext>
+            </a:extLst>
+          </p:cNvPr>
+          <p:cNvSpPr/>
+          <p:nvPr/>
+        </p:nvSpPr>
+        <p:spPr>
+          <a:xfrm>
+            <a:off x="9496425" y="4762384"/>
+            <a:ext cx="441922" cy="445028"/>
+          </a:xfrm>
+          <a:prstGeom prst="ellipse">
+            <a:avLst/>
+          </a:prstGeom>
+          <a:solidFill>
+            <a:schemeClr val="bg1"/>
+          </a:solidFill>
+          <a:ln w="28575">
+            <a:solidFill>
+              <a:schemeClr val="tx1"/>
+            </a:solidFill>
+          </a:ln>
+        </p:spPr>
+        <p:style>
+          <a:lnRef idx="2">
+            <a:schemeClr val="accent1">
+              <a:shade val="50000"/>
+            </a:schemeClr>
+          </a:lnRef>
+          <a:fillRef idx="1">
+            <a:schemeClr val="accent1"/>
+          </a:fillRef>
+          <a:effectRef idx="0">
+            <a:schemeClr val="accent1"/>
+          </a:effectRef>
+          <a:fontRef idx="minor">
+            <a:schemeClr val="lt1"/>
+          </a:fontRef>
+        </p:style>
+        <p:txBody>
+          <a:bodyPr rtlCol="0" anchor="ctr"/>
+          <a:lstStyle/>
+          <a:p>
+            <a:pPr algn="ctr"/>
+            <a:r>
+              <a:rPr lang="en-US" altLang="ko-KR" b="1" dirty="0">
+                <a:solidFill>
+                  <a:schemeClr val="tx1"/>
+                </a:solidFill>
+              </a:rPr>
+              <a:t>?</a:t>
+            </a:r>
+            <a:endParaRPr lang="ko-KR" altLang="en-US" b="1" dirty="0">
+              <a:solidFill>
+                <a:schemeClr val="tx1"/>
+              </a:solidFill>
+            </a:endParaRPr>
+          </a:p>
+        </p:txBody>
+      </p:sp>
+      <p:pic>
+        <p:nvPicPr>
+          <p:cNvPr id="20" name="그래픽 19" descr="단일 톱니바퀴 단색으로 채워진">
+            <a:extLst>
+              <a:ext uri="{FF2B5EF4-FFF2-40B4-BE49-F238E27FC236}">
+                <a16:creationId xmlns:a16="http://schemas.microsoft.com/office/drawing/2014/main" id="{D6348A99-326A-4E66-82BA-1EA5806F3A28}"/>
+              </a:ext>
+            </a:extLst>
+          </p:cNvPr>
+          <p:cNvPicPr>
+            <a:picLocks noChangeAspect="1"/>
+          </p:cNvPicPr>
+          <p:nvPr/>
+        </p:nvPicPr>
+        <p:blipFill>
+          <a:blip r:embed="rId3" cstate="hqprint">
+            <a:extLst>
+              <a:ext uri="{28A0092B-C50C-407E-A947-70E740481C1C}">
+                <a14:useLocalDpi xmlns:a14="http://schemas.microsoft.com/office/drawing/2010/main" val="0"/>
+              </a:ext>
+              <a:ext uri="{96DAC541-7B7A-43D3-8B79-37D633B846F1}">
+                <asvg:svgBlip xmlns:asvg="http://schemas.microsoft.com/office/drawing/2016/SVG/main" r:embed="rId4"/>
+              </a:ext>
+            </a:extLst>
+          </a:blip>
+          <a:stretch>
+            <a:fillRect/>
+          </a:stretch>
+        </p:blipFill>
+        <p:spPr>
+          <a:xfrm>
+            <a:off x="9557288" y="5362277"/>
+            <a:ext cx="320195" cy="320195"/>
+          </a:xfrm>
+          <a:prstGeom prst="rect">
+            <a:avLst/>
+          </a:prstGeom>
+        </p:spPr>
+      </p:pic>
+      <p:sp>
+        <p:nvSpPr>
+          <p:cNvPr id="21" name="TextBox 20">
+            <a:extLst>
+              <a:ext uri="{FF2B5EF4-FFF2-40B4-BE49-F238E27FC236}">
+                <a16:creationId xmlns:a16="http://schemas.microsoft.com/office/drawing/2014/main" id="{EC802218-7B7B-4A5A-9A7E-C01F1551F2D1}"/>
+              </a:ext>
+            </a:extLst>
+          </p:cNvPr>
+          <p:cNvSpPr txBox="1"/>
+          <p:nvPr/>
+        </p:nvSpPr>
+        <p:spPr>
+          <a:xfrm>
+            <a:off x="11508508" y="6289963"/>
+            <a:ext cx="311304" cy="369332"/>
+          </a:xfrm>
+          <a:prstGeom prst="rect">
+            <a:avLst/>
+          </a:prstGeom>
+          <a:noFill/>
+        </p:spPr>
+        <p:txBody>
+          <a:bodyPr wrap="none" rtlCol="0">
+            <a:spAutoFit/>
+          </a:bodyPr>
+          <a:lstStyle/>
+          <a:p>
+            <a:r>
+              <a:rPr lang="en-US" altLang="ko-KR" dirty="0"/>
+              <a:t>1</a:t>
+            </a:r>
+            <a:endParaRPr lang="ko-KR" altLang="en-US" dirty="0"/>
+          </a:p>
+        </p:txBody>
+      </p:sp>
+      <p:sp>
+        <p:nvSpPr>
+          <p:cNvPr id="22" name="TextBox 21">
+            <a:extLst>
+              <a:ext uri="{FF2B5EF4-FFF2-40B4-BE49-F238E27FC236}">
+                <a16:creationId xmlns:a16="http://schemas.microsoft.com/office/drawing/2014/main" id="{E8FAA8C4-36E6-4433-AAAD-49B0CFA45C93}"/>
+              </a:ext>
+            </a:extLst>
+          </p:cNvPr>
+          <p:cNvSpPr txBox="1"/>
+          <p:nvPr/>
+        </p:nvSpPr>
+        <p:spPr>
+          <a:xfrm>
+            <a:off x="3087212" y="1072089"/>
+            <a:ext cx="1668545" cy="400110"/>
+          </a:xfrm>
+          <a:prstGeom prst="rect">
+            <a:avLst/>
+          </a:prstGeom>
+          <a:noFill/>
+        </p:spPr>
+        <p:txBody>
+          <a:bodyPr wrap="square" rtlCol="0">
+            <a:spAutoFit/>
+          </a:bodyPr>
+          <a:lstStyle/>
+          <a:p>
+            <a:r>
+              <a:rPr lang="ko-KR" altLang="en-US" sz="2000" b="1" dirty="0"/>
+              <a:t>방 만들기</a:t>
+            </a:r>
+            <a:endParaRPr lang="ko-KR" altLang="en-US" sz="1600" b="1" dirty="0"/>
+          </a:p>
+        </p:txBody>
+      </p:sp>
+      <p:sp>
+        <p:nvSpPr>
+          <p:cNvPr id="23" name="TextBox 22">
+            <a:extLst>
+              <a:ext uri="{FF2B5EF4-FFF2-40B4-BE49-F238E27FC236}">
+                <a16:creationId xmlns:a16="http://schemas.microsoft.com/office/drawing/2014/main" id="{BCD6AF5A-75F1-43FC-89CA-291853B63A7F}"/>
+              </a:ext>
+            </a:extLst>
+          </p:cNvPr>
+          <p:cNvSpPr txBox="1"/>
+          <p:nvPr/>
+        </p:nvSpPr>
+        <p:spPr>
+          <a:xfrm>
+            <a:off x="4484057" y="1062753"/>
+            <a:ext cx="1401346" cy="400110"/>
+          </a:xfrm>
+          <a:prstGeom prst="rect">
+            <a:avLst/>
+          </a:prstGeom>
+          <a:noFill/>
+        </p:spPr>
+        <p:txBody>
+          <a:bodyPr wrap="none" rtlCol="0">
+            <a:spAutoFit/>
+          </a:bodyPr>
+          <a:lstStyle/>
+          <a:p>
+            <a:r>
+              <a:rPr lang="ko-KR" altLang="en-US" sz="2000" b="1" dirty="0"/>
+              <a:t>방 설정 </a:t>
+            </a:r>
+            <a:r>
+              <a:rPr lang="en-US" altLang="ko-KR" sz="2000" b="1" dirty="0"/>
+              <a:t>UI</a:t>
+            </a:r>
+            <a:endParaRPr lang="ko-KR" altLang="en-US" sz="1600" b="1" dirty="0"/>
+          </a:p>
+        </p:txBody>
+      </p:sp>
+    </p:spTree>
+    <p:extLst>
+      <p:ext uri="{BB962C8B-B14F-4D97-AF65-F5344CB8AC3E}">
+        <p14:creationId xmlns:p14="http://schemas.microsoft.com/office/powerpoint/2010/main" val="2598613372"/>
+      </p:ext>
+    </p:extLst>
+  </p:cSld>
+  <p:clrMapOvr>
+    <a:masterClrMapping/>
+  </p:clrMapOvr>
+</p:sld>
+</file>
+
+<file path=ppt/slides/slide4.xml><?xml version="1.0" encoding="utf-8"?>
+<p:sld xmlns:a="http://schemas.openxmlformats.org/drawingml/2006/main" xmlns:r="http://schemas.openxmlformats.org/officeDocument/2006/relationships" xmlns:p="http://schemas.openxmlformats.org/presentationml/2006/main">
+  <p:cSld>
+    <p:spTree>
+      <p:nvGrpSpPr>
+        <p:cNvPr id="1" name=""/>
+        <p:cNvGrpSpPr/>
+        <p:nvPr/>
+      </p:nvGrpSpPr>
+      <p:grpSpPr>
+        <a:xfrm>
+          <a:off x="0" y="0"/>
+          <a:ext cx="0" cy="0"/>
+          <a:chOff x="0" y="0"/>
+          <a:chExt cx="0" cy="0"/>
+        </a:xfrm>
+      </p:grpSpPr>
+      <p:sp>
+        <p:nvSpPr>
+          <p:cNvPr id="13" name="사각형: 둥근 모서리 12">
+            <a:extLst>
+              <a:ext uri="{FF2B5EF4-FFF2-40B4-BE49-F238E27FC236}">
+                <a16:creationId xmlns:a16="http://schemas.microsoft.com/office/drawing/2014/main" id="{9469EB77-5C08-4181-BFE6-400BACF970C8}"/>
+              </a:ext>
+            </a:extLst>
+          </p:cNvPr>
+          <p:cNvSpPr/>
+          <p:nvPr/>
+        </p:nvSpPr>
+        <p:spPr>
+          <a:xfrm rot="5400000">
+            <a:off x="4233349" y="1488"/>
+            <a:ext cx="3993138" cy="7952529"/>
+          </a:xfrm>
+          <a:prstGeom prst="roundRect">
+            <a:avLst/>
+          </a:prstGeom>
+          <a:solidFill>
+            <a:schemeClr val="bg1"/>
+          </a:solidFill>
+          <a:ln w="38100">
+            <a:solidFill>
+              <a:schemeClr val="tx1"/>
+            </a:solidFill>
+          </a:ln>
+        </p:spPr>
+        <p:style>
+          <a:lnRef idx="2">
+            <a:schemeClr val="accent1">
+              <a:shade val="50000"/>
+            </a:schemeClr>
+          </a:lnRef>
+          <a:fillRef idx="1">
+            <a:schemeClr val="accent1"/>
+          </a:fillRef>
+          <a:effectRef idx="0">
+            <a:schemeClr val="accent1"/>
+          </a:effectRef>
+          <a:fontRef idx="minor">
+            <a:schemeClr val="lt1"/>
+          </a:fontRef>
+        </p:style>
+        <p:txBody>
+          <a:bodyPr rtlCol="0" anchor="ctr"/>
+          <a:lstStyle/>
+          <a:p>
+            <a:pPr algn="ctr"/>
+            <a:endParaRPr lang="ko-KR" altLang="en-US" dirty="0"/>
+          </a:p>
+        </p:txBody>
+      </p:sp>
+      <p:pic>
+        <p:nvPicPr>
+          <p:cNvPr id="1026" name="Picture 2" descr="쓰레기가 바다에 떠있는 크루즈 라이너 여객선 | 프리미엄 벡터">
+            <a:extLst>
+              <a:ext uri="{FF2B5EF4-FFF2-40B4-BE49-F238E27FC236}">
+                <a16:creationId xmlns:a16="http://schemas.microsoft.com/office/drawing/2014/main" id="{174299C8-06E6-4BA6-9166-EA0438C9CEF8}"/>
+              </a:ext>
+            </a:extLst>
+          </p:cNvPr>
+          <p:cNvPicPr>
+            <a:picLocks noChangeAspect="1" noChangeArrowheads="1"/>
+          </p:cNvPicPr>
+          <p:nvPr/>
+        </p:nvPicPr>
+        <p:blipFill>
+          <a:blip r:embed="rId3">
+            <a:extLst>
+              <a:ext uri="{28A0092B-C50C-407E-A947-70E740481C1C}">
+                <a14:useLocalDpi xmlns:a14="http://schemas.microsoft.com/office/drawing/2010/main" val="0"/>
+              </a:ext>
+            </a:extLst>
+          </a:blip>
+          <a:srcRect/>
+          <a:stretch>
+            <a:fillRect/>
+          </a:stretch>
+        </p:blipFill>
+        <p:spPr bwMode="auto">
+          <a:xfrm>
+            <a:off x="2297002" y="2011294"/>
+            <a:ext cx="7865831" cy="3932916"/>
+          </a:xfrm>
+          <a:prstGeom prst="roundRect">
+            <a:avLst/>
+          </a:prstGeom>
+          <a:noFill/>
+          <a:extLst>
+            <a:ext uri="{909E8E84-426E-40DD-AFC4-6F175D3DCCD1}">
+              <a14:hiddenFill xmlns:a14="http://schemas.microsoft.com/office/drawing/2010/main">
+                <a:solidFill>
+                  <a:srgbClr val="FFFFFF"/>
+                </a:solidFill>
+              </a14:hiddenFill>
+            </a:ext>
+          </a:extLst>
+        </p:spPr>
+      </p:pic>
+      <p:sp>
+        <p:nvSpPr>
+          <p:cNvPr id="4" name="직사각형 3">
+            <a:extLst>
+              <a:ext uri="{FF2B5EF4-FFF2-40B4-BE49-F238E27FC236}">
+                <a16:creationId xmlns:a16="http://schemas.microsoft.com/office/drawing/2014/main" id="{AE93FE2A-85FE-4157-951C-FC2FADBB3B34}"/>
+              </a:ext>
+            </a:extLst>
+          </p:cNvPr>
+          <p:cNvSpPr/>
+          <p:nvPr/>
+        </p:nvSpPr>
+        <p:spPr>
+          <a:xfrm>
+            <a:off x="0" y="0"/>
+            <a:ext cx="12192000" cy="1034474"/>
+          </a:xfrm>
+          <a:prstGeom prst="rect">
+            <a:avLst/>
+          </a:prstGeom>
+          <a:solidFill>
+            <a:schemeClr val="accent5">
+              <a:lumMod val="60000"/>
+              <a:lumOff val="40000"/>
+            </a:schemeClr>
+          </a:solidFill>
+        </p:spPr>
+        <p:style>
+          <a:lnRef idx="2">
+            <a:schemeClr val="accent1">
+              <a:shade val="50000"/>
+            </a:schemeClr>
+          </a:lnRef>
+          <a:fillRef idx="1">
+            <a:schemeClr val="accent1"/>
+          </a:fillRef>
+          <a:effectRef idx="0">
+            <a:schemeClr val="accent1"/>
+          </a:effectRef>
+          <a:fontRef idx="minor">
+            <a:schemeClr val="lt1"/>
+          </a:fontRef>
+        </p:style>
+        <p:txBody>
+          <a:bodyPr rtlCol="0" anchor="ctr"/>
+          <a:lstStyle/>
+          <a:p>
+            <a:pPr algn="ctr"/>
+            <a:endParaRPr lang="ko-KR" altLang="en-US" dirty="0"/>
+          </a:p>
+        </p:txBody>
+      </p:sp>
+      <p:sp>
+        <p:nvSpPr>
+          <p:cNvPr id="7" name="TextBox 6">
+            <a:extLst>
+              <a:ext uri="{FF2B5EF4-FFF2-40B4-BE49-F238E27FC236}">
+                <a16:creationId xmlns:a16="http://schemas.microsoft.com/office/drawing/2014/main" id="{982817C4-ACF4-45FB-A018-6E6F872691BC}"/>
+              </a:ext>
+            </a:extLst>
+          </p:cNvPr>
+          <p:cNvSpPr txBox="1"/>
+          <p:nvPr/>
+        </p:nvSpPr>
+        <p:spPr>
+          <a:xfrm>
+            <a:off x="646546" y="255627"/>
+            <a:ext cx="4230254" cy="523220"/>
+          </a:xfrm>
+          <a:prstGeom prst="rect">
+            <a:avLst/>
+          </a:prstGeom>
+          <a:noFill/>
+        </p:spPr>
+        <p:txBody>
+          <a:bodyPr wrap="square" rtlCol="0">
+            <a:spAutoFit/>
+          </a:bodyPr>
+          <a:lstStyle/>
+          <a:p>
+            <a:r>
+              <a:rPr lang="ko-KR" altLang="en-US" sz="2800" b="1" dirty="0"/>
+              <a:t>게임 설명 </a:t>
+            </a:r>
+            <a:r>
+              <a:rPr lang="en-US" altLang="ko-KR" sz="2800" b="1" dirty="0"/>
+              <a:t>( </a:t>
+            </a:r>
+            <a:r>
+              <a:rPr lang="ko-KR" altLang="en-US" sz="2800" b="1" dirty="0"/>
+              <a:t>서버 </a:t>
+            </a:r>
+            <a:r>
+              <a:rPr lang="en-US" altLang="ko-KR" sz="2800" b="1" dirty="0"/>
+              <a:t>UI</a:t>
+            </a:r>
+            <a:r>
+              <a:rPr lang="ko-KR" altLang="en-US" sz="2800" b="1" dirty="0"/>
+              <a:t> </a:t>
+            </a:r>
+            <a:r>
+              <a:rPr lang="en-US" altLang="ko-KR" sz="2800" b="1" dirty="0"/>
+              <a:t>)</a:t>
+            </a:r>
+          </a:p>
+        </p:txBody>
+      </p:sp>
+      <p:sp>
+        <p:nvSpPr>
+          <p:cNvPr id="25" name="TextBox 24">
+            <a:extLst>
+              <a:ext uri="{FF2B5EF4-FFF2-40B4-BE49-F238E27FC236}">
+                <a16:creationId xmlns:a16="http://schemas.microsoft.com/office/drawing/2014/main" id="{A7F59BAA-1207-4CC5-98B4-788E4D1F418B}"/>
+              </a:ext>
+            </a:extLst>
+          </p:cNvPr>
+          <p:cNvSpPr txBox="1"/>
+          <p:nvPr/>
+        </p:nvSpPr>
+        <p:spPr>
+          <a:xfrm>
+            <a:off x="1709721" y="1062755"/>
             <a:ext cx="1055097" cy="400110"/>
           </a:xfrm>
           <a:prstGeom prst="rect">
@@ -5246,7 +6851,7 @@
         </p:nvSpPr>
         <p:spPr>
           <a:xfrm>
-            <a:off x="1594309" y="1062755"/>
+            <a:off x="3087212" y="1062755"/>
             <a:ext cx="1668545" cy="400110"/>
           </a:xfrm>
           <a:prstGeom prst="rect">
@@ -5282,7 +6887,7 @@
         </p:nvSpPr>
         <p:spPr>
           <a:xfrm>
-            <a:off x="2991154" y="1062755"/>
+            <a:off x="4484057" y="1062755"/>
             <a:ext cx="1401346" cy="400110"/>
           </a:xfrm>
           <a:prstGeom prst="rect">
@@ -5321,7 +6926,7 @@
 </p:sld>
 </file>
 
-<file path=ppt/slides/slide3.xml><?xml version="1.0" encoding="utf-8"?>
+<file path=ppt/slides/slide5.xml><?xml version="1.0" encoding="utf-8"?>
 <p:sld xmlns:a="http://schemas.openxmlformats.org/drawingml/2006/main" xmlns:r="http://schemas.openxmlformats.org/officeDocument/2006/relationships" xmlns:p="http://schemas.openxmlformats.org/presentationml/2006/main">
   <p:cSld>
     <p:spTree>
@@ -5338,61 +6943,6 @@
           <a:chExt cx="0" cy="0"/>
         </a:xfrm>
       </p:grpSpPr>
-      <p:sp>
-        <p:nvSpPr>
-          <p:cNvPr id="102" name="사각형: 둥근 모서리 101">
-            <a:extLst>
-              <a:ext uri="{FF2B5EF4-FFF2-40B4-BE49-F238E27FC236}">
-                <a16:creationId xmlns:a16="http://schemas.microsoft.com/office/drawing/2014/main" id="{E2D3E2BB-53B1-4178-BC7E-4AB602CE861B}"/>
-              </a:ext>
-            </a:extLst>
-          </p:cNvPr>
-          <p:cNvSpPr/>
-          <p:nvPr/>
-        </p:nvSpPr>
-        <p:spPr>
-          <a:xfrm>
-            <a:off x="1518609" y="939140"/>
-            <a:ext cx="1401346" cy="523220"/>
-          </a:xfrm>
-          <a:prstGeom prst="roundRect">
-            <a:avLst/>
-          </a:prstGeom>
-          <a:solidFill>
-            <a:schemeClr val="accent4">
-              <a:lumMod val="40000"/>
-              <a:lumOff val="60000"/>
-            </a:schemeClr>
-          </a:solidFill>
-          <a:ln>
-            <a:noFill/>
-          </a:ln>
-        </p:spPr>
-        <p:style>
-          <a:lnRef idx="2">
-            <a:schemeClr val="accent1">
-              <a:shade val="50000"/>
-            </a:schemeClr>
-          </a:lnRef>
-          <a:fillRef idx="1">
-            <a:schemeClr val="accent1"/>
-          </a:fillRef>
-          <a:effectRef idx="0">
-            <a:schemeClr val="accent1"/>
-          </a:effectRef>
-          <a:fontRef idx="minor">
-            <a:schemeClr val="lt1"/>
-          </a:fontRef>
-        </p:style>
-        <p:txBody>
-          <a:bodyPr rtlCol="0" anchor="ctr"/>
-          <a:lstStyle/>
-          <a:p>
-            <a:pPr algn="ctr"/>
-            <a:endParaRPr lang="ko-KR" altLang="en-US"/>
-          </a:p>
-        </p:txBody>
-      </p:sp>
       <p:sp>
         <p:nvSpPr>
           <p:cNvPr id="4" name="직사각형 3">
@@ -8542,7 +10092,7 @@
 </p:sld>
 </file>
 
-<file path=ppt/slides/slide4.xml><?xml version="1.0" encoding="utf-8"?>
+<file path=ppt/slides/slide6.xml><?xml version="1.0" encoding="utf-8"?>
 <p:sld xmlns:a="http://schemas.openxmlformats.org/drawingml/2006/main" xmlns:r="http://schemas.openxmlformats.org/officeDocument/2006/relationships" xmlns:p="http://schemas.openxmlformats.org/presentationml/2006/main">
   <p:cSld>
     <p:spTree>

--- a/Document/UI/서버 UI.pptx
+++ b/Document/UI/서버 UI.pptx
@@ -5,15 +5,14 @@
     <p:sldMasterId id="2147483648" r:id="rId1"/>
   </p:sldMasterIdLst>
   <p:notesMasterIdLst>
-    <p:notesMasterId r:id="rId8"/>
+    <p:notesMasterId r:id="rId7"/>
   </p:notesMasterIdLst>
   <p:sldIdLst>
     <p:sldId id="256" r:id="rId2"/>
     <p:sldId id="291" r:id="rId3"/>
-    <p:sldId id="292" r:id="rId4"/>
-    <p:sldId id="288" r:id="rId5"/>
-    <p:sldId id="287" r:id="rId6"/>
-    <p:sldId id="289" r:id="rId7"/>
+    <p:sldId id="288" r:id="rId4"/>
+    <p:sldId id="287" r:id="rId5"/>
+    <p:sldId id="289" r:id="rId6"/>
   </p:sldIdLst>
   <p:sldSz cx="12192000" cy="6858000"/>
   <p:notesSz cx="6858000" cy="9144000"/>
@@ -534,7 +533,7 @@
           <a:p>
             <a:fld id="{73EB825B-89DC-4B21-8B3A-B3CA9CD761CE}" type="slidenum">
               <a:rPr lang="ko-KR" altLang="en-US" smtClean="0"/>
-              <a:t>4</a:t>
+              <a:t>3</a:t>
             </a:fld>
             <a:endParaRPr lang="ko-KR" altLang="en-US"/>
           </a:p>
@@ -618,7 +617,7 @@
           <a:p>
             <a:fld id="{73EB825B-89DC-4B21-8B3A-B3CA9CD761CE}" type="slidenum">
               <a:rPr lang="ko-KR" altLang="en-US" smtClean="0"/>
-              <a:t>5</a:t>
+              <a:t>4</a:t>
             </a:fld>
             <a:endParaRPr lang="ko-KR" altLang="en-US"/>
           </a:p>
@@ -702,7 +701,7 @@
           <a:p>
             <a:fld id="{73EB825B-89DC-4B21-8B3A-B3CA9CD761CE}" type="slidenum">
               <a:rPr lang="ko-KR" altLang="en-US" smtClean="0"/>
-              <a:t>6</a:t>
+              <a:t>5</a:t>
             </a:fld>
             <a:endParaRPr lang="ko-KR" altLang="en-US"/>
           </a:p>
@@ -4674,85 +4673,10 @@
       </p:grpSpPr>
       <p:sp>
         <p:nvSpPr>
-          <p:cNvPr id="2" name="제목 1">
-            <a:extLst>
-              <a:ext uri="{FF2B5EF4-FFF2-40B4-BE49-F238E27FC236}">
-                <a16:creationId xmlns:a16="http://schemas.microsoft.com/office/drawing/2014/main" id="{2F622030-F73D-44CE-86D3-3E2761E41BA4}"/>
-              </a:ext>
-            </a:extLst>
-          </p:cNvPr>
-          <p:cNvSpPr>
-            <a:spLocks noGrp="1"/>
-          </p:cNvSpPr>
-          <p:nvPr>
-            <p:ph type="title"/>
-          </p:nvPr>
-        </p:nvSpPr>
-        <p:spPr/>
-        <p:txBody>
-          <a:bodyPr/>
-          <a:lstStyle/>
-          <a:p>
-            <a:endParaRPr lang="ko-KR" altLang="en-US"/>
-          </a:p>
-        </p:txBody>
-      </p:sp>
-      <p:sp>
-        <p:nvSpPr>
-          <p:cNvPr id="4" name="텍스트 개체 틀 3">
-            <a:extLst>
-              <a:ext uri="{FF2B5EF4-FFF2-40B4-BE49-F238E27FC236}">
-                <a16:creationId xmlns:a16="http://schemas.microsoft.com/office/drawing/2014/main" id="{B9535921-07BC-464D-A391-8527B03B219C}"/>
-              </a:ext>
-            </a:extLst>
-          </p:cNvPr>
-          <p:cNvSpPr>
-            <a:spLocks noGrp="1"/>
-          </p:cNvSpPr>
-          <p:nvPr>
-            <p:ph type="body" sz="quarter" idx="13"/>
-          </p:nvPr>
-        </p:nvSpPr>
-        <p:spPr/>
-        <p:txBody>
-          <a:bodyPr/>
-          <a:lstStyle/>
-          <a:p>
-            <a:endParaRPr lang="ko-KR" altLang="en-US"/>
-          </a:p>
-        </p:txBody>
-      </p:sp>
-      <p:sp>
-        <p:nvSpPr>
-          <p:cNvPr id="5" name="텍스트 개체 틀 4">
-            <a:extLst>
-              <a:ext uri="{FF2B5EF4-FFF2-40B4-BE49-F238E27FC236}">
-                <a16:creationId xmlns:a16="http://schemas.microsoft.com/office/drawing/2014/main" id="{B6B8DB2B-B138-41FB-9D04-25E33B634E84}"/>
-              </a:ext>
-            </a:extLst>
-          </p:cNvPr>
-          <p:cNvSpPr>
-            <a:spLocks noGrp="1"/>
-          </p:cNvSpPr>
-          <p:nvPr>
-            <p:ph type="body" sz="quarter" idx="14"/>
-          </p:nvPr>
-        </p:nvSpPr>
-        <p:spPr/>
-        <p:txBody>
-          <a:bodyPr/>
-          <a:lstStyle/>
-          <a:p>
-            <a:endParaRPr lang="ko-KR" altLang="en-US"/>
-          </a:p>
-        </p:txBody>
-      </p:sp>
-      <p:sp>
-        <p:nvSpPr>
-          <p:cNvPr id="8" name="사각형: 둥근 모서리 7">
-            <a:extLst>
-              <a:ext uri="{FF2B5EF4-FFF2-40B4-BE49-F238E27FC236}">
-                <a16:creationId xmlns:a16="http://schemas.microsoft.com/office/drawing/2014/main" id="{DA269741-60EE-4563-91F5-DD8883E71A94}"/>
+          <p:cNvPr id="27" name="사각형: 둥근 모서리 26">
+            <a:extLst>
+              <a:ext uri="{FF2B5EF4-FFF2-40B4-BE49-F238E27FC236}">
+                <a16:creationId xmlns:a16="http://schemas.microsoft.com/office/drawing/2014/main" id="{0C62658B-0E83-43EF-9D52-C659C2DD6756}"/>
               </a:ext>
             </a:extLst>
           </p:cNvPr>
@@ -4760,20 +4684,21 @@
           <p:nvPr/>
         </p:nvSpPr>
         <p:spPr>
-          <a:xfrm rot="5400000">
-            <a:off x="4233349" y="1488"/>
-            <a:ext cx="3993138" cy="7952529"/>
+          <a:xfrm>
+            <a:off x="15213" y="853595"/>
+            <a:ext cx="1446767" cy="609269"/>
           </a:xfrm>
           <a:prstGeom prst="roundRect">
             <a:avLst/>
           </a:prstGeom>
           <a:solidFill>
-            <a:schemeClr val="bg1"/>
+            <a:schemeClr val="accent4">
+              <a:lumMod val="40000"/>
+              <a:lumOff val="60000"/>
+            </a:schemeClr>
           </a:solidFill>
-          <a:ln w="38100">
-            <a:solidFill>
-              <a:schemeClr val="tx1"/>
-            </a:solidFill>
+          <a:ln>
+            <a:noFill/>
           </a:ln>
         </p:spPr>
         <p:style>
@@ -4797,83 +4722,121 @@
           <a:lstStyle/>
           <a:p>
             <a:pPr algn="ctr"/>
-            <a:endParaRPr lang="ko-KR" altLang="en-US" dirty="0"/>
-          </a:p>
-        </p:txBody>
-      </p:sp>
-      <p:pic>
-        <p:nvPicPr>
-          <p:cNvPr id="9" name="Picture 2" descr="쓰레기가 바다에 떠있는 크루즈 라이너 여객선 | 프리미엄 벡터">
-            <a:extLst>
-              <a:ext uri="{FF2B5EF4-FFF2-40B4-BE49-F238E27FC236}">
-                <a16:creationId xmlns:a16="http://schemas.microsoft.com/office/drawing/2014/main" id="{C36FD919-0CEA-4BCE-9E50-0E51A7541C3B}"/>
-              </a:ext>
-            </a:extLst>
-          </p:cNvPr>
-          <p:cNvPicPr>
-            <a:picLocks noChangeAspect="1" noChangeArrowheads="1"/>
-          </p:cNvPicPr>
+            <a:endParaRPr lang="ko-KR" altLang="en-US"/>
+          </a:p>
+        </p:txBody>
+      </p:sp>
+      <p:sp>
+        <p:nvSpPr>
+          <p:cNvPr id="2" name="제목 1">
+            <a:extLst>
+              <a:ext uri="{FF2B5EF4-FFF2-40B4-BE49-F238E27FC236}">
+                <a16:creationId xmlns:a16="http://schemas.microsoft.com/office/drawing/2014/main" id="{2F622030-F73D-44CE-86D3-3E2761E41BA4}"/>
+              </a:ext>
+            </a:extLst>
+          </p:cNvPr>
+          <p:cNvSpPr>
+            <a:spLocks noGrp="1"/>
+          </p:cNvSpPr>
+          <p:nvPr>
+            <p:ph type="title"/>
+          </p:nvPr>
+        </p:nvSpPr>
+        <p:spPr/>
+        <p:txBody>
+          <a:bodyPr/>
+          <a:lstStyle/>
+          <a:p>
+            <a:endParaRPr lang="ko-KR" altLang="en-US"/>
+          </a:p>
+        </p:txBody>
+      </p:sp>
+      <p:sp>
+        <p:nvSpPr>
+          <p:cNvPr id="4" name="텍스트 개체 틀 3">
+            <a:extLst>
+              <a:ext uri="{FF2B5EF4-FFF2-40B4-BE49-F238E27FC236}">
+                <a16:creationId xmlns:a16="http://schemas.microsoft.com/office/drawing/2014/main" id="{B9535921-07BC-464D-A391-8527B03B219C}"/>
+              </a:ext>
+            </a:extLst>
+          </p:cNvPr>
+          <p:cNvSpPr>
+            <a:spLocks noGrp="1"/>
+          </p:cNvSpPr>
+          <p:nvPr>
+            <p:ph type="body" sz="quarter" idx="13"/>
+          </p:nvPr>
+        </p:nvSpPr>
+        <p:spPr/>
+        <p:txBody>
+          <a:bodyPr/>
+          <a:lstStyle/>
+          <a:p>
+            <a:endParaRPr lang="ko-KR" altLang="en-US"/>
+          </a:p>
+        </p:txBody>
+      </p:sp>
+      <p:sp>
+        <p:nvSpPr>
+          <p:cNvPr id="5" name="텍스트 개체 틀 4">
+            <a:extLst>
+              <a:ext uri="{FF2B5EF4-FFF2-40B4-BE49-F238E27FC236}">
+                <a16:creationId xmlns:a16="http://schemas.microsoft.com/office/drawing/2014/main" id="{B6B8DB2B-B138-41FB-9D04-25E33B634E84}"/>
+              </a:ext>
+            </a:extLst>
+          </p:cNvPr>
+          <p:cNvSpPr>
+            <a:spLocks noGrp="1"/>
+          </p:cNvSpPr>
+          <p:nvPr>
+            <p:ph type="body" sz="quarter" idx="14"/>
+          </p:nvPr>
+        </p:nvSpPr>
+        <p:spPr/>
+        <p:txBody>
+          <a:bodyPr/>
+          <a:lstStyle/>
+          <a:p>
+            <a:r>
+              <a:rPr lang="ko-KR" altLang="en-US" b="1" dirty="0"/>
+              <a:t>로그인 </a:t>
+            </a:r>
+            <a:r>
+              <a:rPr lang="en-US" altLang="ko-KR" b="1" dirty="0"/>
+              <a:t>UI</a:t>
+            </a:r>
+            <a:endParaRPr lang="ko-KR" altLang="en-US" b="1" dirty="0"/>
+          </a:p>
+        </p:txBody>
+      </p:sp>
+      <p:sp>
+        <p:nvSpPr>
+          <p:cNvPr id="8" name="사각형: 둥근 모서리 7">
+            <a:extLst>
+              <a:ext uri="{FF2B5EF4-FFF2-40B4-BE49-F238E27FC236}">
+                <a16:creationId xmlns:a16="http://schemas.microsoft.com/office/drawing/2014/main" id="{DA269741-60EE-4563-91F5-DD8883E71A94}"/>
+              </a:ext>
+            </a:extLst>
+          </p:cNvPr>
+          <p:cNvSpPr/>
           <p:nvPr/>
-        </p:nvPicPr>
-        <p:blipFill>
-          <a:blip r:embed="rId2">
-            <a:extLst>
-              <a:ext uri="{28A0092B-C50C-407E-A947-70E740481C1C}">
-                <a14:useLocalDpi xmlns:a14="http://schemas.microsoft.com/office/drawing/2010/main" val="0"/>
-              </a:ext>
-            </a:extLst>
-          </a:blip>
-          <a:srcRect/>
-          <a:stretch>
-            <a:fillRect/>
-          </a:stretch>
-        </p:blipFill>
-        <p:spPr bwMode="auto">
-          <a:xfrm>
-            <a:off x="2297002" y="2011294"/>
-            <a:ext cx="7865831" cy="3932916"/>
+        </p:nvSpPr>
+        <p:spPr>
+          <a:xfrm rot="5400000">
+            <a:off x="4233349" y="1488"/>
+            <a:ext cx="3993138" cy="7952529"/>
           </a:xfrm>
           <a:prstGeom prst="roundRect">
             <a:avLst/>
           </a:prstGeom>
-          <a:noFill/>
-          <a:extLst>
-            <a:ext uri="{909E8E84-426E-40DD-AFC4-6F175D3DCCD1}">
-              <a14:hiddenFill xmlns:a14="http://schemas.microsoft.com/office/drawing/2010/main">
-                <a:solidFill>
-                  <a:srgbClr val="FFFFFF"/>
-                </a:solidFill>
-              </a14:hiddenFill>
-            </a:ext>
-          </a:extLst>
-        </p:spPr>
-      </p:pic>
-      <p:sp>
-        <p:nvSpPr>
-          <p:cNvPr id="10" name="직사각형 9">
-            <a:extLst>
-              <a:ext uri="{FF2B5EF4-FFF2-40B4-BE49-F238E27FC236}">
-                <a16:creationId xmlns:a16="http://schemas.microsoft.com/office/drawing/2014/main" id="{50C65B13-8A50-4E50-B84E-BC87CB52C882}"/>
-              </a:ext>
-            </a:extLst>
-          </p:cNvPr>
-          <p:cNvSpPr/>
-          <p:nvPr/>
-        </p:nvSpPr>
-        <p:spPr>
-          <a:xfrm>
-            <a:off x="0" y="0"/>
-            <a:ext cx="12192000" cy="1034474"/>
-          </a:xfrm>
-          <a:prstGeom prst="rect">
-            <a:avLst/>
-          </a:prstGeom>
           <a:solidFill>
-            <a:schemeClr val="accent5">
-              <a:lumMod val="60000"/>
-              <a:lumOff val="40000"/>
-            </a:schemeClr>
+            <a:schemeClr val="bg1"/>
           </a:solidFill>
+          <a:ln w="38100">
+            <a:solidFill>
+              <a:schemeClr val="tx1"/>
+            </a:solidFill>
+          </a:ln>
         </p:spPr>
         <p:style>
           <a:lnRef idx="2">
@@ -4902,220 +4865,30 @@
       </p:sp>
       <p:sp>
         <p:nvSpPr>
-          <p:cNvPr id="11" name="TextBox 10">
-            <a:extLst>
-              <a:ext uri="{FF2B5EF4-FFF2-40B4-BE49-F238E27FC236}">
-                <a16:creationId xmlns:a16="http://schemas.microsoft.com/office/drawing/2014/main" id="{6F4257DC-00F9-4B3F-9C6E-E7A98A781D4A}"/>
-              </a:ext>
-            </a:extLst>
-          </p:cNvPr>
-          <p:cNvSpPr txBox="1"/>
+          <p:cNvPr id="10" name="직사각형 9">
+            <a:extLst>
+              <a:ext uri="{FF2B5EF4-FFF2-40B4-BE49-F238E27FC236}">
+                <a16:creationId xmlns:a16="http://schemas.microsoft.com/office/drawing/2014/main" id="{50C65B13-8A50-4E50-B84E-BC87CB52C882}"/>
+              </a:ext>
+            </a:extLst>
+          </p:cNvPr>
+          <p:cNvSpPr/>
           <p:nvPr/>
         </p:nvSpPr>
         <p:spPr>
           <a:xfrm>
-            <a:off x="646546" y="255627"/>
-            <a:ext cx="4230254" cy="523220"/>
+            <a:off x="0" y="0"/>
+            <a:ext cx="12192000" cy="1034474"/>
           </a:xfrm>
           <a:prstGeom prst="rect">
             <a:avLst/>
           </a:prstGeom>
-          <a:noFill/>
-        </p:spPr>
-        <p:txBody>
-          <a:bodyPr wrap="square" rtlCol="0">
-            <a:spAutoFit/>
-          </a:bodyPr>
-          <a:lstStyle/>
-          <a:p>
-            <a:r>
-              <a:rPr lang="ko-KR" altLang="en-US" sz="2800" b="1" dirty="0"/>
-              <a:t>게임 설명 </a:t>
-            </a:r>
-            <a:r>
-              <a:rPr lang="en-US" altLang="ko-KR" sz="2800" b="1" dirty="0"/>
-              <a:t>( </a:t>
-            </a:r>
-            <a:r>
-              <a:rPr lang="ko-KR" altLang="en-US" sz="2800" b="1" dirty="0"/>
-              <a:t>서버 </a:t>
-            </a:r>
-            <a:r>
-              <a:rPr lang="en-US" altLang="ko-KR" sz="2800" b="1" dirty="0"/>
-              <a:t>UI</a:t>
-            </a:r>
-            <a:r>
-              <a:rPr lang="ko-KR" altLang="en-US" sz="2800" b="1" dirty="0"/>
-              <a:t> </a:t>
-            </a:r>
-            <a:r>
-              <a:rPr lang="en-US" altLang="ko-KR" sz="2800" b="1" dirty="0"/>
-              <a:t>)</a:t>
-            </a:r>
-          </a:p>
-        </p:txBody>
-      </p:sp>
-      <p:sp>
-        <p:nvSpPr>
-          <p:cNvPr id="12" name="TextBox 11">
-            <a:extLst>
-              <a:ext uri="{FF2B5EF4-FFF2-40B4-BE49-F238E27FC236}">
-                <a16:creationId xmlns:a16="http://schemas.microsoft.com/office/drawing/2014/main" id="{39DD8A18-F6A2-47B3-8F43-DECE893C701F}"/>
-              </a:ext>
-            </a:extLst>
-          </p:cNvPr>
-          <p:cNvSpPr txBox="1"/>
-          <p:nvPr/>
-        </p:nvSpPr>
-        <p:spPr>
-          <a:xfrm>
-            <a:off x="1709721" y="1062755"/>
-            <a:ext cx="1055097" cy="400110"/>
-          </a:xfrm>
-          <a:prstGeom prst="rect">
-            <a:avLst/>
-          </a:prstGeom>
-          <a:noFill/>
-        </p:spPr>
-        <p:txBody>
-          <a:bodyPr wrap="none" rtlCol="0">
-            <a:spAutoFit/>
-          </a:bodyPr>
-          <a:lstStyle/>
-          <a:p>
-            <a:r>
-              <a:rPr lang="ko-KR" altLang="en-US" sz="2000" b="1" dirty="0"/>
-              <a:t>시작</a:t>
-            </a:r>
-            <a:r>
-              <a:rPr lang="en-US" altLang="ko-KR" sz="2000" b="1" dirty="0"/>
-              <a:t> UI</a:t>
-            </a:r>
-            <a:endParaRPr lang="ko-KR" altLang="en-US" sz="1600" b="1" dirty="0"/>
-          </a:p>
-        </p:txBody>
-      </p:sp>
-      <p:grpSp>
-        <p:nvGrpSpPr>
-          <p:cNvPr id="13" name="그룹 12">
-            <a:extLst>
-              <a:ext uri="{FF2B5EF4-FFF2-40B4-BE49-F238E27FC236}">
-                <a16:creationId xmlns:a16="http://schemas.microsoft.com/office/drawing/2014/main" id="{7C421E46-FECA-4087-93EE-58E18877A059}"/>
-              </a:ext>
-            </a:extLst>
-          </p:cNvPr>
-          <p:cNvGrpSpPr/>
-          <p:nvPr/>
-        </p:nvGrpSpPr>
-        <p:grpSpPr>
-          <a:xfrm>
-            <a:off x="4387678" y="2507108"/>
-            <a:ext cx="3684479" cy="1470644"/>
-            <a:chOff x="4049075" y="2209800"/>
-            <a:chExt cx="3684479" cy="1470644"/>
-          </a:xfrm>
-        </p:grpSpPr>
-        <p:sp>
-          <p:nvSpPr>
-            <p:cNvPr id="14" name="TextBox 13">
-              <a:extLst>
-                <a:ext uri="{FF2B5EF4-FFF2-40B4-BE49-F238E27FC236}">
-                  <a16:creationId xmlns:a16="http://schemas.microsoft.com/office/drawing/2014/main" id="{62A15D4A-B6ED-4212-A0F3-2B8E91A77CF0}"/>
-                </a:ext>
-              </a:extLst>
-            </p:cNvPr>
-            <p:cNvSpPr txBox="1"/>
-            <p:nvPr/>
-          </p:nvSpPr>
-          <p:spPr>
-            <a:xfrm>
-              <a:off x="4049075" y="2209800"/>
-              <a:ext cx="2400016" cy="830997"/>
-            </a:xfrm>
-            <a:prstGeom prst="rect">
-              <a:avLst/>
-            </a:prstGeom>
-            <a:noFill/>
-          </p:spPr>
-          <p:txBody>
-            <a:bodyPr wrap="none" rtlCol="0">
-              <a:spAutoFit/>
-            </a:bodyPr>
-            <a:lstStyle/>
-            <a:p>
-              <a:r>
-                <a:rPr lang="en-US" altLang="ko-KR" sz="4800" b="1" dirty="0"/>
-                <a:t>ESCAPE</a:t>
-              </a:r>
-              <a:endParaRPr lang="ko-KR" altLang="en-US" sz="4800" b="1" dirty="0"/>
-            </a:p>
-          </p:txBody>
-        </p:sp>
-        <p:sp>
-          <p:nvSpPr>
-            <p:cNvPr id="15" name="TextBox 14">
-              <a:extLst>
-                <a:ext uri="{FF2B5EF4-FFF2-40B4-BE49-F238E27FC236}">
-                  <a16:creationId xmlns:a16="http://schemas.microsoft.com/office/drawing/2014/main" id="{B0ACC036-4828-4D55-9EAF-ADF2E2644593}"/>
-                </a:ext>
-              </a:extLst>
-            </p:cNvPr>
-            <p:cNvSpPr txBox="1"/>
-            <p:nvPr/>
-          </p:nvSpPr>
-          <p:spPr>
-            <a:xfrm>
-              <a:off x="5297374" y="2849447"/>
-              <a:ext cx="2436180" cy="830997"/>
-            </a:xfrm>
-            <a:prstGeom prst="rect">
-              <a:avLst/>
-            </a:prstGeom>
-            <a:noFill/>
-          </p:spPr>
-          <p:txBody>
-            <a:bodyPr wrap="none" rtlCol="0">
-              <a:spAutoFit/>
-            </a:bodyPr>
-            <a:lstStyle/>
-            <a:p>
-              <a:r>
-                <a:rPr lang="en-US" altLang="ko-KR" sz="4800" b="1" dirty="0"/>
-                <a:t>ISLAND</a:t>
-              </a:r>
-              <a:endParaRPr lang="ko-KR" altLang="en-US" sz="4800" b="1" dirty="0"/>
-            </a:p>
-          </p:txBody>
-        </p:sp>
-      </p:grpSp>
-      <p:sp>
-        <p:nvSpPr>
-          <p:cNvPr id="16" name="사각형: 둥근 모서리 15">
-            <a:extLst>
-              <a:ext uri="{FF2B5EF4-FFF2-40B4-BE49-F238E27FC236}">
-                <a16:creationId xmlns:a16="http://schemas.microsoft.com/office/drawing/2014/main" id="{0C485A25-28DA-4457-973D-ADA8E7ADE12F}"/>
-              </a:ext>
-            </a:extLst>
-          </p:cNvPr>
-          <p:cNvSpPr/>
-          <p:nvPr/>
-        </p:nvSpPr>
-        <p:spPr>
-          <a:xfrm>
-            <a:off x="5122919" y="4617399"/>
-            <a:ext cx="2213996" cy="551608"/>
-          </a:xfrm>
-          <a:prstGeom prst="roundRect">
-            <a:avLst/>
-          </a:prstGeom>
           <a:solidFill>
-            <a:schemeClr val="bg1"/>
+            <a:schemeClr val="accent5">
+              <a:lumMod val="60000"/>
+              <a:lumOff val="40000"/>
+            </a:schemeClr>
           </a:solidFill>
-          <a:ln w="28575">
-            <a:solidFill>
-              <a:schemeClr val="tx1"/>
-            </a:solidFill>
-          </a:ln>
         </p:spPr>
         <p:style>
           <a:lnRef idx="2">
@@ -5138,23 +4911,299 @@
           <a:lstStyle/>
           <a:p>
             <a:pPr algn="ctr"/>
-            <a:r>
-              <a:rPr lang="ko-KR" altLang="en-US" b="1" dirty="0">
-                <a:solidFill>
-                  <a:schemeClr val="tx1"/>
-                </a:solidFill>
-              </a:rPr>
-              <a:t>게임 시작</a:t>
-            </a:r>
-          </a:p>
-        </p:txBody>
-      </p:sp>
-      <p:sp>
-        <p:nvSpPr>
-          <p:cNvPr id="17" name="타원 16">
-            <a:extLst>
-              <a:ext uri="{FF2B5EF4-FFF2-40B4-BE49-F238E27FC236}">
-                <a16:creationId xmlns:a16="http://schemas.microsoft.com/office/drawing/2014/main" id="{9541170F-22A5-4FD0-9282-A44F0AE18422}"/>
+            <a:endParaRPr lang="ko-KR" altLang="en-US" dirty="0"/>
+          </a:p>
+        </p:txBody>
+      </p:sp>
+      <p:sp>
+        <p:nvSpPr>
+          <p:cNvPr id="11" name="TextBox 10">
+            <a:extLst>
+              <a:ext uri="{FF2B5EF4-FFF2-40B4-BE49-F238E27FC236}">
+                <a16:creationId xmlns:a16="http://schemas.microsoft.com/office/drawing/2014/main" id="{6F4257DC-00F9-4B3F-9C6E-E7A98A781D4A}"/>
+              </a:ext>
+            </a:extLst>
+          </p:cNvPr>
+          <p:cNvSpPr txBox="1"/>
+          <p:nvPr/>
+        </p:nvSpPr>
+        <p:spPr>
+          <a:xfrm>
+            <a:off x="646546" y="255627"/>
+            <a:ext cx="4230254" cy="523220"/>
+          </a:xfrm>
+          <a:prstGeom prst="rect">
+            <a:avLst/>
+          </a:prstGeom>
+          <a:noFill/>
+        </p:spPr>
+        <p:txBody>
+          <a:bodyPr wrap="square" rtlCol="0">
+            <a:spAutoFit/>
+          </a:bodyPr>
+          <a:lstStyle/>
+          <a:p>
+            <a:r>
+              <a:rPr lang="ko-KR" altLang="en-US" sz="2800" b="1" dirty="0"/>
+              <a:t>게임 설명 </a:t>
+            </a:r>
+            <a:r>
+              <a:rPr lang="en-US" altLang="ko-KR" sz="2800" b="1" dirty="0"/>
+              <a:t>( </a:t>
+            </a:r>
+            <a:r>
+              <a:rPr lang="ko-KR" altLang="en-US" sz="2800" b="1" dirty="0"/>
+              <a:t>서버 </a:t>
+            </a:r>
+            <a:r>
+              <a:rPr lang="en-US" altLang="ko-KR" sz="2800" b="1" dirty="0"/>
+              <a:t>UI</a:t>
+            </a:r>
+            <a:r>
+              <a:rPr lang="ko-KR" altLang="en-US" sz="2800" b="1" dirty="0"/>
+              <a:t> </a:t>
+            </a:r>
+            <a:r>
+              <a:rPr lang="en-US" altLang="ko-KR" sz="2800" b="1" dirty="0"/>
+              <a:t>)</a:t>
+            </a:r>
+          </a:p>
+        </p:txBody>
+      </p:sp>
+      <p:sp>
+        <p:nvSpPr>
+          <p:cNvPr id="12" name="TextBox 11">
+            <a:extLst>
+              <a:ext uri="{FF2B5EF4-FFF2-40B4-BE49-F238E27FC236}">
+                <a16:creationId xmlns:a16="http://schemas.microsoft.com/office/drawing/2014/main" id="{39DD8A18-F6A2-47B3-8F43-DECE893C701F}"/>
+              </a:ext>
+            </a:extLst>
+          </p:cNvPr>
+          <p:cNvSpPr txBox="1"/>
+          <p:nvPr/>
+        </p:nvSpPr>
+        <p:spPr>
+          <a:xfrm>
+            <a:off x="1709721" y="1062755"/>
+            <a:ext cx="1055097" cy="400110"/>
+          </a:xfrm>
+          <a:prstGeom prst="rect">
+            <a:avLst/>
+          </a:prstGeom>
+          <a:noFill/>
+        </p:spPr>
+        <p:txBody>
+          <a:bodyPr wrap="none" rtlCol="0">
+            <a:spAutoFit/>
+          </a:bodyPr>
+          <a:lstStyle/>
+          <a:p>
+            <a:r>
+              <a:rPr lang="ko-KR" altLang="en-US" sz="2000" b="1" dirty="0"/>
+              <a:t>시작</a:t>
+            </a:r>
+            <a:r>
+              <a:rPr lang="en-US" altLang="ko-KR" sz="2000" b="1" dirty="0"/>
+              <a:t> UI</a:t>
+            </a:r>
+            <a:endParaRPr lang="ko-KR" altLang="en-US" sz="1600" b="1" dirty="0"/>
+          </a:p>
+        </p:txBody>
+      </p:sp>
+      <p:sp>
+        <p:nvSpPr>
+          <p:cNvPr id="20" name="TextBox 19">
+            <a:extLst>
+              <a:ext uri="{FF2B5EF4-FFF2-40B4-BE49-F238E27FC236}">
+                <a16:creationId xmlns:a16="http://schemas.microsoft.com/office/drawing/2014/main" id="{08BA6D45-DB7B-46E1-9B18-9DE0804050BB}"/>
+              </a:ext>
+            </a:extLst>
+          </p:cNvPr>
+          <p:cNvSpPr txBox="1"/>
+          <p:nvPr/>
+        </p:nvSpPr>
+        <p:spPr>
+          <a:xfrm>
+            <a:off x="11508508" y="6289963"/>
+            <a:ext cx="311304" cy="369332"/>
+          </a:xfrm>
+          <a:prstGeom prst="rect">
+            <a:avLst/>
+          </a:prstGeom>
+          <a:noFill/>
+        </p:spPr>
+        <p:txBody>
+          <a:bodyPr wrap="none" rtlCol="0">
+            <a:spAutoFit/>
+          </a:bodyPr>
+          <a:lstStyle/>
+          <a:p>
+            <a:r>
+              <a:rPr lang="en-US" altLang="ko-KR" dirty="0"/>
+              <a:t>1</a:t>
+            </a:r>
+            <a:endParaRPr lang="ko-KR" altLang="en-US" dirty="0"/>
+          </a:p>
+        </p:txBody>
+      </p:sp>
+      <p:sp>
+        <p:nvSpPr>
+          <p:cNvPr id="21" name="TextBox 20">
+            <a:extLst>
+              <a:ext uri="{FF2B5EF4-FFF2-40B4-BE49-F238E27FC236}">
+                <a16:creationId xmlns:a16="http://schemas.microsoft.com/office/drawing/2014/main" id="{3A0E7541-0A2B-485E-BE9E-33C8FB2B3ADB}"/>
+              </a:ext>
+            </a:extLst>
+          </p:cNvPr>
+          <p:cNvSpPr txBox="1"/>
+          <p:nvPr/>
+        </p:nvSpPr>
+        <p:spPr>
+          <a:xfrm>
+            <a:off x="3112782" y="1060172"/>
+            <a:ext cx="1371275" cy="400110"/>
+          </a:xfrm>
+          <a:prstGeom prst="rect">
+            <a:avLst/>
+          </a:prstGeom>
+          <a:noFill/>
+        </p:spPr>
+        <p:txBody>
+          <a:bodyPr wrap="square" rtlCol="0">
+            <a:spAutoFit/>
+          </a:bodyPr>
+          <a:lstStyle/>
+          <a:p>
+            <a:r>
+              <a:rPr lang="ko-KR" altLang="en-US" sz="2000" b="1" dirty="0"/>
+              <a:t>방 만들기</a:t>
+            </a:r>
+            <a:endParaRPr lang="ko-KR" altLang="en-US" sz="1600" b="1" dirty="0"/>
+          </a:p>
+        </p:txBody>
+      </p:sp>
+      <p:sp>
+        <p:nvSpPr>
+          <p:cNvPr id="22" name="TextBox 21">
+            <a:extLst>
+              <a:ext uri="{FF2B5EF4-FFF2-40B4-BE49-F238E27FC236}">
+                <a16:creationId xmlns:a16="http://schemas.microsoft.com/office/drawing/2014/main" id="{080082FC-AEAD-4A3D-B7C0-6414FA842AB6}"/>
+              </a:ext>
+            </a:extLst>
+          </p:cNvPr>
+          <p:cNvSpPr txBox="1"/>
+          <p:nvPr/>
+        </p:nvSpPr>
+        <p:spPr>
+          <a:xfrm>
+            <a:off x="4484057" y="1062755"/>
+            <a:ext cx="1401346" cy="400110"/>
+          </a:xfrm>
+          <a:prstGeom prst="rect">
+            <a:avLst/>
+          </a:prstGeom>
+          <a:noFill/>
+        </p:spPr>
+        <p:txBody>
+          <a:bodyPr wrap="none" rtlCol="0">
+            <a:spAutoFit/>
+          </a:bodyPr>
+          <a:lstStyle/>
+          <a:p>
+            <a:r>
+              <a:rPr lang="ko-KR" altLang="en-US" sz="2000" b="1" dirty="0"/>
+              <a:t>방 설정 </a:t>
+            </a:r>
+            <a:r>
+              <a:rPr lang="en-US" altLang="ko-KR" sz="2000" b="1" dirty="0"/>
+              <a:t>UI</a:t>
+            </a:r>
+            <a:endParaRPr lang="ko-KR" altLang="en-US" sz="1600" b="1" dirty="0"/>
+          </a:p>
+        </p:txBody>
+      </p:sp>
+      <p:sp>
+        <p:nvSpPr>
+          <p:cNvPr id="3" name="TextBox 2">
+            <a:extLst>
+              <a:ext uri="{FF2B5EF4-FFF2-40B4-BE49-F238E27FC236}">
+                <a16:creationId xmlns:a16="http://schemas.microsoft.com/office/drawing/2014/main" id="{A98F1BDC-334C-4D69-B3CE-91E997829A22}"/>
+              </a:ext>
+            </a:extLst>
+          </p:cNvPr>
+          <p:cNvSpPr txBox="1"/>
+          <p:nvPr/>
+        </p:nvSpPr>
+        <p:spPr>
+          <a:xfrm>
+            <a:off x="5092427" y="2297607"/>
+            <a:ext cx="2274982" cy="769441"/>
+          </a:xfrm>
+          <a:prstGeom prst="rect">
+            <a:avLst/>
+          </a:prstGeom>
+          <a:noFill/>
+        </p:spPr>
+        <p:txBody>
+          <a:bodyPr wrap="none" rtlCol="0">
+            <a:spAutoFit/>
+          </a:bodyPr>
+          <a:lstStyle/>
+          <a:p>
+            <a:r>
+              <a:rPr lang="ko-KR" altLang="en-US" sz="4400" b="1" dirty="0"/>
+              <a:t>로 그 인</a:t>
+            </a:r>
+          </a:p>
+        </p:txBody>
+      </p:sp>
+      <p:cxnSp>
+        <p:nvCxnSpPr>
+          <p:cNvPr id="7" name="직선 연결선 6">
+            <a:extLst>
+              <a:ext uri="{FF2B5EF4-FFF2-40B4-BE49-F238E27FC236}">
+                <a16:creationId xmlns:a16="http://schemas.microsoft.com/office/drawing/2014/main" id="{644F4B45-1000-4111-98A1-C840F77C2EF8}"/>
+              </a:ext>
+            </a:extLst>
+          </p:cNvPr>
+          <p:cNvCxnSpPr/>
+          <p:nvPr/>
+        </p:nvCxnSpPr>
+        <p:spPr>
+          <a:xfrm>
+            <a:off x="3112782" y="3067048"/>
+            <a:ext cx="6059210" cy="0"/>
+          </a:xfrm>
+          <a:prstGeom prst="line">
+            <a:avLst/>
+          </a:prstGeom>
+          <a:ln>
+            <a:solidFill>
+              <a:schemeClr val="tx1"/>
+            </a:solidFill>
+          </a:ln>
+        </p:spPr>
+        <p:style>
+          <a:lnRef idx="1">
+            <a:schemeClr val="accent1"/>
+          </a:lnRef>
+          <a:fillRef idx="0">
+            <a:schemeClr val="accent1"/>
+          </a:fillRef>
+          <a:effectRef idx="0">
+            <a:schemeClr val="accent1"/>
+          </a:effectRef>
+          <a:fontRef idx="minor">
+            <a:schemeClr val="tx1"/>
+          </a:fontRef>
+        </p:style>
+      </p:cxnSp>
+      <p:sp>
+        <p:nvSpPr>
+          <p:cNvPr id="24" name="사각형: 둥근 모서리 23">
+            <a:extLst>
+              <a:ext uri="{FF2B5EF4-FFF2-40B4-BE49-F238E27FC236}">
+                <a16:creationId xmlns:a16="http://schemas.microsoft.com/office/drawing/2014/main" id="{74D6F333-16D4-443F-8A58-CF04E3BCEB1B}"/>
               </a:ext>
             </a:extLst>
           </p:cNvPr>
@@ -5163,16 +5212,16 @@
         </p:nvSpPr>
         <p:spPr>
           <a:xfrm>
-            <a:off x="9496425" y="5295900"/>
-            <a:ext cx="441922" cy="445028"/>
-          </a:xfrm>
-          <a:prstGeom prst="ellipse">
+            <a:off x="3978184" y="3555770"/>
+            <a:ext cx="5193808" cy="561437"/>
+          </a:xfrm>
+          <a:prstGeom prst="roundRect">
             <a:avLst/>
           </a:prstGeom>
           <a:solidFill>
             <a:schemeClr val="bg1"/>
           </a:solidFill>
-          <a:ln w="28575">
+          <a:ln>
             <a:solidFill>
               <a:schemeClr val="tx1"/>
             </a:solidFill>
@@ -5199,20 +5248,51 @@
           <a:lstStyle/>
           <a:p>
             <a:pPr algn="ctr"/>
-            <a:endParaRPr lang="ko-KR" altLang="en-US" b="1" dirty="0">
-              <a:solidFill>
-                <a:schemeClr val="tx1"/>
-              </a:solidFill>
-            </a:endParaRPr>
-          </a:p>
-        </p:txBody>
-      </p:sp>
-      <p:sp>
-        <p:nvSpPr>
-          <p:cNvPr id="18" name="타원 17">
-            <a:extLst>
-              <a:ext uri="{FF2B5EF4-FFF2-40B4-BE49-F238E27FC236}">
-                <a16:creationId xmlns:a16="http://schemas.microsoft.com/office/drawing/2014/main" id="{903C755F-048F-4D98-83DE-8231978BD798}"/>
+            <a:endParaRPr lang="ko-KR" altLang="en-US"/>
+          </a:p>
+        </p:txBody>
+      </p:sp>
+      <p:sp>
+        <p:nvSpPr>
+          <p:cNvPr id="25" name="TextBox 24">
+            <a:extLst>
+              <a:ext uri="{FF2B5EF4-FFF2-40B4-BE49-F238E27FC236}">
+                <a16:creationId xmlns:a16="http://schemas.microsoft.com/office/drawing/2014/main" id="{42C525F9-E3B7-4138-BB43-11E8FA05A704}"/>
+              </a:ext>
+            </a:extLst>
+          </p:cNvPr>
+          <p:cNvSpPr txBox="1"/>
+          <p:nvPr/>
+        </p:nvSpPr>
+        <p:spPr>
+          <a:xfrm>
+            <a:off x="2917229" y="3651822"/>
+            <a:ext cx="877163" cy="369332"/>
+          </a:xfrm>
+          <a:prstGeom prst="rect">
+            <a:avLst/>
+          </a:prstGeom>
+          <a:noFill/>
+        </p:spPr>
+        <p:txBody>
+          <a:bodyPr wrap="none" rtlCol="0">
+            <a:spAutoFit/>
+          </a:bodyPr>
+          <a:lstStyle/>
+          <a:p>
+            <a:r>
+              <a:rPr lang="ko-KR" altLang="en-US" dirty="0"/>
+              <a:t>아이디</a:t>
+            </a:r>
+          </a:p>
+        </p:txBody>
+      </p:sp>
+      <p:sp>
+        <p:nvSpPr>
+          <p:cNvPr id="26" name="타원 25">
+            <a:extLst>
+              <a:ext uri="{FF2B5EF4-FFF2-40B4-BE49-F238E27FC236}">
+                <a16:creationId xmlns:a16="http://schemas.microsoft.com/office/drawing/2014/main" id="{DD0EC4B0-571A-423C-86D4-C2AD871D7FAC}"/>
               </a:ext>
             </a:extLst>
           </p:cNvPr>
@@ -5221,20 +5301,12 @@
         </p:nvSpPr>
         <p:spPr>
           <a:xfrm>
-            <a:off x="9496425" y="4762384"/>
-            <a:ext cx="441922" cy="445028"/>
+            <a:off x="5885403" y="4605928"/>
+            <a:ext cx="933060" cy="933060"/>
           </a:xfrm>
           <a:prstGeom prst="ellipse">
             <a:avLst/>
           </a:prstGeom>
-          <a:solidFill>
-            <a:schemeClr val="bg1"/>
-          </a:solidFill>
-          <a:ln w="28575">
-            <a:solidFill>
-              <a:schemeClr val="tx1"/>
-            </a:solidFill>
-          </a:ln>
         </p:spPr>
         <p:style>
           <a:lnRef idx="2">
@@ -5258,169 +5330,10 @@
           <a:p>
             <a:pPr algn="ctr"/>
             <a:r>
-              <a:rPr lang="en-US" altLang="ko-KR" b="1" dirty="0">
-                <a:solidFill>
-                  <a:schemeClr val="tx1"/>
-                </a:solidFill>
-              </a:rPr>
-              <a:t>?</a:t>
-            </a:r>
-            <a:endParaRPr lang="ko-KR" altLang="en-US" b="1" dirty="0">
-              <a:solidFill>
-                <a:schemeClr val="tx1"/>
-              </a:solidFill>
-            </a:endParaRPr>
-          </a:p>
-        </p:txBody>
-      </p:sp>
-      <p:pic>
-        <p:nvPicPr>
-          <p:cNvPr id="19" name="그래픽 18" descr="단일 톱니바퀴 단색으로 채워진">
-            <a:extLst>
-              <a:ext uri="{FF2B5EF4-FFF2-40B4-BE49-F238E27FC236}">
-                <a16:creationId xmlns:a16="http://schemas.microsoft.com/office/drawing/2014/main" id="{545DC420-3ABC-46AC-A273-5AFA84C9DC98}"/>
-              </a:ext>
-            </a:extLst>
-          </p:cNvPr>
-          <p:cNvPicPr>
-            <a:picLocks noChangeAspect="1"/>
-          </p:cNvPicPr>
-          <p:nvPr/>
-        </p:nvPicPr>
-        <p:blipFill>
-          <a:blip r:embed="rId3" cstate="hqprint">
-            <a:extLst>
-              <a:ext uri="{28A0092B-C50C-407E-A947-70E740481C1C}">
-                <a14:useLocalDpi xmlns:a14="http://schemas.microsoft.com/office/drawing/2010/main" val="0"/>
-              </a:ext>
-              <a:ext uri="{96DAC541-7B7A-43D3-8B79-37D633B846F1}">
-                <asvg:svgBlip xmlns:asvg="http://schemas.microsoft.com/office/drawing/2016/SVG/main" r:embed="rId4"/>
-              </a:ext>
-            </a:extLst>
-          </a:blip>
-          <a:stretch>
-            <a:fillRect/>
-          </a:stretch>
-        </p:blipFill>
-        <p:spPr>
-          <a:xfrm>
-            <a:off x="9557288" y="5362277"/>
-            <a:ext cx="320195" cy="320195"/>
-          </a:xfrm>
-          <a:prstGeom prst="rect">
-            <a:avLst/>
-          </a:prstGeom>
-        </p:spPr>
-      </p:pic>
-      <p:sp>
-        <p:nvSpPr>
-          <p:cNvPr id="20" name="TextBox 19">
-            <a:extLst>
-              <a:ext uri="{FF2B5EF4-FFF2-40B4-BE49-F238E27FC236}">
-                <a16:creationId xmlns:a16="http://schemas.microsoft.com/office/drawing/2014/main" id="{08BA6D45-DB7B-46E1-9B18-9DE0804050BB}"/>
-              </a:ext>
-            </a:extLst>
-          </p:cNvPr>
-          <p:cNvSpPr txBox="1"/>
-          <p:nvPr/>
-        </p:nvSpPr>
-        <p:spPr>
-          <a:xfrm>
-            <a:off x="11508508" y="6289963"/>
-            <a:ext cx="311304" cy="369332"/>
-          </a:xfrm>
-          <a:prstGeom prst="rect">
-            <a:avLst/>
-          </a:prstGeom>
-          <a:noFill/>
-        </p:spPr>
-        <p:txBody>
-          <a:bodyPr wrap="none" rtlCol="0">
-            <a:spAutoFit/>
-          </a:bodyPr>
-          <a:lstStyle/>
-          <a:p>
-            <a:r>
-              <a:rPr lang="en-US" altLang="ko-KR" dirty="0"/>
-              <a:t>1</a:t>
+              <a:rPr lang="ko-KR" altLang="en-US"/>
+              <a:t>확인</a:t>
             </a:r>
             <a:endParaRPr lang="ko-KR" altLang="en-US" dirty="0"/>
-          </a:p>
-        </p:txBody>
-      </p:sp>
-      <p:sp>
-        <p:nvSpPr>
-          <p:cNvPr id="21" name="TextBox 20">
-            <a:extLst>
-              <a:ext uri="{FF2B5EF4-FFF2-40B4-BE49-F238E27FC236}">
-                <a16:creationId xmlns:a16="http://schemas.microsoft.com/office/drawing/2014/main" id="{3A0E7541-0A2B-485E-BE9E-33C8FB2B3ADB}"/>
-              </a:ext>
-            </a:extLst>
-          </p:cNvPr>
-          <p:cNvSpPr txBox="1"/>
-          <p:nvPr/>
-        </p:nvSpPr>
-        <p:spPr>
-          <a:xfrm>
-            <a:off x="3112782" y="1060172"/>
-            <a:ext cx="1371275" cy="400110"/>
-          </a:xfrm>
-          <a:prstGeom prst="rect">
-            <a:avLst/>
-          </a:prstGeom>
-          <a:noFill/>
-        </p:spPr>
-        <p:txBody>
-          <a:bodyPr wrap="square" rtlCol="0">
-            <a:spAutoFit/>
-          </a:bodyPr>
-          <a:lstStyle/>
-          <a:p>
-            <a:r>
-              <a:rPr lang="ko-KR" altLang="en-US" sz="2000" b="1" dirty="0"/>
-              <a:t>방 만들기</a:t>
-            </a:r>
-            <a:endParaRPr lang="ko-KR" altLang="en-US" sz="1600" b="1" dirty="0"/>
-          </a:p>
-        </p:txBody>
-      </p:sp>
-      <p:sp>
-        <p:nvSpPr>
-          <p:cNvPr id="22" name="TextBox 21">
-            <a:extLst>
-              <a:ext uri="{FF2B5EF4-FFF2-40B4-BE49-F238E27FC236}">
-                <a16:creationId xmlns:a16="http://schemas.microsoft.com/office/drawing/2014/main" id="{080082FC-AEAD-4A3D-B7C0-6414FA842AB6}"/>
-              </a:ext>
-            </a:extLst>
-          </p:cNvPr>
-          <p:cNvSpPr txBox="1"/>
-          <p:nvPr/>
-        </p:nvSpPr>
-        <p:spPr>
-          <a:xfrm>
-            <a:off x="4484057" y="1062755"/>
-            <a:ext cx="1401346" cy="400110"/>
-          </a:xfrm>
-          <a:prstGeom prst="rect">
-            <a:avLst/>
-          </a:prstGeom>
-          <a:noFill/>
-        </p:spPr>
-        <p:txBody>
-          <a:bodyPr wrap="none" rtlCol="0">
-            <a:spAutoFit/>
-          </a:bodyPr>
-          <a:lstStyle/>
-          <a:p>
-            <a:r>
-              <a:rPr lang="ko-KR" altLang="en-US" sz="2000" b="1" dirty="0"/>
-              <a:t>방 설정 </a:t>
-            </a:r>
-            <a:r>
-              <a:rPr lang="en-US" altLang="ko-KR" sz="2000" b="1" dirty="0"/>
-              <a:t>UI</a:t>
-            </a:r>
-            <a:endParaRPr lang="ko-KR" altLang="en-US" sz="1600" b="1" dirty="0"/>
           </a:p>
         </p:txBody>
       </p:sp>
@@ -5456,85 +5369,10 @@
       </p:grpSpPr>
       <p:sp>
         <p:nvSpPr>
-          <p:cNvPr id="2" name="제목 1">
-            <a:extLst>
-              <a:ext uri="{FF2B5EF4-FFF2-40B4-BE49-F238E27FC236}">
-                <a16:creationId xmlns:a16="http://schemas.microsoft.com/office/drawing/2014/main" id="{12FA7392-5E59-4B5E-B78E-CDA6F8200699}"/>
-              </a:ext>
-            </a:extLst>
-          </p:cNvPr>
-          <p:cNvSpPr>
-            <a:spLocks noGrp="1"/>
-          </p:cNvSpPr>
-          <p:nvPr>
-            <p:ph type="title"/>
-          </p:nvPr>
-        </p:nvSpPr>
-        <p:spPr/>
-        <p:txBody>
-          <a:bodyPr/>
-          <a:lstStyle/>
-          <a:p>
-            <a:endParaRPr lang="ko-KR" altLang="en-US"/>
-          </a:p>
-        </p:txBody>
-      </p:sp>
-      <p:sp>
-        <p:nvSpPr>
-          <p:cNvPr id="3" name="내용 개체 틀 2">
-            <a:extLst>
-              <a:ext uri="{FF2B5EF4-FFF2-40B4-BE49-F238E27FC236}">
-                <a16:creationId xmlns:a16="http://schemas.microsoft.com/office/drawing/2014/main" id="{66A7B09C-D626-4EE3-BE1A-A5B85B570D5C}"/>
-              </a:ext>
-            </a:extLst>
-          </p:cNvPr>
-          <p:cNvSpPr>
-            <a:spLocks noGrp="1"/>
-          </p:cNvSpPr>
-          <p:nvPr>
-            <p:ph idx="1"/>
-          </p:nvPr>
-        </p:nvSpPr>
-        <p:spPr/>
-        <p:txBody>
-          <a:bodyPr/>
-          <a:lstStyle/>
-          <a:p>
-            <a:endParaRPr lang="ko-KR" altLang="en-US"/>
-          </a:p>
-        </p:txBody>
-      </p:sp>
-      <p:sp>
-        <p:nvSpPr>
-          <p:cNvPr id="4" name="텍스트 개체 틀 3">
-            <a:extLst>
-              <a:ext uri="{FF2B5EF4-FFF2-40B4-BE49-F238E27FC236}">
-                <a16:creationId xmlns:a16="http://schemas.microsoft.com/office/drawing/2014/main" id="{A0C5A46F-6C46-4871-81D3-A9F7A2D3A0B9}"/>
-              </a:ext>
-            </a:extLst>
-          </p:cNvPr>
-          <p:cNvSpPr>
-            <a:spLocks noGrp="1"/>
-          </p:cNvSpPr>
-          <p:nvPr>
-            <p:ph type="body" sz="quarter" idx="13"/>
-          </p:nvPr>
-        </p:nvSpPr>
-        <p:spPr/>
-        <p:txBody>
-          <a:bodyPr/>
-          <a:lstStyle/>
-          <a:p>
-            <a:endParaRPr lang="ko-KR" altLang="en-US"/>
-          </a:p>
-        </p:txBody>
-      </p:sp>
-      <p:sp>
-        <p:nvSpPr>
-          <p:cNvPr id="9" name="사각형: 둥근 모서리 8">
-            <a:extLst>
-              <a:ext uri="{FF2B5EF4-FFF2-40B4-BE49-F238E27FC236}">
-                <a16:creationId xmlns:a16="http://schemas.microsoft.com/office/drawing/2014/main" id="{DB2AB129-9AE5-4E2B-B880-DFDF5B63AD02}"/>
+          <p:cNvPr id="19" name="사각형: 둥근 모서리 18">
+            <a:extLst>
+              <a:ext uri="{FF2B5EF4-FFF2-40B4-BE49-F238E27FC236}">
+                <a16:creationId xmlns:a16="http://schemas.microsoft.com/office/drawing/2014/main" id="{4D8CE177-9F2A-4957-BB15-E11AB53DEC2E}"/>
               </a:ext>
             </a:extLst>
           </p:cNvPr>
@@ -5542,20 +5380,21 @@
           <p:nvPr/>
         </p:nvSpPr>
         <p:spPr>
-          <a:xfrm rot="5400000">
-            <a:off x="4233349" y="1488"/>
-            <a:ext cx="3993138" cy="7952529"/>
+          <a:xfrm>
+            <a:off x="1498776" y="853595"/>
+            <a:ext cx="1446767" cy="609269"/>
           </a:xfrm>
           <a:prstGeom prst="roundRect">
             <a:avLst/>
           </a:prstGeom>
           <a:solidFill>
-            <a:schemeClr val="bg1"/>
+            <a:schemeClr val="accent4">
+              <a:lumMod val="40000"/>
+              <a:lumOff val="60000"/>
+            </a:schemeClr>
           </a:solidFill>
-          <a:ln w="38100">
-            <a:solidFill>
-              <a:schemeClr val="tx1"/>
-            </a:solidFill>
+          <a:ln>
+            <a:noFill/>
           </a:ln>
         </p:spPr>
         <p:style>
@@ -5579,663 +5418,10 @@
           <a:lstStyle/>
           <a:p>
             <a:pPr algn="ctr"/>
-            <a:endParaRPr lang="ko-KR" altLang="en-US" dirty="0"/>
-          </a:p>
-        </p:txBody>
-      </p:sp>
-      <p:pic>
-        <p:nvPicPr>
-          <p:cNvPr id="10" name="Picture 2" descr="쓰레기가 바다에 떠있는 크루즈 라이너 여객선 | 프리미엄 벡터">
-            <a:extLst>
-              <a:ext uri="{FF2B5EF4-FFF2-40B4-BE49-F238E27FC236}">
-                <a16:creationId xmlns:a16="http://schemas.microsoft.com/office/drawing/2014/main" id="{F3990AFA-8C2C-40E2-AE5A-68DF8F8F0236}"/>
-              </a:ext>
-            </a:extLst>
-          </p:cNvPr>
-          <p:cNvPicPr>
-            <a:picLocks noChangeAspect="1" noChangeArrowheads="1"/>
-          </p:cNvPicPr>
-          <p:nvPr/>
-        </p:nvPicPr>
-        <p:blipFill>
-          <a:blip r:embed="rId2">
-            <a:extLst>
-              <a:ext uri="{28A0092B-C50C-407E-A947-70E740481C1C}">
-                <a14:useLocalDpi xmlns:a14="http://schemas.microsoft.com/office/drawing/2010/main" val="0"/>
-              </a:ext>
-            </a:extLst>
-          </a:blip>
-          <a:srcRect/>
-          <a:stretch>
-            <a:fillRect/>
-          </a:stretch>
-        </p:blipFill>
-        <p:spPr bwMode="auto">
-          <a:xfrm>
-            <a:off x="2297002" y="2011294"/>
-            <a:ext cx="7865831" cy="3932916"/>
-          </a:xfrm>
-          <a:prstGeom prst="roundRect">
-            <a:avLst/>
-          </a:prstGeom>
-          <a:noFill/>
-          <a:extLst>
-            <a:ext uri="{909E8E84-426E-40DD-AFC4-6F175D3DCCD1}">
-              <a14:hiddenFill xmlns:a14="http://schemas.microsoft.com/office/drawing/2010/main">
-                <a:solidFill>
-                  <a:srgbClr val="FFFFFF"/>
-                </a:solidFill>
-              </a14:hiddenFill>
-            </a:ext>
-          </a:extLst>
-        </p:spPr>
-      </p:pic>
-      <p:sp>
-        <p:nvSpPr>
-          <p:cNvPr id="11" name="직사각형 10">
-            <a:extLst>
-              <a:ext uri="{FF2B5EF4-FFF2-40B4-BE49-F238E27FC236}">
-                <a16:creationId xmlns:a16="http://schemas.microsoft.com/office/drawing/2014/main" id="{CAE88EF5-21CB-4EEE-9126-6D526E53AAE4}"/>
-              </a:ext>
-            </a:extLst>
-          </p:cNvPr>
-          <p:cNvSpPr/>
-          <p:nvPr/>
-        </p:nvSpPr>
-        <p:spPr>
-          <a:xfrm>
-            <a:off x="0" y="0"/>
-            <a:ext cx="12192000" cy="1034474"/>
-          </a:xfrm>
-          <a:prstGeom prst="rect">
-            <a:avLst/>
-          </a:prstGeom>
-          <a:solidFill>
-            <a:schemeClr val="accent5">
-              <a:lumMod val="60000"/>
-              <a:lumOff val="40000"/>
-            </a:schemeClr>
-          </a:solidFill>
-        </p:spPr>
-        <p:style>
-          <a:lnRef idx="2">
-            <a:schemeClr val="accent1">
-              <a:shade val="50000"/>
-            </a:schemeClr>
-          </a:lnRef>
-          <a:fillRef idx="1">
-            <a:schemeClr val="accent1"/>
-          </a:fillRef>
-          <a:effectRef idx="0">
-            <a:schemeClr val="accent1"/>
-          </a:effectRef>
-          <a:fontRef idx="minor">
-            <a:schemeClr val="lt1"/>
-          </a:fontRef>
-        </p:style>
-        <p:txBody>
-          <a:bodyPr rtlCol="0" anchor="ctr"/>
-          <a:lstStyle/>
-          <a:p>
-            <a:pPr algn="ctr"/>
-            <a:endParaRPr lang="ko-KR" altLang="en-US" dirty="0"/>
-          </a:p>
-        </p:txBody>
-      </p:sp>
-      <p:sp>
-        <p:nvSpPr>
-          <p:cNvPr id="12" name="TextBox 11">
-            <a:extLst>
-              <a:ext uri="{FF2B5EF4-FFF2-40B4-BE49-F238E27FC236}">
-                <a16:creationId xmlns:a16="http://schemas.microsoft.com/office/drawing/2014/main" id="{1CE2344A-5990-4401-9E85-72333F93486F}"/>
-              </a:ext>
-            </a:extLst>
-          </p:cNvPr>
-          <p:cNvSpPr txBox="1"/>
-          <p:nvPr/>
-        </p:nvSpPr>
-        <p:spPr>
-          <a:xfrm>
-            <a:off x="646546" y="255627"/>
-            <a:ext cx="4230254" cy="523220"/>
-          </a:xfrm>
-          <a:prstGeom prst="rect">
-            <a:avLst/>
-          </a:prstGeom>
-          <a:noFill/>
-        </p:spPr>
-        <p:txBody>
-          <a:bodyPr wrap="square" rtlCol="0">
-            <a:spAutoFit/>
-          </a:bodyPr>
-          <a:lstStyle/>
-          <a:p>
-            <a:r>
-              <a:rPr lang="ko-KR" altLang="en-US" sz="2800" b="1" dirty="0"/>
-              <a:t>게임 설명 </a:t>
-            </a:r>
-            <a:r>
-              <a:rPr lang="en-US" altLang="ko-KR" sz="2800" b="1" dirty="0"/>
-              <a:t>( </a:t>
-            </a:r>
-            <a:r>
-              <a:rPr lang="ko-KR" altLang="en-US" sz="2800" b="1" dirty="0"/>
-              <a:t>서버 </a:t>
-            </a:r>
-            <a:r>
-              <a:rPr lang="en-US" altLang="ko-KR" sz="2800" b="1" dirty="0"/>
-              <a:t>UI</a:t>
-            </a:r>
-            <a:r>
-              <a:rPr lang="ko-KR" altLang="en-US" sz="2800" b="1" dirty="0"/>
-              <a:t> </a:t>
-            </a:r>
-            <a:r>
-              <a:rPr lang="en-US" altLang="ko-KR" sz="2800" b="1" dirty="0"/>
-              <a:t>)</a:t>
-            </a:r>
-          </a:p>
-        </p:txBody>
-      </p:sp>
-      <p:sp>
-        <p:nvSpPr>
-          <p:cNvPr id="13" name="TextBox 12">
-            <a:extLst>
-              <a:ext uri="{FF2B5EF4-FFF2-40B4-BE49-F238E27FC236}">
-                <a16:creationId xmlns:a16="http://schemas.microsoft.com/office/drawing/2014/main" id="{DD7D07F7-D69F-4CA8-8F31-92137478F17E}"/>
-              </a:ext>
-            </a:extLst>
-          </p:cNvPr>
-          <p:cNvSpPr txBox="1"/>
-          <p:nvPr/>
-        </p:nvSpPr>
-        <p:spPr>
-          <a:xfrm>
-            <a:off x="1709721" y="1044093"/>
-            <a:ext cx="1055097" cy="400110"/>
-          </a:xfrm>
-          <a:prstGeom prst="rect">
-            <a:avLst/>
-          </a:prstGeom>
-          <a:noFill/>
-        </p:spPr>
-        <p:txBody>
-          <a:bodyPr wrap="none" rtlCol="0">
-            <a:spAutoFit/>
-          </a:bodyPr>
-          <a:lstStyle/>
-          <a:p>
-            <a:r>
-              <a:rPr lang="ko-KR" altLang="en-US" sz="2000" b="1" dirty="0"/>
-              <a:t>시작</a:t>
-            </a:r>
-            <a:r>
-              <a:rPr lang="en-US" altLang="ko-KR" sz="2000" b="1" dirty="0"/>
-              <a:t> UI</a:t>
-            </a:r>
-            <a:endParaRPr lang="ko-KR" altLang="en-US" sz="1600" b="1" dirty="0"/>
-          </a:p>
-        </p:txBody>
-      </p:sp>
-      <p:grpSp>
-        <p:nvGrpSpPr>
-          <p:cNvPr id="14" name="그룹 13">
-            <a:extLst>
-              <a:ext uri="{FF2B5EF4-FFF2-40B4-BE49-F238E27FC236}">
-                <a16:creationId xmlns:a16="http://schemas.microsoft.com/office/drawing/2014/main" id="{97BE58DD-562A-4E91-A4DE-84CA7ED4B4D0}"/>
-              </a:ext>
-            </a:extLst>
-          </p:cNvPr>
-          <p:cNvGrpSpPr/>
-          <p:nvPr/>
-        </p:nvGrpSpPr>
-        <p:grpSpPr>
-          <a:xfrm>
-            <a:off x="4387678" y="2507108"/>
-            <a:ext cx="3684479" cy="1470644"/>
-            <a:chOff x="4049075" y="2209800"/>
-            <a:chExt cx="3684479" cy="1470644"/>
-          </a:xfrm>
-        </p:grpSpPr>
-        <p:sp>
-          <p:nvSpPr>
-            <p:cNvPr id="15" name="TextBox 14">
-              <a:extLst>
-                <a:ext uri="{FF2B5EF4-FFF2-40B4-BE49-F238E27FC236}">
-                  <a16:creationId xmlns:a16="http://schemas.microsoft.com/office/drawing/2014/main" id="{BFDEFA76-21D3-4760-A040-0B722623C3E2}"/>
-                </a:ext>
-              </a:extLst>
-            </p:cNvPr>
-            <p:cNvSpPr txBox="1"/>
-            <p:nvPr/>
-          </p:nvSpPr>
-          <p:spPr>
-            <a:xfrm>
-              <a:off x="4049075" y="2209800"/>
-              <a:ext cx="2400016" cy="830997"/>
-            </a:xfrm>
-            <a:prstGeom prst="rect">
-              <a:avLst/>
-            </a:prstGeom>
-            <a:noFill/>
-          </p:spPr>
-          <p:txBody>
-            <a:bodyPr wrap="none" rtlCol="0">
-              <a:spAutoFit/>
-            </a:bodyPr>
-            <a:lstStyle/>
-            <a:p>
-              <a:r>
-                <a:rPr lang="en-US" altLang="ko-KR" sz="4800" b="1" dirty="0"/>
-                <a:t>ESCAPE</a:t>
-              </a:r>
-              <a:endParaRPr lang="ko-KR" altLang="en-US" sz="4800" b="1" dirty="0"/>
-            </a:p>
-          </p:txBody>
-        </p:sp>
-        <p:sp>
-          <p:nvSpPr>
-            <p:cNvPr id="16" name="TextBox 15">
-              <a:extLst>
-                <a:ext uri="{FF2B5EF4-FFF2-40B4-BE49-F238E27FC236}">
-                  <a16:creationId xmlns:a16="http://schemas.microsoft.com/office/drawing/2014/main" id="{11D9ED1F-780E-4423-A47C-604D09708598}"/>
-                </a:ext>
-              </a:extLst>
-            </p:cNvPr>
-            <p:cNvSpPr txBox="1"/>
-            <p:nvPr/>
-          </p:nvSpPr>
-          <p:spPr>
-            <a:xfrm>
-              <a:off x="5297374" y="2849447"/>
-              <a:ext cx="2436180" cy="830997"/>
-            </a:xfrm>
-            <a:prstGeom prst="rect">
-              <a:avLst/>
-            </a:prstGeom>
-            <a:noFill/>
-          </p:spPr>
-          <p:txBody>
-            <a:bodyPr wrap="none" rtlCol="0">
-              <a:spAutoFit/>
-            </a:bodyPr>
-            <a:lstStyle/>
-            <a:p>
-              <a:r>
-                <a:rPr lang="en-US" altLang="ko-KR" sz="4800" b="1" dirty="0"/>
-                <a:t>ISLAND</a:t>
-              </a:r>
-              <a:endParaRPr lang="ko-KR" altLang="en-US" sz="4800" b="1" dirty="0"/>
-            </a:p>
-          </p:txBody>
-        </p:sp>
-      </p:grpSp>
-      <p:sp>
-        <p:nvSpPr>
-          <p:cNvPr id="17" name="사각형: 둥근 모서리 16">
-            <a:extLst>
-              <a:ext uri="{FF2B5EF4-FFF2-40B4-BE49-F238E27FC236}">
-                <a16:creationId xmlns:a16="http://schemas.microsoft.com/office/drawing/2014/main" id="{E8EAAE1F-F922-4792-9DC6-C8F792EB1B72}"/>
-              </a:ext>
-            </a:extLst>
-          </p:cNvPr>
-          <p:cNvSpPr/>
-          <p:nvPr/>
-        </p:nvSpPr>
-        <p:spPr>
-          <a:xfrm>
-            <a:off x="5122919" y="4617399"/>
-            <a:ext cx="2213996" cy="551608"/>
-          </a:xfrm>
-          <a:prstGeom prst="roundRect">
-            <a:avLst/>
-          </a:prstGeom>
-          <a:solidFill>
-            <a:schemeClr val="bg1"/>
-          </a:solidFill>
-          <a:ln w="28575">
-            <a:solidFill>
-              <a:schemeClr val="tx1"/>
-            </a:solidFill>
-          </a:ln>
-        </p:spPr>
-        <p:style>
-          <a:lnRef idx="2">
-            <a:schemeClr val="accent1">
-              <a:shade val="50000"/>
-            </a:schemeClr>
-          </a:lnRef>
-          <a:fillRef idx="1">
-            <a:schemeClr val="accent1"/>
-          </a:fillRef>
-          <a:effectRef idx="0">
-            <a:schemeClr val="accent1"/>
-          </a:effectRef>
-          <a:fontRef idx="minor">
-            <a:schemeClr val="lt1"/>
-          </a:fontRef>
-        </p:style>
-        <p:txBody>
-          <a:bodyPr rtlCol="0" anchor="ctr"/>
-          <a:lstStyle/>
-          <a:p>
-            <a:pPr algn="ctr"/>
-            <a:r>
-              <a:rPr lang="ko-KR" altLang="en-US" b="1" dirty="0">
-                <a:solidFill>
-                  <a:schemeClr val="tx1"/>
-                </a:solidFill>
-              </a:rPr>
-              <a:t>게임 시작</a:t>
-            </a:r>
-          </a:p>
-        </p:txBody>
-      </p:sp>
-      <p:sp>
-        <p:nvSpPr>
-          <p:cNvPr id="18" name="타원 17">
-            <a:extLst>
-              <a:ext uri="{FF2B5EF4-FFF2-40B4-BE49-F238E27FC236}">
-                <a16:creationId xmlns:a16="http://schemas.microsoft.com/office/drawing/2014/main" id="{C132681B-57FF-49AE-B07C-6F1DB65B168A}"/>
-              </a:ext>
-            </a:extLst>
-          </p:cNvPr>
-          <p:cNvSpPr/>
-          <p:nvPr/>
-        </p:nvSpPr>
-        <p:spPr>
-          <a:xfrm>
-            <a:off x="9496425" y="5295900"/>
-            <a:ext cx="441922" cy="445028"/>
-          </a:xfrm>
-          <a:prstGeom prst="ellipse">
-            <a:avLst/>
-          </a:prstGeom>
-          <a:solidFill>
-            <a:schemeClr val="bg1"/>
-          </a:solidFill>
-          <a:ln w="28575">
-            <a:solidFill>
-              <a:schemeClr val="tx1"/>
-            </a:solidFill>
-          </a:ln>
-        </p:spPr>
-        <p:style>
-          <a:lnRef idx="2">
-            <a:schemeClr val="accent1">
-              <a:shade val="50000"/>
-            </a:schemeClr>
-          </a:lnRef>
-          <a:fillRef idx="1">
-            <a:schemeClr val="accent1"/>
-          </a:fillRef>
-          <a:effectRef idx="0">
-            <a:schemeClr val="accent1"/>
-          </a:effectRef>
-          <a:fontRef idx="minor">
-            <a:schemeClr val="lt1"/>
-          </a:fontRef>
-        </p:style>
-        <p:txBody>
-          <a:bodyPr rtlCol="0" anchor="ctr"/>
-          <a:lstStyle/>
-          <a:p>
-            <a:pPr algn="ctr"/>
-            <a:endParaRPr lang="ko-KR" altLang="en-US" b="1" dirty="0">
-              <a:solidFill>
-                <a:schemeClr val="tx1"/>
-              </a:solidFill>
-            </a:endParaRPr>
-          </a:p>
-        </p:txBody>
-      </p:sp>
-      <p:sp>
-        <p:nvSpPr>
-          <p:cNvPr id="19" name="타원 18">
-            <a:extLst>
-              <a:ext uri="{FF2B5EF4-FFF2-40B4-BE49-F238E27FC236}">
-                <a16:creationId xmlns:a16="http://schemas.microsoft.com/office/drawing/2014/main" id="{3F822926-D3ED-41CD-AFDF-E557E952F9AA}"/>
-              </a:ext>
-            </a:extLst>
-          </p:cNvPr>
-          <p:cNvSpPr/>
-          <p:nvPr/>
-        </p:nvSpPr>
-        <p:spPr>
-          <a:xfrm>
-            <a:off x="9496425" y="4762384"/>
-            <a:ext cx="441922" cy="445028"/>
-          </a:xfrm>
-          <a:prstGeom prst="ellipse">
-            <a:avLst/>
-          </a:prstGeom>
-          <a:solidFill>
-            <a:schemeClr val="bg1"/>
-          </a:solidFill>
-          <a:ln w="28575">
-            <a:solidFill>
-              <a:schemeClr val="tx1"/>
-            </a:solidFill>
-          </a:ln>
-        </p:spPr>
-        <p:style>
-          <a:lnRef idx="2">
-            <a:schemeClr val="accent1">
-              <a:shade val="50000"/>
-            </a:schemeClr>
-          </a:lnRef>
-          <a:fillRef idx="1">
-            <a:schemeClr val="accent1"/>
-          </a:fillRef>
-          <a:effectRef idx="0">
-            <a:schemeClr val="accent1"/>
-          </a:effectRef>
-          <a:fontRef idx="minor">
-            <a:schemeClr val="lt1"/>
-          </a:fontRef>
-        </p:style>
-        <p:txBody>
-          <a:bodyPr rtlCol="0" anchor="ctr"/>
-          <a:lstStyle/>
-          <a:p>
-            <a:pPr algn="ctr"/>
-            <a:r>
-              <a:rPr lang="en-US" altLang="ko-KR" b="1" dirty="0">
-                <a:solidFill>
-                  <a:schemeClr val="tx1"/>
-                </a:solidFill>
-              </a:rPr>
-              <a:t>?</a:t>
-            </a:r>
-            <a:endParaRPr lang="ko-KR" altLang="en-US" b="1" dirty="0">
-              <a:solidFill>
-                <a:schemeClr val="tx1"/>
-              </a:solidFill>
-            </a:endParaRPr>
-          </a:p>
-        </p:txBody>
-      </p:sp>
-      <p:pic>
-        <p:nvPicPr>
-          <p:cNvPr id="20" name="그래픽 19" descr="단일 톱니바퀴 단색으로 채워진">
-            <a:extLst>
-              <a:ext uri="{FF2B5EF4-FFF2-40B4-BE49-F238E27FC236}">
-                <a16:creationId xmlns:a16="http://schemas.microsoft.com/office/drawing/2014/main" id="{D6348A99-326A-4E66-82BA-1EA5806F3A28}"/>
-              </a:ext>
-            </a:extLst>
-          </p:cNvPr>
-          <p:cNvPicPr>
-            <a:picLocks noChangeAspect="1"/>
-          </p:cNvPicPr>
-          <p:nvPr/>
-        </p:nvPicPr>
-        <p:blipFill>
-          <a:blip r:embed="rId3" cstate="hqprint">
-            <a:extLst>
-              <a:ext uri="{28A0092B-C50C-407E-A947-70E740481C1C}">
-                <a14:useLocalDpi xmlns:a14="http://schemas.microsoft.com/office/drawing/2010/main" val="0"/>
-              </a:ext>
-              <a:ext uri="{96DAC541-7B7A-43D3-8B79-37D633B846F1}">
-                <asvg:svgBlip xmlns:asvg="http://schemas.microsoft.com/office/drawing/2016/SVG/main" r:embed="rId4"/>
-              </a:ext>
-            </a:extLst>
-          </a:blip>
-          <a:stretch>
-            <a:fillRect/>
-          </a:stretch>
-        </p:blipFill>
-        <p:spPr>
-          <a:xfrm>
-            <a:off x="9557288" y="5362277"/>
-            <a:ext cx="320195" cy="320195"/>
-          </a:xfrm>
-          <a:prstGeom prst="rect">
-            <a:avLst/>
-          </a:prstGeom>
-        </p:spPr>
-      </p:pic>
-      <p:sp>
-        <p:nvSpPr>
-          <p:cNvPr id="21" name="TextBox 20">
-            <a:extLst>
-              <a:ext uri="{FF2B5EF4-FFF2-40B4-BE49-F238E27FC236}">
-                <a16:creationId xmlns:a16="http://schemas.microsoft.com/office/drawing/2014/main" id="{EC802218-7B7B-4A5A-9A7E-C01F1551F2D1}"/>
-              </a:ext>
-            </a:extLst>
-          </p:cNvPr>
-          <p:cNvSpPr txBox="1"/>
-          <p:nvPr/>
-        </p:nvSpPr>
-        <p:spPr>
-          <a:xfrm>
-            <a:off x="11508508" y="6289963"/>
-            <a:ext cx="311304" cy="369332"/>
-          </a:xfrm>
-          <a:prstGeom prst="rect">
-            <a:avLst/>
-          </a:prstGeom>
-          <a:noFill/>
-        </p:spPr>
-        <p:txBody>
-          <a:bodyPr wrap="none" rtlCol="0">
-            <a:spAutoFit/>
-          </a:bodyPr>
-          <a:lstStyle/>
-          <a:p>
-            <a:r>
-              <a:rPr lang="en-US" altLang="ko-KR" dirty="0"/>
-              <a:t>1</a:t>
-            </a:r>
-            <a:endParaRPr lang="ko-KR" altLang="en-US" dirty="0"/>
-          </a:p>
-        </p:txBody>
-      </p:sp>
-      <p:sp>
-        <p:nvSpPr>
-          <p:cNvPr id="22" name="TextBox 21">
-            <a:extLst>
-              <a:ext uri="{FF2B5EF4-FFF2-40B4-BE49-F238E27FC236}">
-                <a16:creationId xmlns:a16="http://schemas.microsoft.com/office/drawing/2014/main" id="{E8FAA8C4-36E6-4433-AAAD-49B0CFA45C93}"/>
-              </a:ext>
-            </a:extLst>
-          </p:cNvPr>
-          <p:cNvSpPr txBox="1"/>
-          <p:nvPr/>
-        </p:nvSpPr>
-        <p:spPr>
-          <a:xfrm>
-            <a:off x="3087212" y="1072089"/>
-            <a:ext cx="1668545" cy="400110"/>
-          </a:xfrm>
-          <a:prstGeom prst="rect">
-            <a:avLst/>
-          </a:prstGeom>
-          <a:noFill/>
-        </p:spPr>
-        <p:txBody>
-          <a:bodyPr wrap="square" rtlCol="0">
-            <a:spAutoFit/>
-          </a:bodyPr>
-          <a:lstStyle/>
-          <a:p>
-            <a:r>
-              <a:rPr lang="ko-KR" altLang="en-US" sz="2000" b="1" dirty="0"/>
-              <a:t>방 만들기</a:t>
-            </a:r>
-            <a:endParaRPr lang="ko-KR" altLang="en-US" sz="1600" b="1" dirty="0"/>
-          </a:p>
-        </p:txBody>
-      </p:sp>
-      <p:sp>
-        <p:nvSpPr>
-          <p:cNvPr id="23" name="TextBox 22">
-            <a:extLst>
-              <a:ext uri="{FF2B5EF4-FFF2-40B4-BE49-F238E27FC236}">
-                <a16:creationId xmlns:a16="http://schemas.microsoft.com/office/drawing/2014/main" id="{BCD6AF5A-75F1-43FC-89CA-291853B63A7F}"/>
-              </a:ext>
-            </a:extLst>
-          </p:cNvPr>
-          <p:cNvSpPr txBox="1"/>
-          <p:nvPr/>
-        </p:nvSpPr>
-        <p:spPr>
-          <a:xfrm>
-            <a:off x="4484057" y="1062753"/>
-            <a:ext cx="1401346" cy="400110"/>
-          </a:xfrm>
-          <a:prstGeom prst="rect">
-            <a:avLst/>
-          </a:prstGeom>
-          <a:noFill/>
-        </p:spPr>
-        <p:txBody>
-          <a:bodyPr wrap="none" rtlCol="0">
-            <a:spAutoFit/>
-          </a:bodyPr>
-          <a:lstStyle/>
-          <a:p>
-            <a:r>
-              <a:rPr lang="ko-KR" altLang="en-US" sz="2000" b="1" dirty="0"/>
-              <a:t>방 설정 </a:t>
-            </a:r>
-            <a:r>
-              <a:rPr lang="en-US" altLang="ko-KR" sz="2000" b="1" dirty="0"/>
-              <a:t>UI</a:t>
-            </a:r>
-            <a:endParaRPr lang="ko-KR" altLang="en-US" sz="1600" b="1" dirty="0"/>
-          </a:p>
-        </p:txBody>
-      </p:sp>
-    </p:spTree>
-    <p:extLst>
-      <p:ext uri="{BB962C8B-B14F-4D97-AF65-F5344CB8AC3E}">
-        <p14:creationId xmlns:p14="http://schemas.microsoft.com/office/powerpoint/2010/main" val="2598613372"/>
-      </p:ext>
-    </p:extLst>
-  </p:cSld>
-  <p:clrMapOvr>
-    <a:masterClrMapping/>
-  </p:clrMapOvr>
-</p:sld>
-</file>
-
-<file path=ppt/slides/slide4.xml><?xml version="1.0" encoding="utf-8"?>
-<p:sld xmlns:a="http://schemas.openxmlformats.org/drawingml/2006/main" xmlns:r="http://schemas.openxmlformats.org/officeDocument/2006/relationships" xmlns:p="http://schemas.openxmlformats.org/presentationml/2006/main">
-  <p:cSld>
-    <p:spTree>
-      <p:nvGrpSpPr>
-        <p:cNvPr id="1" name=""/>
-        <p:cNvGrpSpPr/>
-        <p:nvPr/>
-      </p:nvGrpSpPr>
-      <p:grpSpPr>
-        <a:xfrm>
-          <a:off x="0" y="0"/>
-          <a:ext cx="0" cy="0"/>
-          <a:chOff x="0" y="0"/>
-          <a:chExt cx="0" cy="0"/>
-        </a:xfrm>
-      </p:grpSpPr>
+            <a:endParaRPr lang="ko-KR" altLang="en-US"/>
+          </a:p>
+        </p:txBody>
+      </p:sp>
       <p:sp>
         <p:nvSpPr>
           <p:cNvPr id="13" name="사각형: 둥근 모서리 12">
@@ -6913,6 +6099,210 @@
           </a:p>
         </p:txBody>
       </p:sp>
+      <p:sp>
+        <p:nvSpPr>
+          <p:cNvPr id="18" name="텍스트 개체 틀 4">
+            <a:extLst>
+              <a:ext uri="{FF2B5EF4-FFF2-40B4-BE49-F238E27FC236}">
+                <a16:creationId xmlns:a16="http://schemas.microsoft.com/office/drawing/2014/main" id="{15F384C0-3A53-476A-A16D-998EEC603EA6}"/>
+              </a:ext>
+            </a:extLst>
+          </p:cNvPr>
+          <p:cNvSpPr txBox="1">
+            <a:spLocks/>
+          </p:cNvSpPr>
+          <p:nvPr/>
+        </p:nvSpPr>
+        <p:spPr>
+          <a:xfrm>
+            <a:off x="137363" y="1112508"/>
+            <a:ext cx="1256180" cy="312826"/>
+          </a:xfrm>
+          <a:prstGeom prst="rect">
+            <a:avLst/>
+          </a:prstGeom>
+        </p:spPr>
+        <p:txBody>
+          <a:bodyPr vert="horz" lIns="91440" tIns="45720" rIns="91440" bIns="45720" rtlCol="0">
+            <a:normAutofit/>
+          </a:bodyPr>
+          <a:lstStyle>
+            <a:lvl1pPr marL="0" indent="0" algn="ctr" defTabSz="914400" rtl="0" eaLnBrk="1" latinLnBrk="1" hangingPunct="1">
+              <a:lnSpc>
+                <a:spcPct val="90000"/>
+              </a:lnSpc>
+              <a:spcBef>
+                <a:spcPts val="1000"/>
+              </a:spcBef>
+              <a:buFont typeface="Arial" panose="020B0604020202020204" pitchFamily="34" charset="0"/>
+              <a:buNone/>
+              <a:defRPr sz="1600" kern="1200">
+                <a:solidFill>
+                  <a:schemeClr val="tx1"/>
+                </a:solidFill>
+                <a:latin typeface="+mn-lt"/>
+                <a:ea typeface="+mn-ea"/>
+                <a:cs typeface="+mn-cs"/>
+              </a:defRPr>
+            </a:lvl1pPr>
+            <a:lvl2pPr marL="685800" indent="-228600" algn="l" defTabSz="914400" rtl="0" eaLnBrk="1" latinLnBrk="1" hangingPunct="1">
+              <a:lnSpc>
+                <a:spcPct val="90000"/>
+              </a:lnSpc>
+              <a:spcBef>
+                <a:spcPts val="500"/>
+              </a:spcBef>
+              <a:buFont typeface="Arial" panose="020B0604020202020204" pitchFamily="34" charset="0"/>
+              <a:buChar char="•"/>
+              <a:defRPr sz="2400" kern="1200">
+                <a:solidFill>
+                  <a:schemeClr val="tx1"/>
+                </a:solidFill>
+                <a:latin typeface="+mn-lt"/>
+                <a:ea typeface="+mn-ea"/>
+                <a:cs typeface="+mn-cs"/>
+              </a:defRPr>
+            </a:lvl2pPr>
+            <a:lvl3pPr marL="1143000" indent="-228600" algn="l" defTabSz="914400" rtl="0" eaLnBrk="1" latinLnBrk="1" hangingPunct="1">
+              <a:lnSpc>
+                <a:spcPct val="90000"/>
+              </a:lnSpc>
+              <a:spcBef>
+                <a:spcPts val="500"/>
+              </a:spcBef>
+              <a:buFont typeface="Arial" panose="020B0604020202020204" pitchFamily="34" charset="0"/>
+              <a:buChar char="•"/>
+              <a:defRPr sz="2000" kern="1200">
+                <a:solidFill>
+                  <a:schemeClr val="tx1"/>
+                </a:solidFill>
+                <a:latin typeface="+mn-lt"/>
+                <a:ea typeface="+mn-ea"/>
+                <a:cs typeface="+mn-cs"/>
+              </a:defRPr>
+            </a:lvl3pPr>
+            <a:lvl4pPr marL="1600200" indent="-228600" algn="l" defTabSz="914400" rtl="0" eaLnBrk="1" latinLnBrk="1" hangingPunct="1">
+              <a:lnSpc>
+                <a:spcPct val="90000"/>
+              </a:lnSpc>
+              <a:spcBef>
+                <a:spcPts val="500"/>
+              </a:spcBef>
+              <a:buFont typeface="Arial" panose="020B0604020202020204" pitchFamily="34" charset="0"/>
+              <a:buChar char="•"/>
+              <a:defRPr sz="1800" kern="1200">
+                <a:solidFill>
+                  <a:schemeClr val="tx1"/>
+                </a:solidFill>
+                <a:latin typeface="+mn-lt"/>
+                <a:ea typeface="+mn-ea"/>
+                <a:cs typeface="+mn-cs"/>
+              </a:defRPr>
+            </a:lvl4pPr>
+            <a:lvl5pPr marL="2057400" indent="-228600" algn="l" defTabSz="914400" rtl="0" eaLnBrk="1" latinLnBrk="1" hangingPunct="1">
+              <a:lnSpc>
+                <a:spcPct val="90000"/>
+              </a:lnSpc>
+              <a:spcBef>
+                <a:spcPts val="500"/>
+              </a:spcBef>
+              <a:buFont typeface="Arial" panose="020B0604020202020204" pitchFamily="34" charset="0"/>
+              <a:buChar char="•"/>
+              <a:defRPr sz="1800" kern="1200">
+                <a:solidFill>
+                  <a:schemeClr val="tx1"/>
+                </a:solidFill>
+                <a:latin typeface="+mn-lt"/>
+                <a:ea typeface="+mn-ea"/>
+                <a:cs typeface="+mn-cs"/>
+              </a:defRPr>
+            </a:lvl5pPr>
+            <a:lvl6pPr marL="2514600" indent="-228600" algn="l" defTabSz="914400" rtl="0" eaLnBrk="1" latinLnBrk="1" hangingPunct="1">
+              <a:lnSpc>
+                <a:spcPct val="90000"/>
+              </a:lnSpc>
+              <a:spcBef>
+                <a:spcPts val="500"/>
+              </a:spcBef>
+              <a:buFont typeface="Arial" panose="020B0604020202020204" pitchFamily="34" charset="0"/>
+              <a:buChar char="•"/>
+              <a:defRPr sz="1800" kern="1200">
+                <a:solidFill>
+                  <a:schemeClr val="tx1"/>
+                </a:solidFill>
+                <a:latin typeface="+mn-lt"/>
+                <a:ea typeface="+mn-ea"/>
+                <a:cs typeface="+mn-cs"/>
+              </a:defRPr>
+            </a:lvl6pPr>
+            <a:lvl7pPr marL="2971800" indent="-228600" algn="l" defTabSz="914400" rtl="0" eaLnBrk="1" latinLnBrk="1" hangingPunct="1">
+              <a:lnSpc>
+                <a:spcPct val="90000"/>
+              </a:lnSpc>
+              <a:spcBef>
+                <a:spcPts val="500"/>
+              </a:spcBef>
+              <a:buFont typeface="Arial" panose="020B0604020202020204" pitchFamily="34" charset="0"/>
+              <a:buChar char="•"/>
+              <a:defRPr sz="1800" kern="1200">
+                <a:solidFill>
+                  <a:schemeClr val="tx1"/>
+                </a:solidFill>
+                <a:latin typeface="+mn-lt"/>
+                <a:ea typeface="+mn-ea"/>
+                <a:cs typeface="+mn-cs"/>
+              </a:defRPr>
+            </a:lvl7pPr>
+            <a:lvl8pPr marL="3429000" indent="-228600" algn="l" defTabSz="914400" rtl="0" eaLnBrk="1" latinLnBrk="1" hangingPunct="1">
+              <a:lnSpc>
+                <a:spcPct val="90000"/>
+              </a:lnSpc>
+              <a:spcBef>
+                <a:spcPts val="500"/>
+              </a:spcBef>
+              <a:buFont typeface="Arial" panose="020B0604020202020204" pitchFamily="34" charset="0"/>
+              <a:buChar char="•"/>
+              <a:defRPr sz="1800" kern="1200">
+                <a:solidFill>
+                  <a:schemeClr val="tx1"/>
+                </a:solidFill>
+                <a:latin typeface="+mn-lt"/>
+                <a:ea typeface="+mn-ea"/>
+                <a:cs typeface="+mn-cs"/>
+              </a:defRPr>
+            </a:lvl8pPr>
+            <a:lvl9pPr marL="3886200" indent="-228600" algn="l" defTabSz="914400" rtl="0" eaLnBrk="1" latinLnBrk="1" hangingPunct="1">
+              <a:lnSpc>
+                <a:spcPct val="90000"/>
+              </a:lnSpc>
+              <a:spcBef>
+                <a:spcPts val="500"/>
+              </a:spcBef>
+              <a:buFont typeface="Arial" panose="020B0604020202020204" pitchFamily="34" charset="0"/>
+              <a:buChar char="•"/>
+              <a:defRPr sz="1800" kern="1200">
+                <a:solidFill>
+                  <a:schemeClr val="tx1"/>
+                </a:solidFill>
+                <a:latin typeface="+mn-lt"/>
+                <a:ea typeface="+mn-ea"/>
+                <a:cs typeface="+mn-cs"/>
+              </a:defRPr>
+            </a:lvl9pPr>
+          </a:lstStyle>
+          <a:p>
+            <a:r>
+              <a:rPr lang="ko-KR" altLang="en-US" b="1"/>
+              <a:t>로그인 </a:t>
+            </a:r>
+            <a:r>
+              <a:rPr lang="en-US" altLang="ko-KR" b="1"/>
+              <a:t>UI</a:t>
+            </a:r>
+            <a:endParaRPr lang="ko-KR" altLang="en-US" b="1" dirty="0"/>
+          </a:p>
+        </p:txBody>
+      </p:sp>
     </p:spTree>
     <p:extLst>
       <p:ext uri="{BB962C8B-B14F-4D97-AF65-F5344CB8AC3E}">
@@ -6926,7 +6316,7 @@
 </p:sld>
 </file>
 
-<file path=ppt/slides/slide5.xml><?xml version="1.0" encoding="utf-8"?>
+<file path=ppt/slides/slide4.xml><?xml version="1.0" encoding="utf-8"?>
 <p:sld xmlns:a="http://schemas.openxmlformats.org/drawingml/2006/main" xmlns:r="http://schemas.openxmlformats.org/officeDocument/2006/relationships" xmlns:p="http://schemas.openxmlformats.org/presentationml/2006/main">
   <p:cSld>
     <p:spTree>
@@ -6943,6 +6333,61 @@
           <a:chExt cx="0" cy="0"/>
         </a:xfrm>
       </p:grpSpPr>
+      <p:sp>
+        <p:nvSpPr>
+          <p:cNvPr id="98" name="사각형: 둥근 모서리 97">
+            <a:extLst>
+              <a:ext uri="{FF2B5EF4-FFF2-40B4-BE49-F238E27FC236}">
+                <a16:creationId xmlns:a16="http://schemas.microsoft.com/office/drawing/2014/main" id="{E43AEFFF-B18B-48FB-B55C-9A22BEE89A36}"/>
+              </a:ext>
+            </a:extLst>
+          </p:cNvPr>
+          <p:cNvSpPr/>
+          <p:nvPr/>
+        </p:nvSpPr>
+        <p:spPr>
+          <a:xfrm>
+            <a:off x="2991679" y="853595"/>
+            <a:ext cx="1446767" cy="609269"/>
+          </a:xfrm>
+          <a:prstGeom prst="roundRect">
+            <a:avLst/>
+          </a:prstGeom>
+          <a:solidFill>
+            <a:schemeClr val="accent4">
+              <a:lumMod val="40000"/>
+              <a:lumOff val="60000"/>
+            </a:schemeClr>
+          </a:solidFill>
+          <a:ln>
+            <a:noFill/>
+          </a:ln>
+        </p:spPr>
+        <p:style>
+          <a:lnRef idx="2">
+            <a:schemeClr val="accent1">
+              <a:shade val="50000"/>
+            </a:schemeClr>
+          </a:lnRef>
+          <a:fillRef idx="1">
+            <a:schemeClr val="accent1"/>
+          </a:fillRef>
+          <a:effectRef idx="0">
+            <a:schemeClr val="accent1"/>
+          </a:effectRef>
+          <a:fontRef idx="minor">
+            <a:schemeClr val="lt1"/>
+          </a:fontRef>
+        </p:style>
+        <p:txBody>
+          <a:bodyPr rtlCol="0" anchor="ctr"/>
+          <a:lstStyle/>
+          <a:p>
+            <a:pPr algn="ctr"/>
+            <a:endParaRPr lang="ko-KR" altLang="en-US"/>
+          </a:p>
+        </p:txBody>
+      </p:sp>
       <p:sp>
         <p:nvSpPr>
           <p:cNvPr id="4" name="직사각형 3">
@@ -9977,7 +9422,7 @@
         </p:nvSpPr>
         <p:spPr>
           <a:xfrm>
-            <a:off x="216818" y="1062755"/>
+            <a:off x="1709720" y="1062755"/>
             <a:ext cx="1055097" cy="400110"/>
           </a:xfrm>
           <a:prstGeom prst="rect">
@@ -10017,7 +9462,7 @@
         </p:nvSpPr>
         <p:spPr>
           <a:xfrm>
-            <a:off x="1594309" y="1062755"/>
+            <a:off x="3087211" y="1062755"/>
             <a:ext cx="1325645" cy="400110"/>
           </a:xfrm>
           <a:prstGeom prst="rect">
@@ -10053,7 +9498,7 @@
         </p:nvSpPr>
         <p:spPr>
           <a:xfrm>
-            <a:off x="2991154" y="1062755"/>
+            <a:off x="4484056" y="1062755"/>
             <a:ext cx="1401346" cy="400110"/>
           </a:xfrm>
           <a:prstGeom prst="rect">
@@ -10076,6 +9521,210 @@
               <a:t>UI</a:t>
             </a:r>
             <a:endParaRPr lang="ko-KR" altLang="en-US" sz="1600" b="1" dirty="0"/>
+          </a:p>
+        </p:txBody>
+      </p:sp>
+      <p:sp>
+        <p:nvSpPr>
+          <p:cNvPr id="97" name="텍스트 개체 틀 4">
+            <a:extLst>
+              <a:ext uri="{FF2B5EF4-FFF2-40B4-BE49-F238E27FC236}">
+                <a16:creationId xmlns:a16="http://schemas.microsoft.com/office/drawing/2014/main" id="{68707C92-13CA-45EE-9BC6-1DD04F8BAA0E}"/>
+              </a:ext>
+            </a:extLst>
+          </p:cNvPr>
+          <p:cNvSpPr txBox="1">
+            <a:spLocks/>
+          </p:cNvSpPr>
+          <p:nvPr/>
+        </p:nvSpPr>
+        <p:spPr>
+          <a:xfrm>
+            <a:off x="137363" y="1112508"/>
+            <a:ext cx="1256180" cy="312826"/>
+          </a:xfrm>
+          <a:prstGeom prst="rect">
+            <a:avLst/>
+          </a:prstGeom>
+        </p:spPr>
+        <p:txBody>
+          <a:bodyPr vert="horz" lIns="91440" tIns="45720" rIns="91440" bIns="45720" rtlCol="0">
+            <a:normAutofit/>
+          </a:bodyPr>
+          <a:lstStyle>
+            <a:lvl1pPr marL="0" indent="0" algn="ctr" defTabSz="914400" rtl="0" eaLnBrk="1" latinLnBrk="1" hangingPunct="1">
+              <a:lnSpc>
+                <a:spcPct val="90000"/>
+              </a:lnSpc>
+              <a:spcBef>
+                <a:spcPts val="1000"/>
+              </a:spcBef>
+              <a:buFont typeface="Arial" panose="020B0604020202020204" pitchFamily="34" charset="0"/>
+              <a:buNone/>
+              <a:defRPr sz="1600" kern="1200">
+                <a:solidFill>
+                  <a:schemeClr val="tx1"/>
+                </a:solidFill>
+                <a:latin typeface="+mn-lt"/>
+                <a:ea typeface="+mn-ea"/>
+                <a:cs typeface="+mn-cs"/>
+              </a:defRPr>
+            </a:lvl1pPr>
+            <a:lvl2pPr marL="685800" indent="-228600" algn="l" defTabSz="914400" rtl="0" eaLnBrk="1" latinLnBrk="1" hangingPunct="1">
+              <a:lnSpc>
+                <a:spcPct val="90000"/>
+              </a:lnSpc>
+              <a:spcBef>
+                <a:spcPts val="500"/>
+              </a:spcBef>
+              <a:buFont typeface="Arial" panose="020B0604020202020204" pitchFamily="34" charset="0"/>
+              <a:buChar char="•"/>
+              <a:defRPr sz="2400" kern="1200">
+                <a:solidFill>
+                  <a:schemeClr val="tx1"/>
+                </a:solidFill>
+                <a:latin typeface="+mn-lt"/>
+                <a:ea typeface="+mn-ea"/>
+                <a:cs typeface="+mn-cs"/>
+              </a:defRPr>
+            </a:lvl2pPr>
+            <a:lvl3pPr marL="1143000" indent="-228600" algn="l" defTabSz="914400" rtl="0" eaLnBrk="1" latinLnBrk="1" hangingPunct="1">
+              <a:lnSpc>
+                <a:spcPct val="90000"/>
+              </a:lnSpc>
+              <a:spcBef>
+                <a:spcPts val="500"/>
+              </a:spcBef>
+              <a:buFont typeface="Arial" panose="020B0604020202020204" pitchFamily="34" charset="0"/>
+              <a:buChar char="•"/>
+              <a:defRPr sz="2000" kern="1200">
+                <a:solidFill>
+                  <a:schemeClr val="tx1"/>
+                </a:solidFill>
+                <a:latin typeface="+mn-lt"/>
+                <a:ea typeface="+mn-ea"/>
+                <a:cs typeface="+mn-cs"/>
+              </a:defRPr>
+            </a:lvl3pPr>
+            <a:lvl4pPr marL="1600200" indent="-228600" algn="l" defTabSz="914400" rtl="0" eaLnBrk="1" latinLnBrk="1" hangingPunct="1">
+              <a:lnSpc>
+                <a:spcPct val="90000"/>
+              </a:lnSpc>
+              <a:spcBef>
+                <a:spcPts val="500"/>
+              </a:spcBef>
+              <a:buFont typeface="Arial" panose="020B0604020202020204" pitchFamily="34" charset="0"/>
+              <a:buChar char="•"/>
+              <a:defRPr sz="1800" kern="1200">
+                <a:solidFill>
+                  <a:schemeClr val="tx1"/>
+                </a:solidFill>
+                <a:latin typeface="+mn-lt"/>
+                <a:ea typeface="+mn-ea"/>
+                <a:cs typeface="+mn-cs"/>
+              </a:defRPr>
+            </a:lvl4pPr>
+            <a:lvl5pPr marL="2057400" indent="-228600" algn="l" defTabSz="914400" rtl="0" eaLnBrk="1" latinLnBrk="1" hangingPunct="1">
+              <a:lnSpc>
+                <a:spcPct val="90000"/>
+              </a:lnSpc>
+              <a:spcBef>
+                <a:spcPts val="500"/>
+              </a:spcBef>
+              <a:buFont typeface="Arial" panose="020B0604020202020204" pitchFamily="34" charset="0"/>
+              <a:buChar char="•"/>
+              <a:defRPr sz="1800" kern="1200">
+                <a:solidFill>
+                  <a:schemeClr val="tx1"/>
+                </a:solidFill>
+                <a:latin typeface="+mn-lt"/>
+                <a:ea typeface="+mn-ea"/>
+                <a:cs typeface="+mn-cs"/>
+              </a:defRPr>
+            </a:lvl5pPr>
+            <a:lvl6pPr marL="2514600" indent="-228600" algn="l" defTabSz="914400" rtl="0" eaLnBrk="1" latinLnBrk="1" hangingPunct="1">
+              <a:lnSpc>
+                <a:spcPct val="90000"/>
+              </a:lnSpc>
+              <a:spcBef>
+                <a:spcPts val="500"/>
+              </a:spcBef>
+              <a:buFont typeface="Arial" panose="020B0604020202020204" pitchFamily="34" charset="0"/>
+              <a:buChar char="•"/>
+              <a:defRPr sz="1800" kern="1200">
+                <a:solidFill>
+                  <a:schemeClr val="tx1"/>
+                </a:solidFill>
+                <a:latin typeface="+mn-lt"/>
+                <a:ea typeface="+mn-ea"/>
+                <a:cs typeface="+mn-cs"/>
+              </a:defRPr>
+            </a:lvl6pPr>
+            <a:lvl7pPr marL="2971800" indent="-228600" algn="l" defTabSz="914400" rtl="0" eaLnBrk="1" latinLnBrk="1" hangingPunct="1">
+              <a:lnSpc>
+                <a:spcPct val="90000"/>
+              </a:lnSpc>
+              <a:spcBef>
+                <a:spcPts val="500"/>
+              </a:spcBef>
+              <a:buFont typeface="Arial" panose="020B0604020202020204" pitchFamily="34" charset="0"/>
+              <a:buChar char="•"/>
+              <a:defRPr sz="1800" kern="1200">
+                <a:solidFill>
+                  <a:schemeClr val="tx1"/>
+                </a:solidFill>
+                <a:latin typeface="+mn-lt"/>
+                <a:ea typeface="+mn-ea"/>
+                <a:cs typeface="+mn-cs"/>
+              </a:defRPr>
+            </a:lvl7pPr>
+            <a:lvl8pPr marL="3429000" indent="-228600" algn="l" defTabSz="914400" rtl="0" eaLnBrk="1" latinLnBrk="1" hangingPunct="1">
+              <a:lnSpc>
+                <a:spcPct val="90000"/>
+              </a:lnSpc>
+              <a:spcBef>
+                <a:spcPts val="500"/>
+              </a:spcBef>
+              <a:buFont typeface="Arial" panose="020B0604020202020204" pitchFamily="34" charset="0"/>
+              <a:buChar char="•"/>
+              <a:defRPr sz="1800" kern="1200">
+                <a:solidFill>
+                  <a:schemeClr val="tx1"/>
+                </a:solidFill>
+                <a:latin typeface="+mn-lt"/>
+                <a:ea typeface="+mn-ea"/>
+                <a:cs typeface="+mn-cs"/>
+              </a:defRPr>
+            </a:lvl8pPr>
+            <a:lvl9pPr marL="3886200" indent="-228600" algn="l" defTabSz="914400" rtl="0" eaLnBrk="1" latinLnBrk="1" hangingPunct="1">
+              <a:lnSpc>
+                <a:spcPct val="90000"/>
+              </a:lnSpc>
+              <a:spcBef>
+                <a:spcPts val="500"/>
+              </a:spcBef>
+              <a:buFont typeface="Arial" panose="020B0604020202020204" pitchFamily="34" charset="0"/>
+              <a:buChar char="•"/>
+              <a:defRPr sz="1800" kern="1200">
+                <a:solidFill>
+                  <a:schemeClr val="tx1"/>
+                </a:solidFill>
+                <a:latin typeface="+mn-lt"/>
+                <a:ea typeface="+mn-ea"/>
+                <a:cs typeface="+mn-cs"/>
+              </a:defRPr>
+            </a:lvl9pPr>
+          </a:lstStyle>
+          <a:p>
+            <a:r>
+              <a:rPr lang="ko-KR" altLang="en-US" b="1"/>
+              <a:t>로그인 </a:t>
+            </a:r>
+            <a:r>
+              <a:rPr lang="en-US" altLang="ko-KR" b="1"/>
+              <a:t>UI</a:t>
+            </a:r>
+            <a:endParaRPr lang="ko-KR" altLang="en-US" b="1" dirty="0"/>
           </a:p>
         </p:txBody>
       </p:sp>
@@ -10092,7 +9741,7 @@
 </p:sld>
 </file>
 
-<file path=ppt/slides/slide6.xml><?xml version="1.0" encoding="utf-8"?>
+<file path=ppt/slides/slide5.xml><?xml version="1.0" encoding="utf-8"?>
 <p:sld xmlns:a="http://schemas.openxmlformats.org/drawingml/2006/main" xmlns:r="http://schemas.openxmlformats.org/officeDocument/2006/relationships" xmlns:p="http://schemas.openxmlformats.org/presentationml/2006/main">
   <p:cSld>
     <p:spTree>
@@ -10123,7 +9772,7 @@
         </p:nvSpPr>
         <p:spPr>
           <a:xfrm>
-            <a:off x="2991679" y="853595"/>
+            <a:off x="4493909" y="853595"/>
             <a:ext cx="1446767" cy="609269"/>
           </a:xfrm>
           <a:prstGeom prst="roundRect">
@@ -11362,7 +11011,7 @@
         </p:nvSpPr>
         <p:spPr>
           <a:xfrm>
-            <a:off x="216818" y="1062755"/>
+            <a:off x="1709723" y="1062755"/>
             <a:ext cx="1055097" cy="400110"/>
           </a:xfrm>
           <a:prstGeom prst="rect">
@@ -11402,7 +11051,7 @@
         </p:nvSpPr>
         <p:spPr>
           <a:xfrm>
-            <a:off x="1594309" y="1062755"/>
+            <a:off x="3087214" y="1062755"/>
             <a:ext cx="1668545" cy="400110"/>
           </a:xfrm>
           <a:prstGeom prst="rect">
@@ -11438,7 +11087,7 @@
         </p:nvSpPr>
         <p:spPr>
           <a:xfrm>
-            <a:off x="3062204" y="1062755"/>
+            <a:off x="4555109" y="1062755"/>
             <a:ext cx="1401346" cy="400110"/>
           </a:xfrm>
           <a:prstGeom prst="rect">
@@ -11461,6 +11110,210 @@
               <a:t>UI</a:t>
             </a:r>
             <a:endParaRPr lang="ko-KR" altLang="en-US" sz="1600" b="1" dirty="0"/>
+          </a:p>
+        </p:txBody>
+      </p:sp>
+      <p:sp>
+        <p:nvSpPr>
+          <p:cNvPr id="34" name="텍스트 개체 틀 4">
+            <a:extLst>
+              <a:ext uri="{FF2B5EF4-FFF2-40B4-BE49-F238E27FC236}">
+                <a16:creationId xmlns:a16="http://schemas.microsoft.com/office/drawing/2014/main" id="{5F82F6F8-5608-48A6-BC9D-994DD40AB78F}"/>
+              </a:ext>
+            </a:extLst>
+          </p:cNvPr>
+          <p:cNvSpPr txBox="1">
+            <a:spLocks/>
+          </p:cNvSpPr>
+          <p:nvPr/>
+        </p:nvSpPr>
+        <p:spPr>
+          <a:xfrm>
+            <a:off x="137363" y="1112508"/>
+            <a:ext cx="1256180" cy="312826"/>
+          </a:xfrm>
+          <a:prstGeom prst="rect">
+            <a:avLst/>
+          </a:prstGeom>
+        </p:spPr>
+        <p:txBody>
+          <a:bodyPr vert="horz" lIns="91440" tIns="45720" rIns="91440" bIns="45720" rtlCol="0">
+            <a:normAutofit/>
+          </a:bodyPr>
+          <a:lstStyle>
+            <a:lvl1pPr marL="0" indent="0" algn="ctr" defTabSz="914400" rtl="0" eaLnBrk="1" latinLnBrk="1" hangingPunct="1">
+              <a:lnSpc>
+                <a:spcPct val="90000"/>
+              </a:lnSpc>
+              <a:spcBef>
+                <a:spcPts val="1000"/>
+              </a:spcBef>
+              <a:buFont typeface="Arial" panose="020B0604020202020204" pitchFamily="34" charset="0"/>
+              <a:buNone/>
+              <a:defRPr sz="1600" kern="1200">
+                <a:solidFill>
+                  <a:schemeClr val="tx1"/>
+                </a:solidFill>
+                <a:latin typeface="+mn-lt"/>
+                <a:ea typeface="+mn-ea"/>
+                <a:cs typeface="+mn-cs"/>
+              </a:defRPr>
+            </a:lvl1pPr>
+            <a:lvl2pPr marL="685800" indent="-228600" algn="l" defTabSz="914400" rtl="0" eaLnBrk="1" latinLnBrk="1" hangingPunct="1">
+              <a:lnSpc>
+                <a:spcPct val="90000"/>
+              </a:lnSpc>
+              <a:spcBef>
+                <a:spcPts val="500"/>
+              </a:spcBef>
+              <a:buFont typeface="Arial" panose="020B0604020202020204" pitchFamily="34" charset="0"/>
+              <a:buChar char="•"/>
+              <a:defRPr sz="2400" kern="1200">
+                <a:solidFill>
+                  <a:schemeClr val="tx1"/>
+                </a:solidFill>
+                <a:latin typeface="+mn-lt"/>
+                <a:ea typeface="+mn-ea"/>
+                <a:cs typeface="+mn-cs"/>
+              </a:defRPr>
+            </a:lvl2pPr>
+            <a:lvl3pPr marL="1143000" indent="-228600" algn="l" defTabSz="914400" rtl="0" eaLnBrk="1" latinLnBrk="1" hangingPunct="1">
+              <a:lnSpc>
+                <a:spcPct val="90000"/>
+              </a:lnSpc>
+              <a:spcBef>
+                <a:spcPts val="500"/>
+              </a:spcBef>
+              <a:buFont typeface="Arial" panose="020B0604020202020204" pitchFamily="34" charset="0"/>
+              <a:buChar char="•"/>
+              <a:defRPr sz="2000" kern="1200">
+                <a:solidFill>
+                  <a:schemeClr val="tx1"/>
+                </a:solidFill>
+                <a:latin typeface="+mn-lt"/>
+                <a:ea typeface="+mn-ea"/>
+                <a:cs typeface="+mn-cs"/>
+              </a:defRPr>
+            </a:lvl3pPr>
+            <a:lvl4pPr marL="1600200" indent="-228600" algn="l" defTabSz="914400" rtl="0" eaLnBrk="1" latinLnBrk="1" hangingPunct="1">
+              <a:lnSpc>
+                <a:spcPct val="90000"/>
+              </a:lnSpc>
+              <a:spcBef>
+                <a:spcPts val="500"/>
+              </a:spcBef>
+              <a:buFont typeface="Arial" panose="020B0604020202020204" pitchFamily="34" charset="0"/>
+              <a:buChar char="•"/>
+              <a:defRPr sz="1800" kern="1200">
+                <a:solidFill>
+                  <a:schemeClr val="tx1"/>
+                </a:solidFill>
+                <a:latin typeface="+mn-lt"/>
+                <a:ea typeface="+mn-ea"/>
+                <a:cs typeface="+mn-cs"/>
+              </a:defRPr>
+            </a:lvl4pPr>
+            <a:lvl5pPr marL="2057400" indent="-228600" algn="l" defTabSz="914400" rtl="0" eaLnBrk="1" latinLnBrk="1" hangingPunct="1">
+              <a:lnSpc>
+                <a:spcPct val="90000"/>
+              </a:lnSpc>
+              <a:spcBef>
+                <a:spcPts val="500"/>
+              </a:spcBef>
+              <a:buFont typeface="Arial" panose="020B0604020202020204" pitchFamily="34" charset="0"/>
+              <a:buChar char="•"/>
+              <a:defRPr sz="1800" kern="1200">
+                <a:solidFill>
+                  <a:schemeClr val="tx1"/>
+                </a:solidFill>
+                <a:latin typeface="+mn-lt"/>
+                <a:ea typeface="+mn-ea"/>
+                <a:cs typeface="+mn-cs"/>
+              </a:defRPr>
+            </a:lvl5pPr>
+            <a:lvl6pPr marL="2514600" indent="-228600" algn="l" defTabSz="914400" rtl="0" eaLnBrk="1" latinLnBrk="1" hangingPunct="1">
+              <a:lnSpc>
+                <a:spcPct val="90000"/>
+              </a:lnSpc>
+              <a:spcBef>
+                <a:spcPts val="500"/>
+              </a:spcBef>
+              <a:buFont typeface="Arial" panose="020B0604020202020204" pitchFamily="34" charset="0"/>
+              <a:buChar char="•"/>
+              <a:defRPr sz="1800" kern="1200">
+                <a:solidFill>
+                  <a:schemeClr val="tx1"/>
+                </a:solidFill>
+                <a:latin typeface="+mn-lt"/>
+                <a:ea typeface="+mn-ea"/>
+                <a:cs typeface="+mn-cs"/>
+              </a:defRPr>
+            </a:lvl6pPr>
+            <a:lvl7pPr marL="2971800" indent="-228600" algn="l" defTabSz="914400" rtl="0" eaLnBrk="1" latinLnBrk="1" hangingPunct="1">
+              <a:lnSpc>
+                <a:spcPct val="90000"/>
+              </a:lnSpc>
+              <a:spcBef>
+                <a:spcPts val="500"/>
+              </a:spcBef>
+              <a:buFont typeface="Arial" panose="020B0604020202020204" pitchFamily="34" charset="0"/>
+              <a:buChar char="•"/>
+              <a:defRPr sz="1800" kern="1200">
+                <a:solidFill>
+                  <a:schemeClr val="tx1"/>
+                </a:solidFill>
+                <a:latin typeface="+mn-lt"/>
+                <a:ea typeface="+mn-ea"/>
+                <a:cs typeface="+mn-cs"/>
+              </a:defRPr>
+            </a:lvl7pPr>
+            <a:lvl8pPr marL="3429000" indent="-228600" algn="l" defTabSz="914400" rtl="0" eaLnBrk="1" latinLnBrk="1" hangingPunct="1">
+              <a:lnSpc>
+                <a:spcPct val="90000"/>
+              </a:lnSpc>
+              <a:spcBef>
+                <a:spcPts val="500"/>
+              </a:spcBef>
+              <a:buFont typeface="Arial" panose="020B0604020202020204" pitchFamily="34" charset="0"/>
+              <a:buChar char="•"/>
+              <a:defRPr sz="1800" kern="1200">
+                <a:solidFill>
+                  <a:schemeClr val="tx1"/>
+                </a:solidFill>
+                <a:latin typeface="+mn-lt"/>
+                <a:ea typeface="+mn-ea"/>
+                <a:cs typeface="+mn-cs"/>
+              </a:defRPr>
+            </a:lvl8pPr>
+            <a:lvl9pPr marL="3886200" indent="-228600" algn="l" defTabSz="914400" rtl="0" eaLnBrk="1" latinLnBrk="1" hangingPunct="1">
+              <a:lnSpc>
+                <a:spcPct val="90000"/>
+              </a:lnSpc>
+              <a:spcBef>
+                <a:spcPts val="500"/>
+              </a:spcBef>
+              <a:buFont typeface="Arial" panose="020B0604020202020204" pitchFamily="34" charset="0"/>
+              <a:buChar char="•"/>
+              <a:defRPr sz="1800" kern="1200">
+                <a:solidFill>
+                  <a:schemeClr val="tx1"/>
+                </a:solidFill>
+                <a:latin typeface="+mn-lt"/>
+                <a:ea typeface="+mn-ea"/>
+                <a:cs typeface="+mn-cs"/>
+              </a:defRPr>
+            </a:lvl9pPr>
+          </a:lstStyle>
+          <a:p>
+            <a:r>
+              <a:rPr lang="ko-KR" altLang="en-US" b="1"/>
+              <a:t>로그인 </a:t>
+            </a:r>
+            <a:r>
+              <a:rPr lang="en-US" altLang="ko-KR" b="1"/>
+              <a:t>UI</a:t>
+            </a:r>
+            <a:endParaRPr lang="ko-KR" altLang="en-US" b="1" dirty="0"/>
           </a:p>
         </p:txBody>
       </p:sp>

--- a/Document/UI/서버 UI.pptx
+++ b/Document/UI/서버 UI.pptx
@@ -5,7 +5,7 @@
     <p:sldMasterId id="2147483648" r:id="rId1"/>
   </p:sldMasterIdLst>
   <p:notesMasterIdLst>
-    <p:notesMasterId r:id="rId7"/>
+    <p:notesMasterId r:id="rId8"/>
   </p:notesMasterIdLst>
   <p:sldIdLst>
     <p:sldId id="256" r:id="rId2"/>
@@ -13,6 +13,7 @@
     <p:sldId id="288" r:id="rId4"/>
     <p:sldId id="287" r:id="rId5"/>
     <p:sldId id="289" r:id="rId6"/>
+    <p:sldId id="292" r:id="rId7"/>
   </p:sldIdLst>
   <p:sldSz cx="12192000" cy="6858000"/>
   <p:notesSz cx="6858000" cy="9144000"/>
@@ -201,7 +202,7 @@
           <a:p>
             <a:fld id="{F3C8B89E-453D-4031-9656-BEBD73A2F004}" type="datetimeFigureOut">
               <a:rPr lang="ko-KR" altLang="en-US" smtClean="0"/>
-              <a:t>2022-03-08(Tue)</a:t>
+              <a:t>2022-03-16(Wed)</a:t>
             </a:fld>
             <a:endParaRPr lang="ko-KR" altLang="en-US"/>
           </a:p>
@@ -867,7 +868,7 @@
           <a:p>
             <a:fld id="{2FE236A7-34C6-4DA0-B8E0-A937449C5C10}" type="datetimeFigureOut">
               <a:rPr lang="ko-KR" altLang="en-US" smtClean="0"/>
-              <a:t>2022-03-08(Tue)</a:t>
+              <a:t>2022-03-16(Wed)</a:t>
             </a:fld>
             <a:endParaRPr lang="ko-KR" altLang="en-US"/>
           </a:p>
@@ -1065,7 +1066,7 @@
           <a:p>
             <a:fld id="{2FE236A7-34C6-4DA0-B8E0-A937449C5C10}" type="datetimeFigureOut">
               <a:rPr lang="ko-KR" altLang="en-US" smtClean="0"/>
-              <a:t>2022-03-08(Tue)</a:t>
+              <a:t>2022-03-16(Wed)</a:t>
             </a:fld>
             <a:endParaRPr lang="ko-KR" altLang="en-US"/>
           </a:p>
@@ -1273,7 +1274,7 @@
           <a:p>
             <a:fld id="{2FE236A7-34C6-4DA0-B8E0-A937449C5C10}" type="datetimeFigureOut">
               <a:rPr lang="ko-KR" altLang="en-US" smtClean="0"/>
-              <a:t>2022-03-08(Tue)</a:t>
+              <a:t>2022-03-16(Wed)</a:t>
             </a:fld>
             <a:endParaRPr lang="ko-KR" altLang="en-US"/>
           </a:p>
@@ -2099,7 +2100,7 @@
           <a:p>
             <a:fld id="{2FE236A7-34C6-4DA0-B8E0-A937449C5C10}" type="datetimeFigureOut">
               <a:rPr lang="ko-KR" altLang="en-US" smtClean="0"/>
-              <a:t>2022-03-08(Tue)</a:t>
+              <a:t>2022-03-16(Wed)</a:t>
             </a:fld>
             <a:endParaRPr lang="ko-KR" altLang="en-US"/>
           </a:p>
@@ -2374,7 +2375,7 @@
           <a:p>
             <a:fld id="{2FE236A7-34C6-4DA0-B8E0-A937449C5C10}" type="datetimeFigureOut">
               <a:rPr lang="ko-KR" altLang="en-US" smtClean="0"/>
-              <a:t>2022-03-08(Tue)</a:t>
+              <a:t>2022-03-16(Wed)</a:t>
             </a:fld>
             <a:endParaRPr lang="ko-KR" altLang="en-US"/>
           </a:p>
@@ -2639,7 +2640,7 @@
           <a:p>
             <a:fld id="{2FE236A7-34C6-4DA0-B8E0-A937449C5C10}" type="datetimeFigureOut">
               <a:rPr lang="ko-KR" altLang="en-US" smtClean="0"/>
-              <a:t>2022-03-08(Tue)</a:t>
+              <a:t>2022-03-16(Wed)</a:t>
             </a:fld>
             <a:endParaRPr lang="ko-KR" altLang="en-US"/>
           </a:p>
@@ -3051,7 +3052,7 @@
           <a:p>
             <a:fld id="{2FE236A7-34C6-4DA0-B8E0-A937449C5C10}" type="datetimeFigureOut">
               <a:rPr lang="ko-KR" altLang="en-US" smtClean="0"/>
-              <a:t>2022-03-08(Tue)</a:t>
+              <a:t>2022-03-16(Wed)</a:t>
             </a:fld>
             <a:endParaRPr lang="ko-KR" altLang="en-US"/>
           </a:p>
@@ -3192,7 +3193,7 @@
           <a:p>
             <a:fld id="{2FE236A7-34C6-4DA0-B8E0-A937449C5C10}" type="datetimeFigureOut">
               <a:rPr lang="ko-KR" altLang="en-US" smtClean="0"/>
-              <a:t>2022-03-08(Tue)</a:t>
+              <a:t>2022-03-16(Wed)</a:t>
             </a:fld>
             <a:endParaRPr lang="ko-KR" altLang="en-US"/>
           </a:p>
@@ -3305,7 +3306,7 @@
           <a:p>
             <a:fld id="{2FE236A7-34C6-4DA0-B8E0-A937449C5C10}" type="datetimeFigureOut">
               <a:rPr lang="ko-KR" altLang="en-US" smtClean="0"/>
-              <a:t>2022-03-08(Tue)</a:t>
+              <a:t>2022-03-16(Wed)</a:t>
             </a:fld>
             <a:endParaRPr lang="ko-KR" altLang="en-US"/>
           </a:p>
@@ -3616,7 +3617,7 @@
           <a:p>
             <a:fld id="{2FE236A7-34C6-4DA0-B8E0-A937449C5C10}" type="datetimeFigureOut">
               <a:rPr lang="ko-KR" altLang="en-US" smtClean="0"/>
-              <a:t>2022-03-08(Tue)</a:t>
+              <a:t>2022-03-16(Wed)</a:t>
             </a:fld>
             <a:endParaRPr lang="ko-KR" altLang="en-US"/>
           </a:p>
@@ -3904,7 +3905,7 @@
           <a:p>
             <a:fld id="{2FE236A7-34C6-4DA0-B8E0-A937449C5C10}" type="datetimeFigureOut">
               <a:rPr lang="ko-KR" altLang="en-US" smtClean="0"/>
-              <a:t>2022-03-08(Tue)</a:t>
+              <a:t>2022-03-16(Wed)</a:t>
             </a:fld>
             <a:endParaRPr lang="ko-KR" altLang="en-US"/>
           </a:p>
@@ -4145,7 +4146,7 @@
           <a:p>
             <a:fld id="{2FE236A7-34C6-4DA0-B8E0-A937449C5C10}" type="datetimeFigureOut">
               <a:rPr lang="ko-KR" altLang="en-US" smtClean="0"/>
-              <a:t>2022-03-08(Tue)</a:t>
+              <a:t>2022-03-16(Wed)</a:t>
             </a:fld>
             <a:endParaRPr lang="ko-KR" altLang="en-US"/>
           </a:p>
@@ -4778,39 +4779,6 @@
       </p:sp>
       <p:sp>
         <p:nvSpPr>
-          <p:cNvPr id="5" name="텍스트 개체 틀 4">
-            <a:extLst>
-              <a:ext uri="{FF2B5EF4-FFF2-40B4-BE49-F238E27FC236}">
-                <a16:creationId xmlns:a16="http://schemas.microsoft.com/office/drawing/2014/main" id="{B6B8DB2B-B138-41FB-9D04-25E33B634E84}"/>
-              </a:ext>
-            </a:extLst>
-          </p:cNvPr>
-          <p:cNvSpPr>
-            <a:spLocks noGrp="1"/>
-          </p:cNvSpPr>
-          <p:nvPr>
-            <p:ph type="body" sz="quarter" idx="14"/>
-          </p:nvPr>
-        </p:nvSpPr>
-        <p:spPr/>
-        <p:txBody>
-          <a:bodyPr/>
-          <a:lstStyle/>
-          <a:p>
-            <a:r>
-              <a:rPr lang="ko-KR" altLang="en-US" b="1" dirty="0"/>
-              <a:t>로그인 </a:t>
-            </a:r>
-            <a:r>
-              <a:rPr lang="en-US" altLang="ko-KR" b="1" dirty="0"/>
-              <a:t>UI</a:t>
-            </a:r>
-            <a:endParaRPr lang="ko-KR" altLang="en-US" b="1" dirty="0"/>
-          </a:p>
-        </p:txBody>
-      </p:sp>
-      <p:sp>
-        <p:nvSpPr>
           <p:cNvPr id="8" name="사각형: 둥근 모서리 7">
             <a:extLst>
               <a:ext uri="{FF2B5EF4-FFF2-40B4-BE49-F238E27FC236}">
@@ -4972,10 +4940,10 @@
       </p:sp>
       <p:sp>
         <p:nvSpPr>
-          <p:cNvPr id="12" name="TextBox 11">
-            <a:extLst>
-              <a:ext uri="{FF2B5EF4-FFF2-40B4-BE49-F238E27FC236}">
-                <a16:creationId xmlns:a16="http://schemas.microsoft.com/office/drawing/2014/main" id="{39DD8A18-F6A2-47B3-8F43-DECE893C701F}"/>
+          <p:cNvPr id="20" name="TextBox 19">
+            <a:extLst>
+              <a:ext uri="{FF2B5EF4-FFF2-40B4-BE49-F238E27FC236}">
+                <a16:creationId xmlns:a16="http://schemas.microsoft.com/office/drawing/2014/main" id="{08BA6D45-DB7B-46E1-9B18-9DE0804050BB}"/>
               </a:ext>
             </a:extLst>
           </p:cNvPr>
@@ -4984,8 +4952,8 @@
         </p:nvSpPr>
         <p:spPr>
           <a:xfrm>
-            <a:off x="1709721" y="1062755"/>
-            <a:ext cx="1055097" cy="400110"/>
+            <a:off x="11508508" y="6289963"/>
+            <a:ext cx="311304" cy="369332"/>
           </a:xfrm>
           <a:prstGeom prst="rect">
             <a:avLst/>
@@ -4999,126 +4967,10 @@
           <a:lstStyle/>
           <a:p>
             <a:r>
-              <a:rPr lang="ko-KR" altLang="en-US" sz="2000" b="1" dirty="0"/>
-              <a:t>시작</a:t>
-            </a:r>
-            <a:r>
-              <a:rPr lang="en-US" altLang="ko-KR" sz="2000" b="1" dirty="0"/>
-              <a:t> UI</a:t>
-            </a:r>
-            <a:endParaRPr lang="ko-KR" altLang="en-US" sz="1600" b="1" dirty="0"/>
-          </a:p>
-        </p:txBody>
-      </p:sp>
-      <p:sp>
-        <p:nvSpPr>
-          <p:cNvPr id="20" name="TextBox 19">
-            <a:extLst>
-              <a:ext uri="{FF2B5EF4-FFF2-40B4-BE49-F238E27FC236}">
-                <a16:creationId xmlns:a16="http://schemas.microsoft.com/office/drawing/2014/main" id="{08BA6D45-DB7B-46E1-9B18-9DE0804050BB}"/>
-              </a:ext>
-            </a:extLst>
-          </p:cNvPr>
-          <p:cNvSpPr txBox="1"/>
-          <p:nvPr/>
-        </p:nvSpPr>
-        <p:spPr>
-          <a:xfrm>
-            <a:off x="11508508" y="6289963"/>
-            <a:ext cx="311304" cy="369332"/>
-          </a:xfrm>
-          <a:prstGeom prst="rect">
-            <a:avLst/>
-          </a:prstGeom>
-          <a:noFill/>
-        </p:spPr>
-        <p:txBody>
-          <a:bodyPr wrap="none" rtlCol="0">
-            <a:spAutoFit/>
-          </a:bodyPr>
-          <a:lstStyle/>
-          <a:p>
-            <a:r>
               <a:rPr lang="en-US" altLang="ko-KR" dirty="0"/>
               <a:t>1</a:t>
             </a:r>
             <a:endParaRPr lang="ko-KR" altLang="en-US" dirty="0"/>
-          </a:p>
-        </p:txBody>
-      </p:sp>
-      <p:sp>
-        <p:nvSpPr>
-          <p:cNvPr id="21" name="TextBox 20">
-            <a:extLst>
-              <a:ext uri="{FF2B5EF4-FFF2-40B4-BE49-F238E27FC236}">
-                <a16:creationId xmlns:a16="http://schemas.microsoft.com/office/drawing/2014/main" id="{3A0E7541-0A2B-485E-BE9E-33C8FB2B3ADB}"/>
-              </a:ext>
-            </a:extLst>
-          </p:cNvPr>
-          <p:cNvSpPr txBox="1"/>
-          <p:nvPr/>
-        </p:nvSpPr>
-        <p:spPr>
-          <a:xfrm>
-            <a:off x="3112782" y="1060172"/>
-            <a:ext cx="1371275" cy="400110"/>
-          </a:xfrm>
-          <a:prstGeom prst="rect">
-            <a:avLst/>
-          </a:prstGeom>
-          <a:noFill/>
-        </p:spPr>
-        <p:txBody>
-          <a:bodyPr wrap="square" rtlCol="0">
-            <a:spAutoFit/>
-          </a:bodyPr>
-          <a:lstStyle/>
-          <a:p>
-            <a:r>
-              <a:rPr lang="ko-KR" altLang="en-US" sz="2000" b="1" dirty="0"/>
-              <a:t>방 만들기</a:t>
-            </a:r>
-            <a:endParaRPr lang="ko-KR" altLang="en-US" sz="1600" b="1" dirty="0"/>
-          </a:p>
-        </p:txBody>
-      </p:sp>
-      <p:sp>
-        <p:nvSpPr>
-          <p:cNvPr id="22" name="TextBox 21">
-            <a:extLst>
-              <a:ext uri="{FF2B5EF4-FFF2-40B4-BE49-F238E27FC236}">
-                <a16:creationId xmlns:a16="http://schemas.microsoft.com/office/drawing/2014/main" id="{080082FC-AEAD-4A3D-B7C0-6414FA842AB6}"/>
-              </a:ext>
-            </a:extLst>
-          </p:cNvPr>
-          <p:cNvSpPr txBox="1"/>
-          <p:nvPr/>
-        </p:nvSpPr>
-        <p:spPr>
-          <a:xfrm>
-            <a:off x="4484057" y="1062755"/>
-            <a:ext cx="1401346" cy="400110"/>
-          </a:xfrm>
-          <a:prstGeom prst="rect">
-            <a:avLst/>
-          </a:prstGeom>
-          <a:noFill/>
-        </p:spPr>
-        <p:txBody>
-          <a:bodyPr wrap="none" rtlCol="0">
-            <a:spAutoFit/>
-          </a:bodyPr>
-          <a:lstStyle/>
-          <a:p>
-            <a:r>
-              <a:rPr lang="ko-KR" altLang="en-US" sz="2000" b="1" dirty="0"/>
-              <a:t>방 설정 </a:t>
-            </a:r>
-            <a:r>
-              <a:rPr lang="en-US" altLang="ko-KR" sz="2000" b="1" dirty="0"/>
-              <a:t>UI</a:t>
-            </a:r>
-            <a:endParaRPr lang="ko-KR" altLang="en-US" sz="1600" b="1" dirty="0"/>
           </a:p>
         </p:txBody>
       </p:sp>
@@ -5334,6 +5186,413 @@
               <a:t>확인</a:t>
             </a:r>
             <a:endParaRPr lang="ko-KR" altLang="en-US" dirty="0"/>
+          </a:p>
+        </p:txBody>
+      </p:sp>
+      <p:cxnSp>
+        <p:nvCxnSpPr>
+          <p:cNvPr id="33" name="직선 연결선 32">
+            <a:extLst>
+              <a:ext uri="{FF2B5EF4-FFF2-40B4-BE49-F238E27FC236}">
+                <a16:creationId xmlns:a16="http://schemas.microsoft.com/office/drawing/2014/main" id="{8445A7C1-394C-4416-A750-1BB3FA87F97D}"/>
+              </a:ext>
+            </a:extLst>
+          </p:cNvPr>
+          <p:cNvCxnSpPr>
+            <a:cxnSpLocks/>
+          </p:cNvCxnSpPr>
+          <p:nvPr/>
+        </p:nvCxnSpPr>
+        <p:spPr>
+          <a:xfrm>
+            <a:off x="7837711" y="985217"/>
+            <a:ext cx="0" cy="457201"/>
+          </a:xfrm>
+          <a:prstGeom prst="line">
+            <a:avLst/>
+          </a:prstGeom>
+          <a:ln w="28575">
+            <a:solidFill>
+              <a:schemeClr val="tx1"/>
+            </a:solidFill>
+          </a:ln>
+        </p:spPr>
+        <p:style>
+          <a:lnRef idx="1">
+            <a:schemeClr val="accent1"/>
+          </a:lnRef>
+          <a:fillRef idx="0">
+            <a:schemeClr val="accent1"/>
+          </a:fillRef>
+          <a:effectRef idx="0">
+            <a:schemeClr val="accent1"/>
+          </a:effectRef>
+          <a:fontRef idx="minor">
+            <a:schemeClr val="tx1"/>
+          </a:fontRef>
+        </p:style>
+      </p:cxnSp>
+      <p:sp>
+        <p:nvSpPr>
+          <p:cNvPr id="34" name="TextBox 33">
+            <a:extLst>
+              <a:ext uri="{FF2B5EF4-FFF2-40B4-BE49-F238E27FC236}">
+                <a16:creationId xmlns:a16="http://schemas.microsoft.com/office/drawing/2014/main" id="{D8FB16A1-B2CD-404C-9601-C369F704C246}"/>
+              </a:ext>
+            </a:extLst>
+          </p:cNvPr>
+          <p:cNvSpPr txBox="1"/>
+          <p:nvPr/>
+        </p:nvSpPr>
+        <p:spPr>
+          <a:xfrm>
+            <a:off x="5943600" y="1042308"/>
+            <a:ext cx="2034073" cy="400110"/>
+          </a:xfrm>
+          <a:prstGeom prst="rect">
+            <a:avLst/>
+          </a:prstGeom>
+          <a:noFill/>
+        </p:spPr>
+        <p:txBody>
+          <a:bodyPr wrap="square">
+            <a:spAutoFit/>
+          </a:bodyPr>
+          <a:lstStyle/>
+          <a:p>
+            <a:r>
+              <a:rPr lang="ko-KR" altLang="en-US" sz="2000" b="1" dirty="0"/>
+              <a:t>서버 </a:t>
+            </a:r>
+            <a:r>
+              <a:rPr lang="en-US" altLang="ko-KR" sz="2000" b="1" dirty="0"/>
+              <a:t>UI</a:t>
+            </a:r>
+            <a:r>
+              <a:rPr lang="ko-KR" altLang="en-US" sz="2000" b="1" dirty="0"/>
+              <a:t> 순서도</a:t>
+            </a:r>
+            <a:endParaRPr lang="ko-KR" altLang="en-US" sz="2000" dirty="0"/>
+          </a:p>
+        </p:txBody>
+      </p:sp>
+      <p:sp>
+        <p:nvSpPr>
+          <p:cNvPr id="35" name="TextBox 34">
+            <a:extLst>
+              <a:ext uri="{FF2B5EF4-FFF2-40B4-BE49-F238E27FC236}">
+                <a16:creationId xmlns:a16="http://schemas.microsoft.com/office/drawing/2014/main" id="{4BB14E00-84B2-40CB-ABC3-471C5307272F}"/>
+              </a:ext>
+            </a:extLst>
+          </p:cNvPr>
+          <p:cNvSpPr txBox="1"/>
+          <p:nvPr/>
+        </p:nvSpPr>
+        <p:spPr>
+          <a:xfrm>
+            <a:off x="1709723" y="1062755"/>
+            <a:ext cx="1055097" cy="400110"/>
+          </a:xfrm>
+          <a:prstGeom prst="rect">
+            <a:avLst/>
+          </a:prstGeom>
+          <a:noFill/>
+        </p:spPr>
+        <p:txBody>
+          <a:bodyPr wrap="none" rtlCol="0">
+            <a:spAutoFit/>
+          </a:bodyPr>
+          <a:lstStyle/>
+          <a:p>
+            <a:r>
+              <a:rPr lang="ko-KR" altLang="en-US" sz="2000" b="1" dirty="0"/>
+              <a:t>시작</a:t>
+            </a:r>
+            <a:r>
+              <a:rPr lang="en-US" altLang="ko-KR" sz="2000" b="1" dirty="0"/>
+              <a:t> UI</a:t>
+            </a:r>
+            <a:endParaRPr lang="ko-KR" altLang="en-US" sz="1600" b="1" dirty="0"/>
+          </a:p>
+        </p:txBody>
+      </p:sp>
+      <p:sp>
+        <p:nvSpPr>
+          <p:cNvPr id="36" name="TextBox 35">
+            <a:extLst>
+              <a:ext uri="{FF2B5EF4-FFF2-40B4-BE49-F238E27FC236}">
+                <a16:creationId xmlns:a16="http://schemas.microsoft.com/office/drawing/2014/main" id="{96C33B1D-F7AC-4193-BE74-1F97283183C5}"/>
+              </a:ext>
+            </a:extLst>
+          </p:cNvPr>
+          <p:cNvSpPr txBox="1"/>
+          <p:nvPr/>
+        </p:nvSpPr>
+        <p:spPr>
+          <a:xfrm>
+            <a:off x="3087214" y="1062755"/>
+            <a:ext cx="1668545" cy="400110"/>
+          </a:xfrm>
+          <a:prstGeom prst="rect">
+            <a:avLst/>
+          </a:prstGeom>
+          <a:noFill/>
+        </p:spPr>
+        <p:txBody>
+          <a:bodyPr wrap="square" rtlCol="0">
+            <a:spAutoFit/>
+          </a:bodyPr>
+          <a:lstStyle/>
+          <a:p>
+            <a:r>
+              <a:rPr lang="ko-KR" altLang="en-US" sz="2000" b="1" dirty="0"/>
+              <a:t>방 만들기</a:t>
+            </a:r>
+            <a:endParaRPr lang="ko-KR" altLang="en-US" sz="1600" b="1" dirty="0"/>
+          </a:p>
+        </p:txBody>
+      </p:sp>
+      <p:sp>
+        <p:nvSpPr>
+          <p:cNvPr id="37" name="TextBox 36">
+            <a:extLst>
+              <a:ext uri="{FF2B5EF4-FFF2-40B4-BE49-F238E27FC236}">
+                <a16:creationId xmlns:a16="http://schemas.microsoft.com/office/drawing/2014/main" id="{7624F101-044D-45B8-9E7F-EF978FFC17A1}"/>
+              </a:ext>
+            </a:extLst>
+          </p:cNvPr>
+          <p:cNvSpPr txBox="1"/>
+          <p:nvPr/>
+        </p:nvSpPr>
+        <p:spPr>
+          <a:xfrm>
+            <a:off x="4555109" y="1062755"/>
+            <a:ext cx="1401346" cy="400110"/>
+          </a:xfrm>
+          <a:prstGeom prst="rect">
+            <a:avLst/>
+          </a:prstGeom>
+          <a:noFill/>
+        </p:spPr>
+        <p:txBody>
+          <a:bodyPr wrap="none" rtlCol="0">
+            <a:spAutoFit/>
+          </a:bodyPr>
+          <a:lstStyle/>
+          <a:p>
+            <a:r>
+              <a:rPr lang="ko-KR" altLang="en-US" sz="2000" b="1" dirty="0"/>
+              <a:t>방 설정 </a:t>
+            </a:r>
+            <a:r>
+              <a:rPr lang="en-US" altLang="ko-KR" sz="2000" b="1" dirty="0"/>
+              <a:t>UI</a:t>
+            </a:r>
+            <a:endParaRPr lang="ko-KR" altLang="en-US" sz="1600" b="1" dirty="0"/>
+          </a:p>
+        </p:txBody>
+      </p:sp>
+      <p:sp>
+        <p:nvSpPr>
+          <p:cNvPr id="38" name="텍스트 개체 틀 4">
+            <a:extLst>
+              <a:ext uri="{FF2B5EF4-FFF2-40B4-BE49-F238E27FC236}">
+                <a16:creationId xmlns:a16="http://schemas.microsoft.com/office/drawing/2014/main" id="{14C6E332-341D-426B-A8C0-63353ABF9044}"/>
+              </a:ext>
+            </a:extLst>
+          </p:cNvPr>
+          <p:cNvSpPr txBox="1">
+            <a:spLocks/>
+          </p:cNvSpPr>
+          <p:nvPr/>
+        </p:nvSpPr>
+        <p:spPr>
+          <a:xfrm>
+            <a:off x="137363" y="1112508"/>
+            <a:ext cx="1256180" cy="312826"/>
+          </a:xfrm>
+          <a:prstGeom prst="rect">
+            <a:avLst/>
+          </a:prstGeom>
+        </p:spPr>
+        <p:txBody>
+          <a:bodyPr vert="horz" lIns="91440" tIns="45720" rIns="91440" bIns="45720" rtlCol="0">
+            <a:normAutofit/>
+          </a:bodyPr>
+          <a:lstStyle>
+            <a:lvl1pPr marL="0" indent="0" algn="ctr" defTabSz="914400" rtl="0" eaLnBrk="1" latinLnBrk="1" hangingPunct="1">
+              <a:lnSpc>
+                <a:spcPct val="90000"/>
+              </a:lnSpc>
+              <a:spcBef>
+                <a:spcPts val="1000"/>
+              </a:spcBef>
+              <a:buFont typeface="Arial" panose="020B0604020202020204" pitchFamily="34" charset="0"/>
+              <a:buNone/>
+              <a:defRPr sz="1600" kern="1200">
+                <a:solidFill>
+                  <a:schemeClr val="tx1"/>
+                </a:solidFill>
+                <a:latin typeface="+mn-lt"/>
+                <a:ea typeface="+mn-ea"/>
+                <a:cs typeface="+mn-cs"/>
+              </a:defRPr>
+            </a:lvl1pPr>
+            <a:lvl2pPr marL="685800" indent="-228600" algn="l" defTabSz="914400" rtl="0" eaLnBrk="1" latinLnBrk="1" hangingPunct="1">
+              <a:lnSpc>
+                <a:spcPct val="90000"/>
+              </a:lnSpc>
+              <a:spcBef>
+                <a:spcPts val="500"/>
+              </a:spcBef>
+              <a:buFont typeface="Arial" panose="020B0604020202020204" pitchFamily="34" charset="0"/>
+              <a:buChar char="•"/>
+              <a:defRPr sz="2400" kern="1200">
+                <a:solidFill>
+                  <a:schemeClr val="tx1"/>
+                </a:solidFill>
+                <a:latin typeface="+mn-lt"/>
+                <a:ea typeface="+mn-ea"/>
+                <a:cs typeface="+mn-cs"/>
+              </a:defRPr>
+            </a:lvl2pPr>
+            <a:lvl3pPr marL="1143000" indent="-228600" algn="l" defTabSz="914400" rtl="0" eaLnBrk="1" latinLnBrk="1" hangingPunct="1">
+              <a:lnSpc>
+                <a:spcPct val="90000"/>
+              </a:lnSpc>
+              <a:spcBef>
+                <a:spcPts val="500"/>
+              </a:spcBef>
+              <a:buFont typeface="Arial" panose="020B0604020202020204" pitchFamily="34" charset="0"/>
+              <a:buChar char="•"/>
+              <a:defRPr sz="2000" kern="1200">
+                <a:solidFill>
+                  <a:schemeClr val="tx1"/>
+                </a:solidFill>
+                <a:latin typeface="+mn-lt"/>
+                <a:ea typeface="+mn-ea"/>
+                <a:cs typeface="+mn-cs"/>
+              </a:defRPr>
+            </a:lvl3pPr>
+            <a:lvl4pPr marL="1600200" indent="-228600" algn="l" defTabSz="914400" rtl="0" eaLnBrk="1" latinLnBrk="1" hangingPunct="1">
+              <a:lnSpc>
+                <a:spcPct val="90000"/>
+              </a:lnSpc>
+              <a:spcBef>
+                <a:spcPts val="500"/>
+              </a:spcBef>
+              <a:buFont typeface="Arial" panose="020B0604020202020204" pitchFamily="34" charset="0"/>
+              <a:buChar char="•"/>
+              <a:defRPr sz="1800" kern="1200">
+                <a:solidFill>
+                  <a:schemeClr val="tx1"/>
+                </a:solidFill>
+                <a:latin typeface="+mn-lt"/>
+                <a:ea typeface="+mn-ea"/>
+                <a:cs typeface="+mn-cs"/>
+              </a:defRPr>
+            </a:lvl4pPr>
+            <a:lvl5pPr marL="2057400" indent="-228600" algn="l" defTabSz="914400" rtl="0" eaLnBrk="1" latinLnBrk="1" hangingPunct="1">
+              <a:lnSpc>
+                <a:spcPct val="90000"/>
+              </a:lnSpc>
+              <a:spcBef>
+                <a:spcPts val="500"/>
+              </a:spcBef>
+              <a:buFont typeface="Arial" panose="020B0604020202020204" pitchFamily="34" charset="0"/>
+              <a:buChar char="•"/>
+              <a:defRPr sz="1800" kern="1200">
+                <a:solidFill>
+                  <a:schemeClr val="tx1"/>
+                </a:solidFill>
+                <a:latin typeface="+mn-lt"/>
+                <a:ea typeface="+mn-ea"/>
+                <a:cs typeface="+mn-cs"/>
+              </a:defRPr>
+            </a:lvl5pPr>
+            <a:lvl6pPr marL="2514600" indent="-228600" algn="l" defTabSz="914400" rtl="0" eaLnBrk="1" latinLnBrk="1" hangingPunct="1">
+              <a:lnSpc>
+                <a:spcPct val="90000"/>
+              </a:lnSpc>
+              <a:spcBef>
+                <a:spcPts val="500"/>
+              </a:spcBef>
+              <a:buFont typeface="Arial" panose="020B0604020202020204" pitchFamily="34" charset="0"/>
+              <a:buChar char="•"/>
+              <a:defRPr sz="1800" kern="1200">
+                <a:solidFill>
+                  <a:schemeClr val="tx1"/>
+                </a:solidFill>
+                <a:latin typeface="+mn-lt"/>
+                <a:ea typeface="+mn-ea"/>
+                <a:cs typeface="+mn-cs"/>
+              </a:defRPr>
+            </a:lvl6pPr>
+            <a:lvl7pPr marL="2971800" indent="-228600" algn="l" defTabSz="914400" rtl="0" eaLnBrk="1" latinLnBrk="1" hangingPunct="1">
+              <a:lnSpc>
+                <a:spcPct val="90000"/>
+              </a:lnSpc>
+              <a:spcBef>
+                <a:spcPts val="500"/>
+              </a:spcBef>
+              <a:buFont typeface="Arial" panose="020B0604020202020204" pitchFamily="34" charset="0"/>
+              <a:buChar char="•"/>
+              <a:defRPr sz="1800" kern="1200">
+                <a:solidFill>
+                  <a:schemeClr val="tx1"/>
+                </a:solidFill>
+                <a:latin typeface="+mn-lt"/>
+                <a:ea typeface="+mn-ea"/>
+                <a:cs typeface="+mn-cs"/>
+              </a:defRPr>
+            </a:lvl7pPr>
+            <a:lvl8pPr marL="3429000" indent="-228600" algn="l" defTabSz="914400" rtl="0" eaLnBrk="1" latinLnBrk="1" hangingPunct="1">
+              <a:lnSpc>
+                <a:spcPct val="90000"/>
+              </a:lnSpc>
+              <a:spcBef>
+                <a:spcPts val="500"/>
+              </a:spcBef>
+              <a:buFont typeface="Arial" panose="020B0604020202020204" pitchFamily="34" charset="0"/>
+              <a:buChar char="•"/>
+              <a:defRPr sz="1800" kern="1200">
+                <a:solidFill>
+                  <a:schemeClr val="tx1"/>
+                </a:solidFill>
+                <a:latin typeface="+mn-lt"/>
+                <a:ea typeface="+mn-ea"/>
+                <a:cs typeface="+mn-cs"/>
+              </a:defRPr>
+            </a:lvl8pPr>
+            <a:lvl9pPr marL="3886200" indent="-228600" algn="l" defTabSz="914400" rtl="0" eaLnBrk="1" latinLnBrk="1" hangingPunct="1">
+              <a:lnSpc>
+                <a:spcPct val="90000"/>
+              </a:lnSpc>
+              <a:spcBef>
+                <a:spcPts val="500"/>
+              </a:spcBef>
+              <a:buFont typeface="Arial" panose="020B0604020202020204" pitchFamily="34" charset="0"/>
+              <a:buChar char="•"/>
+              <a:defRPr sz="1800" kern="1200">
+                <a:solidFill>
+                  <a:schemeClr val="tx1"/>
+                </a:solidFill>
+                <a:latin typeface="+mn-lt"/>
+                <a:ea typeface="+mn-ea"/>
+                <a:cs typeface="+mn-cs"/>
+              </a:defRPr>
+            </a:lvl9pPr>
+          </a:lstStyle>
+          <a:p>
+            <a:r>
+              <a:rPr lang="ko-KR" altLang="en-US" b="1"/>
+              <a:t>로그인 </a:t>
+            </a:r>
+            <a:r>
+              <a:rPr lang="en-US" altLang="ko-KR" b="1"/>
+              <a:t>UI</a:t>
+            </a:r>
+            <a:endParaRPr lang="ko-KR" altLang="en-US" b="1" dirty="0"/>
           </a:p>
         </p:txBody>
       </p:sp>
@@ -5627,46 +5886,6 @@
               <a:rPr lang="en-US" altLang="ko-KR" sz="2800" b="1" dirty="0"/>
               <a:t>)</a:t>
             </a:r>
-          </a:p>
-        </p:txBody>
-      </p:sp>
-      <p:sp>
-        <p:nvSpPr>
-          <p:cNvPr id="25" name="TextBox 24">
-            <a:extLst>
-              <a:ext uri="{FF2B5EF4-FFF2-40B4-BE49-F238E27FC236}">
-                <a16:creationId xmlns:a16="http://schemas.microsoft.com/office/drawing/2014/main" id="{A7F59BAA-1207-4CC5-98B4-788E4D1F418B}"/>
-              </a:ext>
-            </a:extLst>
-          </p:cNvPr>
-          <p:cNvSpPr txBox="1"/>
-          <p:nvPr/>
-        </p:nvSpPr>
-        <p:spPr>
-          <a:xfrm>
-            <a:off x="1709721" y="1062755"/>
-            <a:ext cx="1055097" cy="400110"/>
-          </a:xfrm>
-          <a:prstGeom prst="rect">
-            <a:avLst/>
-          </a:prstGeom>
-          <a:noFill/>
-        </p:spPr>
-        <p:txBody>
-          <a:bodyPr wrap="none" rtlCol="0">
-            <a:spAutoFit/>
-          </a:bodyPr>
-          <a:lstStyle/>
-          <a:p>
-            <a:r>
-              <a:rPr lang="ko-KR" altLang="en-US" sz="2000" b="1" dirty="0"/>
-              <a:t>시작</a:t>
-            </a:r>
-            <a:r>
-              <a:rPr lang="en-US" altLang="ko-KR" sz="2000" b="1" dirty="0"/>
-              <a:t> UI</a:t>
-            </a:r>
-            <a:endParaRPr lang="ko-KR" altLang="en-US" sz="1600" b="1" dirty="0"/>
           </a:p>
         </p:txBody>
       </p:sp>
@@ -6023,12 +6242,55 @@
           </a:p>
         </p:txBody>
       </p:sp>
-      <p:sp>
-        <p:nvSpPr>
-          <p:cNvPr id="16" name="TextBox 15">
-            <a:extLst>
-              <a:ext uri="{FF2B5EF4-FFF2-40B4-BE49-F238E27FC236}">
-                <a16:creationId xmlns:a16="http://schemas.microsoft.com/office/drawing/2014/main" id="{61945D4A-F841-478D-91B9-499F5A2D5148}"/>
+      <p:cxnSp>
+        <p:nvCxnSpPr>
+          <p:cNvPr id="20" name="직선 연결선 19">
+            <a:extLst>
+              <a:ext uri="{FF2B5EF4-FFF2-40B4-BE49-F238E27FC236}">
+                <a16:creationId xmlns:a16="http://schemas.microsoft.com/office/drawing/2014/main" id="{E99D900C-F3FF-47E2-81D9-472D0E7A922C}"/>
+              </a:ext>
+            </a:extLst>
+          </p:cNvPr>
+          <p:cNvCxnSpPr>
+            <a:cxnSpLocks/>
+          </p:cNvCxnSpPr>
+          <p:nvPr/>
+        </p:nvCxnSpPr>
+        <p:spPr>
+          <a:xfrm>
+            <a:off x="7837711" y="985217"/>
+            <a:ext cx="0" cy="457201"/>
+          </a:xfrm>
+          <a:prstGeom prst="line">
+            <a:avLst/>
+          </a:prstGeom>
+          <a:ln w="28575">
+            <a:solidFill>
+              <a:schemeClr val="tx1"/>
+            </a:solidFill>
+          </a:ln>
+        </p:spPr>
+        <p:style>
+          <a:lnRef idx="1">
+            <a:schemeClr val="accent1"/>
+          </a:lnRef>
+          <a:fillRef idx="0">
+            <a:schemeClr val="accent1"/>
+          </a:fillRef>
+          <a:effectRef idx="0">
+            <a:schemeClr val="accent1"/>
+          </a:effectRef>
+          <a:fontRef idx="minor">
+            <a:schemeClr val="tx1"/>
+          </a:fontRef>
+        </p:style>
+      </p:cxnSp>
+      <p:sp>
+        <p:nvSpPr>
+          <p:cNvPr id="21" name="TextBox 20">
+            <a:extLst>
+              <a:ext uri="{FF2B5EF4-FFF2-40B4-BE49-F238E27FC236}">
+                <a16:creationId xmlns:a16="http://schemas.microsoft.com/office/drawing/2014/main" id="{E7A9A757-488B-4DC7-B326-2A90B71A3AA8}"/>
               </a:ext>
             </a:extLst>
           </p:cNvPr>
@@ -6037,7 +6299,91 @@
         </p:nvSpPr>
         <p:spPr>
           <a:xfrm>
-            <a:off x="3087212" y="1062755"/>
+            <a:off x="5943600" y="1042308"/>
+            <a:ext cx="2034073" cy="400110"/>
+          </a:xfrm>
+          <a:prstGeom prst="rect">
+            <a:avLst/>
+          </a:prstGeom>
+          <a:noFill/>
+        </p:spPr>
+        <p:txBody>
+          <a:bodyPr wrap="square">
+            <a:spAutoFit/>
+          </a:bodyPr>
+          <a:lstStyle/>
+          <a:p>
+            <a:r>
+              <a:rPr lang="ko-KR" altLang="en-US" sz="2000" b="1" dirty="0"/>
+              <a:t>서버 </a:t>
+            </a:r>
+            <a:r>
+              <a:rPr lang="en-US" altLang="ko-KR" sz="2000" b="1" dirty="0"/>
+              <a:t>UI</a:t>
+            </a:r>
+            <a:r>
+              <a:rPr lang="ko-KR" altLang="en-US" sz="2000" b="1" dirty="0"/>
+              <a:t> 순서도</a:t>
+            </a:r>
+            <a:endParaRPr lang="ko-KR" altLang="en-US" sz="2000" dirty="0"/>
+          </a:p>
+        </p:txBody>
+      </p:sp>
+      <p:sp>
+        <p:nvSpPr>
+          <p:cNvPr id="22" name="TextBox 21">
+            <a:extLst>
+              <a:ext uri="{FF2B5EF4-FFF2-40B4-BE49-F238E27FC236}">
+                <a16:creationId xmlns:a16="http://schemas.microsoft.com/office/drawing/2014/main" id="{2365B1A7-8A5F-4376-871C-3CD69C9B50BE}"/>
+              </a:ext>
+            </a:extLst>
+          </p:cNvPr>
+          <p:cNvSpPr txBox="1"/>
+          <p:nvPr/>
+        </p:nvSpPr>
+        <p:spPr>
+          <a:xfrm>
+            <a:off x="1709723" y="1062755"/>
+            <a:ext cx="1055097" cy="400110"/>
+          </a:xfrm>
+          <a:prstGeom prst="rect">
+            <a:avLst/>
+          </a:prstGeom>
+          <a:noFill/>
+        </p:spPr>
+        <p:txBody>
+          <a:bodyPr wrap="none" rtlCol="0">
+            <a:spAutoFit/>
+          </a:bodyPr>
+          <a:lstStyle/>
+          <a:p>
+            <a:r>
+              <a:rPr lang="ko-KR" altLang="en-US" sz="2000" b="1" dirty="0"/>
+              <a:t>시작</a:t>
+            </a:r>
+            <a:r>
+              <a:rPr lang="en-US" altLang="ko-KR" sz="2000" b="1" dirty="0"/>
+              <a:t> UI</a:t>
+            </a:r>
+            <a:endParaRPr lang="ko-KR" altLang="en-US" sz="1600" b="1" dirty="0"/>
+          </a:p>
+        </p:txBody>
+      </p:sp>
+      <p:sp>
+        <p:nvSpPr>
+          <p:cNvPr id="23" name="TextBox 22">
+            <a:extLst>
+              <a:ext uri="{FF2B5EF4-FFF2-40B4-BE49-F238E27FC236}">
+                <a16:creationId xmlns:a16="http://schemas.microsoft.com/office/drawing/2014/main" id="{374418AA-E3B3-4A20-AB7C-7C0A502C5648}"/>
+              </a:ext>
+            </a:extLst>
+          </p:cNvPr>
+          <p:cNvSpPr txBox="1"/>
+          <p:nvPr/>
+        </p:nvSpPr>
+        <p:spPr>
+          <a:xfrm>
+            <a:off x="3087214" y="1062755"/>
             <a:ext cx="1668545" cy="400110"/>
           </a:xfrm>
           <a:prstGeom prst="rect">
@@ -6061,10 +6407,10 @@
       </p:sp>
       <p:sp>
         <p:nvSpPr>
-          <p:cNvPr id="17" name="TextBox 16">
-            <a:extLst>
-              <a:ext uri="{FF2B5EF4-FFF2-40B4-BE49-F238E27FC236}">
-                <a16:creationId xmlns:a16="http://schemas.microsoft.com/office/drawing/2014/main" id="{6CC6965B-D18B-44A4-8002-EA1C90287BC4}"/>
+          <p:cNvPr id="24" name="TextBox 23">
+            <a:extLst>
+              <a:ext uri="{FF2B5EF4-FFF2-40B4-BE49-F238E27FC236}">
+                <a16:creationId xmlns:a16="http://schemas.microsoft.com/office/drawing/2014/main" id="{2DE5099A-0118-40F9-BCA2-53F9D48848B5}"/>
               </a:ext>
             </a:extLst>
           </p:cNvPr>
@@ -6073,7 +6419,7 @@
         </p:nvSpPr>
         <p:spPr>
           <a:xfrm>
-            <a:off x="4484057" y="1062755"/>
+            <a:off x="4555109" y="1062755"/>
             <a:ext cx="1401346" cy="400110"/>
           </a:xfrm>
           <a:prstGeom prst="rect">
@@ -6101,10 +6447,10 @@
       </p:sp>
       <p:sp>
         <p:nvSpPr>
-          <p:cNvPr id="18" name="텍스트 개체 틀 4">
-            <a:extLst>
-              <a:ext uri="{FF2B5EF4-FFF2-40B4-BE49-F238E27FC236}">
-                <a16:creationId xmlns:a16="http://schemas.microsoft.com/office/drawing/2014/main" id="{15F384C0-3A53-476A-A16D-998EEC603EA6}"/>
+          <p:cNvPr id="26" name="텍스트 개체 틀 4">
+            <a:extLst>
+              <a:ext uri="{FF2B5EF4-FFF2-40B4-BE49-F238E27FC236}">
+                <a16:creationId xmlns:a16="http://schemas.microsoft.com/office/drawing/2014/main" id="{5039E2E5-6975-451A-BFDA-F819EF4A5C1A}"/>
               </a:ext>
             </a:extLst>
           </p:cNvPr>
@@ -9408,12 +9754,55 @@
           </a:p>
         </p:txBody>
       </p:sp>
-      <p:sp>
-        <p:nvSpPr>
-          <p:cNvPr id="99" name="TextBox 98">
-            <a:extLst>
-              <a:ext uri="{FF2B5EF4-FFF2-40B4-BE49-F238E27FC236}">
-                <a16:creationId xmlns:a16="http://schemas.microsoft.com/office/drawing/2014/main" id="{9BB7AF57-F954-4384-BB65-3168D8AF4329}"/>
+      <p:cxnSp>
+        <p:nvCxnSpPr>
+          <p:cNvPr id="102" name="직선 연결선 101">
+            <a:extLst>
+              <a:ext uri="{FF2B5EF4-FFF2-40B4-BE49-F238E27FC236}">
+                <a16:creationId xmlns:a16="http://schemas.microsoft.com/office/drawing/2014/main" id="{44AC745E-8115-4C75-A6EE-9ACB9297BE02}"/>
+              </a:ext>
+            </a:extLst>
+          </p:cNvPr>
+          <p:cNvCxnSpPr>
+            <a:cxnSpLocks/>
+          </p:cNvCxnSpPr>
+          <p:nvPr/>
+        </p:nvCxnSpPr>
+        <p:spPr>
+          <a:xfrm>
+            <a:off x="7837711" y="985217"/>
+            <a:ext cx="0" cy="457201"/>
+          </a:xfrm>
+          <a:prstGeom prst="line">
+            <a:avLst/>
+          </a:prstGeom>
+          <a:ln w="28575">
+            <a:solidFill>
+              <a:schemeClr val="tx1"/>
+            </a:solidFill>
+          </a:ln>
+        </p:spPr>
+        <p:style>
+          <a:lnRef idx="1">
+            <a:schemeClr val="accent1"/>
+          </a:lnRef>
+          <a:fillRef idx="0">
+            <a:schemeClr val="accent1"/>
+          </a:fillRef>
+          <a:effectRef idx="0">
+            <a:schemeClr val="accent1"/>
+          </a:effectRef>
+          <a:fontRef idx="minor">
+            <a:schemeClr val="tx1"/>
+          </a:fontRef>
+        </p:style>
+      </p:cxnSp>
+      <p:sp>
+        <p:nvSpPr>
+          <p:cNvPr id="103" name="TextBox 102">
+            <a:extLst>
+              <a:ext uri="{FF2B5EF4-FFF2-40B4-BE49-F238E27FC236}">
+                <a16:creationId xmlns:a16="http://schemas.microsoft.com/office/drawing/2014/main" id="{A462AC74-B8AA-4A8F-86C8-735F7ED3F077}"/>
               </a:ext>
             </a:extLst>
           </p:cNvPr>
@@ -9422,7 +9811,51 @@
         </p:nvSpPr>
         <p:spPr>
           <a:xfrm>
-            <a:off x="1709720" y="1062755"/>
+            <a:off x="5943600" y="1042308"/>
+            <a:ext cx="2034073" cy="400110"/>
+          </a:xfrm>
+          <a:prstGeom prst="rect">
+            <a:avLst/>
+          </a:prstGeom>
+          <a:noFill/>
+        </p:spPr>
+        <p:txBody>
+          <a:bodyPr wrap="square">
+            <a:spAutoFit/>
+          </a:bodyPr>
+          <a:lstStyle/>
+          <a:p>
+            <a:r>
+              <a:rPr lang="ko-KR" altLang="en-US" sz="2000" b="1" dirty="0"/>
+              <a:t>서버 </a:t>
+            </a:r>
+            <a:r>
+              <a:rPr lang="en-US" altLang="ko-KR" sz="2000" b="1" dirty="0"/>
+              <a:t>UI</a:t>
+            </a:r>
+            <a:r>
+              <a:rPr lang="ko-KR" altLang="en-US" sz="2000" b="1" dirty="0"/>
+              <a:t> 순서도</a:t>
+            </a:r>
+            <a:endParaRPr lang="ko-KR" altLang="en-US" sz="2000" dirty="0"/>
+          </a:p>
+        </p:txBody>
+      </p:sp>
+      <p:sp>
+        <p:nvSpPr>
+          <p:cNvPr id="104" name="TextBox 103">
+            <a:extLst>
+              <a:ext uri="{FF2B5EF4-FFF2-40B4-BE49-F238E27FC236}">
+                <a16:creationId xmlns:a16="http://schemas.microsoft.com/office/drawing/2014/main" id="{52FAB4BC-8949-49A1-9145-0161E88CE264}"/>
+              </a:ext>
+            </a:extLst>
+          </p:cNvPr>
+          <p:cNvSpPr txBox="1"/>
+          <p:nvPr/>
+        </p:nvSpPr>
+        <p:spPr>
+          <a:xfrm>
+            <a:off x="1709723" y="1062755"/>
             <a:ext cx="1055097" cy="400110"/>
           </a:xfrm>
           <a:prstGeom prst="rect">
@@ -9450,10 +9883,10 @@
       </p:sp>
       <p:sp>
         <p:nvSpPr>
-          <p:cNvPr id="100" name="TextBox 99">
-            <a:extLst>
-              <a:ext uri="{FF2B5EF4-FFF2-40B4-BE49-F238E27FC236}">
-                <a16:creationId xmlns:a16="http://schemas.microsoft.com/office/drawing/2014/main" id="{64969BD4-3760-4C0F-B87F-AD187FE5CED6}"/>
+          <p:cNvPr id="105" name="TextBox 104">
+            <a:extLst>
+              <a:ext uri="{FF2B5EF4-FFF2-40B4-BE49-F238E27FC236}">
+                <a16:creationId xmlns:a16="http://schemas.microsoft.com/office/drawing/2014/main" id="{F7E79276-DE4C-4D74-A3C0-8F3ACEDB4DC2}"/>
               </a:ext>
             </a:extLst>
           </p:cNvPr>
@@ -9462,8 +9895,8 @@
         </p:nvSpPr>
         <p:spPr>
           <a:xfrm>
-            <a:off x="3087211" y="1062755"/>
-            <a:ext cx="1325645" cy="400110"/>
+            <a:off x="3087214" y="1062755"/>
+            <a:ext cx="1668545" cy="400110"/>
           </a:xfrm>
           <a:prstGeom prst="rect">
             <a:avLst/>
@@ -9486,10 +9919,10 @@
       </p:sp>
       <p:sp>
         <p:nvSpPr>
-          <p:cNvPr id="101" name="TextBox 100">
-            <a:extLst>
-              <a:ext uri="{FF2B5EF4-FFF2-40B4-BE49-F238E27FC236}">
-                <a16:creationId xmlns:a16="http://schemas.microsoft.com/office/drawing/2014/main" id="{92E2F6DA-F4FD-4CB6-BB87-D018E90A2110}"/>
+          <p:cNvPr id="106" name="TextBox 105">
+            <a:extLst>
+              <a:ext uri="{FF2B5EF4-FFF2-40B4-BE49-F238E27FC236}">
+                <a16:creationId xmlns:a16="http://schemas.microsoft.com/office/drawing/2014/main" id="{F269B182-F7E5-4066-BFC4-F41FEAA58C1E}"/>
               </a:ext>
             </a:extLst>
           </p:cNvPr>
@@ -9498,7 +9931,7 @@
         </p:nvSpPr>
         <p:spPr>
           <a:xfrm>
-            <a:off x="4484056" y="1062755"/>
+            <a:off x="4555109" y="1062755"/>
             <a:ext cx="1401346" cy="400110"/>
           </a:xfrm>
           <a:prstGeom prst="rect">
@@ -9526,10 +9959,10 @@
       </p:sp>
       <p:sp>
         <p:nvSpPr>
-          <p:cNvPr id="97" name="텍스트 개체 틀 4">
-            <a:extLst>
-              <a:ext uri="{FF2B5EF4-FFF2-40B4-BE49-F238E27FC236}">
-                <a16:creationId xmlns:a16="http://schemas.microsoft.com/office/drawing/2014/main" id="{68707C92-13CA-45EE-9BC6-1DD04F8BAA0E}"/>
+          <p:cNvPr id="107" name="텍스트 개체 틀 4">
+            <a:extLst>
+              <a:ext uri="{FF2B5EF4-FFF2-40B4-BE49-F238E27FC236}">
+                <a16:creationId xmlns:a16="http://schemas.microsoft.com/office/drawing/2014/main" id="{3CC5DE4B-7025-4394-B1D1-BC7500DF23FE}"/>
               </a:ext>
             </a:extLst>
           </p:cNvPr>
@@ -10997,12 +11430,99 @@
           </a:p>
         </p:txBody>
       </p:sp>
-      <p:sp>
-        <p:nvSpPr>
-          <p:cNvPr id="30" name="TextBox 29">
-            <a:extLst>
-              <a:ext uri="{FF2B5EF4-FFF2-40B4-BE49-F238E27FC236}">
-                <a16:creationId xmlns:a16="http://schemas.microsoft.com/office/drawing/2014/main" id="{C61FBA64-3B5B-4C82-8771-B84B551DEAA6}"/>
+      <p:cxnSp>
+        <p:nvCxnSpPr>
+          <p:cNvPr id="35" name="직선 연결선 34">
+            <a:extLst>
+              <a:ext uri="{FF2B5EF4-FFF2-40B4-BE49-F238E27FC236}">
+                <a16:creationId xmlns:a16="http://schemas.microsoft.com/office/drawing/2014/main" id="{D2F63570-EDD7-4B42-AB96-9C2C58389C25}"/>
+              </a:ext>
+            </a:extLst>
+          </p:cNvPr>
+          <p:cNvCxnSpPr>
+            <a:cxnSpLocks/>
+          </p:cNvCxnSpPr>
+          <p:nvPr/>
+        </p:nvCxnSpPr>
+        <p:spPr>
+          <a:xfrm>
+            <a:off x="7837711" y="985217"/>
+            <a:ext cx="0" cy="457201"/>
+          </a:xfrm>
+          <a:prstGeom prst="line">
+            <a:avLst/>
+          </a:prstGeom>
+          <a:ln w="28575">
+            <a:solidFill>
+              <a:schemeClr val="tx1"/>
+            </a:solidFill>
+          </a:ln>
+        </p:spPr>
+        <p:style>
+          <a:lnRef idx="1">
+            <a:schemeClr val="accent1"/>
+          </a:lnRef>
+          <a:fillRef idx="0">
+            <a:schemeClr val="accent1"/>
+          </a:fillRef>
+          <a:effectRef idx="0">
+            <a:schemeClr val="accent1"/>
+          </a:effectRef>
+          <a:fontRef idx="minor">
+            <a:schemeClr val="tx1"/>
+          </a:fontRef>
+        </p:style>
+      </p:cxnSp>
+      <p:sp>
+        <p:nvSpPr>
+          <p:cNvPr id="36" name="TextBox 35">
+            <a:extLst>
+              <a:ext uri="{FF2B5EF4-FFF2-40B4-BE49-F238E27FC236}">
+                <a16:creationId xmlns:a16="http://schemas.microsoft.com/office/drawing/2014/main" id="{D167D03A-7BE3-42E9-A562-7173B6971A7C}"/>
+              </a:ext>
+            </a:extLst>
+          </p:cNvPr>
+          <p:cNvSpPr txBox="1"/>
+          <p:nvPr/>
+        </p:nvSpPr>
+        <p:spPr>
+          <a:xfrm>
+            <a:off x="5943600" y="1042308"/>
+            <a:ext cx="2034073" cy="400110"/>
+          </a:xfrm>
+          <a:prstGeom prst="rect">
+            <a:avLst/>
+          </a:prstGeom>
+          <a:noFill/>
+        </p:spPr>
+        <p:txBody>
+          <a:bodyPr wrap="square">
+            <a:spAutoFit/>
+          </a:bodyPr>
+          <a:lstStyle/>
+          <a:p>
+            <a:r>
+              <a:rPr lang="ko-KR" altLang="en-US" sz="2000" b="1" dirty="0"/>
+              <a:t>서버 </a:t>
+            </a:r>
+            <a:r>
+              <a:rPr lang="en-US" altLang="ko-KR" sz="2000" b="1" dirty="0"/>
+              <a:t>UI</a:t>
+            </a:r>
+            <a:r>
+              <a:rPr lang="ko-KR" altLang="en-US" sz="2000" b="1" dirty="0"/>
+              <a:t> 순서도</a:t>
+            </a:r>
+            <a:endParaRPr lang="ko-KR" altLang="en-US" sz="2000" dirty="0"/>
+          </a:p>
+        </p:txBody>
+      </p:sp>
+      <p:sp>
+        <p:nvSpPr>
+          <p:cNvPr id="37" name="TextBox 36">
+            <a:extLst>
+              <a:ext uri="{FF2B5EF4-FFF2-40B4-BE49-F238E27FC236}">
+                <a16:creationId xmlns:a16="http://schemas.microsoft.com/office/drawing/2014/main" id="{755DF2FD-DF5A-41DC-B323-A936E56B7EC0}"/>
               </a:ext>
             </a:extLst>
           </p:cNvPr>
@@ -11039,10 +11559,10 @@
       </p:sp>
       <p:sp>
         <p:nvSpPr>
-          <p:cNvPr id="31" name="TextBox 30">
-            <a:extLst>
-              <a:ext uri="{FF2B5EF4-FFF2-40B4-BE49-F238E27FC236}">
-                <a16:creationId xmlns:a16="http://schemas.microsoft.com/office/drawing/2014/main" id="{B4C79A69-072C-41CF-B329-F25065FB2C10}"/>
+          <p:cNvPr id="38" name="TextBox 37">
+            <a:extLst>
+              <a:ext uri="{FF2B5EF4-FFF2-40B4-BE49-F238E27FC236}">
+                <a16:creationId xmlns:a16="http://schemas.microsoft.com/office/drawing/2014/main" id="{18A9DF3F-7D14-4E07-BD51-8D0EE5FA5565}"/>
               </a:ext>
             </a:extLst>
           </p:cNvPr>
@@ -11075,10 +11595,10 @@
       </p:sp>
       <p:sp>
         <p:nvSpPr>
-          <p:cNvPr id="32" name="TextBox 31">
-            <a:extLst>
-              <a:ext uri="{FF2B5EF4-FFF2-40B4-BE49-F238E27FC236}">
-                <a16:creationId xmlns:a16="http://schemas.microsoft.com/office/drawing/2014/main" id="{2FD89AA8-DE6B-42E7-A7D8-0F05C3ABC999}"/>
+          <p:cNvPr id="39" name="TextBox 38">
+            <a:extLst>
+              <a:ext uri="{FF2B5EF4-FFF2-40B4-BE49-F238E27FC236}">
+                <a16:creationId xmlns:a16="http://schemas.microsoft.com/office/drawing/2014/main" id="{FA7DD78F-55BB-4A7E-98C6-266BB9D05552}"/>
               </a:ext>
             </a:extLst>
           </p:cNvPr>
@@ -11115,10 +11635,10 @@
       </p:sp>
       <p:sp>
         <p:nvSpPr>
-          <p:cNvPr id="34" name="텍스트 개체 틀 4">
-            <a:extLst>
-              <a:ext uri="{FF2B5EF4-FFF2-40B4-BE49-F238E27FC236}">
-                <a16:creationId xmlns:a16="http://schemas.microsoft.com/office/drawing/2014/main" id="{5F82F6F8-5608-48A6-BC9D-994DD40AB78F}"/>
+          <p:cNvPr id="40" name="텍스트 개체 틀 4">
+            <a:extLst>
+              <a:ext uri="{FF2B5EF4-FFF2-40B4-BE49-F238E27FC236}">
+                <a16:creationId xmlns:a16="http://schemas.microsoft.com/office/drawing/2014/main" id="{E4FB741D-7821-40CB-A077-6C53D90485E9}"/>
               </a:ext>
             </a:extLst>
           </p:cNvPr>
@@ -11321,6 +11841,2013 @@
     <p:extLst>
       <p:ext uri="{BB962C8B-B14F-4D97-AF65-F5344CB8AC3E}">
         <p14:creationId xmlns:p14="http://schemas.microsoft.com/office/powerpoint/2010/main" val="2049984164"/>
+      </p:ext>
+    </p:extLst>
+  </p:cSld>
+  <p:clrMapOvr>
+    <a:masterClrMapping/>
+  </p:clrMapOvr>
+</p:sld>
+</file>
+
+<file path=ppt/slides/slide6.xml><?xml version="1.0" encoding="utf-8"?>
+<p:sld xmlns:a="http://schemas.openxmlformats.org/drawingml/2006/main" xmlns:r="http://schemas.openxmlformats.org/officeDocument/2006/relationships" xmlns:p="http://schemas.openxmlformats.org/presentationml/2006/main">
+  <p:cSld>
+    <p:bg>
+      <p:bgPr>
+        <a:solidFill>
+          <a:schemeClr val="bg1"/>
+        </a:solidFill>
+        <a:effectLst/>
+      </p:bgPr>
+    </p:bg>
+    <p:spTree>
+      <p:nvGrpSpPr>
+        <p:cNvPr id="1" name=""/>
+        <p:cNvGrpSpPr/>
+        <p:nvPr/>
+      </p:nvGrpSpPr>
+      <p:grpSpPr>
+        <a:xfrm>
+          <a:off x="0" y="0"/>
+          <a:ext cx="0" cy="0"/>
+          <a:chOff x="0" y="0"/>
+          <a:chExt cx="0" cy="0"/>
+        </a:xfrm>
+      </p:grpSpPr>
+      <p:sp>
+        <p:nvSpPr>
+          <p:cNvPr id="81" name="사각형: 둥근 모서리 80">
+            <a:extLst>
+              <a:ext uri="{FF2B5EF4-FFF2-40B4-BE49-F238E27FC236}">
+                <a16:creationId xmlns:a16="http://schemas.microsoft.com/office/drawing/2014/main" id="{38C09D5C-0E1C-483E-938D-90AC5623D74E}"/>
+              </a:ext>
+            </a:extLst>
+          </p:cNvPr>
+          <p:cNvSpPr/>
+          <p:nvPr/>
+        </p:nvSpPr>
+        <p:spPr>
+          <a:xfrm>
+            <a:off x="5962515" y="1037083"/>
+            <a:ext cx="1875195" cy="453244"/>
+          </a:xfrm>
+          <a:prstGeom prst="roundRect">
+            <a:avLst/>
+          </a:prstGeom>
+          <a:solidFill>
+            <a:schemeClr val="accent4">
+              <a:lumMod val="40000"/>
+              <a:lumOff val="60000"/>
+            </a:schemeClr>
+          </a:solidFill>
+          <a:ln>
+            <a:noFill/>
+          </a:ln>
+        </p:spPr>
+        <p:style>
+          <a:lnRef idx="2">
+            <a:schemeClr val="accent1">
+              <a:shade val="50000"/>
+            </a:schemeClr>
+          </a:lnRef>
+          <a:fillRef idx="1">
+            <a:schemeClr val="accent1"/>
+          </a:fillRef>
+          <a:effectRef idx="0">
+            <a:schemeClr val="accent1"/>
+          </a:effectRef>
+          <a:fontRef idx="minor">
+            <a:schemeClr val="lt1"/>
+          </a:fontRef>
+        </p:style>
+        <p:txBody>
+          <a:bodyPr rtlCol="0" anchor="ctr"/>
+          <a:lstStyle/>
+          <a:p>
+            <a:pPr algn="ctr"/>
+            <a:endParaRPr lang="ko-KR" altLang="en-US"/>
+          </a:p>
+        </p:txBody>
+      </p:sp>
+      <p:sp>
+        <p:nvSpPr>
+          <p:cNvPr id="23" name="직사각형 22">
+            <a:extLst>
+              <a:ext uri="{FF2B5EF4-FFF2-40B4-BE49-F238E27FC236}">
+                <a16:creationId xmlns:a16="http://schemas.microsoft.com/office/drawing/2014/main" id="{B2234708-ABD1-420C-B2F5-508F171D55EB}"/>
+              </a:ext>
+            </a:extLst>
+          </p:cNvPr>
+          <p:cNvSpPr/>
+          <p:nvPr/>
+        </p:nvSpPr>
+        <p:spPr>
+          <a:xfrm>
+            <a:off x="0" y="1689948"/>
+            <a:ext cx="12192000" cy="5177383"/>
+          </a:xfrm>
+          <a:prstGeom prst="rect">
+            <a:avLst/>
+          </a:prstGeom>
+          <a:solidFill>
+            <a:schemeClr val="bg1">
+              <a:lumMod val="75000"/>
+            </a:schemeClr>
+          </a:solidFill>
+          <a:ln>
+            <a:noFill/>
+          </a:ln>
+        </p:spPr>
+        <p:style>
+          <a:lnRef idx="2">
+            <a:schemeClr val="accent1">
+              <a:shade val="50000"/>
+            </a:schemeClr>
+          </a:lnRef>
+          <a:fillRef idx="1">
+            <a:schemeClr val="accent1"/>
+          </a:fillRef>
+          <a:effectRef idx="0">
+            <a:schemeClr val="accent1"/>
+          </a:effectRef>
+          <a:fontRef idx="minor">
+            <a:schemeClr val="lt1"/>
+          </a:fontRef>
+        </p:style>
+        <p:txBody>
+          <a:bodyPr rtlCol="0" anchor="ctr"/>
+          <a:lstStyle/>
+          <a:p>
+            <a:pPr algn="ctr"/>
+            <a:endParaRPr lang="ko-KR" altLang="en-US" dirty="0"/>
+          </a:p>
+        </p:txBody>
+      </p:sp>
+      <p:cxnSp>
+        <p:nvCxnSpPr>
+          <p:cNvPr id="10" name="직선 연결선 9">
+            <a:extLst>
+              <a:ext uri="{FF2B5EF4-FFF2-40B4-BE49-F238E27FC236}">
+                <a16:creationId xmlns:a16="http://schemas.microsoft.com/office/drawing/2014/main" id="{4BF59B05-8093-42C7-814E-64EB15B529D1}"/>
+              </a:ext>
+            </a:extLst>
+          </p:cNvPr>
+          <p:cNvCxnSpPr>
+            <a:cxnSpLocks/>
+          </p:cNvCxnSpPr>
+          <p:nvPr/>
+        </p:nvCxnSpPr>
+        <p:spPr>
+          <a:xfrm>
+            <a:off x="7837711" y="985217"/>
+            <a:ext cx="0" cy="457201"/>
+          </a:xfrm>
+          <a:prstGeom prst="line">
+            <a:avLst/>
+          </a:prstGeom>
+          <a:ln w="28575">
+            <a:solidFill>
+              <a:schemeClr val="tx1"/>
+            </a:solidFill>
+          </a:ln>
+        </p:spPr>
+        <p:style>
+          <a:lnRef idx="1">
+            <a:schemeClr val="accent1"/>
+          </a:lnRef>
+          <a:fillRef idx="0">
+            <a:schemeClr val="accent1"/>
+          </a:fillRef>
+          <a:effectRef idx="0">
+            <a:schemeClr val="accent1"/>
+          </a:effectRef>
+          <a:fontRef idx="minor">
+            <a:schemeClr val="tx1"/>
+          </a:fontRef>
+        </p:style>
+      </p:cxnSp>
+      <p:sp>
+        <p:nvSpPr>
+          <p:cNvPr id="2" name="제목 1">
+            <a:extLst>
+              <a:ext uri="{FF2B5EF4-FFF2-40B4-BE49-F238E27FC236}">
+                <a16:creationId xmlns:a16="http://schemas.microsoft.com/office/drawing/2014/main" id="{12770A69-7871-4893-B037-18C6EE892AAA}"/>
+              </a:ext>
+            </a:extLst>
+          </p:cNvPr>
+          <p:cNvSpPr>
+            <a:spLocks noGrp="1"/>
+          </p:cNvSpPr>
+          <p:nvPr>
+            <p:ph type="title"/>
+          </p:nvPr>
+        </p:nvSpPr>
+        <p:spPr>
+          <a:xfrm>
+            <a:off x="718457" y="259666"/>
+            <a:ext cx="10117758" cy="461513"/>
+          </a:xfrm>
+        </p:spPr>
+        <p:txBody>
+          <a:bodyPr/>
+          <a:lstStyle/>
+          <a:p>
+            <a:r>
+              <a:rPr lang="ko-KR" altLang="en-US" b="1" dirty="0"/>
+              <a:t>서버 </a:t>
+            </a:r>
+            <a:r>
+              <a:rPr lang="en-US" altLang="ko-KR" b="1" dirty="0"/>
+              <a:t>UI</a:t>
+            </a:r>
+            <a:r>
+              <a:rPr lang="ko-KR" altLang="en-US" b="1" dirty="0"/>
+              <a:t> 순서도</a:t>
+            </a:r>
+          </a:p>
+        </p:txBody>
+      </p:sp>
+      <p:sp>
+        <p:nvSpPr>
+          <p:cNvPr id="4" name="텍스트 개체 틀 3">
+            <a:extLst>
+              <a:ext uri="{FF2B5EF4-FFF2-40B4-BE49-F238E27FC236}">
+                <a16:creationId xmlns:a16="http://schemas.microsoft.com/office/drawing/2014/main" id="{294848E0-9791-47C3-9AF4-7266B773268B}"/>
+              </a:ext>
+            </a:extLst>
+          </p:cNvPr>
+          <p:cNvSpPr>
+            <a:spLocks noGrp="1"/>
+          </p:cNvSpPr>
+          <p:nvPr>
+            <p:ph type="body" sz="quarter" idx="13"/>
+          </p:nvPr>
+        </p:nvSpPr>
+        <p:spPr/>
+        <p:txBody>
+          <a:bodyPr/>
+          <a:lstStyle/>
+          <a:p>
+            <a:r>
+              <a:rPr lang="en-US" altLang="ko-KR" dirty="0"/>
+              <a:t> </a:t>
+            </a:r>
+            <a:endParaRPr lang="ko-KR" altLang="en-US" dirty="0"/>
+          </a:p>
+        </p:txBody>
+      </p:sp>
+      <p:sp>
+        <p:nvSpPr>
+          <p:cNvPr id="18" name="TextBox 17">
+            <a:extLst>
+              <a:ext uri="{FF2B5EF4-FFF2-40B4-BE49-F238E27FC236}">
+                <a16:creationId xmlns:a16="http://schemas.microsoft.com/office/drawing/2014/main" id="{1B4AD3F2-79A2-4637-93ED-A539C4A6E5E5}"/>
+              </a:ext>
+            </a:extLst>
+          </p:cNvPr>
+          <p:cNvSpPr txBox="1"/>
+          <p:nvPr/>
+        </p:nvSpPr>
+        <p:spPr>
+          <a:xfrm>
+            <a:off x="5943600" y="1042308"/>
+            <a:ext cx="2034073" cy="400110"/>
+          </a:xfrm>
+          <a:prstGeom prst="rect">
+            <a:avLst/>
+          </a:prstGeom>
+          <a:noFill/>
+        </p:spPr>
+        <p:txBody>
+          <a:bodyPr wrap="square">
+            <a:spAutoFit/>
+          </a:bodyPr>
+          <a:lstStyle/>
+          <a:p>
+            <a:r>
+              <a:rPr lang="ko-KR" altLang="en-US" sz="2000" b="1" dirty="0"/>
+              <a:t>서버 </a:t>
+            </a:r>
+            <a:r>
+              <a:rPr lang="en-US" altLang="ko-KR" sz="2000" b="1" dirty="0"/>
+              <a:t>UI</a:t>
+            </a:r>
+            <a:r>
+              <a:rPr lang="ko-KR" altLang="en-US" sz="2000" b="1" dirty="0"/>
+              <a:t> 순서도</a:t>
+            </a:r>
+            <a:endParaRPr lang="ko-KR" altLang="en-US" sz="2000" dirty="0"/>
+          </a:p>
+        </p:txBody>
+      </p:sp>
+      <p:sp>
+        <p:nvSpPr>
+          <p:cNvPr id="19" name="직사각형 18">
+            <a:extLst>
+              <a:ext uri="{FF2B5EF4-FFF2-40B4-BE49-F238E27FC236}">
+                <a16:creationId xmlns:a16="http://schemas.microsoft.com/office/drawing/2014/main" id="{4B9F44E4-CDC5-4323-8DE9-3923C6E071EA}"/>
+              </a:ext>
+            </a:extLst>
+          </p:cNvPr>
+          <p:cNvSpPr/>
+          <p:nvPr/>
+        </p:nvSpPr>
+        <p:spPr>
+          <a:xfrm>
+            <a:off x="5286634" y="1816259"/>
+            <a:ext cx="1313930" cy="475860"/>
+          </a:xfrm>
+          <a:prstGeom prst="rect">
+            <a:avLst/>
+          </a:prstGeom>
+          <a:solidFill>
+            <a:schemeClr val="tx1"/>
+          </a:solidFill>
+        </p:spPr>
+        <p:style>
+          <a:lnRef idx="2">
+            <a:schemeClr val="accent1">
+              <a:shade val="50000"/>
+            </a:schemeClr>
+          </a:lnRef>
+          <a:fillRef idx="1">
+            <a:schemeClr val="accent1"/>
+          </a:fillRef>
+          <a:effectRef idx="0">
+            <a:schemeClr val="accent1"/>
+          </a:effectRef>
+          <a:fontRef idx="minor">
+            <a:schemeClr val="lt1"/>
+          </a:fontRef>
+        </p:style>
+        <p:txBody>
+          <a:bodyPr rtlCol="0" anchor="ctr"/>
+          <a:lstStyle/>
+          <a:p>
+            <a:pPr algn="ctr"/>
+            <a:r>
+              <a:rPr lang="ko-KR" altLang="en-US" sz="1600" dirty="0"/>
+              <a:t>로그인 </a:t>
+            </a:r>
+            <a:r>
+              <a:rPr lang="en-US" altLang="ko-KR" sz="1600" dirty="0"/>
+              <a:t>UI</a:t>
+            </a:r>
+            <a:endParaRPr lang="ko-KR" altLang="en-US" sz="1600" dirty="0"/>
+          </a:p>
+        </p:txBody>
+      </p:sp>
+      <p:sp>
+        <p:nvSpPr>
+          <p:cNvPr id="20" name="다이아몬드 19">
+            <a:extLst>
+              <a:ext uri="{FF2B5EF4-FFF2-40B4-BE49-F238E27FC236}">
+                <a16:creationId xmlns:a16="http://schemas.microsoft.com/office/drawing/2014/main" id="{9AA89735-FC94-429C-9943-3D15621B5A52}"/>
+              </a:ext>
+            </a:extLst>
+          </p:cNvPr>
+          <p:cNvSpPr/>
+          <p:nvPr/>
+        </p:nvSpPr>
+        <p:spPr>
+          <a:xfrm>
+            <a:off x="5386517" y="2547258"/>
+            <a:ext cx="1114165" cy="560694"/>
+          </a:xfrm>
+          <a:prstGeom prst="diamond">
+            <a:avLst/>
+          </a:prstGeom>
+          <a:solidFill>
+            <a:schemeClr val="tx1"/>
+          </a:solidFill>
+        </p:spPr>
+        <p:style>
+          <a:lnRef idx="2">
+            <a:schemeClr val="accent1">
+              <a:shade val="50000"/>
+            </a:schemeClr>
+          </a:lnRef>
+          <a:fillRef idx="1">
+            <a:schemeClr val="accent1"/>
+          </a:fillRef>
+          <a:effectRef idx="0">
+            <a:schemeClr val="accent1"/>
+          </a:effectRef>
+          <a:fontRef idx="minor">
+            <a:schemeClr val="lt1"/>
+          </a:fontRef>
+        </p:style>
+        <p:txBody>
+          <a:bodyPr rtlCol="0" anchor="ctr"/>
+          <a:lstStyle/>
+          <a:p>
+            <a:pPr algn="ctr"/>
+            <a:endParaRPr lang="ko-KR" altLang="en-US"/>
+          </a:p>
+        </p:txBody>
+      </p:sp>
+      <p:sp>
+        <p:nvSpPr>
+          <p:cNvPr id="22" name="TextBox 21">
+            <a:extLst>
+              <a:ext uri="{FF2B5EF4-FFF2-40B4-BE49-F238E27FC236}">
+                <a16:creationId xmlns:a16="http://schemas.microsoft.com/office/drawing/2014/main" id="{19CA94FF-2908-46E7-AA2C-637E45CDDCFF}"/>
+              </a:ext>
+            </a:extLst>
+          </p:cNvPr>
+          <p:cNvSpPr txBox="1"/>
+          <p:nvPr/>
+        </p:nvSpPr>
+        <p:spPr>
+          <a:xfrm>
+            <a:off x="5389271" y="2628728"/>
+            <a:ext cx="1114165" cy="430887"/>
+          </a:xfrm>
+          <a:prstGeom prst="rect">
+            <a:avLst/>
+          </a:prstGeom>
+          <a:noFill/>
+        </p:spPr>
+        <p:txBody>
+          <a:bodyPr wrap="square" rtlCol="0">
+            <a:spAutoFit/>
+          </a:bodyPr>
+          <a:lstStyle/>
+          <a:p>
+            <a:pPr algn="ctr"/>
+            <a:r>
+              <a:rPr lang="ko-KR" altLang="en-US" sz="1100" dirty="0">
+                <a:solidFill>
+                  <a:schemeClr val="bg1"/>
+                </a:solidFill>
+              </a:rPr>
+              <a:t>같은 닉네임이 </a:t>
+            </a:r>
+            <a:endParaRPr lang="en-US" altLang="ko-KR" sz="1100" dirty="0">
+              <a:solidFill>
+                <a:schemeClr val="bg1"/>
+              </a:solidFill>
+            </a:endParaRPr>
+          </a:p>
+          <a:p>
+            <a:pPr algn="ctr"/>
+            <a:r>
+              <a:rPr lang="ko-KR" altLang="en-US" sz="1100" dirty="0">
+                <a:solidFill>
+                  <a:schemeClr val="bg1"/>
+                </a:solidFill>
+              </a:rPr>
+              <a:t>있는가</a:t>
+            </a:r>
+            <a:r>
+              <a:rPr lang="en-US" altLang="ko-KR" sz="1100" dirty="0">
+                <a:solidFill>
+                  <a:schemeClr val="bg1"/>
+                </a:solidFill>
+              </a:rPr>
+              <a:t>?</a:t>
+            </a:r>
+            <a:endParaRPr lang="ko-KR" altLang="en-US" sz="1100" dirty="0">
+              <a:solidFill>
+                <a:schemeClr val="bg1"/>
+              </a:solidFill>
+            </a:endParaRPr>
+          </a:p>
+        </p:txBody>
+      </p:sp>
+      <p:cxnSp>
+        <p:nvCxnSpPr>
+          <p:cNvPr id="25" name="직선 화살표 연결선 24">
+            <a:extLst>
+              <a:ext uri="{FF2B5EF4-FFF2-40B4-BE49-F238E27FC236}">
+                <a16:creationId xmlns:a16="http://schemas.microsoft.com/office/drawing/2014/main" id="{D7B5703B-7227-4233-B600-4A3ECF5129E7}"/>
+              </a:ext>
+            </a:extLst>
+          </p:cNvPr>
+          <p:cNvCxnSpPr>
+            <a:stCxn id="19" idx="2"/>
+            <a:endCxn id="20" idx="0"/>
+          </p:cNvCxnSpPr>
+          <p:nvPr/>
+        </p:nvCxnSpPr>
+        <p:spPr>
+          <a:xfrm>
+            <a:off x="5943599" y="2292119"/>
+            <a:ext cx="1" cy="255139"/>
+          </a:xfrm>
+          <a:prstGeom prst="straightConnector1">
+            <a:avLst/>
+          </a:prstGeom>
+          <a:ln>
+            <a:solidFill>
+              <a:schemeClr val="tx1"/>
+            </a:solidFill>
+            <a:tailEnd type="triangle"/>
+          </a:ln>
+        </p:spPr>
+        <p:style>
+          <a:lnRef idx="1">
+            <a:schemeClr val="accent1"/>
+          </a:lnRef>
+          <a:fillRef idx="0">
+            <a:schemeClr val="accent1"/>
+          </a:fillRef>
+          <a:effectRef idx="0">
+            <a:schemeClr val="accent1"/>
+          </a:effectRef>
+          <a:fontRef idx="minor">
+            <a:schemeClr val="tx1"/>
+          </a:fontRef>
+        </p:style>
+      </p:cxnSp>
+      <p:cxnSp>
+        <p:nvCxnSpPr>
+          <p:cNvPr id="27" name="연결선: 꺾임 26">
+            <a:extLst>
+              <a:ext uri="{FF2B5EF4-FFF2-40B4-BE49-F238E27FC236}">
+                <a16:creationId xmlns:a16="http://schemas.microsoft.com/office/drawing/2014/main" id="{8E418718-BF0A-4731-8EAD-9814FAEF432E}"/>
+              </a:ext>
+            </a:extLst>
+          </p:cNvPr>
+          <p:cNvCxnSpPr>
+            <a:cxnSpLocks/>
+            <a:stCxn id="20" idx="3"/>
+            <a:endCxn id="19" idx="3"/>
+          </p:cNvCxnSpPr>
+          <p:nvPr/>
+        </p:nvCxnSpPr>
+        <p:spPr>
+          <a:xfrm flipV="1">
+            <a:off x="6500682" y="2054189"/>
+            <a:ext cx="99882" cy="773416"/>
+          </a:xfrm>
+          <a:prstGeom prst="bentConnector3">
+            <a:avLst>
+              <a:gd name="adj1" fmla="val 328870"/>
+            </a:avLst>
+          </a:prstGeom>
+          <a:ln>
+            <a:solidFill>
+              <a:srgbClr val="FF0000"/>
+            </a:solidFill>
+            <a:tailEnd type="triangle"/>
+          </a:ln>
+        </p:spPr>
+        <p:style>
+          <a:lnRef idx="1">
+            <a:schemeClr val="accent1"/>
+          </a:lnRef>
+          <a:fillRef idx="0">
+            <a:schemeClr val="accent1"/>
+          </a:fillRef>
+          <a:effectRef idx="0">
+            <a:schemeClr val="accent1"/>
+          </a:effectRef>
+          <a:fontRef idx="minor">
+            <a:schemeClr val="tx1"/>
+          </a:fontRef>
+        </p:style>
+      </p:cxnSp>
+      <p:sp>
+        <p:nvSpPr>
+          <p:cNvPr id="32" name="직사각형 31">
+            <a:extLst>
+              <a:ext uri="{FF2B5EF4-FFF2-40B4-BE49-F238E27FC236}">
+                <a16:creationId xmlns:a16="http://schemas.microsoft.com/office/drawing/2014/main" id="{E8927762-58AA-49E8-92B7-6C59FF4DE753}"/>
+              </a:ext>
+            </a:extLst>
+          </p:cNvPr>
+          <p:cNvSpPr/>
+          <p:nvPr/>
+        </p:nvSpPr>
+        <p:spPr>
+          <a:xfrm>
+            <a:off x="5261930" y="3384225"/>
+            <a:ext cx="1313930" cy="475860"/>
+          </a:xfrm>
+          <a:prstGeom prst="rect">
+            <a:avLst/>
+          </a:prstGeom>
+          <a:solidFill>
+            <a:schemeClr val="tx1"/>
+          </a:solidFill>
+        </p:spPr>
+        <p:style>
+          <a:lnRef idx="2">
+            <a:schemeClr val="accent1">
+              <a:shade val="50000"/>
+            </a:schemeClr>
+          </a:lnRef>
+          <a:fillRef idx="1">
+            <a:schemeClr val="accent1"/>
+          </a:fillRef>
+          <a:effectRef idx="0">
+            <a:schemeClr val="accent1"/>
+          </a:effectRef>
+          <a:fontRef idx="minor">
+            <a:schemeClr val="lt1"/>
+          </a:fontRef>
+        </p:style>
+        <p:txBody>
+          <a:bodyPr rtlCol="0" anchor="ctr"/>
+          <a:lstStyle/>
+          <a:p>
+            <a:pPr algn="ctr"/>
+            <a:r>
+              <a:rPr lang="ko-KR" altLang="en-US" sz="1600" dirty="0"/>
+              <a:t>메인 화면</a:t>
+            </a:r>
+          </a:p>
+        </p:txBody>
+      </p:sp>
+      <p:cxnSp>
+        <p:nvCxnSpPr>
+          <p:cNvPr id="34" name="직선 화살표 연결선 33">
+            <a:extLst>
+              <a:ext uri="{FF2B5EF4-FFF2-40B4-BE49-F238E27FC236}">
+                <a16:creationId xmlns:a16="http://schemas.microsoft.com/office/drawing/2014/main" id="{3A87B26F-F7F3-4FDA-A507-DBB6A74C76AD}"/>
+              </a:ext>
+            </a:extLst>
+          </p:cNvPr>
+          <p:cNvCxnSpPr>
+            <a:cxnSpLocks/>
+          </p:cNvCxnSpPr>
+          <p:nvPr/>
+        </p:nvCxnSpPr>
+        <p:spPr>
+          <a:xfrm>
+            <a:off x="10781985" y="2006486"/>
+            <a:ext cx="722660" cy="0"/>
+          </a:xfrm>
+          <a:prstGeom prst="straightConnector1">
+            <a:avLst/>
+          </a:prstGeom>
+          <a:ln>
+            <a:solidFill>
+              <a:srgbClr val="FF0000"/>
+            </a:solidFill>
+            <a:tailEnd type="triangle"/>
+          </a:ln>
+        </p:spPr>
+        <p:style>
+          <a:lnRef idx="1">
+            <a:schemeClr val="accent1"/>
+          </a:lnRef>
+          <a:fillRef idx="0">
+            <a:schemeClr val="accent1"/>
+          </a:fillRef>
+          <a:effectRef idx="0">
+            <a:schemeClr val="accent1"/>
+          </a:effectRef>
+          <a:fontRef idx="minor">
+            <a:schemeClr val="tx1"/>
+          </a:fontRef>
+        </p:style>
+      </p:cxnSp>
+      <p:cxnSp>
+        <p:nvCxnSpPr>
+          <p:cNvPr id="38" name="직선 화살표 연결선 37">
+            <a:extLst>
+              <a:ext uri="{FF2B5EF4-FFF2-40B4-BE49-F238E27FC236}">
+                <a16:creationId xmlns:a16="http://schemas.microsoft.com/office/drawing/2014/main" id="{09FA5029-1571-4375-82A2-978F9F8AABA3}"/>
+              </a:ext>
+            </a:extLst>
+          </p:cNvPr>
+          <p:cNvCxnSpPr>
+            <a:cxnSpLocks/>
+          </p:cNvCxnSpPr>
+          <p:nvPr/>
+        </p:nvCxnSpPr>
+        <p:spPr>
+          <a:xfrm>
+            <a:off x="10775762" y="2289519"/>
+            <a:ext cx="722660" cy="0"/>
+          </a:xfrm>
+          <a:prstGeom prst="straightConnector1">
+            <a:avLst/>
+          </a:prstGeom>
+          <a:ln>
+            <a:solidFill>
+              <a:srgbClr val="0070C0"/>
+            </a:solidFill>
+            <a:tailEnd type="triangle"/>
+          </a:ln>
+        </p:spPr>
+        <p:style>
+          <a:lnRef idx="1">
+            <a:schemeClr val="accent1"/>
+          </a:lnRef>
+          <a:fillRef idx="0">
+            <a:schemeClr val="accent1"/>
+          </a:fillRef>
+          <a:effectRef idx="0">
+            <a:schemeClr val="accent1"/>
+          </a:effectRef>
+          <a:fontRef idx="minor">
+            <a:schemeClr val="tx1"/>
+          </a:fontRef>
+        </p:style>
+      </p:cxnSp>
+      <p:sp>
+        <p:nvSpPr>
+          <p:cNvPr id="39" name="TextBox 38">
+            <a:extLst>
+              <a:ext uri="{FF2B5EF4-FFF2-40B4-BE49-F238E27FC236}">
+                <a16:creationId xmlns:a16="http://schemas.microsoft.com/office/drawing/2014/main" id="{71E6B888-2F89-4BF6-A2FA-4D2024CFDD90}"/>
+              </a:ext>
+            </a:extLst>
+          </p:cNvPr>
+          <p:cNvSpPr txBox="1"/>
+          <p:nvPr/>
+        </p:nvSpPr>
+        <p:spPr>
+          <a:xfrm>
+            <a:off x="11579438" y="2133120"/>
+            <a:ext cx="446597" cy="307777"/>
+          </a:xfrm>
+          <a:prstGeom prst="rect">
+            <a:avLst/>
+          </a:prstGeom>
+          <a:noFill/>
+        </p:spPr>
+        <p:txBody>
+          <a:bodyPr wrap="none" rtlCol="0">
+            <a:spAutoFit/>
+          </a:bodyPr>
+          <a:lstStyle/>
+          <a:p>
+            <a:r>
+              <a:rPr lang="en-US" altLang="ko-KR" sz="1400" dirty="0"/>
+              <a:t>yes</a:t>
+            </a:r>
+            <a:endParaRPr lang="en-US" altLang="ko-KR" dirty="0"/>
+          </a:p>
+        </p:txBody>
+      </p:sp>
+      <p:sp>
+        <p:nvSpPr>
+          <p:cNvPr id="40" name="TextBox 39">
+            <a:extLst>
+              <a:ext uri="{FF2B5EF4-FFF2-40B4-BE49-F238E27FC236}">
+                <a16:creationId xmlns:a16="http://schemas.microsoft.com/office/drawing/2014/main" id="{B14D0827-5DE4-4F24-8C41-35A22A62D2A1}"/>
+              </a:ext>
+            </a:extLst>
+          </p:cNvPr>
+          <p:cNvSpPr txBox="1"/>
+          <p:nvPr/>
+        </p:nvSpPr>
+        <p:spPr>
+          <a:xfrm>
+            <a:off x="11607274" y="1852597"/>
+            <a:ext cx="396262" cy="307777"/>
+          </a:xfrm>
+          <a:prstGeom prst="rect">
+            <a:avLst/>
+          </a:prstGeom>
+          <a:noFill/>
+        </p:spPr>
+        <p:txBody>
+          <a:bodyPr wrap="none" rtlCol="0">
+            <a:spAutoFit/>
+          </a:bodyPr>
+          <a:lstStyle/>
+          <a:p>
+            <a:r>
+              <a:rPr lang="en-US" altLang="ko-KR" sz="1400" dirty="0"/>
+              <a:t>no</a:t>
+            </a:r>
+            <a:endParaRPr lang="en-US" altLang="ko-KR" dirty="0"/>
+          </a:p>
+        </p:txBody>
+      </p:sp>
+      <p:cxnSp>
+        <p:nvCxnSpPr>
+          <p:cNvPr id="44" name="직선 화살표 연결선 43">
+            <a:extLst>
+              <a:ext uri="{FF2B5EF4-FFF2-40B4-BE49-F238E27FC236}">
+                <a16:creationId xmlns:a16="http://schemas.microsoft.com/office/drawing/2014/main" id="{A588E5D3-87F6-4685-8320-41C7B5B32ADE}"/>
+              </a:ext>
+            </a:extLst>
+          </p:cNvPr>
+          <p:cNvCxnSpPr>
+            <a:cxnSpLocks/>
+          </p:cNvCxnSpPr>
+          <p:nvPr/>
+        </p:nvCxnSpPr>
+        <p:spPr>
+          <a:xfrm>
+            <a:off x="10775762" y="2607365"/>
+            <a:ext cx="722660" cy="0"/>
+          </a:xfrm>
+          <a:prstGeom prst="straightConnector1">
+            <a:avLst/>
+          </a:prstGeom>
+          <a:ln>
+            <a:solidFill>
+              <a:schemeClr val="tx1"/>
+            </a:solidFill>
+            <a:tailEnd type="triangle"/>
+          </a:ln>
+        </p:spPr>
+        <p:style>
+          <a:lnRef idx="1">
+            <a:schemeClr val="accent1"/>
+          </a:lnRef>
+          <a:fillRef idx="0">
+            <a:schemeClr val="accent1"/>
+          </a:fillRef>
+          <a:effectRef idx="0">
+            <a:schemeClr val="accent1"/>
+          </a:effectRef>
+          <a:fontRef idx="minor">
+            <a:schemeClr val="tx1"/>
+          </a:fontRef>
+        </p:style>
+      </p:cxnSp>
+      <p:sp>
+        <p:nvSpPr>
+          <p:cNvPr id="45" name="TextBox 44">
+            <a:extLst>
+              <a:ext uri="{FF2B5EF4-FFF2-40B4-BE49-F238E27FC236}">
+                <a16:creationId xmlns:a16="http://schemas.microsoft.com/office/drawing/2014/main" id="{9EA68591-192E-48BD-A1DB-E7A380077E1B}"/>
+              </a:ext>
+            </a:extLst>
+          </p:cNvPr>
+          <p:cNvSpPr txBox="1"/>
+          <p:nvPr/>
+        </p:nvSpPr>
+        <p:spPr>
+          <a:xfrm>
+            <a:off x="11607274" y="2441202"/>
+            <a:ext cx="543739" cy="307777"/>
+          </a:xfrm>
+          <a:prstGeom prst="rect">
+            <a:avLst/>
+          </a:prstGeom>
+          <a:noFill/>
+        </p:spPr>
+        <p:txBody>
+          <a:bodyPr wrap="none" rtlCol="0">
+            <a:spAutoFit/>
+          </a:bodyPr>
+          <a:lstStyle/>
+          <a:p>
+            <a:r>
+              <a:rPr lang="ko-KR" altLang="en-US" sz="1400" dirty="0"/>
+              <a:t>일반</a:t>
+            </a:r>
+            <a:endParaRPr lang="en-US" altLang="ko-KR" dirty="0"/>
+          </a:p>
+        </p:txBody>
+      </p:sp>
+      <p:cxnSp>
+        <p:nvCxnSpPr>
+          <p:cNvPr id="46" name="직선 화살표 연결선 45">
+            <a:extLst>
+              <a:ext uri="{FF2B5EF4-FFF2-40B4-BE49-F238E27FC236}">
+                <a16:creationId xmlns:a16="http://schemas.microsoft.com/office/drawing/2014/main" id="{5CE73A65-0B38-461B-B416-9B7652F7AA8B}"/>
+              </a:ext>
+            </a:extLst>
+          </p:cNvPr>
+          <p:cNvCxnSpPr>
+            <a:cxnSpLocks/>
+            <a:endCxn id="32" idx="0"/>
+          </p:cNvCxnSpPr>
+          <p:nvPr/>
+        </p:nvCxnSpPr>
+        <p:spPr>
+          <a:xfrm>
+            <a:off x="5918895" y="3107952"/>
+            <a:ext cx="0" cy="276273"/>
+          </a:xfrm>
+          <a:prstGeom prst="straightConnector1">
+            <a:avLst/>
+          </a:prstGeom>
+          <a:ln>
+            <a:solidFill>
+              <a:srgbClr val="0070C0"/>
+            </a:solidFill>
+            <a:tailEnd type="triangle"/>
+          </a:ln>
+        </p:spPr>
+        <p:style>
+          <a:lnRef idx="1">
+            <a:schemeClr val="accent1"/>
+          </a:lnRef>
+          <a:fillRef idx="0">
+            <a:schemeClr val="accent1"/>
+          </a:fillRef>
+          <a:effectRef idx="0">
+            <a:schemeClr val="accent1"/>
+          </a:effectRef>
+          <a:fontRef idx="minor">
+            <a:schemeClr val="tx1"/>
+          </a:fontRef>
+        </p:style>
+      </p:cxnSp>
+      <p:sp>
+        <p:nvSpPr>
+          <p:cNvPr id="49" name="직사각형 48">
+            <a:extLst>
+              <a:ext uri="{FF2B5EF4-FFF2-40B4-BE49-F238E27FC236}">
+                <a16:creationId xmlns:a16="http://schemas.microsoft.com/office/drawing/2014/main" id="{163A23C9-86B6-4EEB-BE87-8DD861C3C4F8}"/>
+              </a:ext>
+            </a:extLst>
+          </p:cNvPr>
+          <p:cNvSpPr/>
+          <p:nvPr/>
+        </p:nvSpPr>
+        <p:spPr>
+          <a:xfrm>
+            <a:off x="6795940" y="3085923"/>
+            <a:ext cx="1181734" cy="879583"/>
+          </a:xfrm>
+          <a:prstGeom prst="rect">
+            <a:avLst/>
+          </a:prstGeom>
+          <a:noFill/>
+          <a:ln>
+            <a:solidFill>
+              <a:schemeClr val="tx1"/>
+            </a:solidFill>
+          </a:ln>
+        </p:spPr>
+        <p:style>
+          <a:lnRef idx="2">
+            <a:schemeClr val="accent1">
+              <a:shade val="50000"/>
+            </a:schemeClr>
+          </a:lnRef>
+          <a:fillRef idx="1">
+            <a:schemeClr val="accent1"/>
+          </a:fillRef>
+          <a:effectRef idx="0">
+            <a:schemeClr val="accent1"/>
+          </a:effectRef>
+          <a:fontRef idx="minor">
+            <a:schemeClr val="lt1"/>
+          </a:fontRef>
+        </p:style>
+        <p:txBody>
+          <a:bodyPr rtlCol="0" anchor="ctr"/>
+          <a:lstStyle/>
+          <a:p>
+            <a:pPr algn="ctr"/>
+            <a:endParaRPr lang="ko-KR" altLang="en-US" dirty="0"/>
+          </a:p>
+        </p:txBody>
+      </p:sp>
+      <p:sp>
+        <p:nvSpPr>
+          <p:cNvPr id="50" name="TextBox 49">
+            <a:extLst>
+              <a:ext uri="{FF2B5EF4-FFF2-40B4-BE49-F238E27FC236}">
+                <a16:creationId xmlns:a16="http://schemas.microsoft.com/office/drawing/2014/main" id="{599AEBF4-216A-419A-B321-A0D744E2DE36}"/>
+              </a:ext>
+            </a:extLst>
+          </p:cNvPr>
+          <p:cNvSpPr txBox="1"/>
+          <p:nvPr/>
+        </p:nvSpPr>
+        <p:spPr>
+          <a:xfrm>
+            <a:off x="6795939" y="3106462"/>
+            <a:ext cx="1181734" cy="1015663"/>
+          </a:xfrm>
+          <a:prstGeom prst="rect">
+            <a:avLst/>
+          </a:prstGeom>
+          <a:noFill/>
+        </p:spPr>
+        <p:txBody>
+          <a:bodyPr wrap="none" rtlCol="0">
+            <a:spAutoFit/>
+          </a:bodyPr>
+          <a:lstStyle/>
+          <a:p>
+            <a:r>
+              <a:rPr lang="en-US" altLang="ko-KR" sz="1200" dirty="0"/>
+              <a:t>-  </a:t>
+            </a:r>
+            <a:r>
+              <a:rPr lang="ko-KR" altLang="en-US" sz="1200" dirty="0"/>
+              <a:t>게임 시작</a:t>
+            </a:r>
+            <a:endParaRPr lang="en-US" altLang="ko-KR" sz="1200" dirty="0"/>
+          </a:p>
+          <a:p>
+            <a:pPr marL="171450" indent="-171450">
+              <a:buFontTx/>
+              <a:buChar char="-"/>
+            </a:pPr>
+            <a:r>
+              <a:rPr lang="ko-KR" altLang="en-US" sz="1200" dirty="0"/>
+              <a:t>설정</a:t>
+            </a:r>
+            <a:endParaRPr lang="en-US" altLang="ko-KR" sz="1200" dirty="0"/>
+          </a:p>
+          <a:p>
+            <a:pPr marL="171450" indent="-171450">
+              <a:buFontTx/>
+              <a:buChar char="-"/>
+            </a:pPr>
+            <a:r>
+              <a:rPr lang="ko-KR" altLang="en-US" sz="1200" dirty="0"/>
+              <a:t>게임 설명</a:t>
+            </a:r>
+            <a:endParaRPr lang="en-US" altLang="ko-KR" sz="1200" dirty="0"/>
+          </a:p>
+          <a:p>
+            <a:pPr marL="171450" indent="-171450">
+              <a:buFontTx/>
+              <a:buChar char="-"/>
+            </a:pPr>
+            <a:r>
+              <a:rPr lang="ko-KR" altLang="en-US" sz="1200" dirty="0"/>
+              <a:t>음소거 설정</a:t>
+            </a:r>
+            <a:endParaRPr lang="en-US" altLang="ko-KR" sz="1200" dirty="0"/>
+          </a:p>
+          <a:p>
+            <a:pPr marL="171450" indent="-171450">
+              <a:buFontTx/>
+              <a:buChar char="-"/>
+            </a:pPr>
+            <a:endParaRPr lang="ko-KR" altLang="en-US" sz="1200" dirty="0"/>
+          </a:p>
+        </p:txBody>
+      </p:sp>
+      <p:cxnSp>
+        <p:nvCxnSpPr>
+          <p:cNvPr id="59" name="직선 연결선 58">
+            <a:extLst>
+              <a:ext uri="{FF2B5EF4-FFF2-40B4-BE49-F238E27FC236}">
+                <a16:creationId xmlns:a16="http://schemas.microsoft.com/office/drawing/2014/main" id="{837681A4-9EBC-41D4-A6AA-857DFDE647EC}"/>
+              </a:ext>
+            </a:extLst>
+          </p:cNvPr>
+          <p:cNvCxnSpPr>
+            <a:stCxn id="32" idx="3"/>
+            <a:endCxn id="50" idx="1"/>
+          </p:cNvCxnSpPr>
+          <p:nvPr/>
+        </p:nvCxnSpPr>
+        <p:spPr>
+          <a:xfrm flipV="1">
+            <a:off x="6575860" y="3614294"/>
+            <a:ext cx="220079" cy="7861"/>
+          </a:xfrm>
+          <a:prstGeom prst="line">
+            <a:avLst/>
+          </a:prstGeom>
+          <a:ln>
+            <a:solidFill>
+              <a:schemeClr val="tx1"/>
+            </a:solidFill>
+          </a:ln>
+        </p:spPr>
+        <p:style>
+          <a:lnRef idx="1">
+            <a:schemeClr val="accent1"/>
+          </a:lnRef>
+          <a:fillRef idx="0">
+            <a:schemeClr val="accent1"/>
+          </a:fillRef>
+          <a:effectRef idx="0">
+            <a:schemeClr val="accent1"/>
+          </a:effectRef>
+          <a:fontRef idx="minor">
+            <a:schemeClr val="tx1"/>
+          </a:fontRef>
+        </p:style>
+      </p:cxnSp>
+      <p:cxnSp>
+        <p:nvCxnSpPr>
+          <p:cNvPr id="61" name="직선 화살표 연결선 60">
+            <a:extLst>
+              <a:ext uri="{FF2B5EF4-FFF2-40B4-BE49-F238E27FC236}">
+                <a16:creationId xmlns:a16="http://schemas.microsoft.com/office/drawing/2014/main" id="{802359EE-E9A6-4993-B9D0-0E42D7FEC355}"/>
+              </a:ext>
+            </a:extLst>
+          </p:cNvPr>
+          <p:cNvCxnSpPr/>
+          <p:nvPr/>
+        </p:nvCxnSpPr>
+        <p:spPr>
+          <a:xfrm>
+            <a:off x="5937376" y="3872103"/>
+            <a:ext cx="1" cy="255139"/>
+          </a:xfrm>
+          <a:prstGeom prst="straightConnector1">
+            <a:avLst/>
+          </a:prstGeom>
+          <a:ln>
+            <a:solidFill>
+              <a:schemeClr val="tx1"/>
+            </a:solidFill>
+            <a:tailEnd type="triangle"/>
+          </a:ln>
+        </p:spPr>
+        <p:style>
+          <a:lnRef idx="1">
+            <a:schemeClr val="accent1"/>
+          </a:lnRef>
+          <a:fillRef idx="0">
+            <a:schemeClr val="accent1"/>
+          </a:fillRef>
+          <a:effectRef idx="0">
+            <a:schemeClr val="accent1"/>
+          </a:effectRef>
+          <a:fontRef idx="minor">
+            <a:schemeClr val="tx1"/>
+          </a:fontRef>
+        </p:style>
+      </p:cxnSp>
+      <p:sp>
+        <p:nvSpPr>
+          <p:cNvPr id="62" name="직사각형 61">
+            <a:extLst>
+              <a:ext uri="{FF2B5EF4-FFF2-40B4-BE49-F238E27FC236}">
+                <a16:creationId xmlns:a16="http://schemas.microsoft.com/office/drawing/2014/main" id="{779A8846-5CCE-4615-9349-2198F2A7BB7E}"/>
+              </a:ext>
+            </a:extLst>
+          </p:cNvPr>
+          <p:cNvSpPr/>
+          <p:nvPr/>
+        </p:nvSpPr>
+        <p:spPr>
+          <a:xfrm>
+            <a:off x="5261930" y="4125172"/>
+            <a:ext cx="1313930" cy="475860"/>
+          </a:xfrm>
+          <a:prstGeom prst="rect">
+            <a:avLst/>
+          </a:prstGeom>
+          <a:solidFill>
+            <a:schemeClr val="tx1"/>
+          </a:solidFill>
+        </p:spPr>
+        <p:style>
+          <a:lnRef idx="2">
+            <a:schemeClr val="accent1">
+              <a:shade val="50000"/>
+            </a:schemeClr>
+          </a:lnRef>
+          <a:fillRef idx="1">
+            <a:schemeClr val="accent1"/>
+          </a:fillRef>
+          <a:effectRef idx="0">
+            <a:schemeClr val="accent1"/>
+          </a:effectRef>
+          <a:fontRef idx="minor">
+            <a:schemeClr val="lt1"/>
+          </a:fontRef>
+        </p:style>
+        <p:txBody>
+          <a:bodyPr rtlCol="0" anchor="ctr"/>
+          <a:lstStyle/>
+          <a:p>
+            <a:pPr algn="ctr"/>
+            <a:r>
+              <a:rPr lang="ko-KR" altLang="en-US" sz="1400" dirty="0"/>
+              <a:t>방 참여 </a:t>
+            </a:r>
+            <a:r>
+              <a:rPr lang="en-US" altLang="ko-KR" sz="1400" dirty="0"/>
+              <a:t>UI</a:t>
+            </a:r>
+            <a:endParaRPr lang="ko-KR" altLang="en-US" sz="1400" dirty="0"/>
+          </a:p>
+        </p:txBody>
+      </p:sp>
+      <p:sp>
+        <p:nvSpPr>
+          <p:cNvPr id="63" name="직사각형 62">
+            <a:extLst>
+              <a:ext uri="{FF2B5EF4-FFF2-40B4-BE49-F238E27FC236}">
+                <a16:creationId xmlns:a16="http://schemas.microsoft.com/office/drawing/2014/main" id="{BD973DC5-13F6-413F-99D2-C2EA885A8A57}"/>
+              </a:ext>
+            </a:extLst>
+          </p:cNvPr>
+          <p:cNvSpPr/>
+          <p:nvPr/>
+        </p:nvSpPr>
+        <p:spPr>
+          <a:xfrm>
+            <a:off x="3772134" y="5383539"/>
+            <a:ext cx="1313930" cy="475860"/>
+          </a:xfrm>
+          <a:prstGeom prst="rect">
+            <a:avLst/>
+          </a:prstGeom>
+          <a:solidFill>
+            <a:schemeClr val="tx1"/>
+          </a:solidFill>
+        </p:spPr>
+        <p:style>
+          <a:lnRef idx="2">
+            <a:schemeClr val="accent1">
+              <a:shade val="50000"/>
+            </a:schemeClr>
+          </a:lnRef>
+          <a:fillRef idx="1">
+            <a:schemeClr val="accent1"/>
+          </a:fillRef>
+          <a:effectRef idx="0">
+            <a:schemeClr val="accent1"/>
+          </a:effectRef>
+          <a:fontRef idx="minor">
+            <a:schemeClr val="lt1"/>
+          </a:fontRef>
+        </p:style>
+        <p:txBody>
+          <a:bodyPr rtlCol="0" anchor="ctr"/>
+          <a:lstStyle/>
+          <a:p>
+            <a:pPr algn="ctr"/>
+            <a:r>
+              <a:rPr lang="ko-KR" altLang="en-US" sz="1400" dirty="0"/>
+              <a:t>방 참여 </a:t>
+            </a:r>
+            <a:r>
+              <a:rPr lang="en-US" altLang="ko-KR" sz="1400" dirty="0"/>
+              <a:t>UI</a:t>
+            </a:r>
+            <a:endParaRPr lang="ko-KR" altLang="en-US" sz="1400" dirty="0"/>
+          </a:p>
+        </p:txBody>
+      </p:sp>
+      <p:sp>
+        <p:nvSpPr>
+          <p:cNvPr id="64" name="직사각형 63">
+            <a:extLst>
+              <a:ext uri="{FF2B5EF4-FFF2-40B4-BE49-F238E27FC236}">
+                <a16:creationId xmlns:a16="http://schemas.microsoft.com/office/drawing/2014/main" id="{1A874B02-0F04-4268-9A73-52A2A2AD8623}"/>
+              </a:ext>
+            </a:extLst>
+          </p:cNvPr>
+          <p:cNvSpPr/>
+          <p:nvPr/>
+        </p:nvSpPr>
+        <p:spPr>
+          <a:xfrm>
+            <a:off x="6729841" y="5444300"/>
+            <a:ext cx="1313930" cy="475860"/>
+          </a:xfrm>
+          <a:prstGeom prst="rect">
+            <a:avLst/>
+          </a:prstGeom>
+          <a:solidFill>
+            <a:schemeClr val="tx1"/>
+          </a:solidFill>
+        </p:spPr>
+        <p:style>
+          <a:lnRef idx="2">
+            <a:schemeClr val="accent1">
+              <a:shade val="50000"/>
+            </a:schemeClr>
+          </a:lnRef>
+          <a:fillRef idx="1">
+            <a:schemeClr val="accent1"/>
+          </a:fillRef>
+          <a:effectRef idx="0">
+            <a:schemeClr val="accent1"/>
+          </a:effectRef>
+          <a:fontRef idx="minor">
+            <a:schemeClr val="lt1"/>
+          </a:fontRef>
+        </p:style>
+        <p:txBody>
+          <a:bodyPr rtlCol="0" anchor="ctr"/>
+          <a:lstStyle/>
+          <a:p>
+            <a:pPr algn="ctr"/>
+            <a:r>
+              <a:rPr lang="ko-KR" altLang="en-US" sz="1400" dirty="0"/>
+              <a:t>방</a:t>
+            </a:r>
+            <a:r>
+              <a:rPr lang="en-US" altLang="ko-KR" sz="1400" dirty="0"/>
+              <a:t> </a:t>
+            </a:r>
+            <a:r>
+              <a:rPr lang="ko-KR" altLang="en-US" sz="1400" dirty="0"/>
+              <a:t>만들기 </a:t>
+            </a:r>
+            <a:r>
+              <a:rPr lang="en-US" altLang="ko-KR" sz="1400" dirty="0"/>
+              <a:t>UI</a:t>
+            </a:r>
+            <a:endParaRPr lang="ko-KR" altLang="en-US" sz="1400" dirty="0"/>
+          </a:p>
+        </p:txBody>
+      </p:sp>
+      <p:sp>
+        <p:nvSpPr>
+          <p:cNvPr id="65" name="다이아몬드 64">
+            <a:extLst>
+              <a:ext uri="{FF2B5EF4-FFF2-40B4-BE49-F238E27FC236}">
+                <a16:creationId xmlns:a16="http://schemas.microsoft.com/office/drawing/2014/main" id="{5303DC38-882D-4A2D-9F70-F5A8BDF1CFD5}"/>
+              </a:ext>
+            </a:extLst>
+          </p:cNvPr>
+          <p:cNvSpPr/>
+          <p:nvPr/>
+        </p:nvSpPr>
+        <p:spPr>
+          <a:xfrm>
+            <a:off x="5380294" y="4808374"/>
+            <a:ext cx="1114165" cy="560694"/>
+          </a:xfrm>
+          <a:prstGeom prst="diamond">
+            <a:avLst/>
+          </a:prstGeom>
+          <a:solidFill>
+            <a:schemeClr val="tx1"/>
+          </a:solidFill>
+        </p:spPr>
+        <p:style>
+          <a:lnRef idx="2">
+            <a:schemeClr val="accent1">
+              <a:shade val="50000"/>
+            </a:schemeClr>
+          </a:lnRef>
+          <a:fillRef idx="1">
+            <a:schemeClr val="accent1"/>
+          </a:fillRef>
+          <a:effectRef idx="0">
+            <a:schemeClr val="accent1"/>
+          </a:effectRef>
+          <a:fontRef idx="minor">
+            <a:schemeClr val="lt1"/>
+          </a:fontRef>
+        </p:style>
+        <p:txBody>
+          <a:bodyPr rtlCol="0" anchor="ctr"/>
+          <a:lstStyle/>
+          <a:p>
+            <a:pPr algn="ctr"/>
+            <a:endParaRPr lang="ko-KR" altLang="en-US"/>
+          </a:p>
+        </p:txBody>
+      </p:sp>
+      <p:sp>
+        <p:nvSpPr>
+          <p:cNvPr id="66" name="TextBox 65">
+            <a:extLst>
+              <a:ext uri="{FF2B5EF4-FFF2-40B4-BE49-F238E27FC236}">
+                <a16:creationId xmlns:a16="http://schemas.microsoft.com/office/drawing/2014/main" id="{9A1FC387-F8FA-4177-9AF4-0506BC5B1D9A}"/>
+              </a:ext>
+            </a:extLst>
+          </p:cNvPr>
+          <p:cNvSpPr txBox="1"/>
+          <p:nvPr/>
+        </p:nvSpPr>
+        <p:spPr>
+          <a:xfrm>
+            <a:off x="5383048" y="4889844"/>
+            <a:ext cx="1114165" cy="430887"/>
+          </a:xfrm>
+          <a:prstGeom prst="rect">
+            <a:avLst/>
+          </a:prstGeom>
+          <a:noFill/>
+        </p:spPr>
+        <p:txBody>
+          <a:bodyPr wrap="square" rtlCol="0">
+            <a:spAutoFit/>
+          </a:bodyPr>
+          <a:lstStyle/>
+          <a:p>
+            <a:pPr algn="ctr"/>
+            <a:r>
+              <a:rPr lang="ko-KR" altLang="en-US" sz="1100" dirty="0">
+                <a:solidFill>
+                  <a:schemeClr val="bg1"/>
+                </a:solidFill>
+              </a:rPr>
+              <a:t>원하는 방이 있는가</a:t>
+            </a:r>
+            <a:r>
+              <a:rPr lang="en-US" altLang="ko-KR" sz="1100" dirty="0">
+                <a:solidFill>
+                  <a:schemeClr val="bg1"/>
+                </a:solidFill>
+              </a:rPr>
+              <a:t>?</a:t>
+            </a:r>
+            <a:endParaRPr lang="ko-KR" altLang="en-US" sz="1100" dirty="0">
+              <a:solidFill>
+                <a:schemeClr val="bg1"/>
+              </a:solidFill>
+            </a:endParaRPr>
+          </a:p>
+        </p:txBody>
+      </p:sp>
+      <p:cxnSp>
+        <p:nvCxnSpPr>
+          <p:cNvPr id="67" name="직선 화살표 연결선 66">
+            <a:extLst>
+              <a:ext uri="{FF2B5EF4-FFF2-40B4-BE49-F238E27FC236}">
+                <a16:creationId xmlns:a16="http://schemas.microsoft.com/office/drawing/2014/main" id="{B8E2EF97-951A-4723-8ABB-37CF9909837E}"/>
+              </a:ext>
+            </a:extLst>
+          </p:cNvPr>
+          <p:cNvCxnSpPr/>
+          <p:nvPr/>
+        </p:nvCxnSpPr>
+        <p:spPr>
+          <a:xfrm>
+            <a:off x="5918894" y="4573715"/>
+            <a:ext cx="1" cy="255139"/>
+          </a:xfrm>
+          <a:prstGeom prst="straightConnector1">
+            <a:avLst/>
+          </a:prstGeom>
+          <a:ln>
+            <a:solidFill>
+              <a:schemeClr val="tx1"/>
+            </a:solidFill>
+            <a:tailEnd type="triangle"/>
+          </a:ln>
+        </p:spPr>
+        <p:style>
+          <a:lnRef idx="1">
+            <a:schemeClr val="accent1"/>
+          </a:lnRef>
+          <a:fillRef idx="0">
+            <a:schemeClr val="accent1"/>
+          </a:fillRef>
+          <a:effectRef idx="0">
+            <a:schemeClr val="accent1"/>
+          </a:effectRef>
+          <a:fontRef idx="minor">
+            <a:schemeClr val="tx1"/>
+          </a:fontRef>
+        </p:style>
+      </p:cxnSp>
+      <p:cxnSp>
+        <p:nvCxnSpPr>
+          <p:cNvPr id="69" name="연결선: 꺾임 68">
+            <a:extLst>
+              <a:ext uri="{FF2B5EF4-FFF2-40B4-BE49-F238E27FC236}">
+                <a16:creationId xmlns:a16="http://schemas.microsoft.com/office/drawing/2014/main" id="{42043683-C3E6-451A-AD5D-8177C32ECDE7}"/>
+              </a:ext>
+            </a:extLst>
+          </p:cNvPr>
+          <p:cNvCxnSpPr>
+            <a:stCxn id="66" idx="1"/>
+            <a:endCxn id="63" idx="0"/>
+          </p:cNvCxnSpPr>
+          <p:nvPr/>
+        </p:nvCxnSpPr>
+        <p:spPr>
+          <a:xfrm rot="10800000" flipV="1">
+            <a:off x="4429100" y="5105287"/>
+            <a:ext cx="953949" cy="278251"/>
+          </a:xfrm>
+          <a:prstGeom prst="bentConnector2">
+            <a:avLst/>
+          </a:prstGeom>
+          <a:ln>
+            <a:tailEnd type="triangle"/>
+          </a:ln>
+        </p:spPr>
+        <p:style>
+          <a:lnRef idx="1">
+            <a:schemeClr val="accent1"/>
+          </a:lnRef>
+          <a:fillRef idx="0">
+            <a:schemeClr val="accent1"/>
+          </a:fillRef>
+          <a:effectRef idx="0">
+            <a:schemeClr val="accent1"/>
+          </a:effectRef>
+          <a:fontRef idx="minor">
+            <a:schemeClr val="tx1"/>
+          </a:fontRef>
+        </p:style>
+      </p:cxnSp>
+      <p:cxnSp>
+        <p:nvCxnSpPr>
+          <p:cNvPr id="71" name="연결선: 꺾임 70">
+            <a:extLst>
+              <a:ext uri="{FF2B5EF4-FFF2-40B4-BE49-F238E27FC236}">
+                <a16:creationId xmlns:a16="http://schemas.microsoft.com/office/drawing/2014/main" id="{1EA50017-5BA9-48CF-BB0F-2654B1F3E402}"/>
+              </a:ext>
+            </a:extLst>
+          </p:cNvPr>
+          <p:cNvCxnSpPr>
+            <a:endCxn id="64" idx="0"/>
+          </p:cNvCxnSpPr>
+          <p:nvPr/>
+        </p:nvCxnSpPr>
+        <p:spPr>
+          <a:xfrm>
+            <a:off x="6503436" y="5105287"/>
+            <a:ext cx="883370" cy="339013"/>
+          </a:xfrm>
+          <a:prstGeom prst="bentConnector2">
+            <a:avLst/>
+          </a:prstGeom>
+          <a:ln>
+            <a:solidFill>
+              <a:srgbClr val="FF0000"/>
+            </a:solidFill>
+            <a:tailEnd type="triangle"/>
+          </a:ln>
+        </p:spPr>
+        <p:style>
+          <a:lnRef idx="1">
+            <a:schemeClr val="accent1"/>
+          </a:lnRef>
+          <a:fillRef idx="0">
+            <a:schemeClr val="accent1"/>
+          </a:fillRef>
+          <a:effectRef idx="0">
+            <a:schemeClr val="accent1"/>
+          </a:effectRef>
+          <a:fontRef idx="minor">
+            <a:schemeClr val="tx1"/>
+          </a:fontRef>
+        </p:style>
+      </p:cxnSp>
+      <p:sp>
+        <p:nvSpPr>
+          <p:cNvPr id="72" name="직사각형 71">
+            <a:extLst>
+              <a:ext uri="{FF2B5EF4-FFF2-40B4-BE49-F238E27FC236}">
+                <a16:creationId xmlns:a16="http://schemas.microsoft.com/office/drawing/2014/main" id="{B8B2E2C2-0268-48C8-BA2A-A9EFC0155C03}"/>
+              </a:ext>
+            </a:extLst>
+          </p:cNvPr>
+          <p:cNvSpPr/>
+          <p:nvPr/>
+        </p:nvSpPr>
+        <p:spPr>
+          <a:xfrm>
+            <a:off x="5180529" y="6337837"/>
+            <a:ext cx="1313930" cy="475860"/>
+          </a:xfrm>
+          <a:prstGeom prst="rect">
+            <a:avLst/>
+          </a:prstGeom>
+          <a:solidFill>
+            <a:schemeClr val="tx1"/>
+          </a:solidFill>
+        </p:spPr>
+        <p:style>
+          <a:lnRef idx="2">
+            <a:schemeClr val="accent1">
+              <a:shade val="50000"/>
+            </a:schemeClr>
+          </a:lnRef>
+          <a:fillRef idx="1">
+            <a:schemeClr val="accent1"/>
+          </a:fillRef>
+          <a:effectRef idx="0">
+            <a:schemeClr val="accent1"/>
+          </a:effectRef>
+          <a:fontRef idx="minor">
+            <a:schemeClr val="lt1"/>
+          </a:fontRef>
+        </p:style>
+        <p:txBody>
+          <a:bodyPr rtlCol="0" anchor="ctr"/>
+          <a:lstStyle/>
+          <a:p>
+            <a:pPr algn="ctr"/>
+            <a:r>
+              <a:rPr lang="ko-KR" altLang="en-US" sz="1600" dirty="0" err="1"/>
+              <a:t>인게임</a:t>
+            </a:r>
+            <a:r>
+              <a:rPr lang="ko-KR" altLang="en-US" sz="1600" dirty="0"/>
+              <a:t> </a:t>
+            </a:r>
+            <a:r>
+              <a:rPr lang="en-US" altLang="ko-KR" sz="1600" dirty="0"/>
+              <a:t>UI</a:t>
+            </a:r>
+            <a:endParaRPr lang="ko-KR" altLang="en-US" sz="1600" dirty="0"/>
+          </a:p>
+        </p:txBody>
+      </p:sp>
+      <p:cxnSp>
+        <p:nvCxnSpPr>
+          <p:cNvPr id="74" name="연결선: 꺾임 73">
+            <a:extLst>
+              <a:ext uri="{FF2B5EF4-FFF2-40B4-BE49-F238E27FC236}">
+                <a16:creationId xmlns:a16="http://schemas.microsoft.com/office/drawing/2014/main" id="{8B1F168C-420F-4448-9593-F8078DA49B0E}"/>
+              </a:ext>
+            </a:extLst>
+          </p:cNvPr>
+          <p:cNvCxnSpPr>
+            <a:stCxn id="63" idx="2"/>
+            <a:endCxn id="72" idx="1"/>
+          </p:cNvCxnSpPr>
+          <p:nvPr/>
+        </p:nvCxnSpPr>
+        <p:spPr>
+          <a:xfrm rot="16200000" flipH="1">
+            <a:off x="4446630" y="5841868"/>
+            <a:ext cx="716368" cy="751430"/>
+          </a:xfrm>
+          <a:prstGeom prst="bentConnector2">
+            <a:avLst/>
+          </a:prstGeom>
+          <a:ln>
+            <a:solidFill>
+              <a:schemeClr val="tx1"/>
+            </a:solidFill>
+            <a:tailEnd type="triangle"/>
+          </a:ln>
+        </p:spPr>
+        <p:style>
+          <a:lnRef idx="1">
+            <a:schemeClr val="accent1"/>
+          </a:lnRef>
+          <a:fillRef idx="0">
+            <a:schemeClr val="accent1"/>
+          </a:fillRef>
+          <a:effectRef idx="0">
+            <a:schemeClr val="accent1"/>
+          </a:effectRef>
+          <a:fontRef idx="minor">
+            <a:schemeClr val="tx1"/>
+          </a:fontRef>
+        </p:style>
+      </p:cxnSp>
+      <p:cxnSp>
+        <p:nvCxnSpPr>
+          <p:cNvPr id="76" name="연결선: 꺾임 75">
+            <a:extLst>
+              <a:ext uri="{FF2B5EF4-FFF2-40B4-BE49-F238E27FC236}">
+                <a16:creationId xmlns:a16="http://schemas.microsoft.com/office/drawing/2014/main" id="{4A175F86-39E6-4EB0-8B7D-F0D4371E5698}"/>
+              </a:ext>
+            </a:extLst>
+          </p:cNvPr>
+          <p:cNvCxnSpPr>
+            <a:stCxn id="64" idx="2"/>
+            <a:endCxn id="72" idx="3"/>
+          </p:cNvCxnSpPr>
+          <p:nvPr/>
+        </p:nvCxnSpPr>
+        <p:spPr>
+          <a:xfrm rot="5400000">
+            <a:off x="6612830" y="5801790"/>
+            <a:ext cx="655607" cy="892347"/>
+          </a:xfrm>
+          <a:prstGeom prst="bentConnector2">
+            <a:avLst/>
+          </a:prstGeom>
+          <a:ln>
+            <a:solidFill>
+              <a:schemeClr val="tx1"/>
+            </a:solidFill>
+            <a:tailEnd type="triangle"/>
+          </a:ln>
+        </p:spPr>
+        <p:style>
+          <a:lnRef idx="1">
+            <a:schemeClr val="accent1"/>
+          </a:lnRef>
+          <a:fillRef idx="0">
+            <a:schemeClr val="accent1"/>
+          </a:fillRef>
+          <a:effectRef idx="0">
+            <a:schemeClr val="accent1"/>
+          </a:effectRef>
+          <a:fontRef idx="minor">
+            <a:schemeClr val="tx1"/>
+          </a:fontRef>
+        </p:style>
+      </p:cxnSp>
+      <p:sp>
+        <p:nvSpPr>
+          <p:cNvPr id="83" name="TextBox 82">
+            <a:extLst>
+              <a:ext uri="{FF2B5EF4-FFF2-40B4-BE49-F238E27FC236}">
+                <a16:creationId xmlns:a16="http://schemas.microsoft.com/office/drawing/2014/main" id="{B3C2C459-7280-4779-99F3-78355E48E012}"/>
+              </a:ext>
+            </a:extLst>
+          </p:cNvPr>
+          <p:cNvSpPr txBox="1"/>
+          <p:nvPr/>
+        </p:nvSpPr>
+        <p:spPr>
+          <a:xfrm>
+            <a:off x="1709723" y="1062755"/>
+            <a:ext cx="1055097" cy="400110"/>
+          </a:xfrm>
+          <a:prstGeom prst="rect">
+            <a:avLst/>
+          </a:prstGeom>
+          <a:noFill/>
+        </p:spPr>
+        <p:txBody>
+          <a:bodyPr wrap="none" rtlCol="0">
+            <a:spAutoFit/>
+          </a:bodyPr>
+          <a:lstStyle/>
+          <a:p>
+            <a:r>
+              <a:rPr lang="ko-KR" altLang="en-US" sz="2000" b="1" dirty="0"/>
+              <a:t>시작</a:t>
+            </a:r>
+            <a:r>
+              <a:rPr lang="en-US" altLang="ko-KR" sz="2000" b="1" dirty="0"/>
+              <a:t> UI</a:t>
+            </a:r>
+            <a:endParaRPr lang="ko-KR" altLang="en-US" sz="1600" b="1" dirty="0"/>
+          </a:p>
+        </p:txBody>
+      </p:sp>
+      <p:sp>
+        <p:nvSpPr>
+          <p:cNvPr id="84" name="TextBox 83">
+            <a:extLst>
+              <a:ext uri="{FF2B5EF4-FFF2-40B4-BE49-F238E27FC236}">
+                <a16:creationId xmlns:a16="http://schemas.microsoft.com/office/drawing/2014/main" id="{16584595-C731-40F6-8D2B-EC9EAD92B876}"/>
+              </a:ext>
+            </a:extLst>
+          </p:cNvPr>
+          <p:cNvSpPr txBox="1"/>
+          <p:nvPr/>
+        </p:nvSpPr>
+        <p:spPr>
+          <a:xfrm>
+            <a:off x="3087214" y="1062755"/>
+            <a:ext cx="1668545" cy="400110"/>
+          </a:xfrm>
+          <a:prstGeom prst="rect">
+            <a:avLst/>
+          </a:prstGeom>
+          <a:noFill/>
+        </p:spPr>
+        <p:txBody>
+          <a:bodyPr wrap="square" rtlCol="0">
+            <a:spAutoFit/>
+          </a:bodyPr>
+          <a:lstStyle/>
+          <a:p>
+            <a:r>
+              <a:rPr lang="ko-KR" altLang="en-US" sz="2000" b="1" dirty="0"/>
+              <a:t>방 만들기</a:t>
+            </a:r>
+            <a:endParaRPr lang="ko-KR" altLang="en-US" sz="1600" b="1" dirty="0"/>
+          </a:p>
+        </p:txBody>
+      </p:sp>
+      <p:sp>
+        <p:nvSpPr>
+          <p:cNvPr id="85" name="TextBox 84">
+            <a:extLst>
+              <a:ext uri="{FF2B5EF4-FFF2-40B4-BE49-F238E27FC236}">
+                <a16:creationId xmlns:a16="http://schemas.microsoft.com/office/drawing/2014/main" id="{3B0908A6-4A80-4F2E-A9E2-F50F41868F99}"/>
+              </a:ext>
+            </a:extLst>
+          </p:cNvPr>
+          <p:cNvSpPr txBox="1"/>
+          <p:nvPr/>
+        </p:nvSpPr>
+        <p:spPr>
+          <a:xfrm>
+            <a:off x="4555109" y="1062755"/>
+            <a:ext cx="1401346" cy="400110"/>
+          </a:xfrm>
+          <a:prstGeom prst="rect">
+            <a:avLst/>
+          </a:prstGeom>
+          <a:noFill/>
+        </p:spPr>
+        <p:txBody>
+          <a:bodyPr wrap="none" rtlCol="0">
+            <a:spAutoFit/>
+          </a:bodyPr>
+          <a:lstStyle/>
+          <a:p>
+            <a:r>
+              <a:rPr lang="ko-KR" altLang="en-US" sz="2000" b="1" dirty="0"/>
+              <a:t>방 설정 </a:t>
+            </a:r>
+            <a:r>
+              <a:rPr lang="en-US" altLang="ko-KR" sz="2000" b="1" dirty="0"/>
+              <a:t>UI</a:t>
+            </a:r>
+            <a:endParaRPr lang="ko-KR" altLang="en-US" sz="1600" b="1" dirty="0"/>
+          </a:p>
+        </p:txBody>
+      </p:sp>
+      <p:sp>
+        <p:nvSpPr>
+          <p:cNvPr id="86" name="텍스트 개체 틀 4">
+            <a:extLst>
+              <a:ext uri="{FF2B5EF4-FFF2-40B4-BE49-F238E27FC236}">
+                <a16:creationId xmlns:a16="http://schemas.microsoft.com/office/drawing/2014/main" id="{E8A1F9E1-3463-4A44-99C0-96B02692B493}"/>
+              </a:ext>
+            </a:extLst>
+          </p:cNvPr>
+          <p:cNvSpPr txBox="1">
+            <a:spLocks/>
+          </p:cNvSpPr>
+          <p:nvPr/>
+        </p:nvSpPr>
+        <p:spPr>
+          <a:xfrm>
+            <a:off x="137363" y="1112508"/>
+            <a:ext cx="1256180" cy="312826"/>
+          </a:xfrm>
+          <a:prstGeom prst="rect">
+            <a:avLst/>
+          </a:prstGeom>
+        </p:spPr>
+        <p:txBody>
+          <a:bodyPr vert="horz" lIns="91440" tIns="45720" rIns="91440" bIns="45720" rtlCol="0">
+            <a:normAutofit/>
+          </a:bodyPr>
+          <a:lstStyle>
+            <a:lvl1pPr marL="0" indent="0" algn="ctr" defTabSz="914400" rtl="0" eaLnBrk="1" latinLnBrk="1" hangingPunct="1">
+              <a:lnSpc>
+                <a:spcPct val="90000"/>
+              </a:lnSpc>
+              <a:spcBef>
+                <a:spcPts val="1000"/>
+              </a:spcBef>
+              <a:buFont typeface="Arial" panose="020B0604020202020204" pitchFamily="34" charset="0"/>
+              <a:buNone/>
+              <a:defRPr sz="1600" kern="1200">
+                <a:solidFill>
+                  <a:schemeClr val="tx1"/>
+                </a:solidFill>
+                <a:latin typeface="+mn-lt"/>
+                <a:ea typeface="+mn-ea"/>
+                <a:cs typeface="+mn-cs"/>
+              </a:defRPr>
+            </a:lvl1pPr>
+            <a:lvl2pPr marL="685800" indent="-228600" algn="l" defTabSz="914400" rtl="0" eaLnBrk="1" latinLnBrk="1" hangingPunct="1">
+              <a:lnSpc>
+                <a:spcPct val="90000"/>
+              </a:lnSpc>
+              <a:spcBef>
+                <a:spcPts val="500"/>
+              </a:spcBef>
+              <a:buFont typeface="Arial" panose="020B0604020202020204" pitchFamily="34" charset="0"/>
+              <a:buChar char="•"/>
+              <a:defRPr sz="2400" kern="1200">
+                <a:solidFill>
+                  <a:schemeClr val="tx1"/>
+                </a:solidFill>
+                <a:latin typeface="+mn-lt"/>
+                <a:ea typeface="+mn-ea"/>
+                <a:cs typeface="+mn-cs"/>
+              </a:defRPr>
+            </a:lvl2pPr>
+            <a:lvl3pPr marL="1143000" indent="-228600" algn="l" defTabSz="914400" rtl="0" eaLnBrk="1" latinLnBrk="1" hangingPunct="1">
+              <a:lnSpc>
+                <a:spcPct val="90000"/>
+              </a:lnSpc>
+              <a:spcBef>
+                <a:spcPts val="500"/>
+              </a:spcBef>
+              <a:buFont typeface="Arial" panose="020B0604020202020204" pitchFamily="34" charset="0"/>
+              <a:buChar char="•"/>
+              <a:defRPr sz="2000" kern="1200">
+                <a:solidFill>
+                  <a:schemeClr val="tx1"/>
+                </a:solidFill>
+                <a:latin typeface="+mn-lt"/>
+                <a:ea typeface="+mn-ea"/>
+                <a:cs typeface="+mn-cs"/>
+              </a:defRPr>
+            </a:lvl3pPr>
+            <a:lvl4pPr marL="1600200" indent="-228600" algn="l" defTabSz="914400" rtl="0" eaLnBrk="1" latinLnBrk="1" hangingPunct="1">
+              <a:lnSpc>
+                <a:spcPct val="90000"/>
+              </a:lnSpc>
+              <a:spcBef>
+                <a:spcPts val="500"/>
+              </a:spcBef>
+              <a:buFont typeface="Arial" panose="020B0604020202020204" pitchFamily="34" charset="0"/>
+              <a:buChar char="•"/>
+              <a:defRPr sz="1800" kern="1200">
+                <a:solidFill>
+                  <a:schemeClr val="tx1"/>
+                </a:solidFill>
+                <a:latin typeface="+mn-lt"/>
+                <a:ea typeface="+mn-ea"/>
+                <a:cs typeface="+mn-cs"/>
+              </a:defRPr>
+            </a:lvl4pPr>
+            <a:lvl5pPr marL="2057400" indent="-228600" algn="l" defTabSz="914400" rtl="0" eaLnBrk="1" latinLnBrk="1" hangingPunct="1">
+              <a:lnSpc>
+                <a:spcPct val="90000"/>
+              </a:lnSpc>
+              <a:spcBef>
+                <a:spcPts val="500"/>
+              </a:spcBef>
+              <a:buFont typeface="Arial" panose="020B0604020202020204" pitchFamily="34" charset="0"/>
+              <a:buChar char="•"/>
+              <a:defRPr sz="1800" kern="1200">
+                <a:solidFill>
+                  <a:schemeClr val="tx1"/>
+                </a:solidFill>
+                <a:latin typeface="+mn-lt"/>
+                <a:ea typeface="+mn-ea"/>
+                <a:cs typeface="+mn-cs"/>
+              </a:defRPr>
+            </a:lvl5pPr>
+            <a:lvl6pPr marL="2514600" indent="-228600" algn="l" defTabSz="914400" rtl="0" eaLnBrk="1" latinLnBrk="1" hangingPunct="1">
+              <a:lnSpc>
+                <a:spcPct val="90000"/>
+              </a:lnSpc>
+              <a:spcBef>
+                <a:spcPts val="500"/>
+              </a:spcBef>
+              <a:buFont typeface="Arial" panose="020B0604020202020204" pitchFamily="34" charset="0"/>
+              <a:buChar char="•"/>
+              <a:defRPr sz="1800" kern="1200">
+                <a:solidFill>
+                  <a:schemeClr val="tx1"/>
+                </a:solidFill>
+                <a:latin typeface="+mn-lt"/>
+                <a:ea typeface="+mn-ea"/>
+                <a:cs typeface="+mn-cs"/>
+              </a:defRPr>
+            </a:lvl6pPr>
+            <a:lvl7pPr marL="2971800" indent="-228600" algn="l" defTabSz="914400" rtl="0" eaLnBrk="1" latinLnBrk="1" hangingPunct="1">
+              <a:lnSpc>
+                <a:spcPct val="90000"/>
+              </a:lnSpc>
+              <a:spcBef>
+                <a:spcPts val="500"/>
+              </a:spcBef>
+              <a:buFont typeface="Arial" panose="020B0604020202020204" pitchFamily="34" charset="0"/>
+              <a:buChar char="•"/>
+              <a:defRPr sz="1800" kern="1200">
+                <a:solidFill>
+                  <a:schemeClr val="tx1"/>
+                </a:solidFill>
+                <a:latin typeface="+mn-lt"/>
+                <a:ea typeface="+mn-ea"/>
+                <a:cs typeface="+mn-cs"/>
+              </a:defRPr>
+            </a:lvl7pPr>
+            <a:lvl8pPr marL="3429000" indent="-228600" algn="l" defTabSz="914400" rtl="0" eaLnBrk="1" latinLnBrk="1" hangingPunct="1">
+              <a:lnSpc>
+                <a:spcPct val="90000"/>
+              </a:lnSpc>
+              <a:spcBef>
+                <a:spcPts val="500"/>
+              </a:spcBef>
+              <a:buFont typeface="Arial" panose="020B0604020202020204" pitchFamily="34" charset="0"/>
+              <a:buChar char="•"/>
+              <a:defRPr sz="1800" kern="1200">
+                <a:solidFill>
+                  <a:schemeClr val="tx1"/>
+                </a:solidFill>
+                <a:latin typeface="+mn-lt"/>
+                <a:ea typeface="+mn-ea"/>
+                <a:cs typeface="+mn-cs"/>
+              </a:defRPr>
+            </a:lvl8pPr>
+            <a:lvl9pPr marL="3886200" indent="-228600" algn="l" defTabSz="914400" rtl="0" eaLnBrk="1" latinLnBrk="1" hangingPunct="1">
+              <a:lnSpc>
+                <a:spcPct val="90000"/>
+              </a:lnSpc>
+              <a:spcBef>
+                <a:spcPts val="500"/>
+              </a:spcBef>
+              <a:buFont typeface="Arial" panose="020B0604020202020204" pitchFamily="34" charset="0"/>
+              <a:buChar char="•"/>
+              <a:defRPr sz="1800" kern="1200">
+                <a:solidFill>
+                  <a:schemeClr val="tx1"/>
+                </a:solidFill>
+                <a:latin typeface="+mn-lt"/>
+                <a:ea typeface="+mn-ea"/>
+                <a:cs typeface="+mn-cs"/>
+              </a:defRPr>
+            </a:lvl9pPr>
+          </a:lstStyle>
+          <a:p>
+            <a:r>
+              <a:rPr lang="ko-KR" altLang="en-US" b="1"/>
+              <a:t>로그인 </a:t>
+            </a:r>
+            <a:r>
+              <a:rPr lang="en-US" altLang="ko-KR" b="1"/>
+              <a:t>UI</a:t>
+            </a:r>
+            <a:endParaRPr lang="ko-KR" altLang="en-US" b="1" dirty="0"/>
+          </a:p>
+        </p:txBody>
+      </p:sp>
+    </p:spTree>
+    <p:extLst>
+      <p:ext uri="{BB962C8B-B14F-4D97-AF65-F5344CB8AC3E}">
+        <p14:creationId xmlns:p14="http://schemas.microsoft.com/office/powerpoint/2010/main" val="3859446780"/>
       </p:ext>
     </p:extLst>
   </p:cSld>

--- a/Document/UI/서버 UI.pptx
+++ b/Document/UI/서버 UI.pptx
@@ -202,7 +202,7 @@
           <a:p>
             <a:fld id="{F3C8B89E-453D-4031-9656-BEBD73A2F004}" type="datetimeFigureOut">
               <a:rPr lang="ko-KR" altLang="en-US" smtClean="0"/>
-              <a:t>2022-03-16(Wed)</a:t>
+              <a:t>2022-03-29(Tue)</a:t>
             </a:fld>
             <a:endParaRPr lang="ko-KR" altLang="en-US"/>
           </a:p>
@@ -868,7 +868,7 @@
           <a:p>
             <a:fld id="{2FE236A7-34C6-4DA0-B8E0-A937449C5C10}" type="datetimeFigureOut">
               <a:rPr lang="ko-KR" altLang="en-US" smtClean="0"/>
-              <a:t>2022-03-16(Wed)</a:t>
+              <a:t>2022-03-29(Tue)</a:t>
             </a:fld>
             <a:endParaRPr lang="ko-KR" altLang="en-US"/>
           </a:p>
@@ -1066,7 +1066,7 @@
           <a:p>
             <a:fld id="{2FE236A7-34C6-4DA0-B8E0-A937449C5C10}" type="datetimeFigureOut">
               <a:rPr lang="ko-KR" altLang="en-US" smtClean="0"/>
-              <a:t>2022-03-16(Wed)</a:t>
+              <a:t>2022-03-29(Tue)</a:t>
             </a:fld>
             <a:endParaRPr lang="ko-KR" altLang="en-US"/>
           </a:p>
@@ -1274,7 +1274,7 @@
           <a:p>
             <a:fld id="{2FE236A7-34C6-4DA0-B8E0-A937449C5C10}" type="datetimeFigureOut">
               <a:rPr lang="ko-KR" altLang="en-US" smtClean="0"/>
-              <a:t>2022-03-16(Wed)</a:t>
+              <a:t>2022-03-29(Tue)</a:t>
             </a:fld>
             <a:endParaRPr lang="ko-KR" altLang="en-US"/>
           </a:p>
@@ -2100,7 +2100,7 @@
           <a:p>
             <a:fld id="{2FE236A7-34C6-4DA0-B8E0-A937449C5C10}" type="datetimeFigureOut">
               <a:rPr lang="ko-KR" altLang="en-US" smtClean="0"/>
-              <a:t>2022-03-16(Wed)</a:t>
+              <a:t>2022-03-29(Tue)</a:t>
             </a:fld>
             <a:endParaRPr lang="ko-KR" altLang="en-US"/>
           </a:p>
@@ -2375,7 +2375,7 @@
           <a:p>
             <a:fld id="{2FE236A7-34C6-4DA0-B8E0-A937449C5C10}" type="datetimeFigureOut">
               <a:rPr lang="ko-KR" altLang="en-US" smtClean="0"/>
-              <a:t>2022-03-16(Wed)</a:t>
+              <a:t>2022-03-29(Tue)</a:t>
             </a:fld>
             <a:endParaRPr lang="ko-KR" altLang="en-US"/>
           </a:p>
@@ -2640,7 +2640,7 @@
           <a:p>
             <a:fld id="{2FE236A7-34C6-4DA0-B8E0-A937449C5C10}" type="datetimeFigureOut">
               <a:rPr lang="ko-KR" altLang="en-US" smtClean="0"/>
-              <a:t>2022-03-16(Wed)</a:t>
+              <a:t>2022-03-29(Tue)</a:t>
             </a:fld>
             <a:endParaRPr lang="ko-KR" altLang="en-US"/>
           </a:p>
@@ -3052,7 +3052,7 @@
           <a:p>
             <a:fld id="{2FE236A7-34C6-4DA0-B8E0-A937449C5C10}" type="datetimeFigureOut">
               <a:rPr lang="ko-KR" altLang="en-US" smtClean="0"/>
-              <a:t>2022-03-16(Wed)</a:t>
+              <a:t>2022-03-29(Tue)</a:t>
             </a:fld>
             <a:endParaRPr lang="ko-KR" altLang="en-US"/>
           </a:p>
@@ -3193,7 +3193,7 @@
           <a:p>
             <a:fld id="{2FE236A7-34C6-4DA0-B8E0-A937449C5C10}" type="datetimeFigureOut">
               <a:rPr lang="ko-KR" altLang="en-US" smtClean="0"/>
-              <a:t>2022-03-16(Wed)</a:t>
+              <a:t>2022-03-29(Tue)</a:t>
             </a:fld>
             <a:endParaRPr lang="ko-KR" altLang="en-US"/>
           </a:p>
@@ -3306,7 +3306,7 @@
           <a:p>
             <a:fld id="{2FE236A7-34C6-4DA0-B8E0-A937449C5C10}" type="datetimeFigureOut">
               <a:rPr lang="ko-KR" altLang="en-US" smtClean="0"/>
-              <a:t>2022-03-16(Wed)</a:t>
+              <a:t>2022-03-29(Tue)</a:t>
             </a:fld>
             <a:endParaRPr lang="ko-KR" altLang="en-US"/>
           </a:p>
@@ -3617,7 +3617,7 @@
           <a:p>
             <a:fld id="{2FE236A7-34C6-4DA0-B8E0-A937449C5C10}" type="datetimeFigureOut">
               <a:rPr lang="ko-KR" altLang="en-US" smtClean="0"/>
-              <a:t>2022-03-16(Wed)</a:t>
+              <a:t>2022-03-29(Tue)</a:t>
             </a:fld>
             <a:endParaRPr lang="ko-KR" altLang="en-US"/>
           </a:p>
@@ -3905,7 +3905,7 @@
           <a:p>
             <a:fld id="{2FE236A7-34C6-4DA0-B8E0-A937449C5C10}" type="datetimeFigureOut">
               <a:rPr lang="ko-KR" altLang="en-US" smtClean="0"/>
-              <a:t>2022-03-16(Wed)</a:t>
+              <a:t>2022-03-29(Tue)</a:t>
             </a:fld>
             <a:endParaRPr lang="ko-KR" altLang="en-US"/>
           </a:p>
@@ -4146,7 +4146,7 @@
           <a:p>
             <a:fld id="{2FE236A7-34C6-4DA0-B8E0-A937449C5C10}" type="datetimeFigureOut">
               <a:rPr lang="ko-KR" altLang="en-US" smtClean="0"/>
-              <a:t>2022-03-16(Wed)</a:t>
+              <a:t>2022-03-29(Tue)</a:t>
             </a:fld>
             <a:endParaRPr lang="ko-KR" altLang="en-US"/>
           </a:p>
@@ -12389,7 +12389,7 @@
           </a:prstGeom>
           <a:ln>
             <a:solidFill>
-              <a:srgbClr val="FF0000"/>
+              <a:srgbClr val="0070C0"/>
             </a:solidFill>
             <a:tailEnd type="triangle"/>
           </a:ln>
@@ -12726,7 +12726,7 @@
           </a:prstGeom>
           <a:ln>
             <a:solidFill>
-              <a:srgbClr val="0070C0"/>
+              <a:srgbClr val="FF0000"/>
             </a:solidFill>
             <a:tailEnd type="triangle"/>
           </a:ln>

--- a/Document/UI/서버 UI.pptx
+++ b/Document/UI/서버 UI.pptx
@@ -202,7 +202,7 @@
           <a:p>
             <a:fld id="{F3C8B89E-453D-4031-9656-BEBD73A2F004}" type="datetimeFigureOut">
               <a:rPr lang="ko-KR" altLang="en-US" smtClean="0"/>
-              <a:t>2022-03-29(Tue)</a:t>
+              <a:t>2022-05-18(Wed)</a:t>
             </a:fld>
             <a:endParaRPr lang="ko-KR" altLang="en-US"/>
           </a:p>
@@ -868,7 +868,7 @@
           <a:p>
             <a:fld id="{2FE236A7-34C6-4DA0-B8E0-A937449C5C10}" type="datetimeFigureOut">
               <a:rPr lang="ko-KR" altLang="en-US" smtClean="0"/>
-              <a:t>2022-03-29(Tue)</a:t>
+              <a:t>2022-05-18(Wed)</a:t>
             </a:fld>
             <a:endParaRPr lang="ko-KR" altLang="en-US"/>
           </a:p>
@@ -1066,7 +1066,7 @@
           <a:p>
             <a:fld id="{2FE236A7-34C6-4DA0-B8E0-A937449C5C10}" type="datetimeFigureOut">
               <a:rPr lang="ko-KR" altLang="en-US" smtClean="0"/>
-              <a:t>2022-03-29(Tue)</a:t>
+              <a:t>2022-05-18(Wed)</a:t>
             </a:fld>
             <a:endParaRPr lang="ko-KR" altLang="en-US"/>
           </a:p>
@@ -1274,7 +1274,7 @@
           <a:p>
             <a:fld id="{2FE236A7-34C6-4DA0-B8E0-A937449C5C10}" type="datetimeFigureOut">
               <a:rPr lang="ko-KR" altLang="en-US" smtClean="0"/>
-              <a:t>2022-03-29(Tue)</a:t>
+              <a:t>2022-05-18(Wed)</a:t>
             </a:fld>
             <a:endParaRPr lang="ko-KR" altLang="en-US"/>
           </a:p>
@@ -2100,7 +2100,7 @@
           <a:p>
             <a:fld id="{2FE236A7-34C6-4DA0-B8E0-A937449C5C10}" type="datetimeFigureOut">
               <a:rPr lang="ko-KR" altLang="en-US" smtClean="0"/>
-              <a:t>2022-03-29(Tue)</a:t>
+              <a:t>2022-05-18(Wed)</a:t>
             </a:fld>
             <a:endParaRPr lang="ko-KR" altLang="en-US"/>
           </a:p>
@@ -2375,7 +2375,7 @@
           <a:p>
             <a:fld id="{2FE236A7-34C6-4DA0-B8E0-A937449C5C10}" type="datetimeFigureOut">
               <a:rPr lang="ko-KR" altLang="en-US" smtClean="0"/>
-              <a:t>2022-03-29(Tue)</a:t>
+              <a:t>2022-05-18(Wed)</a:t>
             </a:fld>
             <a:endParaRPr lang="ko-KR" altLang="en-US"/>
           </a:p>
@@ -2640,7 +2640,7 @@
           <a:p>
             <a:fld id="{2FE236A7-34C6-4DA0-B8E0-A937449C5C10}" type="datetimeFigureOut">
               <a:rPr lang="ko-KR" altLang="en-US" smtClean="0"/>
-              <a:t>2022-03-29(Tue)</a:t>
+              <a:t>2022-05-18(Wed)</a:t>
             </a:fld>
             <a:endParaRPr lang="ko-KR" altLang="en-US"/>
           </a:p>
@@ -3052,7 +3052,7 @@
           <a:p>
             <a:fld id="{2FE236A7-34C6-4DA0-B8E0-A937449C5C10}" type="datetimeFigureOut">
               <a:rPr lang="ko-KR" altLang="en-US" smtClean="0"/>
-              <a:t>2022-03-29(Tue)</a:t>
+              <a:t>2022-05-18(Wed)</a:t>
             </a:fld>
             <a:endParaRPr lang="ko-KR" altLang="en-US"/>
           </a:p>
@@ -3193,7 +3193,7 @@
           <a:p>
             <a:fld id="{2FE236A7-34C6-4DA0-B8E0-A937449C5C10}" type="datetimeFigureOut">
               <a:rPr lang="ko-KR" altLang="en-US" smtClean="0"/>
-              <a:t>2022-03-29(Tue)</a:t>
+              <a:t>2022-05-18(Wed)</a:t>
             </a:fld>
             <a:endParaRPr lang="ko-KR" altLang="en-US"/>
           </a:p>
@@ -3306,7 +3306,7 @@
           <a:p>
             <a:fld id="{2FE236A7-34C6-4DA0-B8E0-A937449C5C10}" type="datetimeFigureOut">
               <a:rPr lang="ko-KR" altLang="en-US" smtClean="0"/>
-              <a:t>2022-03-29(Tue)</a:t>
+              <a:t>2022-05-18(Wed)</a:t>
             </a:fld>
             <a:endParaRPr lang="ko-KR" altLang="en-US"/>
           </a:p>
@@ -3617,7 +3617,7 @@
           <a:p>
             <a:fld id="{2FE236A7-34C6-4DA0-B8E0-A937449C5C10}" type="datetimeFigureOut">
               <a:rPr lang="ko-KR" altLang="en-US" smtClean="0"/>
-              <a:t>2022-03-29(Tue)</a:t>
+              <a:t>2022-05-18(Wed)</a:t>
             </a:fld>
             <a:endParaRPr lang="ko-KR" altLang="en-US"/>
           </a:p>
@@ -3905,7 +3905,7 @@
           <a:p>
             <a:fld id="{2FE236A7-34C6-4DA0-B8E0-A937449C5C10}" type="datetimeFigureOut">
               <a:rPr lang="ko-KR" altLang="en-US" smtClean="0"/>
-              <a:t>2022-03-29(Tue)</a:t>
+              <a:t>2022-05-18(Wed)</a:t>
             </a:fld>
             <a:endParaRPr lang="ko-KR" altLang="en-US"/>
           </a:p>
@@ -4146,7 +4146,7 @@
           <a:p>
             <a:fld id="{2FE236A7-34C6-4DA0-B8E0-A937449C5C10}" type="datetimeFigureOut">
               <a:rPr lang="ko-KR" altLang="en-US" smtClean="0"/>
-              <a:t>2022-03-29(Tue)</a:t>
+              <a:t>2022-05-18(Wed)</a:t>
             </a:fld>
             <a:endParaRPr lang="ko-KR" altLang="en-US"/>
           </a:p>
@@ -10836,7 +10836,7 @@
                   <a:schemeClr val="tx1"/>
                 </a:solidFill>
               </a:rPr>
-              <a:t>글자 사이로 이름 지어</a:t>
+              <a:t>글자 사이로 이름 지음</a:t>
             </a:r>
             <a:r>
               <a:rPr lang="en-US" altLang="ko-KR" dirty="0">

--- a/Document/UI/서버 UI.pptx
+++ b/Document/UI/서버 UI.pptx
@@ -202,7 +202,7 @@
           <a:p>
             <a:fld id="{F3C8B89E-453D-4031-9656-BEBD73A2F004}" type="datetimeFigureOut">
               <a:rPr lang="ko-KR" altLang="en-US" smtClean="0"/>
-              <a:t>2022-05-18(Wed)</a:t>
+              <a:t>2022-05-24(Tue)</a:t>
             </a:fld>
             <a:endParaRPr lang="ko-KR" altLang="en-US"/>
           </a:p>
@@ -868,7 +868,7 @@
           <a:p>
             <a:fld id="{2FE236A7-34C6-4DA0-B8E0-A937449C5C10}" type="datetimeFigureOut">
               <a:rPr lang="ko-KR" altLang="en-US" smtClean="0"/>
-              <a:t>2022-05-18(Wed)</a:t>
+              <a:t>2022-05-24(Tue)</a:t>
             </a:fld>
             <a:endParaRPr lang="ko-KR" altLang="en-US"/>
           </a:p>
@@ -1066,7 +1066,7 @@
           <a:p>
             <a:fld id="{2FE236A7-34C6-4DA0-B8E0-A937449C5C10}" type="datetimeFigureOut">
               <a:rPr lang="ko-KR" altLang="en-US" smtClean="0"/>
-              <a:t>2022-05-18(Wed)</a:t>
+              <a:t>2022-05-24(Tue)</a:t>
             </a:fld>
             <a:endParaRPr lang="ko-KR" altLang="en-US"/>
           </a:p>
@@ -1274,7 +1274,7 @@
           <a:p>
             <a:fld id="{2FE236A7-34C6-4DA0-B8E0-A937449C5C10}" type="datetimeFigureOut">
               <a:rPr lang="ko-KR" altLang="en-US" smtClean="0"/>
-              <a:t>2022-05-18(Wed)</a:t>
+              <a:t>2022-05-24(Tue)</a:t>
             </a:fld>
             <a:endParaRPr lang="ko-KR" altLang="en-US"/>
           </a:p>
@@ -2100,7 +2100,7 @@
           <a:p>
             <a:fld id="{2FE236A7-34C6-4DA0-B8E0-A937449C5C10}" type="datetimeFigureOut">
               <a:rPr lang="ko-KR" altLang="en-US" smtClean="0"/>
-              <a:t>2022-05-18(Wed)</a:t>
+              <a:t>2022-05-24(Tue)</a:t>
             </a:fld>
             <a:endParaRPr lang="ko-KR" altLang="en-US"/>
           </a:p>
@@ -2375,7 +2375,7 @@
           <a:p>
             <a:fld id="{2FE236A7-34C6-4DA0-B8E0-A937449C5C10}" type="datetimeFigureOut">
               <a:rPr lang="ko-KR" altLang="en-US" smtClean="0"/>
-              <a:t>2022-05-18(Wed)</a:t>
+              <a:t>2022-05-24(Tue)</a:t>
             </a:fld>
             <a:endParaRPr lang="ko-KR" altLang="en-US"/>
           </a:p>
@@ -2640,7 +2640,7 @@
           <a:p>
             <a:fld id="{2FE236A7-34C6-4DA0-B8E0-A937449C5C10}" type="datetimeFigureOut">
               <a:rPr lang="ko-KR" altLang="en-US" smtClean="0"/>
-              <a:t>2022-05-18(Wed)</a:t>
+              <a:t>2022-05-24(Tue)</a:t>
             </a:fld>
             <a:endParaRPr lang="ko-KR" altLang="en-US"/>
           </a:p>
@@ -3052,7 +3052,7 @@
           <a:p>
             <a:fld id="{2FE236A7-34C6-4DA0-B8E0-A937449C5C10}" type="datetimeFigureOut">
               <a:rPr lang="ko-KR" altLang="en-US" smtClean="0"/>
-              <a:t>2022-05-18(Wed)</a:t>
+              <a:t>2022-05-24(Tue)</a:t>
             </a:fld>
             <a:endParaRPr lang="ko-KR" altLang="en-US"/>
           </a:p>
@@ -3193,7 +3193,7 @@
           <a:p>
             <a:fld id="{2FE236A7-34C6-4DA0-B8E0-A937449C5C10}" type="datetimeFigureOut">
               <a:rPr lang="ko-KR" altLang="en-US" smtClean="0"/>
-              <a:t>2022-05-18(Wed)</a:t>
+              <a:t>2022-05-24(Tue)</a:t>
             </a:fld>
             <a:endParaRPr lang="ko-KR" altLang="en-US"/>
           </a:p>
@@ -3306,7 +3306,7 @@
           <a:p>
             <a:fld id="{2FE236A7-34C6-4DA0-B8E0-A937449C5C10}" type="datetimeFigureOut">
               <a:rPr lang="ko-KR" altLang="en-US" smtClean="0"/>
-              <a:t>2022-05-18(Wed)</a:t>
+              <a:t>2022-05-24(Tue)</a:t>
             </a:fld>
             <a:endParaRPr lang="ko-KR" altLang="en-US"/>
           </a:p>
@@ -3617,7 +3617,7 @@
           <a:p>
             <a:fld id="{2FE236A7-34C6-4DA0-B8E0-A937449C5C10}" type="datetimeFigureOut">
               <a:rPr lang="ko-KR" altLang="en-US" smtClean="0"/>
-              <a:t>2022-05-18(Wed)</a:t>
+              <a:t>2022-05-24(Tue)</a:t>
             </a:fld>
             <a:endParaRPr lang="ko-KR" altLang="en-US"/>
           </a:p>
@@ -3905,7 +3905,7 @@
           <a:p>
             <a:fld id="{2FE236A7-34C6-4DA0-B8E0-A937449C5C10}" type="datetimeFigureOut">
               <a:rPr lang="ko-KR" altLang="en-US" smtClean="0"/>
-              <a:t>2022-05-18(Wed)</a:t>
+              <a:t>2022-05-24(Tue)</a:t>
             </a:fld>
             <a:endParaRPr lang="ko-KR" altLang="en-US"/>
           </a:p>
@@ -4146,7 +4146,7 @@
           <a:p>
             <a:fld id="{2FE236A7-34C6-4DA0-B8E0-A937449C5C10}" type="datetimeFigureOut">
               <a:rPr lang="ko-KR" altLang="en-US" smtClean="0"/>
-              <a:t>2022-05-18(Wed)</a:t>
+              <a:t>2022-05-24(Tue)</a:t>
             </a:fld>
             <a:endParaRPr lang="ko-KR" altLang="en-US"/>
           </a:p>
@@ -5683,10 +5683,10 @@
       </p:sp>
       <p:sp>
         <p:nvSpPr>
-          <p:cNvPr id="13" name="사각형: 둥근 모서리 12">
-            <a:extLst>
-              <a:ext uri="{FF2B5EF4-FFF2-40B4-BE49-F238E27FC236}">
-                <a16:creationId xmlns:a16="http://schemas.microsoft.com/office/drawing/2014/main" id="{9469EB77-5C08-4181-BFE6-400BACF970C8}"/>
+          <p:cNvPr id="4" name="직사각형 3">
+            <a:extLst>
+              <a:ext uri="{FF2B5EF4-FFF2-40B4-BE49-F238E27FC236}">
+                <a16:creationId xmlns:a16="http://schemas.microsoft.com/office/drawing/2014/main" id="{AE93FE2A-85FE-4157-951C-FC2FADBB3B34}"/>
               </a:ext>
             </a:extLst>
           </p:cNvPr>
@@ -5694,21 +5694,19 @@
           <p:nvPr/>
         </p:nvSpPr>
         <p:spPr>
-          <a:xfrm rot="5400000">
-            <a:off x="4233349" y="1488"/>
-            <a:ext cx="3993138" cy="7952529"/>
-          </a:xfrm>
-          <a:prstGeom prst="roundRect">
+          <a:xfrm>
+            <a:off x="0" y="0"/>
+            <a:ext cx="12192000" cy="1034474"/>
+          </a:xfrm>
+          <a:prstGeom prst="rect">
             <a:avLst/>
           </a:prstGeom>
           <a:solidFill>
-            <a:schemeClr val="bg1"/>
+            <a:schemeClr val="accent5">
+              <a:lumMod val="60000"/>
+              <a:lumOff val="40000"/>
+            </a:schemeClr>
           </a:solidFill>
-          <a:ln w="38100">
-            <a:solidFill>
-              <a:schemeClr val="tx1"/>
-            </a:solidFill>
-          </a:ln>
         </p:spPr>
         <p:style>
           <a:lnRef idx="2">
@@ -5735,105 +5733,6 @@
           </a:p>
         </p:txBody>
       </p:sp>
-      <p:pic>
-        <p:nvPicPr>
-          <p:cNvPr id="1026" name="Picture 2" descr="쓰레기가 바다에 떠있는 크루즈 라이너 여객선 | 프리미엄 벡터">
-            <a:extLst>
-              <a:ext uri="{FF2B5EF4-FFF2-40B4-BE49-F238E27FC236}">
-                <a16:creationId xmlns:a16="http://schemas.microsoft.com/office/drawing/2014/main" id="{174299C8-06E6-4BA6-9166-EA0438C9CEF8}"/>
-              </a:ext>
-            </a:extLst>
-          </p:cNvPr>
-          <p:cNvPicPr>
-            <a:picLocks noChangeAspect="1" noChangeArrowheads="1"/>
-          </p:cNvPicPr>
-          <p:nvPr/>
-        </p:nvPicPr>
-        <p:blipFill>
-          <a:blip r:embed="rId3">
-            <a:extLst>
-              <a:ext uri="{28A0092B-C50C-407E-A947-70E740481C1C}">
-                <a14:useLocalDpi xmlns:a14="http://schemas.microsoft.com/office/drawing/2010/main" val="0"/>
-              </a:ext>
-            </a:extLst>
-          </a:blip>
-          <a:srcRect/>
-          <a:stretch>
-            <a:fillRect/>
-          </a:stretch>
-        </p:blipFill>
-        <p:spPr bwMode="auto">
-          <a:xfrm>
-            <a:off x="2297002" y="2011294"/>
-            <a:ext cx="7865831" cy="3932916"/>
-          </a:xfrm>
-          <a:prstGeom prst="roundRect">
-            <a:avLst/>
-          </a:prstGeom>
-          <a:noFill/>
-          <a:extLst>
-            <a:ext uri="{909E8E84-426E-40DD-AFC4-6F175D3DCCD1}">
-              <a14:hiddenFill xmlns:a14="http://schemas.microsoft.com/office/drawing/2010/main">
-                <a:solidFill>
-                  <a:srgbClr val="FFFFFF"/>
-                </a:solidFill>
-              </a14:hiddenFill>
-            </a:ext>
-          </a:extLst>
-        </p:spPr>
-      </p:pic>
-      <p:sp>
-        <p:nvSpPr>
-          <p:cNvPr id="4" name="직사각형 3">
-            <a:extLst>
-              <a:ext uri="{FF2B5EF4-FFF2-40B4-BE49-F238E27FC236}">
-                <a16:creationId xmlns:a16="http://schemas.microsoft.com/office/drawing/2014/main" id="{AE93FE2A-85FE-4157-951C-FC2FADBB3B34}"/>
-              </a:ext>
-            </a:extLst>
-          </p:cNvPr>
-          <p:cNvSpPr/>
-          <p:nvPr/>
-        </p:nvSpPr>
-        <p:spPr>
-          <a:xfrm>
-            <a:off x="0" y="0"/>
-            <a:ext cx="12192000" cy="1034474"/>
-          </a:xfrm>
-          <a:prstGeom prst="rect">
-            <a:avLst/>
-          </a:prstGeom>
-          <a:solidFill>
-            <a:schemeClr val="accent5">
-              <a:lumMod val="60000"/>
-              <a:lumOff val="40000"/>
-            </a:schemeClr>
-          </a:solidFill>
-        </p:spPr>
-        <p:style>
-          <a:lnRef idx="2">
-            <a:schemeClr val="accent1">
-              <a:shade val="50000"/>
-            </a:schemeClr>
-          </a:lnRef>
-          <a:fillRef idx="1">
-            <a:schemeClr val="accent1"/>
-          </a:fillRef>
-          <a:effectRef idx="0">
-            <a:schemeClr val="accent1"/>
-          </a:effectRef>
-          <a:fontRef idx="minor">
-            <a:schemeClr val="lt1"/>
-          </a:fontRef>
-        </p:style>
-        <p:txBody>
-          <a:bodyPr rtlCol="0" anchor="ctr"/>
-          <a:lstStyle/>
-          <a:p>
-            <a:pPr algn="ctr"/>
-            <a:endParaRPr lang="ko-KR" altLang="en-US" dirty="0"/>
-          </a:p>
-        </p:txBody>
-      </p:sp>
       <p:sp>
         <p:nvSpPr>
           <p:cNvPr id="7" name="TextBox 6">
@@ -5886,359 +5785,6 @@
               <a:rPr lang="en-US" altLang="ko-KR" sz="2800" b="1" dirty="0"/>
               <a:t>)</a:t>
             </a:r>
-          </a:p>
-        </p:txBody>
-      </p:sp>
-      <p:grpSp>
-        <p:nvGrpSpPr>
-          <p:cNvPr id="98" name="그룹 97">
-            <a:extLst>
-              <a:ext uri="{FF2B5EF4-FFF2-40B4-BE49-F238E27FC236}">
-                <a16:creationId xmlns:a16="http://schemas.microsoft.com/office/drawing/2014/main" id="{3DA252C5-365B-4230-907C-D81F2C182746}"/>
-              </a:ext>
-            </a:extLst>
-          </p:cNvPr>
-          <p:cNvGrpSpPr/>
-          <p:nvPr/>
-        </p:nvGrpSpPr>
-        <p:grpSpPr>
-          <a:xfrm>
-            <a:off x="4387678" y="2507108"/>
-            <a:ext cx="3684479" cy="1470644"/>
-            <a:chOff x="4049075" y="2209800"/>
-            <a:chExt cx="3684479" cy="1470644"/>
-          </a:xfrm>
-        </p:grpSpPr>
-        <p:sp>
-          <p:nvSpPr>
-            <p:cNvPr id="96" name="TextBox 95">
-              <a:extLst>
-                <a:ext uri="{FF2B5EF4-FFF2-40B4-BE49-F238E27FC236}">
-                  <a16:creationId xmlns:a16="http://schemas.microsoft.com/office/drawing/2014/main" id="{6B2DC2CC-BC96-461C-B9DF-10610372DBA1}"/>
-                </a:ext>
-              </a:extLst>
-            </p:cNvPr>
-            <p:cNvSpPr txBox="1"/>
-            <p:nvPr/>
-          </p:nvSpPr>
-          <p:spPr>
-            <a:xfrm>
-              <a:off x="4049075" y="2209800"/>
-              <a:ext cx="2400016" cy="830997"/>
-            </a:xfrm>
-            <a:prstGeom prst="rect">
-              <a:avLst/>
-            </a:prstGeom>
-            <a:noFill/>
-          </p:spPr>
-          <p:txBody>
-            <a:bodyPr wrap="none" rtlCol="0">
-              <a:spAutoFit/>
-            </a:bodyPr>
-            <a:lstStyle/>
-            <a:p>
-              <a:r>
-                <a:rPr lang="en-US" altLang="ko-KR" sz="4800" b="1" dirty="0"/>
-                <a:t>ESCAPE</a:t>
-              </a:r>
-              <a:endParaRPr lang="ko-KR" altLang="en-US" sz="4800" b="1" dirty="0"/>
-            </a:p>
-          </p:txBody>
-        </p:sp>
-        <p:sp>
-          <p:nvSpPr>
-            <p:cNvPr id="97" name="TextBox 96">
-              <a:extLst>
-                <a:ext uri="{FF2B5EF4-FFF2-40B4-BE49-F238E27FC236}">
-                  <a16:creationId xmlns:a16="http://schemas.microsoft.com/office/drawing/2014/main" id="{B4C17C64-2FF5-49C0-A222-0A2A9B4739D3}"/>
-                </a:ext>
-              </a:extLst>
-            </p:cNvPr>
-            <p:cNvSpPr txBox="1"/>
-            <p:nvPr/>
-          </p:nvSpPr>
-          <p:spPr>
-            <a:xfrm>
-              <a:off x="5297374" y="2849447"/>
-              <a:ext cx="2436180" cy="830997"/>
-            </a:xfrm>
-            <a:prstGeom prst="rect">
-              <a:avLst/>
-            </a:prstGeom>
-            <a:noFill/>
-          </p:spPr>
-          <p:txBody>
-            <a:bodyPr wrap="none" rtlCol="0">
-              <a:spAutoFit/>
-            </a:bodyPr>
-            <a:lstStyle/>
-            <a:p>
-              <a:r>
-                <a:rPr lang="en-US" altLang="ko-KR" sz="4800" b="1" dirty="0"/>
-                <a:t>ISLAND</a:t>
-              </a:r>
-              <a:endParaRPr lang="ko-KR" altLang="en-US" sz="4800" b="1" dirty="0"/>
-            </a:p>
-          </p:txBody>
-        </p:sp>
-      </p:grpSp>
-      <p:sp>
-        <p:nvSpPr>
-          <p:cNvPr id="3" name="사각형: 둥근 모서리 2">
-            <a:extLst>
-              <a:ext uri="{FF2B5EF4-FFF2-40B4-BE49-F238E27FC236}">
-                <a16:creationId xmlns:a16="http://schemas.microsoft.com/office/drawing/2014/main" id="{31CD6AF3-067C-4307-87DD-DEAB1233AEEE}"/>
-              </a:ext>
-            </a:extLst>
-          </p:cNvPr>
-          <p:cNvSpPr/>
-          <p:nvPr/>
-        </p:nvSpPr>
-        <p:spPr>
-          <a:xfrm>
-            <a:off x="5122919" y="4617399"/>
-            <a:ext cx="2213996" cy="551608"/>
-          </a:xfrm>
-          <a:prstGeom prst="roundRect">
-            <a:avLst/>
-          </a:prstGeom>
-          <a:solidFill>
-            <a:schemeClr val="bg1"/>
-          </a:solidFill>
-          <a:ln w="28575">
-            <a:solidFill>
-              <a:schemeClr val="tx1"/>
-            </a:solidFill>
-          </a:ln>
-        </p:spPr>
-        <p:style>
-          <a:lnRef idx="2">
-            <a:schemeClr val="accent1">
-              <a:shade val="50000"/>
-            </a:schemeClr>
-          </a:lnRef>
-          <a:fillRef idx="1">
-            <a:schemeClr val="accent1"/>
-          </a:fillRef>
-          <a:effectRef idx="0">
-            <a:schemeClr val="accent1"/>
-          </a:effectRef>
-          <a:fontRef idx="minor">
-            <a:schemeClr val="lt1"/>
-          </a:fontRef>
-        </p:style>
-        <p:txBody>
-          <a:bodyPr rtlCol="0" anchor="ctr"/>
-          <a:lstStyle/>
-          <a:p>
-            <a:pPr algn="ctr"/>
-            <a:r>
-              <a:rPr lang="ko-KR" altLang="en-US" b="1" dirty="0">
-                <a:solidFill>
-                  <a:schemeClr val="tx1"/>
-                </a:solidFill>
-              </a:rPr>
-              <a:t>게임 시작</a:t>
-            </a:r>
-          </a:p>
-        </p:txBody>
-      </p:sp>
-      <p:sp>
-        <p:nvSpPr>
-          <p:cNvPr id="5" name="타원 4">
-            <a:extLst>
-              <a:ext uri="{FF2B5EF4-FFF2-40B4-BE49-F238E27FC236}">
-                <a16:creationId xmlns:a16="http://schemas.microsoft.com/office/drawing/2014/main" id="{4993B58D-1484-44B6-ADD1-E67A919519D5}"/>
-              </a:ext>
-            </a:extLst>
-          </p:cNvPr>
-          <p:cNvSpPr/>
-          <p:nvPr/>
-        </p:nvSpPr>
-        <p:spPr>
-          <a:xfrm>
-            <a:off x="9496425" y="5295900"/>
-            <a:ext cx="441922" cy="445028"/>
-          </a:xfrm>
-          <a:prstGeom prst="ellipse">
-            <a:avLst/>
-          </a:prstGeom>
-          <a:solidFill>
-            <a:schemeClr val="bg1"/>
-          </a:solidFill>
-          <a:ln w="28575">
-            <a:solidFill>
-              <a:schemeClr val="tx1"/>
-            </a:solidFill>
-          </a:ln>
-        </p:spPr>
-        <p:style>
-          <a:lnRef idx="2">
-            <a:schemeClr val="accent1">
-              <a:shade val="50000"/>
-            </a:schemeClr>
-          </a:lnRef>
-          <a:fillRef idx="1">
-            <a:schemeClr val="accent1"/>
-          </a:fillRef>
-          <a:effectRef idx="0">
-            <a:schemeClr val="accent1"/>
-          </a:effectRef>
-          <a:fontRef idx="minor">
-            <a:schemeClr val="lt1"/>
-          </a:fontRef>
-        </p:style>
-        <p:txBody>
-          <a:bodyPr rtlCol="0" anchor="ctr"/>
-          <a:lstStyle/>
-          <a:p>
-            <a:pPr algn="ctr"/>
-            <a:endParaRPr lang="ko-KR" altLang="en-US" b="1" dirty="0">
-              <a:solidFill>
-                <a:schemeClr val="tx1"/>
-              </a:solidFill>
-            </a:endParaRPr>
-          </a:p>
-        </p:txBody>
-      </p:sp>
-      <p:sp>
-        <p:nvSpPr>
-          <p:cNvPr id="14" name="타원 13">
-            <a:extLst>
-              <a:ext uri="{FF2B5EF4-FFF2-40B4-BE49-F238E27FC236}">
-                <a16:creationId xmlns:a16="http://schemas.microsoft.com/office/drawing/2014/main" id="{C277123C-C797-4F59-B64F-E61C8705D75D}"/>
-              </a:ext>
-            </a:extLst>
-          </p:cNvPr>
-          <p:cNvSpPr/>
-          <p:nvPr/>
-        </p:nvSpPr>
-        <p:spPr>
-          <a:xfrm>
-            <a:off x="9496425" y="4762384"/>
-            <a:ext cx="441922" cy="445028"/>
-          </a:xfrm>
-          <a:prstGeom prst="ellipse">
-            <a:avLst/>
-          </a:prstGeom>
-          <a:solidFill>
-            <a:schemeClr val="bg1"/>
-          </a:solidFill>
-          <a:ln w="28575">
-            <a:solidFill>
-              <a:schemeClr val="tx1"/>
-            </a:solidFill>
-          </a:ln>
-        </p:spPr>
-        <p:style>
-          <a:lnRef idx="2">
-            <a:schemeClr val="accent1">
-              <a:shade val="50000"/>
-            </a:schemeClr>
-          </a:lnRef>
-          <a:fillRef idx="1">
-            <a:schemeClr val="accent1"/>
-          </a:fillRef>
-          <a:effectRef idx="0">
-            <a:schemeClr val="accent1"/>
-          </a:effectRef>
-          <a:fontRef idx="minor">
-            <a:schemeClr val="lt1"/>
-          </a:fontRef>
-        </p:style>
-        <p:txBody>
-          <a:bodyPr rtlCol="0" anchor="ctr"/>
-          <a:lstStyle/>
-          <a:p>
-            <a:pPr algn="ctr"/>
-            <a:r>
-              <a:rPr lang="en-US" altLang="ko-KR" b="1" dirty="0">
-                <a:solidFill>
-                  <a:schemeClr val="tx1"/>
-                </a:solidFill>
-              </a:rPr>
-              <a:t>?</a:t>
-            </a:r>
-            <a:endParaRPr lang="ko-KR" altLang="en-US" b="1" dirty="0">
-              <a:solidFill>
-                <a:schemeClr val="tx1"/>
-              </a:solidFill>
-            </a:endParaRPr>
-          </a:p>
-        </p:txBody>
-      </p:sp>
-      <p:pic>
-        <p:nvPicPr>
-          <p:cNvPr id="8" name="그래픽 7" descr="단일 톱니바퀴 단색으로 채워진">
-            <a:extLst>
-              <a:ext uri="{FF2B5EF4-FFF2-40B4-BE49-F238E27FC236}">
-                <a16:creationId xmlns:a16="http://schemas.microsoft.com/office/drawing/2014/main" id="{B01C7EBA-4F29-422F-A14E-D9F730AD6EF7}"/>
-              </a:ext>
-            </a:extLst>
-          </p:cNvPr>
-          <p:cNvPicPr>
-            <a:picLocks noChangeAspect="1"/>
-          </p:cNvPicPr>
-          <p:nvPr/>
-        </p:nvPicPr>
-        <p:blipFill>
-          <a:blip r:embed="rId4" cstate="hqprint">
-            <a:extLst>
-              <a:ext uri="{28A0092B-C50C-407E-A947-70E740481C1C}">
-                <a14:useLocalDpi xmlns:a14="http://schemas.microsoft.com/office/drawing/2010/main" val="0"/>
-              </a:ext>
-              <a:ext uri="{96DAC541-7B7A-43D3-8B79-37D633B846F1}">
-                <asvg:svgBlip xmlns:asvg="http://schemas.microsoft.com/office/drawing/2016/SVG/main" r:embed="rId5"/>
-              </a:ext>
-            </a:extLst>
-          </a:blip>
-          <a:stretch>
-            <a:fillRect/>
-          </a:stretch>
-        </p:blipFill>
-        <p:spPr>
-          <a:xfrm>
-            <a:off x="9557288" y="5362277"/>
-            <a:ext cx="320195" cy="320195"/>
-          </a:xfrm>
-          <a:prstGeom prst="rect">
-            <a:avLst/>
-          </a:prstGeom>
-        </p:spPr>
-      </p:pic>
-      <p:sp>
-        <p:nvSpPr>
-          <p:cNvPr id="15" name="TextBox 14">
-            <a:extLst>
-              <a:ext uri="{FF2B5EF4-FFF2-40B4-BE49-F238E27FC236}">
-                <a16:creationId xmlns:a16="http://schemas.microsoft.com/office/drawing/2014/main" id="{70CEE5CA-E619-472E-AA21-C6C0D4A0D32E}"/>
-              </a:ext>
-            </a:extLst>
-          </p:cNvPr>
-          <p:cNvSpPr txBox="1"/>
-          <p:nvPr/>
-        </p:nvSpPr>
-        <p:spPr>
-          <a:xfrm>
-            <a:off x="11508508" y="6289963"/>
-            <a:ext cx="311304" cy="369332"/>
-          </a:xfrm>
-          <a:prstGeom prst="rect">
-            <a:avLst/>
-          </a:prstGeom>
-          <a:noFill/>
-        </p:spPr>
-        <p:txBody>
-          <a:bodyPr wrap="none" rtlCol="0">
-            <a:spAutoFit/>
-          </a:bodyPr>
-          <a:lstStyle/>
-          <a:p>
-            <a:r>
-              <a:rPr lang="en-US" altLang="ko-KR" dirty="0"/>
-              <a:t>1</a:t>
-            </a:r>
-            <a:endParaRPr lang="ko-KR" altLang="en-US" dirty="0"/>
           </a:p>
         </p:txBody>
       </p:sp>
@@ -6343,8 +5889,8 @@
         </p:nvSpPr>
         <p:spPr>
           <a:xfrm>
-            <a:off x="1709723" y="1062755"/>
-            <a:ext cx="1055097" cy="400110"/>
+            <a:off x="1592215" y="1073849"/>
+            <a:ext cx="1300356" cy="400110"/>
           </a:xfrm>
           <a:prstGeom prst="rect">
             <a:avLst/>
@@ -6358,12 +5904,8 @@
           <a:lstStyle/>
           <a:p>
             <a:r>
-              <a:rPr lang="ko-KR" altLang="en-US" sz="2000" b="1" dirty="0"/>
-              <a:t>시작</a:t>
-            </a:r>
-            <a:r>
-              <a:rPr lang="en-US" altLang="ko-KR" sz="2000" b="1" dirty="0"/>
-              <a:t> UI</a:t>
+              <a:rPr lang="ko-KR" altLang="en-US" sz="2000" b="1"/>
+              <a:t>메인 화면</a:t>
             </a:r>
             <a:endParaRPr lang="ko-KR" altLang="en-US" sz="1600" b="1" dirty="0"/>
           </a:p>
@@ -6649,6 +6191,36 @@
           </a:p>
         </p:txBody>
       </p:sp>
+      <p:pic>
+        <p:nvPicPr>
+          <p:cNvPr id="6" name="그림 5">
+            <a:extLst>
+              <a:ext uri="{FF2B5EF4-FFF2-40B4-BE49-F238E27FC236}">
+                <a16:creationId xmlns:a16="http://schemas.microsoft.com/office/drawing/2014/main" id="{48CE58B3-B558-8AB9-B82E-E8689415638B}"/>
+              </a:ext>
+            </a:extLst>
+          </p:cNvPr>
+          <p:cNvPicPr>
+            <a:picLocks noChangeAspect="1"/>
+          </p:cNvPicPr>
+          <p:nvPr/>
+        </p:nvPicPr>
+        <p:blipFill>
+          <a:blip r:embed="rId3"/>
+          <a:stretch>
+            <a:fillRect/>
+          </a:stretch>
+        </p:blipFill>
+        <p:spPr>
+          <a:xfrm>
+            <a:off x="2567819" y="2231355"/>
+            <a:ext cx="7290289" cy="4088762"/>
+          </a:xfrm>
+          <a:prstGeom prst="rect">
+            <a:avLst/>
+          </a:prstGeom>
+        </p:spPr>
+      </p:pic>
     </p:spTree>
     <p:extLst>
       <p:ext uri="{BB962C8B-B14F-4D97-AF65-F5344CB8AC3E}">

--- a/Document/UI/서버 UI.pptx
+++ b/Document/UI/서버 UI.pptx
@@ -5,15 +5,14 @@
     <p:sldMasterId id="2147483648" r:id="rId1"/>
   </p:sldMasterIdLst>
   <p:notesMasterIdLst>
-    <p:notesMasterId r:id="rId8"/>
+    <p:notesMasterId r:id="rId7"/>
   </p:notesMasterIdLst>
   <p:sldIdLst>
     <p:sldId id="256" r:id="rId2"/>
-    <p:sldId id="291" r:id="rId3"/>
-    <p:sldId id="288" r:id="rId4"/>
-    <p:sldId id="287" r:id="rId5"/>
-    <p:sldId id="289" r:id="rId6"/>
-    <p:sldId id="292" r:id="rId7"/>
+    <p:sldId id="288" r:id="rId3"/>
+    <p:sldId id="287" r:id="rId4"/>
+    <p:sldId id="289" r:id="rId5"/>
+    <p:sldId id="292" r:id="rId6"/>
   </p:sldIdLst>
   <p:sldSz cx="12192000" cy="6858000"/>
   <p:notesSz cx="6858000" cy="9144000"/>
@@ -202,7 +201,7 @@
           <a:p>
             <a:fld id="{F3C8B89E-453D-4031-9656-BEBD73A2F004}" type="datetimeFigureOut">
               <a:rPr lang="ko-KR" altLang="en-US" smtClean="0"/>
-              <a:t>2022-05-24(Tue)</a:t>
+              <a:t>2022-05-31(Tue)</a:t>
             </a:fld>
             <a:endParaRPr lang="ko-KR" altLang="en-US"/>
           </a:p>
@@ -534,7 +533,7 @@
           <a:p>
             <a:fld id="{73EB825B-89DC-4B21-8B3A-B3CA9CD761CE}" type="slidenum">
               <a:rPr lang="ko-KR" altLang="en-US" smtClean="0"/>
-              <a:t>3</a:t>
+              <a:t>2</a:t>
             </a:fld>
             <a:endParaRPr lang="ko-KR" altLang="en-US"/>
           </a:p>
@@ -618,7 +617,7 @@
           <a:p>
             <a:fld id="{73EB825B-89DC-4B21-8B3A-B3CA9CD761CE}" type="slidenum">
               <a:rPr lang="ko-KR" altLang="en-US" smtClean="0"/>
-              <a:t>4</a:t>
+              <a:t>3</a:t>
             </a:fld>
             <a:endParaRPr lang="ko-KR" altLang="en-US"/>
           </a:p>
@@ -702,7 +701,7 @@
           <a:p>
             <a:fld id="{73EB825B-89DC-4B21-8B3A-B3CA9CD761CE}" type="slidenum">
               <a:rPr lang="ko-KR" altLang="en-US" smtClean="0"/>
-              <a:t>5</a:t>
+              <a:t>4</a:t>
             </a:fld>
             <a:endParaRPr lang="ko-KR" altLang="en-US"/>
           </a:p>
@@ -868,7 +867,7 @@
           <a:p>
             <a:fld id="{2FE236A7-34C6-4DA0-B8E0-A937449C5C10}" type="datetimeFigureOut">
               <a:rPr lang="ko-KR" altLang="en-US" smtClean="0"/>
-              <a:t>2022-05-24(Tue)</a:t>
+              <a:t>2022-05-31(Tue)</a:t>
             </a:fld>
             <a:endParaRPr lang="ko-KR" altLang="en-US"/>
           </a:p>
@@ -1066,7 +1065,7 @@
           <a:p>
             <a:fld id="{2FE236A7-34C6-4DA0-B8E0-A937449C5C10}" type="datetimeFigureOut">
               <a:rPr lang="ko-KR" altLang="en-US" smtClean="0"/>
-              <a:t>2022-05-24(Tue)</a:t>
+              <a:t>2022-05-31(Tue)</a:t>
             </a:fld>
             <a:endParaRPr lang="ko-KR" altLang="en-US"/>
           </a:p>
@@ -1274,7 +1273,7 @@
           <a:p>
             <a:fld id="{2FE236A7-34C6-4DA0-B8E0-A937449C5C10}" type="datetimeFigureOut">
               <a:rPr lang="ko-KR" altLang="en-US" smtClean="0"/>
-              <a:t>2022-05-24(Tue)</a:t>
+              <a:t>2022-05-31(Tue)</a:t>
             </a:fld>
             <a:endParaRPr lang="ko-KR" altLang="en-US"/>
           </a:p>
@@ -2100,7 +2099,7 @@
           <a:p>
             <a:fld id="{2FE236A7-34C6-4DA0-B8E0-A937449C5C10}" type="datetimeFigureOut">
               <a:rPr lang="ko-KR" altLang="en-US" smtClean="0"/>
-              <a:t>2022-05-24(Tue)</a:t>
+              <a:t>2022-05-31(Tue)</a:t>
             </a:fld>
             <a:endParaRPr lang="ko-KR" altLang="en-US"/>
           </a:p>
@@ -2375,7 +2374,7 @@
           <a:p>
             <a:fld id="{2FE236A7-34C6-4DA0-B8E0-A937449C5C10}" type="datetimeFigureOut">
               <a:rPr lang="ko-KR" altLang="en-US" smtClean="0"/>
-              <a:t>2022-05-24(Tue)</a:t>
+              <a:t>2022-05-31(Tue)</a:t>
             </a:fld>
             <a:endParaRPr lang="ko-KR" altLang="en-US"/>
           </a:p>
@@ -2640,7 +2639,7 @@
           <a:p>
             <a:fld id="{2FE236A7-34C6-4DA0-B8E0-A937449C5C10}" type="datetimeFigureOut">
               <a:rPr lang="ko-KR" altLang="en-US" smtClean="0"/>
-              <a:t>2022-05-24(Tue)</a:t>
+              <a:t>2022-05-31(Tue)</a:t>
             </a:fld>
             <a:endParaRPr lang="ko-KR" altLang="en-US"/>
           </a:p>
@@ -3052,7 +3051,7 @@
           <a:p>
             <a:fld id="{2FE236A7-34C6-4DA0-B8E0-A937449C5C10}" type="datetimeFigureOut">
               <a:rPr lang="ko-KR" altLang="en-US" smtClean="0"/>
-              <a:t>2022-05-24(Tue)</a:t>
+              <a:t>2022-05-31(Tue)</a:t>
             </a:fld>
             <a:endParaRPr lang="ko-KR" altLang="en-US"/>
           </a:p>
@@ -3193,7 +3192,7 @@
           <a:p>
             <a:fld id="{2FE236A7-34C6-4DA0-B8E0-A937449C5C10}" type="datetimeFigureOut">
               <a:rPr lang="ko-KR" altLang="en-US" smtClean="0"/>
-              <a:t>2022-05-24(Tue)</a:t>
+              <a:t>2022-05-31(Tue)</a:t>
             </a:fld>
             <a:endParaRPr lang="ko-KR" altLang="en-US"/>
           </a:p>
@@ -3306,7 +3305,7 @@
           <a:p>
             <a:fld id="{2FE236A7-34C6-4DA0-B8E0-A937449C5C10}" type="datetimeFigureOut">
               <a:rPr lang="ko-KR" altLang="en-US" smtClean="0"/>
-              <a:t>2022-05-24(Tue)</a:t>
+              <a:t>2022-05-31(Tue)</a:t>
             </a:fld>
             <a:endParaRPr lang="ko-KR" altLang="en-US"/>
           </a:p>
@@ -3617,7 +3616,7 @@
           <a:p>
             <a:fld id="{2FE236A7-34C6-4DA0-B8E0-A937449C5C10}" type="datetimeFigureOut">
               <a:rPr lang="ko-KR" altLang="en-US" smtClean="0"/>
-              <a:t>2022-05-24(Tue)</a:t>
+              <a:t>2022-05-31(Tue)</a:t>
             </a:fld>
             <a:endParaRPr lang="ko-KR" altLang="en-US"/>
           </a:p>
@@ -3905,7 +3904,7 @@
           <a:p>
             <a:fld id="{2FE236A7-34C6-4DA0-B8E0-A937449C5C10}" type="datetimeFigureOut">
               <a:rPr lang="ko-KR" altLang="en-US" smtClean="0"/>
-              <a:t>2022-05-24(Tue)</a:t>
+              <a:t>2022-05-31(Tue)</a:t>
             </a:fld>
             <a:endParaRPr lang="ko-KR" altLang="en-US"/>
           </a:p>
@@ -4146,7 +4145,7 @@
           <a:p>
             <a:fld id="{2FE236A7-34C6-4DA0-B8E0-A937449C5C10}" type="datetimeFigureOut">
               <a:rPr lang="ko-KR" altLang="en-US" smtClean="0"/>
-              <a:t>2022-05-24(Tue)</a:t>
+              <a:t>2022-05-31(Tue)</a:t>
             </a:fld>
             <a:endParaRPr lang="ko-KR" altLang="en-US"/>
           </a:p>
@@ -4674,10 +4673,10 @@
       </p:grpSpPr>
       <p:sp>
         <p:nvSpPr>
-          <p:cNvPr id="27" name="사각형: 둥근 모서리 26">
-            <a:extLst>
-              <a:ext uri="{FF2B5EF4-FFF2-40B4-BE49-F238E27FC236}">
-                <a16:creationId xmlns:a16="http://schemas.microsoft.com/office/drawing/2014/main" id="{0C62658B-0E83-43EF-9D52-C659C2DD6756}"/>
+          <p:cNvPr id="19" name="사각형: 둥근 모서리 18">
+            <a:extLst>
+              <a:ext uri="{FF2B5EF4-FFF2-40B4-BE49-F238E27FC236}">
+                <a16:creationId xmlns:a16="http://schemas.microsoft.com/office/drawing/2014/main" id="{4D8CE177-9F2A-4957-BB15-E11AB53DEC2E}"/>
               </a:ext>
             </a:extLst>
           </p:cNvPr>
@@ -4686,7 +4685,7 @@
         </p:nvSpPr>
         <p:spPr>
           <a:xfrm>
-            <a:off x="15213" y="853595"/>
+            <a:off x="1498776" y="853595"/>
             <a:ext cx="1446767" cy="609269"/>
           </a:xfrm>
           <a:prstGeom prst="roundRect">
@@ -4729,60 +4728,10 @@
       </p:sp>
       <p:sp>
         <p:nvSpPr>
-          <p:cNvPr id="2" name="제목 1">
-            <a:extLst>
-              <a:ext uri="{FF2B5EF4-FFF2-40B4-BE49-F238E27FC236}">
-                <a16:creationId xmlns:a16="http://schemas.microsoft.com/office/drawing/2014/main" id="{2F622030-F73D-44CE-86D3-3E2761E41BA4}"/>
-              </a:ext>
-            </a:extLst>
-          </p:cNvPr>
-          <p:cNvSpPr>
-            <a:spLocks noGrp="1"/>
-          </p:cNvSpPr>
-          <p:nvPr>
-            <p:ph type="title"/>
-          </p:nvPr>
-        </p:nvSpPr>
-        <p:spPr/>
-        <p:txBody>
-          <a:bodyPr/>
-          <a:lstStyle/>
-          <a:p>
-            <a:endParaRPr lang="ko-KR" altLang="en-US"/>
-          </a:p>
-        </p:txBody>
-      </p:sp>
-      <p:sp>
-        <p:nvSpPr>
-          <p:cNvPr id="4" name="텍스트 개체 틀 3">
-            <a:extLst>
-              <a:ext uri="{FF2B5EF4-FFF2-40B4-BE49-F238E27FC236}">
-                <a16:creationId xmlns:a16="http://schemas.microsoft.com/office/drawing/2014/main" id="{B9535921-07BC-464D-A391-8527B03B219C}"/>
-              </a:ext>
-            </a:extLst>
-          </p:cNvPr>
-          <p:cNvSpPr>
-            <a:spLocks noGrp="1"/>
-          </p:cNvSpPr>
-          <p:nvPr>
-            <p:ph type="body" sz="quarter" idx="13"/>
-          </p:nvPr>
-        </p:nvSpPr>
-        <p:spPr/>
-        <p:txBody>
-          <a:bodyPr/>
-          <a:lstStyle/>
-          <a:p>
-            <a:endParaRPr lang="ko-KR" altLang="en-US"/>
-          </a:p>
-        </p:txBody>
-      </p:sp>
-      <p:sp>
-        <p:nvSpPr>
-          <p:cNvPr id="8" name="사각형: 둥근 모서리 7">
-            <a:extLst>
-              <a:ext uri="{FF2B5EF4-FFF2-40B4-BE49-F238E27FC236}">
-                <a16:creationId xmlns:a16="http://schemas.microsoft.com/office/drawing/2014/main" id="{DA269741-60EE-4563-91F5-DD8883E71A94}"/>
+          <p:cNvPr id="4" name="직사각형 3">
+            <a:extLst>
+              <a:ext uri="{FF2B5EF4-FFF2-40B4-BE49-F238E27FC236}">
+                <a16:creationId xmlns:a16="http://schemas.microsoft.com/office/drawing/2014/main" id="{AE93FE2A-85FE-4157-951C-FC2FADBB3B34}"/>
               </a:ext>
             </a:extLst>
           </p:cNvPr>
@@ -4790,21 +4739,19 @@
           <p:nvPr/>
         </p:nvSpPr>
         <p:spPr>
-          <a:xfrm rot="5400000">
-            <a:off x="4233349" y="1488"/>
-            <a:ext cx="3993138" cy="7952529"/>
-          </a:xfrm>
-          <a:prstGeom prst="roundRect">
+          <a:xfrm>
+            <a:off x="0" y="0"/>
+            <a:ext cx="12192000" cy="1034474"/>
+          </a:xfrm>
+          <a:prstGeom prst="rect">
             <a:avLst/>
           </a:prstGeom>
           <a:solidFill>
-            <a:schemeClr val="bg1"/>
+            <a:schemeClr val="accent5">
+              <a:lumMod val="60000"/>
+              <a:lumOff val="40000"/>
+            </a:schemeClr>
           </a:solidFill>
-          <a:ln w="38100">
-            <a:solidFill>
-              <a:schemeClr val="tx1"/>
-            </a:solidFill>
-          </a:ln>
         </p:spPr>
         <p:style>
           <a:lnRef idx="2">
@@ -4833,62 +4780,10 @@
       </p:sp>
       <p:sp>
         <p:nvSpPr>
-          <p:cNvPr id="10" name="직사각형 9">
-            <a:extLst>
-              <a:ext uri="{FF2B5EF4-FFF2-40B4-BE49-F238E27FC236}">
-                <a16:creationId xmlns:a16="http://schemas.microsoft.com/office/drawing/2014/main" id="{50C65B13-8A50-4E50-B84E-BC87CB52C882}"/>
-              </a:ext>
-            </a:extLst>
-          </p:cNvPr>
-          <p:cNvSpPr/>
-          <p:nvPr/>
-        </p:nvSpPr>
-        <p:spPr>
-          <a:xfrm>
-            <a:off x="0" y="0"/>
-            <a:ext cx="12192000" cy="1034474"/>
-          </a:xfrm>
-          <a:prstGeom prst="rect">
-            <a:avLst/>
-          </a:prstGeom>
-          <a:solidFill>
-            <a:schemeClr val="accent5">
-              <a:lumMod val="60000"/>
-              <a:lumOff val="40000"/>
-            </a:schemeClr>
-          </a:solidFill>
-        </p:spPr>
-        <p:style>
-          <a:lnRef idx="2">
-            <a:schemeClr val="accent1">
-              <a:shade val="50000"/>
-            </a:schemeClr>
-          </a:lnRef>
-          <a:fillRef idx="1">
-            <a:schemeClr val="accent1"/>
-          </a:fillRef>
-          <a:effectRef idx="0">
-            <a:schemeClr val="accent1"/>
-          </a:effectRef>
-          <a:fontRef idx="minor">
-            <a:schemeClr val="lt1"/>
-          </a:fontRef>
-        </p:style>
-        <p:txBody>
-          <a:bodyPr rtlCol="0" anchor="ctr"/>
-          <a:lstStyle/>
-          <a:p>
-            <a:pPr algn="ctr"/>
-            <a:endParaRPr lang="ko-KR" altLang="en-US" dirty="0"/>
-          </a:p>
-        </p:txBody>
-      </p:sp>
-      <p:sp>
-        <p:nvSpPr>
-          <p:cNvPr id="11" name="TextBox 10">
-            <a:extLst>
-              <a:ext uri="{FF2B5EF4-FFF2-40B4-BE49-F238E27FC236}">
-                <a16:creationId xmlns:a16="http://schemas.microsoft.com/office/drawing/2014/main" id="{6F4257DC-00F9-4B3F-9C6E-E7A98A781D4A}"/>
+          <p:cNvPr id="7" name="TextBox 6">
+            <a:extLst>
+              <a:ext uri="{FF2B5EF4-FFF2-40B4-BE49-F238E27FC236}">
+                <a16:creationId xmlns:a16="http://schemas.microsoft.com/office/drawing/2014/main" id="{982817C4-ACF4-45FB-A018-6E6F872691BC}"/>
               </a:ext>
             </a:extLst>
           </p:cNvPr>
@@ -4938,98 +4833,29 @@
           </a:p>
         </p:txBody>
       </p:sp>
-      <p:sp>
-        <p:nvSpPr>
-          <p:cNvPr id="20" name="TextBox 19">
-            <a:extLst>
-              <a:ext uri="{FF2B5EF4-FFF2-40B4-BE49-F238E27FC236}">
-                <a16:creationId xmlns:a16="http://schemas.microsoft.com/office/drawing/2014/main" id="{08BA6D45-DB7B-46E1-9B18-9DE0804050BB}"/>
-              </a:ext>
-            </a:extLst>
-          </p:cNvPr>
-          <p:cNvSpPr txBox="1"/>
-          <p:nvPr/>
-        </p:nvSpPr>
-        <p:spPr>
-          <a:xfrm>
-            <a:off x="11508508" y="6289963"/>
-            <a:ext cx="311304" cy="369332"/>
-          </a:xfrm>
-          <a:prstGeom prst="rect">
-            <a:avLst/>
-          </a:prstGeom>
-          <a:noFill/>
-        </p:spPr>
-        <p:txBody>
-          <a:bodyPr wrap="none" rtlCol="0">
-            <a:spAutoFit/>
-          </a:bodyPr>
-          <a:lstStyle/>
-          <a:p>
-            <a:r>
-              <a:rPr lang="en-US" altLang="ko-KR" dirty="0"/>
-              <a:t>1</a:t>
-            </a:r>
-            <a:endParaRPr lang="ko-KR" altLang="en-US" dirty="0"/>
-          </a:p>
-        </p:txBody>
-      </p:sp>
-      <p:sp>
-        <p:nvSpPr>
-          <p:cNvPr id="3" name="TextBox 2">
-            <a:extLst>
-              <a:ext uri="{FF2B5EF4-FFF2-40B4-BE49-F238E27FC236}">
-                <a16:creationId xmlns:a16="http://schemas.microsoft.com/office/drawing/2014/main" id="{A98F1BDC-334C-4D69-B3CE-91E997829A22}"/>
-              </a:ext>
-            </a:extLst>
-          </p:cNvPr>
-          <p:cNvSpPr txBox="1"/>
-          <p:nvPr/>
-        </p:nvSpPr>
-        <p:spPr>
-          <a:xfrm>
-            <a:off x="5092427" y="2297607"/>
-            <a:ext cx="2274982" cy="769441"/>
-          </a:xfrm>
-          <a:prstGeom prst="rect">
-            <a:avLst/>
-          </a:prstGeom>
-          <a:noFill/>
-        </p:spPr>
-        <p:txBody>
-          <a:bodyPr wrap="none" rtlCol="0">
-            <a:spAutoFit/>
-          </a:bodyPr>
-          <a:lstStyle/>
-          <a:p>
-            <a:r>
-              <a:rPr lang="ko-KR" altLang="en-US" sz="4400" b="1" dirty="0"/>
-              <a:t>로 그 인</a:t>
-            </a:r>
-          </a:p>
-        </p:txBody>
-      </p:sp>
       <p:cxnSp>
         <p:nvCxnSpPr>
-          <p:cNvPr id="7" name="직선 연결선 6">
-            <a:extLst>
-              <a:ext uri="{FF2B5EF4-FFF2-40B4-BE49-F238E27FC236}">
-                <a16:creationId xmlns:a16="http://schemas.microsoft.com/office/drawing/2014/main" id="{644F4B45-1000-4111-98A1-C840F77C2EF8}"/>
-              </a:ext>
-            </a:extLst>
-          </p:cNvPr>
-          <p:cNvCxnSpPr/>
+          <p:cNvPr id="20" name="직선 연결선 19">
+            <a:extLst>
+              <a:ext uri="{FF2B5EF4-FFF2-40B4-BE49-F238E27FC236}">
+                <a16:creationId xmlns:a16="http://schemas.microsoft.com/office/drawing/2014/main" id="{E99D900C-F3FF-47E2-81D9-472D0E7A922C}"/>
+              </a:ext>
+            </a:extLst>
+          </p:cNvPr>
+          <p:cNvCxnSpPr>
+            <a:cxnSpLocks/>
+          </p:cNvCxnSpPr>
           <p:nvPr/>
         </p:nvCxnSpPr>
         <p:spPr>
           <a:xfrm>
-            <a:off x="3112782" y="3067048"/>
-            <a:ext cx="6059210" cy="0"/>
+            <a:off x="7837711" y="985217"/>
+            <a:ext cx="0" cy="457201"/>
           </a:xfrm>
           <a:prstGeom prst="line">
             <a:avLst/>
           </a:prstGeom>
-          <a:ln>
+          <a:ln w="28575">
             <a:solidFill>
               <a:schemeClr val="tx1"/>
             </a:solidFill>
@@ -5052,64 +4878,10 @@
       </p:cxnSp>
       <p:sp>
         <p:nvSpPr>
-          <p:cNvPr id="24" name="사각형: 둥근 모서리 23">
-            <a:extLst>
-              <a:ext uri="{FF2B5EF4-FFF2-40B4-BE49-F238E27FC236}">
-                <a16:creationId xmlns:a16="http://schemas.microsoft.com/office/drawing/2014/main" id="{74D6F333-16D4-443F-8A58-CF04E3BCEB1B}"/>
-              </a:ext>
-            </a:extLst>
-          </p:cNvPr>
-          <p:cNvSpPr/>
-          <p:nvPr/>
-        </p:nvSpPr>
-        <p:spPr>
-          <a:xfrm>
-            <a:off x="3978184" y="3555770"/>
-            <a:ext cx="5193808" cy="561437"/>
-          </a:xfrm>
-          <a:prstGeom prst="roundRect">
-            <a:avLst/>
-          </a:prstGeom>
-          <a:solidFill>
-            <a:schemeClr val="bg1"/>
-          </a:solidFill>
-          <a:ln>
-            <a:solidFill>
-              <a:schemeClr val="tx1"/>
-            </a:solidFill>
-          </a:ln>
-        </p:spPr>
-        <p:style>
-          <a:lnRef idx="2">
-            <a:schemeClr val="accent1">
-              <a:shade val="50000"/>
-            </a:schemeClr>
-          </a:lnRef>
-          <a:fillRef idx="1">
-            <a:schemeClr val="accent1"/>
-          </a:fillRef>
-          <a:effectRef idx="0">
-            <a:schemeClr val="accent1"/>
-          </a:effectRef>
-          <a:fontRef idx="minor">
-            <a:schemeClr val="lt1"/>
-          </a:fontRef>
-        </p:style>
-        <p:txBody>
-          <a:bodyPr rtlCol="0" anchor="ctr"/>
-          <a:lstStyle/>
-          <a:p>
-            <a:pPr algn="ctr"/>
-            <a:endParaRPr lang="ko-KR" altLang="en-US"/>
-          </a:p>
-        </p:txBody>
-      </p:sp>
-      <p:sp>
-        <p:nvSpPr>
-          <p:cNvPr id="25" name="TextBox 24">
-            <a:extLst>
-              <a:ext uri="{FF2B5EF4-FFF2-40B4-BE49-F238E27FC236}">
-                <a16:creationId xmlns:a16="http://schemas.microsoft.com/office/drawing/2014/main" id="{42C525F9-E3B7-4138-BB43-11E8FA05A704}"/>
+          <p:cNvPr id="21" name="TextBox 20">
+            <a:extLst>
+              <a:ext uri="{FF2B5EF4-FFF2-40B4-BE49-F238E27FC236}">
+                <a16:creationId xmlns:a16="http://schemas.microsoft.com/office/drawing/2014/main" id="{E7A9A757-488B-4DC7-B326-2A90B71A3AA8}"/>
               </a:ext>
             </a:extLst>
           </p:cNvPr>
@@ -5118,8 +4890,52 @@
         </p:nvSpPr>
         <p:spPr>
           <a:xfrm>
-            <a:off x="2917229" y="3651822"/>
-            <a:ext cx="877163" cy="369332"/>
+            <a:off x="5943600" y="1042308"/>
+            <a:ext cx="2034073" cy="400110"/>
+          </a:xfrm>
+          <a:prstGeom prst="rect">
+            <a:avLst/>
+          </a:prstGeom>
+          <a:noFill/>
+        </p:spPr>
+        <p:txBody>
+          <a:bodyPr wrap="square">
+            <a:spAutoFit/>
+          </a:bodyPr>
+          <a:lstStyle/>
+          <a:p>
+            <a:r>
+              <a:rPr lang="ko-KR" altLang="en-US" sz="2000" b="1" dirty="0"/>
+              <a:t>서버 </a:t>
+            </a:r>
+            <a:r>
+              <a:rPr lang="en-US" altLang="ko-KR" sz="2000" b="1" dirty="0"/>
+              <a:t>UI</a:t>
+            </a:r>
+            <a:r>
+              <a:rPr lang="ko-KR" altLang="en-US" sz="2000" b="1" dirty="0"/>
+              <a:t> 순서도</a:t>
+            </a:r>
+            <a:endParaRPr lang="ko-KR" altLang="en-US" sz="2000" dirty="0"/>
+          </a:p>
+        </p:txBody>
+      </p:sp>
+      <p:sp>
+        <p:nvSpPr>
+          <p:cNvPr id="22" name="TextBox 21">
+            <a:extLst>
+              <a:ext uri="{FF2B5EF4-FFF2-40B4-BE49-F238E27FC236}">
+                <a16:creationId xmlns:a16="http://schemas.microsoft.com/office/drawing/2014/main" id="{2365B1A7-8A5F-4376-871C-3CD69C9B50BE}"/>
+              </a:ext>
+            </a:extLst>
+          </p:cNvPr>
+          <p:cNvSpPr txBox="1"/>
+          <p:nvPr/>
+        </p:nvSpPr>
+        <p:spPr>
+          <a:xfrm>
+            <a:off x="1592215" y="1073849"/>
+            <a:ext cx="1300356" cy="400110"/>
           </a:xfrm>
           <a:prstGeom prst="rect">
             <a:avLst/>
@@ -5133,111 +4949,19 @@
           <a:lstStyle/>
           <a:p>
             <a:r>
-              <a:rPr lang="ko-KR" altLang="en-US" dirty="0"/>
-              <a:t>아이디</a:t>
-            </a:r>
-          </a:p>
-        </p:txBody>
-      </p:sp>
-      <p:sp>
-        <p:nvSpPr>
-          <p:cNvPr id="26" name="타원 25">
-            <a:extLst>
-              <a:ext uri="{FF2B5EF4-FFF2-40B4-BE49-F238E27FC236}">
-                <a16:creationId xmlns:a16="http://schemas.microsoft.com/office/drawing/2014/main" id="{DD0EC4B0-571A-423C-86D4-C2AD871D7FAC}"/>
-              </a:ext>
-            </a:extLst>
-          </p:cNvPr>
-          <p:cNvSpPr/>
-          <p:nvPr/>
-        </p:nvSpPr>
-        <p:spPr>
-          <a:xfrm>
-            <a:off x="5885403" y="4605928"/>
-            <a:ext cx="933060" cy="933060"/>
-          </a:xfrm>
-          <a:prstGeom prst="ellipse">
-            <a:avLst/>
-          </a:prstGeom>
-        </p:spPr>
-        <p:style>
-          <a:lnRef idx="2">
-            <a:schemeClr val="accent1">
-              <a:shade val="50000"/>
-            </a:schemeClr>
-          </a:lnRef>
-          <a:fillRef idx="1">
-            <a:schemeClr val="accent1"/>
-          </a:fillRef>
-          <a:effectRef idx="0">
-            <a:schemeClr val="accent1"/>
-          </a:effectRef>
-          <a:fontRef idx="minor">
-            <a:schemeClr val="lt1"/>
-          </a:fontRef>
-        </p:style>
-        <p:txBody>
-          <a:bodyPr rtlCol="0" anchor="ctr"/>
-          <a:lstStyle/>
-          <a:p>
-            <a:pPr algn="ctr"/>
-            <a:r>
-              <a:rPr lang="ko-KR" altLang="en-US"/>
-              <a:t>확인</a:t>
-            </a:r>
-            <a:endParaRPr lang="ko-KR" altLang="en-US" dirty="0"/>
-          </a:p>
-        </p:txBody>
-      </p:sp>
-      <p:cxnSp>
-        <p:nvCxnSpPr>
-          <p:cNvPr id="33" name="직선 연결선 32">
-            <a:extLst>
-              <a:ext uri="{FF2B5EF4-FFF2-40B4-BE49-F238E27FC236}">
-                <a16:creationId xmlns:a16="http://schemas.microsoft.com/office/drawing/2014/main" id="{8445A7C1-394C-4416-A750-1BB3FA87F97D}"/>
-              </a:ext>
-            </a:extLst>
-          </p:cNvPr>
-          <p:cNvCxnSpPr>
-            <a:cxnSpLocks/>
-          </p:cNvCxnSpPr>
-          <p:nvPr/>
-        </p:nvCxnSpPr>
-        <p:spPr>
-          <a:xfrm>
-            <a:off x="7837711" y="985217"/>
-            <a:ext cx="0" cy="457201"/>
-          </a:xfrm>
-          <a:prstGeom prst="line">
-            <a:avLst/>
-          </a:prstGeom>
-          <a:ln w="28575">
-            <a:solidFill>
-              <a:schemeClr val="tx1"/>
-            </a:solidFill>
-          </a:ln>
-        </p:spPr>
-        <p:style>
-          <a:lnRef idx="1">
-            <a:schemeClr val="accent1"/>
-          </a:lnRef>
-          <a:fillRef idx="0">
-            <a:schemeClr val="accent1"/>
-          </a:fillRef>
-          <a:effectRef idx="0">
-            <a:schemeClr val="accent1"/>
-          </a:effectRef>
-          <a:fontRef idx="minor">
-            <a:schemeClr val="tx1"/>
-          </a:fontRef>
-        </p:style>
-      </p:cxnSp>
-      <p:sp>
-        <p:nvSpPr>
-          <p:cNvPr id="34" name="TextBox 33">
-            <a:extLst>
-              <a:ext uri="{FF2B5EF4-FFF2-40B4-BE49-F238E27FC236}">
-                <a16:creationId xmlns:a16="http://schemas.microsoft.com/office/drawing/2014/main" id="{D8FB16A1-B2CD-404C-9601-C369F704C246}"/>
+              <a:rPr lang="ko-KR" altLang="en-US" sz="2000" b="1"/>
+              <a:t>메인 화면</a:t>
+            </a:r>
+            <a:endParaRPr lang="ko-KR" altLang="en-US" sz="1600" b="1" dirty="0"/>
+          </a:p>
+        </p:txBody>
+      </p:sp>
+      <p:sp>
+        <p:nvSpPr>
+          <p:cNvPr id="23" name="TextBox 22">
+            <a:extLst>
+              <a:ext uri="{FF2B5EF4-FFF2-40B4-BE49-F238E27FC236}">
+                <a16:creationId xmlns:a16="http://schemas.microsoft.com/office/drawing/2014/main" id="{374418AA-E3B3-4A20-AB7C-7C0A502C5648}"/>
               </a:ext>
             </a:extLst>
           </p:cNvPr>
@@ -5246,8 +4970,8 @@
         </p:nvSpPr>
         <p:spPr>
           <a:xfrm>
-            <a:off x="5943600" y="1042308"/>
-            <a:ext cx="2034073" cy="400110"/>
+            <a:off x="3087214" y="1062755"/>
+            <a:ext cx="1668545" cy="400110"/>
           </a:xfrm>
           <a:prstGeom prst="rect">
             <a:avLst/>
@@ -5255,33 +4979,25 @@
           <a:noFill/>
         </p:spPr>
         <p:txBody>
-          <a:bodyPr wrap="square">
+          <a:bodyPr wrap="square" rtlCol="0">
             <a:spAutoFit/>
           </a:bodyPr>
           <a:lstStyle/>
           <a:p>
             <a:r>
               <a:rPr lang="ko-KR" altLang="en-US" sz="2000" b="1" dirty="0"/>
-              <a:t>서버 </a:t>
-            </a:r>
-            <a:r>
-              <a:rPr lang="en-US" altLang="ko-KR" sz="2000" b="1" dirty="0"/>
-              <a:t>UI</a:t>
-            </a:r>
-            <a:r>
-              <a:rPr lang="ko-KR" altLang="en-US" sz="2000" b="1" dirty="0"/>
-              <a:t> 순서도</a:t>
-            </a:r>
-            <a:endParaRPr lang="ko-KR" altLang="en-US" sz="2000" dirty="0"/>
-          </a:p>
-        </p:txBody>
-      </p:sp>
-      <p:sp>
-        <p:nvSpPr>
-          <p:cNvPr id="35" name="TextBox 34">
-            <a:extLst>
-              <a:ext uri="{FF2B5EF4-FFF2-40B4-BE49-F238E27FC236}">
-                <a16:creationId xmlns:a16="http://schemas.microsoft.com/office/drawing/2014/main" id="{4BB14E00-84B2-40CB-ABC3-471C5307272F}"/>
+              <a:t>방 만들기</a:t>
+            </a:r>
+            <a:endParaRPr lang="ko-KR" altLang="en-US" sz="1600" b="1" dirty="0"/>
+          </a:p>
+        </p:txBody>
+      </p:sp>
+      <p:sp>
+        <p:nvSpPr>
+          <p:cNvPr id="24" name="TextBox 23">
+            <a:extLst>
+              <a:ext uri="{FF2B5EF4-FFF2-40B4-BE49-F238E27FC236}">
+                <a16:creationId xmlns:a16="http://schemas.microsoft.com/office/drawing/2014/main" id="{2DE5099A-0118-40F9-BCA2-53F9D48848B5}"/>
               </a:ext>
             </a:extLst>
           </p:cNvPr>
@@ -5290,8 +5006,8 @@
         </p:nvSpPr>
         <p:spPr>
           <a:xfrm>
-            <a:off x="1709723" y="1062755"/>
-            <a:ext cx="1055097" cy="400110"/>
+            <a:off x="4555109" y="1062755"/>
+            <a:ext cx="1401346" cy="400110"/>
           </a:xfrm>
           <a:prstGeom prst="rect">
             <a:avLst/>
@@ -5306,82 +5022,6 @@
           <a:p>
             <a:r>
               <a:rPr lang="ko-KR" altLang="en-US" sz="2000" b="1" dirty="0"/>
-              <a:t>시작</a:t>
-            </a:r>
-            <a:r>
-              <a:rPr lang="en-US" altLang="ko-KR" sz="2000" b="1" dirty="0"/>
-              <a:t> UI</a:t>
-            </a:r>
-            <a:endParaRPr lang="ko-KR" altLang="en-US" sz="1600" b="1" dirty="0"/>
-          </a:p>
-        </p:txBody>
-      </p:sp>
-      <p:sp>
-        <p:nvSpPr>
-          <p:cNvPr id="36" name="TextBox 35">
-            <a:extLst>
-              <a:ext uri="{FF2B5EF4-FFF2-40B4-BE49-F238E27FC236}">
-                <a16:creationId xmlns:a16="http://schemas.microsoft.com/office/drawing/2014/main" id="{96C33B1D-F7AC-4193-BE74-1F97283183C5}"/>
-              </a:ext>
-            </a:extLst>
-          </p:cNvPr>
-          <p:cNvSpPr txBox="1"/>
-          <p:nvPr/>
-        </p:nvSpPr>
-        <p:spPr>
-          <a:xfrm>
-            <a:off x="3087214" y="1062755"/>
-            <a:ext cx="1668545" cy="400110"/>
-          </a:xfrm>
-          <a:prstGeom prst="rect">
-            <a:avLst/>
-          </a:prstGeom>
-          <a:noFill/>
-        </p:spPr>
-        <p:txBody>
-          <a:bodyPr wrap="square" rtlCol="0">
-            <a:spAutoFit/>
-          </a:bodyPr>
-          <a:lstStyle/>
-          <a:p>
-            <a:r>
-              <a:rPr lang="ko-KR" altLang="en-US" sz="2000" b="1" dirty="0"/>
-              <a:t>방 만들기</a:t>
-            </a:r>
-            <a:endParaRPr lang="ko-KR" altLang="en-US" sz="1600" b="1" dirty="0"/>
-          </a:p>
-        </p:txBody>
-      </p:sp>
-      <p:sp>
-        <p:nvSpPr>
-          <p:cNvPr id="37" name="TextBox 36">
-            <a:extLst>
-              <a:ext uri="{FF2B5EF4-FFF2-40B4-BE49-F238E27FC236}">
-                <a16:creationId xmlns:a16="http://schemas.microsoft.com/office/drawing/2014/main" id="{7624F101-044D-45B8-9E7F-EF978FFC17A1}"/>
-              </a:ext>
-            </a:extLst>
-          </p:cNvPr>
-          <p:cNvSpPr txBox="1"/>
-          <p:nvPr/>
-        </p:nvSpPr>
-        <p:spPr>
-          <a:xfrm>
-            <a:off x="4555109" y="1062755"/>
-            <a:ext cx="1401346" cy="400110"/>
-          </a:xfrm>
-          <a:prstGeom prst="rect">
-            <a:avLst/>
-          </a:prstGeom>
-          <a:noFill/>
-        </p:spPr>
-        <p:txBody>
-          <a:bodyPr wrap="none" rtlCol="0">
-            <a:spAutoFit/>
-          </a:bodyPr>
-          <a:lstStyle/>
-          <a:p>
-            <a:r>
-              <a:rPr lang="ko-KR" altLang="en-US" sz="2000" b="1" dirty="0"/>
               <a:t>방 설정 </a:t>
             </a:r>
             <a:r>
@@ -5394,10 +5034,10 @@
       </p:sp>
       <p:sp>
         <p:nvSpPr>
-          <p:cNvPr id="38" name="텍스트 개체 틀 4">
-            <a:extLst>
-              <a:ext uri="{FF2B5EF4-FFF2-40B4-BE49-F238E27FC236}">
-                <a16:creationId xmlns:a16="http://schemas.microsoft.com/office/drawing/2014/main" id="{14C6E332-341D-426B-A8C0-63353ABF9044}"/>
+          <p:cNvPr id="26" name="텍스트 개체 틀 4">
+            <a:extLst>
+              <a:ext uri="{FF2B5EF4-FFF2-40B4-BE49-F238E27FC236}">
+                <a16:creationId xmlns:a16="http://schemas.microsoft.com/office/drawing/2014/main" id="{5039E2E5-6975-451A-BFDA-F819EF4A5C1A}"/>
               </a:ext>
             </a:extLst>
           </p:cNvPr>
@@ -5596,601 +5236,6 @@
           </a:p>
         </p:txBody>
       </p:sp>
-    </p:spTree>
-    <p:extLst>
-      <p:ext uri="{BB962C8B-B14F-4D97-AF65-F5344CB8AC3E}">
-        <p14:creationId xmlns:p14="http://schemas.microsoft.com/office/powerpoint/2010/main" val="2818559181"/>
-      </p:ext>
-    </p:extLst>
-  </p:cSld>
-  <p:clrMapOvr>
-    <a:masterClrMapping/>
-  </p:clrMapOvr>
-</p:sld>
-</file>
-
-<file path=ppt/slides/slide3.xml><?xml version="1.0" encoding="utf-8"?>
-<p:sld xmlns:a="http://schemas.openxmlformats.org/drawingml/2006/main" xmlns:r="http://schemas.openxmlformats.org/officeDocument/2006/relationships" xmlns:p="http://schemas.openxmlformats.org/presentationml/2006/main">
-  <p:cSld>
-    <p:spTree>
-      <p:nvGrpSpPr>
-        <p:cNvPr id="1" name=""/>
-        <p:cNvGrpSpPr/>
-        <p:nvPr/>
-      </p:nvGrpSpPr>
-      <p:grpSpPr>
-        <a:xfrm>
-          <a:off x="0" y="0"/>
-          <a:ext cx="0" cy="0"/>
-          <a:chOff x="0" y="0"/>
-          <a:chExt cx="0" cy="0"/>
-        </a:xfrm>
-      </p:grpSpPr>
-      <p:sp>
-        <p:nvSpPr>
-          <p:cNvPr id="19" name="사각형: 둥근 모서리 18">
-            <a:extLst>
-              <a:ext uri="{FF2B5EF4-FFF2-40B4-BE49-F238E27FC236}">
-                <a16:creationId xmlns:a16="http://schemas.microsoft.com/office/drawing/2014/main" id="{4D8CE177-9F2A-4957-BB15-E11AB53DEC2E}"/>
-              </a:ext>
-            </a:extLst>
-          </p:cNvPr>
-          <p:cNvSpPr/>
-          <p:nvPr/>
-        </p:nvSpPr>
-        <p:spPr>
-          <a:xfrm>
-            <a:off x="1498776" y="853595"/>
-            <a:ext cx="1446767" cy="609269"/>
-          </a:xfrm>
-          <a:prstGeom prst="roundRect">
-            <a:avLst/>
-          </a:prstGeom>
-          <a:solidFill>
-            <a:schemeClr val="accent4">
-              <a:lumMod val="40000"/>
-              <a:lumOff val="60000"/>
-            </a:schemeClr>
-          </a:solidFill>
-          <a:ln>
-            <a:noFill/>
-          </a:ln>
-        </p:spPr>
-        <p:style>
-          <a:lnRef idx="2">
-            <a:schemeClr val="accent1">
-              <a:shade val="50000"/>
-            </a:schemeClr>
-          </a:lnRef>
-          <a:fillRef idx="1">
-            <a:schemeClr val="accent1"/>
-          </a:fillRef>
-          <a:effectRef idx="0">
-            <a:schemeClr val="accent1"/>
-          </a:effectRef>
-          <a:fontRef idx="minor">
-            <a:schemeClr val="lt1"/>
-          </a:fontRef>
-        </p:style>
-        <p:txBody>
-          <a:bodyPr rtlCol="0" anchor="ctr"/>
-          <a:lstStyle/>
-          <a:p>
-            <a:pPr algn="ctr"/>
-            <a:endParaRPr lang="ko-KR" altLang="en-US"/>
-          </a:p>
-        </p:txBody>
-      </p:sp>
-      <p:sp>
-        <p:nvSpPr>
-          <p:cNvPr id="4" name="직사각형 3">
-            <a:extLst>
-              <a:ext uri="{FF2B5EF4-FFF2-40B4-BE49-F238E27FC236}">
-                <a16:creationId xmlns:a16="http://schemas.microsoft.com/office/drawing/2014/main" id="{AE93FE2A-85FE-4157-951C-FC2FADBB3B34}"/>
-              </a:ext>
-            </a:extLst>
-          </p:cNvPr>
-          <p:cNvSpPr/>
-          <p:nvPr/>
-        </p:nvSpPr>
-        <p:spPr>
-          <a:xfrm>
-            <a:off x="0" y="0"/>
-            <a:ext cx="12192000" cy="1034474"/>
-          </a:xfrm>
-          <a:prstGeom prst="rect">
-            <a:avLst/>
-          </a:prstGeom>
-          <a:solidFill>
-            <a:schemeClr val="accent5">
-              <a:lumMod val="60000"/>
-              <a:lumOff val="40000"/>
-            </a:schemeClr>
-          </a:solidFill>
-        </p:spPr>
-        <p:style>
-          <a:lnRef idx="2">
-            <a:schemeClr val="accent1">
-              <a:shade val="50000"/>
-            </a:schemeClr>
-          </a:lnRef>
-          <a:fillRef idx="1">
-            <a:schemeClr val="accent1"/>
-          </a:fillRef>
-          <a:effectRef idx="0">
-            <a:schemeClr val="accent1"/>
-          </a:effectRef>
-          <a:fontRef idx="minor">
-            <a:schemeClr val="lt1"/>
-          </a:fontRef>
-        </p:style>
-        <p:txBody>
-          <a:bodyPr rtlCol="0" anchor="ctr"/>
-          <a:lstStyle/>
-          <a:p>
-            <a:pPr algn="ctr"/>
-            <a:endParaRPr lang="ko-KR" altLang="en-US" dirty="0"/>
-          </a:p>
-        </p:txBody>
-      </p:sp>
-      <p:sp>
-        <p:nvSpPr>
-          <p:cNvPr id="7" name="TextBox 6">
-            <a:extLst>
-              <a:ext uri="{FF2B5EF4-FFF2-40B4-BE49-F238E27FC236}">
-                <a16:creationId xmlns:a16="http://schemas.microsoft.com/office/drawing/2014/main" id="{982817C4-ACF4-45FB-A018-6E6F872691BC}"/>
-              </a:ext>
-            </a:extLst>
-          </p:cNvPr>
-          <p:cNvSpPr txBox="1"/>
-          <p:nvPr/>
-        </p:nvSpPr>
-        <p:spPr>
-          <a:xfrm>
-            <a:off x="646546" y="255627"/>
-            <a:ext cx="4230254" cy="523220"/>
-          </a:xfrm>
-          <a:prstGeom prst="rect">
-            <a:avLst/>
-          </a:prstGeom>
-          <a:noFill/>
-        </p:spPr>
-        <p:txBody>
-          <a:bodyPr wrap="square" rtlCol="0">
-            <a:spAutoFit/>
-          </a:bodyPr>
-          <a:lstStyle/>
-          <a:p>
-            <a:r>
-              <a:rPr lang="ko-KR" altLang="en-US" sz="2800" b="1" dirty="0"/>
-              <a:t>게임 설명 </a:t>
-            </a:r>
-            <a:r>
-              <a:rPr lang="en-US" altLang="ko-KR" sz="2800" b="1" dirty="0"/>
-              <a:t>( </a:t>
-            </a:r>
-            <a:r>
-              <a:rPr lang="ko-KR" altLang="en-US" sz="2800" b="1" dirty="0"/>
-              <a:t>서버 </a:t>
-            </a:r>
-            <a:r>
-              <a:rPr lang="en-US" altLang="ko-KR" sz="2800" b="1" dirty="0"/>
-              <a:t>UI</a:t>
-            </a:r>
-            <a:r>
-              <a:rPr lang="ko-KR" altLang="en-US" sz="2800" b="1" dirty="0"/>
-              <a:t> </a:t>
-            </a:r>
-            <a:r>
-              <a:rPr lang="en-US" altLang="ko-KR" sz="2800" b="1" dirty="0"/>
-              <a:t>)</a:t>
-            </a:r>
-          </a:p>
-        </p:txBody>
-      </p:sp>
-      <p:cxnSp>
-        <p:nvCxnSpPr>
-          <p:cNvPr id="20" name="직선 연결선 19">
-            <a:extLst>
-              <a:ext uri="{FF2B5EF4-FFF2-40B4-BE49-F238E27FC236}">
-                <a16:creationId xmlns:a16="http://schemas.microsoft.com/office/drawing/2014/main" id="{E99D900C-F3FF-47E2-81D9-472D0E7A922C}"/>
-              </a:ext>
-            </a:extLst>
-          </p:cNvPr>
-          <p:cNvCxnSpPr>
-            <a:cxnSpLocks/>
-          </p:cNvCxnSpPr>
-          <p:nvPr/>
-        </p:nvCxnSpPr>
-        <p:spPr>
-          <a:xfrm>
-            <a:off x="7837711" y="985217"/>
-            <a:ext cx="0" cy="457201"/>
-          </a:xfrm>
-          <a:prstGeom prst="line">
-            <a:avLst/>
-          </a:prstGeom>
-          <a:ln w="28575">
-            <a:solidFill>
-              <a:schemeClr val="tx1"/>
-            </a:solidFill>
-          </a:ln>
-        </p:spPr>
-        <p:style>
-          <a:lnRef idx="1">
-            <a:schemeClr val="accent1"/>
-          </a:lnRef>
-          <a:fillRef idx="0">
-            <a:schemeClr val="accent1"/>
-          </a:fillRef>
-          <a:effectRef idx="0">
-            <a:schemeClr val="accent1"/>
-          </a:effectRef>
-          <a:fontRef idx="minor">
-            <a:schemeClr val="tx1"/>
-          </a:fontRef>
-        </p:style>
-      </p:cxnSp>
-      <p:sp>
-        <p:nvSpPr>
-          <p:cNvPr id="21" name="TextBox 20">
-            <a:extLst>
-              <a:ext uri="{FF2B5EF4-FFF2-40B4-BE49-F238E27FC236}">
-                <a16:creationId xmlns:a16="http://schemas.microsoft.com/office/drawing/2014/main" id="{E7A9A757-488B-4DC7-B326-2A90B71A3AA8}"/>
-              </a:ext>
-            </a:extLst>
-          </p:cNvPr>
-          <p:cNvSpPr txBox="1"/>
-          <p:nvPr/>
-        </p:nvSpPr>
-        <p:spPr>
-          <a:xfrm>
-            <a:off x="5943600" y="1042308"/>
-            <a:ext cx="2034073" cy="400110"/>
-          </a:xfrm>
-          <a:prstGeom prst="rect">
-            <a:avLst/>
-          </a:prstGeom>
-          <a:noFill/>
-        </p:spPr>
-        <p:txBody>
-          <a:bodyPr wrap="square">
-            <a:spAutoFit/>
-          </a:bodyPr>
-          <a:lstStyle/>
-          <a:p>
-            <a:r>
-              <a:rPr lang="ko-KR" altLang="en-US" sz="2000" b="1" dirty="0"/>
-              <a:t>서버 </a:t>
-            </a:r>
-            <a:r>
-              <a:rPr lang="en-US" altLang="ko-KR" sz="2000" b="1" dirty="0"/>
-              <a:t>UI</a:t>
-            </a:r>
-            <a:r>
-              <a:rPr lang="ko-KR" altLang="en-US" sz="2000" b="1" dirty="0"/>
-              <a:t> 순서도</a:t>
-            </a:r>
-            <a:endParaRPr lang="ko-KR" altLang="en-US" sz="2000" dirty="0"/>
-          </a:p>
-        </p:txBody>
-      </p:sp>
-      <p:sp>
-        <p:nvSpPr>
-          <p:cNvPr id="22" name="TextBox 21">
-            <a:extLst>
-              <a:ext uri="{FF2B5EF4-FFF2-40B4-BE49-F238E27FC236}">
-                <a16:creationId xmlns:a16="http://schemas.microsoft.com/office/drawing/2014/main" id="{2365B1A7-8A5F-4376-871C-3CD69C9B50BE}"/>
-              </a:ext>
-            </a:extLst>
-          </p:cNvPr>
-          <p:cNvSpPr txBox="1"/>
-          <p:nvPr/>
-        </p:nvSpPr>
-        <p:spPr>
-          <a:xfrm>
-            <a:off x="1592215" y="1073849"/>
-            <a:ext cx="1300356" cy="400110"/>
-          </a:xfrm>
-          <a:prstGeom prst="rect">
-            <a:avLst/>
-          </a:prstGeom>
-          <a:noFill/>
-        </p:spPr>
-        <p:txBody>
-          <a:bodyPr wrap="none" rtlCol="0">
-            <a:spAutoFit/>
-          </a:bodyPr>
-          <a:lstStyle/>
-          <a:p>
-            <a:r>
-              <a:rPr lang="ko-KR" altLang="en-US" sz="2000" b="1"/>
-              <a:t>메인 화면</a:t>
-            </a:r>
-            <a:endParaRPr lang="ko-KR" altLang="en-US" sz="1600" b="1" dirty="0"/>
-          </a:p>
-        </p:txBody>
-      </p:sp>
-      <p:sp>
-        <p:nvSpPr>
-          <p:cNvPr id="23" name="TextBox 22">
-            <a:extLst>
-              <a:ext uri="{FF2B5EF4-FFF2-40B4-BE49-F238E27FC236}">
-                <a16:creationId xmlns:a16="http://schemas.microsoft.com/office/drawing/2014/main" id="{374418AA-E3B3-4A20-AB7C-7C0A502C5648}"/>
-              </a:ext>
-            </a:extLst>
-          </p:cNvPr>
-          <p:cNvSpPr txBox="1"/>
-          <p:nvPr/>
-        </p:nvSpPr>
-        <p:spPr>
-          <a:xfrm>
-            <a:off x="3087214" y="1062755"/>
-            <a:ext cx="1668545" cy="400110"/>
-          </a:xfrm>
-          <a:prstGeom prst="rect">
-            <a:avLst/>
-          </a:prstGeom>
-          <a:noFill/>
-        </p:spPr>
-        <p:txBody>
-          <a:bodyPr wrap="square" rtlCol="0">
-            <a:spAutoFit/>
-          </a:bodyPr>
-          <a:lstStyle/>
-          <a:p>
-            <a:r>
-              <a:rPr lang="ko-KR" altLang="en-US" sz="2000" b="1" dirty="0"/>
-              <a:t>방 만들기</a:t>
-            </a:r>
-            <a:endParaRPr lang="ko-KR" altLang="en-US" sz="1600" b="1" dirty="0"/>
-          </a:p>
-        </p:txBody>
-      </p:sp>
-      <p:sp>
-        <p:nvSpPr>
-          <p:cNvPr id="24" name="TextBox 23">
-            <a:extLst>
-              <a:ext uri="{FF2B5EF4-FFF2-40B4-BE49-F238E27FC236}">
-                <a16:creationId xmlns:a16="http://schemas.microsoft.com/office/drawing/2014/main" id="{2DE5099A-0118-40F9-BCA2-53F9D48848B5}"/>
-              </a:ext>
-            </a:extLst>
-          </p:cNvPr>
-          <p:cNvSpPr txBox="1"/>
-          <p:nvPr/>
-        </p:nvSpPr>
-        <p:spPr>
-          <a:xfrm>
-            <a:off x="4555109" y="1062755"/>
-            <a:ext cx="1401346" cy="400110"/>
-          </a:xfrm>
-          <a:prstGeom prst="rect">
-            <a:avLst/>
-          </a:prstGeom>
-          <a:noFill/>
-        </p:spPr>
-        <p:txBody>
-          <a:bodyPr wrap="none" rtlCol="0">
-            <a:spAutoFit/>
-          </a:bodyPr>
-          <a:lstStyle/>
-          <a:p>
-            <a:r>
-              <a:rPr lang="ko-KR" altLang="en-US" sz="2000" b="1" dirty="0"/>
-              <a:t>방 설정 </a:t>
-            </a:r>
-            <a:r>
-              <a:rPr lang="en-US" altLang="ko-KR" sz="2000" b="1" dirty="0"/>
-              <a:t>UI</a:t>
-            </a:r>
-            <a:endParaRPr lang="ko-KR" altLang="en-US" sz="1600" b="1" dirty="0"/>
-          </a:p>
-        </p:txBody>
-      </p:sp>
-      <p:sp>
-        <p:nvSpPr>
-          <p:cNvPr id="26" name="텍스트 개체 틀 4">
-            <a:extLst>
-              <a:ext uri="{FF2B5EF4-FFF2-40B4-BE49-F238E27FC236}">
-                <a16:creationId xmlns:a16="http://schemas.microsoft.com/office/drawing/2014/main" id="{5039E2E5-6975-451A-BFDA-F819EF4A5C1A}"/>
-              </a:ext>
-            </a:extLst>
-          </p:cNvPr>
-          <p:cNvSpPr txBox="1">
-            <a:spLocks/>
-          </p:cNvSpPr>
-          <p:nvPr/>
-        </p:nvSpPr>
-        <p:spPr>
-          <a:xfrm>
-            <a:off x="137363" y="1112508"/>
-            <a:ext cx="1256180" cy="312826"/>
-          </a:xfrm>
-          <a:prstGeom prst="rect">
-            <a:avLst/>
-          </a:prstGeom>
-        </p:spPr>
-        <p:txBody>
-          <a:bodyPr vert="horz" lIns="91440" tIns="45720" rIns="91440" bIns="45720" rtlCol="0">
-            <a:normAutofit/>
-          </a:bodyPr>
-          <a:lstStyle>
-            <a:lvl1pPr marL="0" indent="0" algn="ctr" defTabSz="914400" rtl="0" eaLnBrk="1" latinLnBrk="1" hangingPunct="1">
-              <a:lnSpc>
-                <a:spcPct val="90000"/>
-              </a:lnSpc>
-              <a:spcBef>
-                <a:spcPts val="1000"/>
-              </a:spcBef>
-              <a:buFont typeface="Arial" panose="020B0604020202020204" pitchFamily="34" charset="0"/>
-              <a:buNone/>
-              <a:defRPr sz="1600" kern="1200">
-                <a:solidFill>
-                  <a:schemeClr val="tx1"/>
-                </a:solidFill>
-                <a:latin typeface="+mn-lt"/>
-                <a:ea typeface="+mn-ea"/>
-                <a:cs typeface="+mn-cs"/>
-              </a:defRPr>
-            </a:lvl1pPr>
-            <a:lvl2pPr marL="685800" indent="-228600" algn="l" defTabSz="914400" rtl="0" eaLnBrk="1" latinLnBrk="1" hangingPunct="1">
-              <a:lnSpc>
-                <a:spcPct val="90000"/>
-              </a:lnSpc>
-              <a:spcBef>
-                <a:spcPts val="500"/>
-              </a:spcBef>
-              <a:buFont typeface="Arial" panose="020B0604020202020204" pitchFamily="34" charset="0"/>
-              <a:buChar char="•"/>
-              <a:defRPr sz="2400" kern="1200">
-                <a:solidFill>
-                  <a:schemeClr val="tx1"/>
-                </a:solidFill>
-                <a:latin typeface="+mn-lt"/>
-                <a:ea typeface="+mn-ea"/>
-                <a:cs typeface="+mn-cs"/>
-              </a:defRPr>
-            </a:lvl2pPr>
-            <a:lvl3pPr marL="1143000" indent="-228600" algn="l" defTabSz="914400" rtl="0" eaLnBrk="1" latinLnBrk="1" hangingPunct="1">
-              <a:lnSpc>
-                <a:spcPct val="90000"/>
-              </a:lnSpc>
-              <a:spcBef>
-                <a:spcPts val="500"/>
-              </a:spcBef>
-              <a:buFont typeface="Arial" panose="020B0604020202020204" pitchFamily="34" charset="0"/>
-              <a:buChar char="•"/>
-              <a:defRPr sz="2000" kern="1200">
-                <a:solidFill>
-                  <a:schemeClr val="tx1"/>
-                </a:solidFill>
-                <a:latin typeface="+mn-lt"/>
-                <a:ea typeface="+mn-ea"/>
-                <a:cs typeface="+mn-cs"/>
-              </a:defRPr>
-            </a:lvl3pPr>
-            <a:lvl4pPr marL="1600200" indent="-228600" algn="l" defTabSz="914400" rtl="0" eaLnBrk="1" latinLnBrk="1" hangingPunct="1">
-              <a:lnSpc>
-                <a:spcPct val="90000"/>
-              </a:lnSpc>
-              <a:spcBef>
-                <a:spcPts val="500"/>
-              </a:spcBef>
-              <a:buFont typeface="Arial" panose="020B0604020202020204" pitchFamily="34" charset="0"/>
-              <a:buChar char="•"/>
-              <a:defRPr sz="1800" kern="1200">
-                <a:solidFill>
-                  <a:schemeClr val="tx1"/>
-                </a:solidFill>
-                <a:latin typeface="+mn-lt"/>
-                <a:ea typeface="+mn-ea"/>
-                <a:cs typeface="+mn-cs"/>
-              </a:defRPr>
-            </a:lvl4pPr>
-            <a:lvl5pPr marL="2057400" indent="-228600" algn="l" defTabSz="914400" rtl="0" eaLnBrk="1" latinLnBrk="1" hangingPunct="1">
-              <a:lnSpc>
-                <a:spcPct val="90000"/>
-              </a:lnSpc>
-              <a:spcBef>
-                <a:spcPts val="500"/>
-              </a:spcBef>
-              <a:buFont typeface="Arial" panose="020B0604020202020204" pitchFamily="34" charset="0"/>
-              <a:buChar char="•"/>
-              <a:defRPr sz="1800" kern="1200">
-                <a:solidFill>
-                  <a:schemeClr val="tx1"/>
-                </a:solidFill>
-                <a:latin typeface="+mn-lt"/>
-                <a:ea typeface="+mn-ea"/>
-                <a:cs typeface="+mn-cs"/>
-              </a:defRPr>
-            </a:lvl5pPr>
-            <a:lvl6pPr marL="2514600" indent="-228600" algn="l" defTabSz="914400" rtl="0" eaLnBrk="1" latinLnBrk="1" hangingPunct="1">
-              <a:lnSpc>
-                <a:spcPct val="90000"/>
-              </a:lnSpc>
-              <a:spcBef>
-                <a:spcPts val="500"/>
-              </a:spcBef>
-              <a:buFont typeface="Arial" panose="020B0604020202020204" pitchFamily="34" charset="0"/>
-              <a:buChar char="•"/>
-              <a:defRPr sz="1800" kern="1200">
-                <a:solidFill>
-                  <a:schemeClr val="tx1"/>
-                </a:solidFill>
-                <a:latin typeface="+mn-lt"/>
-                <a:ea typeface="+mn-ea"/>
-                <a:cs typeface="+mn-cs"/>
-              </a:defRPr>
-            </a:lvl6pPr>
-            <a:lvl7pPr marL="2971800" indent="-228600" algn="l" defTabSz="914400" rtl="0" eaLnBrk="1" latinLnBrk="1" hangingPunct="1">
-              <a:lnSpc>
-                <a:spcPct val="90000"/>
-              </a:lnSpc>
-              <a:spcBef>
-                <a:spcPts val="500"/>
-              </a:spcBef>
-              <a:buFont typeface="Arial" panose="020B0604020202020204" pitchFamily="34" charset="0"/>
-              <a:buChar char="•"/>
-              <a:defRPr sz="1800" kern="1200">
-                <a:solidFill>
-                  <a:schemeClr val="tx1"/>
-                </a:solidFill>
-                <a:latin typeface="+mn-lt"/>
-                <a:ea typeface="+mn-ea"/>
-                <a:cs typeface="+mn-cs"/>
-              </a:defRPr>
-            </a:lvl7pPr>
-            <a:lvl8pPr marL="3429000" indent="-228600" algn="l" defTabSz="914400" rtl="0" eaLnBrk="1" latinLnBrk="1" hangingPunct="1">
-              <a:lnSpc>
-                <a:spcPct val="90000"/>
-              </a:lnSpc>
-              <a:spcBef>
-                <a:spcPts val="500"/>
-              </a:spcBef>
-              <a:buFont typeface="Arial" panose="020B0604020202020204" pitchFamily="34" charset="0"/>
-              <a:buChar char="•"/>
-              <a:defRPr sz="1800" kern="1200">
-                <a:solidFill>
-                  <a:schemeClr val="tx1"/>
-                </a:solidFill>
-                <a:latin typeface="+mn-lt"/>
-                <a:ea typeface="+mn-ea"/>
-                <a:cs typeface="+mn-cs"/>
-              </a:defRPr>
-            </a:lvl8pPr>
-            <a:lvl9pPr marL="3886200" indent="-228600" algn="l" defTabSz="914400" rtl="0" eaLnBrk="1" latinLnBrk="1" hangingPunct="1">
-              <a:lnSpc>
-                <a:spcPct val="90000"/>
-              </a:lnSpc>
-              <a:spcBef>
-                <a:spcPts val="500"/>
-              </a:spcBef>
-              <a:buFont typeface="Arial" panose="020B0604020202020204" pitchFamily="34" charset="0"/>
-              <a:buChar char="•"/>
-              <a:defRPr sz="1800" kern="1200">
-                <a:solidFill>
-                  <a:schemeClr val="tx1"/>
-                </a:solidFill>
-                <a:latin typeface="+mn-lt"/>
-                <a:ea typeface="+mn-ea"/>
-                <a:cs typeface="+mn-cs"/>
-              </a:defRPr>
-            </a:lvl9pPr>
-          </a:lstStyle>
-          <a:p>
-            <a:r>
-              <a:rPr lang="ko-KR" altLang="en-US" b="1"/>
-              <a:t>로그인 </a:t>
-            </a:r>
-            <a:r>
-              <a:rPr lang="en-US" altLang="ko-KR" b="1"/>
-              <a:t>UI</a:t>
-            </a:r>
-            <a:endParaRPr lang="ko-KR" altLang="en-US" b="1" dirty="0"/>
-          </a:p>
-        </p:txBody>
-      </p:sp>
       <p:pic>
         <p:nvPicPr>
           <p:cNvPr id="6" name="그림 5">
@@ -6234,7 +5279,7 @@
 </p:sld>
 </file>
 
-<file path=ppt/slides/slide4.xml><?xml version="1.0" encoding="utf-8"?>
+<file path=ppt/slides/slide3.xml><?xml version="1.0" encoding="utf-8"?>
 <p:sld xmlns:a="http://schemas.openxmlformats.org/drawingml/2006/main" xmlns:r="http://schemas.openxmlformats.org/officeDocument/2006/relationships" xmlns:p="http://schemas.openxmlformats.org/presentationml/2006/main">
   <p:cSld>
     <p:spTree>
@@ -9746,7 +8791,7 @@
 </p:sld>
 </file>
 
-<file path=ppt/slides/slide5.xml><?xml version="1.0" encoding="utf-8"?>
+<file path=ppt/slides/slide4.xml><?xml version="1.0" encoding="utf-8"?>
 <p:sld xmlns:a="http://schemas.openxmlformats.org/drawingml/2006/main" xmlns:r="http://schemas.openxmlformats.org/officeDocument/2006/relationships" xmlns:p="http://schemas.openxmlformats.org/presentationml/2006/main">
   <p:cSld>
     <p:spTree>
@@ -11422,7 +10467,7 @@
 </p:sld>
 </file>
 
-<file path=ppt/slides/slide6.xml><?xml version="1.0" encoding="utf-8"?>
+<file path=ppt/slides/slide5.xml><?xml version="1.0" encoding="utf-8"?>
 <p:sld xmlns:a="http://schemas.openxmlformats.org/drawingml/2006/main" xmlns:r="http://schemas.openxmlformats.org/officeDocument/2006/relationships" xmlns:p="http://schemas.openxmlformats.org/presentationml/2006/main">
   <p:cSld>
     <p:bg>
